--- a/KüzdőKert.pptx
+++ b/KüzdőKert.pptx
@@ -20,7 +20,8 @@
     <p:sldId id="263" r:id="rId14"/>
     <p:sldId id="264" r:id="rId15"/>
     <p:sldId id="266" r:id="rId16"/>
-    <p:sldId id="267" r:id="rId17"/>
+    <p:sldId id="275" r:id="rId17"/>
+    <p:sldId id="267" r:id="rId18"/>
   </p:sldIdLst>
   <p:sldSz cx="12192000" cy="6858000"/>
   <p:notesSz cx="6858000" cy="9144000"/>
@@ -340,7 +341,7 @@
             <a:fld id="{5923F103-BC34-4FE4-A40E-EDDEECFDA5D0}" type="datetimeFigureOut">
               <a:rPr lang="en-US" smtClean="0"/>
               <a:pPr/>
-              <a:t>4/9/2025</a:t>
+              <a:t>4/10/2025</a:t>
             </a:fld>
             <a:endParaRPr lang="en-US" dirty="0"/>
           </a:p>
@@ -616,7 +617,7 @@
           <a:p>
             <a:fld id="{2BE451C3-0FF4-47C4-B829-773ADF60F88C}" type="datetimeFigureOut">
               <a:rPr lang="en-US" smtClean="0"/>
-              <a:t>4/9/2025</a:t>
+              <a:t>4/10/2025</a:t>
             </a:fld>
             <a:endParaRPr lang="en-US" dirty="0"/>
           </a:p>
@@ -812,7 +813,7 @@
           <a:p>
             <a:fld id="{2BE451C3-0FF4-47C4-B829-773ADF60F88C}" type="datetimeFigureOut">
               <a:rPr lang="en-US" smtClean="0"/>
-              <a:t>4/9/2025</a:t>
+              <a:t>4/10/2025</a:t>
             </a:fld>
             <a:endParaRPr lang="en-US" dirty="0"/>
           </a:p>
@@ -1087,7 +1088,7 @@
           <a:p>
             <a:fld id="{2BE451C3-0FF4-47C4-B829-773ADF60F88C}" type="datetimeFigureOut">
               <a:rPr lang="en-US" smtClean="0"/>
-              <a:t>4/9/2025</a:t>
+              <a:t>4/10/2025</a:t>
             </a:fld>
             <a:endParaRPr lang="en-US" dirty="0"/>
           </a:p>
@@ -1430,7 +1431,7 @@
           <a:p>
             <a:fld id="{2BE451C3-0FF4-47C4-B829-773ADF60F88C}" type="datetimeFigureOut">
               <a:rPr lang="en-US" smtClean="0"/>
-              <a:t>4/9/2025</a:t>
+              <a:t>4/10/2025</a:t>
             </a:fld>
             <a:endParaRPr lang="en-US" dirty="0"/>
           </a:p>
@@ -2055,7 +2056,7 @@
           <a:p>
             <a:fld id="{9FE86839-B9D8-4651-8783-F325ECE74E65}" type="datetimeFigureOut">
               <a:rPr lang="en-US" smtClean="0"/>
-              <a:t>4/9/2025</a:t>
+              <a:t>4/10/2025</a:t>
             </a:fld>
             <a:endParaRPr lang="en-US" dirty="0"/>
           </a:p>
@@ -2916,7 +2917,7 @@
           <a:p>
             <a:fld id="{2BE451C3-0FF4-47C4-B829-773ADF60F88C}" type="datetimeFigureOut">
               <a:rPr lang="en-US" smtClean="0"/>
-              <a:t>4/9/2025</a:t>
+              <a:t>4/10/2025</a:t>
             </a:fld>
             <a:endParaRPr lang="en-US" dirty="0"/>
           </a:p>
@@ -3088,7 +3089,7 @@
           <a:p>
             <a:fld id="{53086D93-FCAC-47E0-A2EE-787E62CA814C}" type="datetimeFigureOut">
               <a:rPr lang="en-US" smtClean="0"/>
-              <a:t>4/9/2025</a:t>
+              <a:t>4/10/2025</a:t>
             </a:fld>
             <a:endParaRPr lang="en-US" dirty="0"/>
           </a:p>
@@ -3269,7 +3270,7 @@
           <a:p>
             <a:fld id="{CDA879A6-0FD0-4734-A311-86BFCA472E6E}" type="datetimeFigureOut">
               <a:rPr lang="en-US" smtClean="0"/>
-              <a:t>4/9/2025</a:t>
+              <a:t>4/10/2025</a:t>
             </a:fld>
             <a:endParaRPr lang="en-US" dirty="0"/>
           </a:p>
@@ -3440,7 +3441,7 @@
           <a:p>
             <a:fld id="{19C9CA7B-DFD4-44B5-8C60-D14B8CD1FB59}" type="datetimeFigureOut">
               <a:rPr lang="en-US" smtClean="0"/>
-              <a:t>4/9/2025</a:t>
+              <a:t>4/10/2025</a:t>
             </a:fld>
             <a:endParaRPr lang="en-US" dirty="0"/>
           </a:p>
@@ -3688,7 +3689,7 @@
           <a:p>
             <a:fld id="{F34E6425-0181-43F2-84FC-787E803FD2F8}" type="datetimeFigureOut">
               <a:rPr lang="en-US" smtClean="0"/>
-              <a:t>4/9/2025</a:t>
+              <a:t>4/10/2025</a:t>
             </a:fld>
             <a:endParaRPr lang="en-US" dirty="0"/>
           </a:p>
@@ -3981,7 +3982,7 @@
           <a:p>
             <a:fld id="{3BDB8791-F1B0-41E7-B7FD-A781E65C4266}" type="datetimeFigureOut">
               <a:rPr lang="en-US" smtClean="0"/>
-              <a:t>4/9/2025</a:t>
+              <a:t>4/10/2025</a:t>
             </a:fld>
             <a:endParaRPr lang="en-US" dirty="0"/>
           </a:p>
@@ -4426,7 +4427,7 @@
           <a:p>
             <a:fld id="{5FDD63B2-E120-4ED8-B27B-C685F510A5FE}" type="datetimeFigureOut">
               <a:rPr lang="en-US" smtClean="0"/>
-              <a:t>4/9/2025</a:t>
+              <a:t>4/10/2025</a:t>
             </a:fld>
             <a:endParaRPr lang="en-US" dirty="0"/>
           </a:p>
@@ -4545,7 +4546,7 @@
           <a:p>
             <a:fld id="{7AA18ACC-A947-437B-A130-35BD54FDF1E9}" type="datetimeFigureOut">
               <a:rPr lang="en-US" smtClean="0"/>
-              <a:t>4/9/2025</a:t>
+              <a:t>4/10/2025</a:t>
             </a:fld>
             <a:endParaRPr lang="en-US" dirty="0"/>
           </a:p>
@@ -4641,7 +4642,7 @@
           <a:p>
             <a:fld id="{7C8D7E02-BCB8-4D50-A234-369438C08659}" type="datetimeFigureOut">
               <a:rPr lang="en-US" smtClean="0"/>
-              <a:t>4/9/2025</a:t>
+              <a:t>4/10/2025</a:t>
             </a:fld>
             <a:endParaRPr lang="en-US" dirty="0"/>
           </a:p>
@@ -4921,7 +4922,7 @@
           <a:p>
             <a:fld id="{76E86A4C-8E40-4F87-A4F0-01A0687C5742}" type="datetimeFigureOut">
               <a:rPr lang="en-US" smtClean="0"/>
-              <a:t>4/9/2025</a:t>
+              <a:t>4/10/2025</a:t>
             </a:fld>
             <a:endParaRPr lang="en-US" dirty="0"/>
           </a:p>
@@ -5197,7 +5198,7 @@
           <a:p>
             <a:fld id="{35E72C73-2D91-4E12-BA25-F0AA0C03599B}" type="datetimeFigureOut">
               <a:rPr lang="en-US" smtClean="0"/>
-              <a:t>4/9/2025</a:t>
+              <a:t>4/10/2025</a:t>
             </a:fld>
             <a:endParaRPr lang="en-US" dirty="0"/>
           </a:p>
@@ -5627,7 +5628,7 @@
           <a:p>
             <a:fld id="{2BE451C3-0FF4-47C4-B829-773ADF60F88C}" type="datetimeFigureOut">
               <a:rPr lang="en-US" smtClean="0"/>
-              <a:t>4/9/2025</a:t>
+              <a:t>4/10/2025</a:t>
             </a:fld>
             <a:endParaRPr lang="en-US" dirty="0"/>
           </a:p>
@@ -6579,9 +6580,10 @@
           <a:lstStyle/>
           <a:p>
             <a:r>
-              <a:rPr lang="hu-HU" dirty="0"/>
-              <a:t>Adatbázis</a:t>
-            </a:r>
+              <a:rPr lang="hu-HU" dirty="0" err="1"/>
+              <a:t>Database</a:t>
+            </a:r>
+            <a:endParaRPr lang="hu-HU" dirty="0"/>
           </a:p>
         </p:txBody>
       </p:sp>
@@ -6671,6 +6673,42 @@
           </a:extLst>
         </p:spPr>
       </p:pic>
+      <p:sp>
+        <p:nvSpPr>
+          <p:cNvPr id="3" name="Szövegdoboz 2">
+            <a:extLst>
+              <a:ext uri="{FF2B5EF4-FFF2-40B4-BE49-F238E27FC236}">
+                <a16:creationId xmlns:a16="http://schemas.microsoft.com/office/drawing/2014/main" id="{D97AB80D-3180-4A01-9F49-25F43A599A72}"/>
+              </a:ext>
+            </a:extLst>
+          </p:cNvPr>
+          <p:cNvSpPr txBox="1"/>
+          <p:nvPr/>
+        </p:nvSpPr>
+        <p:spPr>
+          <a:xfrm>
+            <a:off x="357051" y="1715589"/>
+            <a:ext cx="1515292" cy="3416320"/>
+          </a:xfrm>
+          <a:prstGeom prst="rect">
+            <a:avLst/>
+          </a:prstGeom>
+          <a:noFill/>
+        </p:spPr>
+        <p:txBody>
+          <a:bodyPr wrap="square" rtlCol="0">
+            <a:spAutoFit/>
+          </a:bodyPr>
+          <a:lstStyle/>
+          <a:p>
+            <a:r>
+              <a:rPr lang="en-US" dirty="0"/>
+              <a:t>Here is our database, containing all 11 tables, populated with data and connected to the necessary tables.</a:t>
+            </a:r>
+            <a:endParaRPr lang="hu-HU" dirty="0"/>
+          </a:p>
+        </p:txBody>
+      </p:sp>
     </p:spTree>
     <p:extLst>
       <p:ext uri="{BB962C8B-B14F-4D97-AF65-F5344CB8AC3E}">
@@ -6705,7 +6743,7 @@
                             </p:stCondLst>
                             <p:childTnLst>
                               <p:par>
-                                <p:cTn id="5" presetID="16" presetClass="entr" presetSubtype="21" fill="hold" nodeType="clickEffect">
+                                <p:cTn id="5" presetID="42" presetClass="entr" presetSubtype="0" fill="hold" grpId="0" nodeType="clickEffect">
                                   <p:stCondLst>
                                     <p:cond delay="0"/>
                                   </p:stCondLst>
@@ -6718,7 +6756,7 @@
                                           </p:stCondLst>
                                         </p:cTn>
                                         <p:tgtEl>
-                                          <p:spTgt spid="1026"/>
+                                          <p:spTgt spid="3"/>
                                         </p:tgtEl>
                                         <p:attrNameLst>
                                           <p:attrName>style.visibility</p:attrName>
@@ -6728,9 +6766,108 @@
                                         <p:strVal val="visible"/>
                                       </p:to>
                                     </p:set>
-                                    <p:animEffect transition="in" filter="barn(inVertical)">
-                                      <p:cBhvr>
-                                        <p:cTn id="7" dur="500"/>
+                                    <p:animEffect transition="in" filter="fade">
+                                      <p:cBhvr>
+                                        <p:cTn id="7" dur="1000"/>
+                                        <p:tgtEl>
+                                          <p:spTgt spid="3"/>
+                                        </p:tgtEl>
+                                      </p:cBhvr>
+                                    </p:animEffect>
+                                    <p:anim calcmode="lin" valueType="num">
+                                      <p:cBhvr>
+                                        <p:cTn id="8" dur="1000" fill="hold"/>
+                                        <p:tgtEl>
+                                          <p:spTgt spid="3"/>
+                                        </p:tgtEl>
+                                        <p:attrNameLst>
+                                          <p:attrName>ppt_x</p:attrName>
+                                        </p:attrNameLst>
+                                      </p:cBhvr>
+                                      <p:tavLst>
+                                        <p:tav tm="0">
+                                          <p:val>
+                                            <p:strVal val="#ppt_x"/>
+                                          </p:val>
+                                        </p:tav>
+                                        <p:tav tm="100000">
+                                          <p:val>
+                                            <p:strVal val="#ppt_x"/>
+                                          </p:val>
+                                        </p:tav>
+                                      </p:tavLst>
+                                    </p:anim>
+                                    <p:anim calcmode="lin" valueType="num">
+                                      <p:cBhvr>
+                                        <p:cTn id="9" dur="1000" fill="hold"/>
+                                        <p:tgtEl>
+                                          <p:spTgt spid="3"/>
+                                        </p:tgtEl>
+                                        <p:attrNameLst>
+                                          <p:attrName>ppt_y</p:attrName>
+                                        </p:attrNameLst>
+                                      </p:cBhvr>
+                                      <p:tavLst>
+                                        <p:tav tm="0">
+                                          <p:val>
+                                            <p:strVal val="#ppt_y+.1"/>
+                                          </p:val>
+                                        </p:tav>
+                                        <p:tav tm="100000">
+                                          <p:val>
+                                            <p:strVal val="#ppt_y"/>
+                                          </p:val>
+                                        </p:tav>
+                                      </p:tavLst>
+                                    </p:anim>
+                                  </p:childTnLst>
+                                </p:cTn>
+                              </p:par>
+                            </p:childTnLst>
+                          </p:cTn>
+                        </p:par>
+                      </p:childTnLst>
+                    </p:cTn>
+                  </p:par>
+                  <p:par>
+                    <p:cTn id="10" fill="hold">
+                      <p:stCondLst>
+                        <p:cond delay="indefinite"/>
+                      </p:stCondLst>
+                      <p:childTnLst>
+                        <p:par>
+                          <p:cTn id="11" fill="hold">
+                            <p:stCondLst>
+                              <p:cond delay="0"/>
+                            </p:stCondLst>
+                            <p:childTnLst>
+                              <p:par>
+                                <p:cTn id="12" presetID="21" presetClass="entr" presetSubtype="1" fill="hold" nodeType="clickEffect">
+                                  <p:stCondLst>
+                                    <p:cond delay="0"/>
+                                  </p:stCondLst>
+                                  <p:childTnLst>
+                                    <p:set>
+                                      <p:cBhvr>
+                                        <p:cTn id="13" dur="1" fill="hold">
+                                          <p:stCondLst>
+                                            <p:cond delay="0"/>
+                                          </p:stCondLst>
+                                        </p:cTn>
+                                        <p:tgtEl>
+                                          <p:spTgt spid="1026"/>
+                                        </p:tgtEl>
+                                        <p:attrNameLst>
+                                          <p:attrName>style.visibility</p:attrName>
+                                        </p:attrNameLst>
+                                      </p:cBhvr>
+                                      <p:to>
+                                        <p:strVal val="visible"/>
+                                      </p:to>
+                                    </p:set>
+                                    <p:animEffect transition="in" filter="wheel(1)">
+                                      <p:cBhvr>
+                                        <p:cTn id="14" dur="2000"/>
                                         <p:tgtEl>
                                           <p:spTgt spid="1026"/>
                                         </p:tgtEl>
@@ -6766,6 +6903,9 @@
         </p:cTn>
       </p:par>
     </p:tnLst>
+    <p:bldLst>
+      <p:bldP spid="3" grpId="0"/>
+    </p:bldLst>
   </p:timing>
 </p:sld>
 </file>
@@ -11577,6 +11717,160 @@
 </file>
 
 <file path=ppt/slides/slide16.xml><?xml version="1.0" encoding="utf-8"?>
+<p:sld xmlns:a="http://schemas.openxmlformats.org/drawingml/2006/main" xmlns:r="http://schemas.openxmlformats.org/officeDocument/2006/relationships" xmlns:p="http://schemas.openxmlformats.org/presentationml/2006/main">
+  <p:cSld>
+    <p:spTree>
+      <p:nvGrpSpPr>
+        <p:cNvPr id="1" name=""/>
+        <p:cNvGrpSpPr/>
+        <p:nvPr/>
+      </p:nvGrpSpPr>
+      <p:grpSpPr>
+        <a:xfrm>
+          <a:off x="0" y="0"/>
+          <a:ext cx="0" cy="0"/>
+          <a:chOff x="0" y="0"/>
+          <a:chExt cx="0" cy="0"/>
+        </a:xfrm>
+      </p:grpSpPr>
+      <p:sp>
+        <p:nvSpPr>
+          <p:cNvPr id="2" name="Cím 1">
+            <a:extLst>
+              <a:ext uri="{FF2B5EF4-FFF2-40B4-BE49-F238E27FC236}">
+                <a16:creationId xmlns:a16="http://schemas.microsoft.com/office/drawing/2014/main" id="{75CCACA6-5FEF-4865-9875-3037C61DF825}"/>
+              </a:ext>
+            </a:extLst>
+          </p:cNvPr>
+          <p:cNvSpPr>
+            <a:spLocks noGrp="1"/>
+          </p:cNvSpPr>
+          <p:nvPr>
+            <p:ph type="title"/>
+          </p:nvPr>
+        </p:nvSpPr>
+        <p:spPr/>
+        <p:txBody>
+          <a:bodyPr/>
+          <a:lstStyle/>
+          <a:p>
+            <a:r>
+              <a:rPr lang="hu-HU" dirty="0" err="1"/>
+              <a:t>Task</a:t>
+            </a:r>
+            <a:r>
+              <a:rPr lang="hu-HU" dirty="0"/>
+              <a:t> </a:t>
+            </a:r>
+            <a:r>
+              <a:rPr lang="hu-HU" dirty="0" err="1"/>
+              <a:t>assignment</a:t>
+            </a:r>
+            <a:endParaRPr lang="hu-HU" dirty="0"/>
+          </a:p>
+        </p:txBody>
+      </p:sp>
+      <p:sp>
+        <p:nvSpPr>
+          <p:cNvPr id="3" name="Tartalom helye 2">
+            <a:extLst>
+              <a:ext uri="{FF2B5EF4-FFF2-40B4-BE49-F238E27FC236}">
+                <a16:creationId xmlns:a16="http://schemas.microsoft.com/office/drawing/2014/main" id="{79E21700-416A-4A84-ADE4-6416935D5EB2}"/>
+              </a:ext>
+            </a:extLst>
+          </p:cNvPr>
+          <p:cNvSpPr>
+            <a:spLocks noGrp="1"/>
+          </p:cNvSpPr>
+          <p:nvPr>
+            <p:ph idx="1"/>
+          </p:nvPr>
+        </p:nvSpPr>
+        <p:spPr/>
+        <p:txBody>
+          <a:bodyPr/>
+          <a:lstStyle/>
+          <a:p>
+            <a:endParaRPr lang="en-US" dirty="0"/>
+          </a:p>
+          <a:p>
+            <a:r>
+              <a:rPr lang="en-US" dirty="0"/>
+              <a:t>Ric</a:t>
+            </a:r>
+            <a:r>
+              <a:rPr lang="hu-HU" dirty="0"/>
+              <a:t>h</a:t>
+            </a:r>
+            <a:r>
+              <a:rPr lang="en-US" dirty="0" err="1"/>
+              <a:t>árd</a:t>
+            </a:r>
+            <a:r>
+              <a:rPr lang="en-US" dirty="0"/>
+              <a:t> </a:t>
+            </a:r>
+            <a:r>
+              <a:rPr lang="en-US" dirty="0" err="1"/>
+              <a:t>Mózer</a:t>
+            </a:r>
+            <a:r>
+              <a:rPr lang="en-US" dirty="0"/>
+              <a:t> was responsible for the frontend and API integration.</a:t>
+            </a:r>
+          </a:p>
+          <a:p>
+            <a:endParaRPr lang="en-US" dirty="0"/>
+          </a:p>
+          <a:p>
+            <a:r>
+              <a:rPr lang="en-US" dirty="0"/>
+              <a:t>Márk Pekny was responsible for the design, frontend design, finding images and texts, and preparing the PPT.</a:t>
+            </a:r>
+          </a:p>
+          <a:p>
+            <a:endParaRPr lang="en-US" dirty="0"/>
+          </a:p>
+          <a:p>
+            <a:r>
+              <a:rPr lang="en-US" dirty="0"/>
+              <a:t>Marcell </a:t>
+            </a:r>
+            <a:r>
+              <a:rPr lang="en-US" dirty="0" err="1"/>
+              <a:t>Rapcsák</a:t>
+            </a:r>
+            <a:r>
+              <a:rPr lang="en-US" dirty="0"/>
+              <a:t> was responsible for the backend and the database.</a:t>
+            </a:r>
+          </a:p>
+          <a:p>
+            <a:endParaRPr lang="en-US" dirty="0"/>
+          </a:p>
+          <a:p>
+            <a:r>
+              <a:rPr lang="en-US" dirty="0"/>
+              <a:t>We divided the documentation equally among ourselves.</a:t>
+            </a:r>
+            <a:endParaRPr lang="hu-HU" dirty="0"/>
+          </a:p>
+        </p:txBody>
+      </p:sp>
+    </p:spTree>
+    <p:extLst>
+      <p:ext uri="{BB962C8B-B14F-4D97-AF65-F5344CB8AC3E}">
+        <p14:creationId xmlns:p14="http://schemas.microsoft.com/office/powerpoint/2010/main" val="2170988426"/>
+      </p:ext>
+    </p:extLst>
+  </p:cSld>
+  <p:clrMapOvr>
+    <a:masterClrMapping/>
+  </p:clrMapOvr>
+</p:sld>
+</file>
+
+<file path=ppt/slides/slide17.xml><?xml version="1.0" encoding="utf-8"?>
 <p:sld xmlns:a="http://schemas.openxmlformats.org/drawingml/2006/main" xmlns:r="http://schemas.openxmlformats.org/officeDocument/2006/relationships" xmlns:p="http://schemas.openxmlformats.org/presentationml/2006/main">
   <p:cSld>
     <p:spTree>

--- a/KüzdőKert.pptx
+++ b/KüzdőKert.pptx
@@ -341,7 +341,7 @@
             <a:fld id="{5923F103-BC34-4FE4-A40E-EDDEECFDA5D0}" type="datetimeFigureOut">
               <a:rPr lang="en-US" smtClean="0"/>
               <a:pPr/>
-              <a:t>4/10/2025</a:t>
+              <a:t>4/19/2025</a:t>
             </a:fld>
             <a:endParaRPr lang="en-US" dirty="0"/>
           </a:p>
@@ -617,7 +617,7 @@
           <a:p>
             <a:fld id="{2BE451C3-0FF4-47C4-B829-773ADF60F88C}" type="datetimeFigureOut">
               <a:rPr lang="en-US" smtClean="0"/>
-              <a:t>4/10/2025</a:t>
+              <a:t>4/19/2025</a:t>
             </a:fld>
             <a:endParaRPr lang="en-US" dirty="0"/>
           </a:p>
@@ -813,7 +813,7 @@
           <a:p>
             <a:fld id="{2BE451C3-0FF4-47C4-B829-773ADF60F88C}" type="datetimeFigureOut">
               <a:rPr lang="en-US" smtClean="0"/>
-              <a:t>4/10/2025</a:t>
+              <a:t>4/19/2025</a:t>
             </a:fld>
             <a:endParaRPr lang="en-US" dirty="0"/>
           </a:p>
@@ -1088,7 +1088,7 @@
           <a:p>
             <a:fld id="{2BE451C3-0FF4-47C4-B829-773ADF60F88C}" type="datetimeFigureOut">
               <a:rPr lang="en-US" smtClean="0"/>
-              <a:t>4/10/2025</a:t>
+              <a:t>4/19/2025</a:t>
             </a:fld>
             <a:endParaRPr lang="en-US" dirty="0"/>
           </a:p>
@@ -1431,7 +1431,7 @@
           <a:p>
             <a:fld id="{2BE451C3-0FF4-47C4-B829-773ADF60F88C}" type="datetimeFigureOut">
               <a:rPr lang="en-US" smtClean="0"/>
-              <a:t>4/10/2025</a:t>
+              <a:t>4/19/2025</a:t>
             </a:fld>
             <a:endParaRPr lang="en-US" dirty="0"/>
           </a:p>
@@ -2056,7 +2056,7 @@
           <a:p>
             <a:fld id="{9FE86839-B9D8-4651-8783-F325ECE74E65}" type="datetimeFigureOut">
               <a:rPr lang="en-US" smtClean="0"/>
-              <a:t>4/10/2025</a:t>
+              <a:t>4/19/2025</a:t>
             </a:fld>
             <a:endParaRPr lang="en-US" dirty="0"/>
           </a:p>
@@ -2917,7 +2917,7 @@
           <a:p>
             <a:fld id="{2BE451C3-0FF4-47C4-B829-773ADF60F88C}" type="datetimeFigureOut">
               <a:rPr lang="en-US" smtClean="0"/>
-              <a:t>4/10/2025</a:t>
+              <a:t>4/19/2025</a:t>
             </a:fld>
             <a:endParaRPr lang="en-US" dirty="0"/>
           </a:p>
@@ -3089,7 +3089,7 @@
           <a:p>
             <a:fld id="{53086D93-FCAC-47E0-A2EE-787E62CA814C}" type="datetimeFigureOut">
               <a:rPr lang="en-US" smtClean="0"/>
-              <a:t>4/10/2025</a:t>
+              <a:t>4/19/2025</a:t>
             </a:fld>
             <a:endParaRPr lang="en-US" dirty="0"/>
           </a:p>
@@ -3270,7 +3270,7 @@
           <a:p>
             <a:fld id="{CDA879A6-0FD0-4734-A311-86BFCA472E6E}" type="datetimeFigureOut">
               <a:rPr lang="en-US" smtClean="0"/>
-              <a:t>4/10/2025</a:t>
+              <a:t>4/19/2025</a:t>
             </a:fld>
             <a:endParaRPr lang="en-US" dirty="0"/>
           </a:p>
@@ -3441,7 +3441,7 @@
           <a:p>
             <a:fld id="{19C9CA7B-DFD4-44B5-8C60-D14B8CD1FB59}" type="datetimeFigureOut">
               <a:rPr lang="en-US" smtClean="0"/>
-              <a:t>4/10/2025</a:t>
+              <a:t>4/19/2025</a:t>
             </a:fld>
             <a:endParaRPr lang="en-US" dirty="0"/>
           </a:p>
@@ -3689,7 +3689,7 @@
           <a:p>
             <a:fld id="{F34E6425-0181-43F2-84FC-787E803FD2F8}" type="datetimeFigureOut">
               <a:rPr lang="en-US" smtClean="0"/>
-              <a:t>4/10/2025</a:t>
+              <a:t>4/19/2025</a:t>
             </a:fld>
             <a:endParaRPr lang="en-US" dirty="0"/>
           </a:p>
@@ -3982,7 +3982,7 @@
           <a:p>
             <a:fld id="{3BDB8791-F1B0-41E7-B7FD-A781E65C4266}" type="datetimeFigureOut">
               <a:rPr lang="en-US" smtClean="0"/>
-              <a:t>4/10/2025</a:t>
+              <a:t>4/19/2025</a:t>
             </a:fld>
             <a:endParaRPr lang="en-US" dirty="0"/>
           </a:p>
@@ -4427,7 +4427,7 @@
           <a:p>
             <a:fld id="{5FDD63B2-E120-4ED8-B27B-C685F510A5FE}" type="datetimeFigureOut">
               <a:rPr lang="en-US" smtClean="0"/>
-              <a:t>4/10/2025</a:t>
+              <a:t>4/19/2025</a:t>
             </a:fld>
             <a:endParaRPr lang="en-US" dirty="0"/>
           </a:p>
@@ -4546,7 +4546,7 @@
           <a:p>
             <a:fld id="{7AA18ACC-A947-437B-A130-35BD54FDF1E9}" type="datetimeFigureOut">
               <a:rPr lang="en-US" smtClean="0"/>
-              <a:t>4/10/2025</a:t>
+              <a:t>4/19/2025</a:t>
             </a:fld>
             <a:endParaRPr lang="en-US" dirty="0"/>
           </a:p>
@@ -4642,7 +4642,7 @@
           <a:p>
             <a:fld id="{7C8D7E02-BCB8-4D50-A234-369438C08659}" type="datetimeFigureOut">
               <a:rPr lang="en-US" smtClean="0"/>
-              <a:t>4/10/2025</a:t>
+              <a:t>4/19/2025</a:t>
             </a:fld>
             <a:endParaRPr lang="en-US" dirty="0"/>
           </a:p>
@@ -4922,7 +4922,7 @@
           <a:p>
             <a:fld id="{76E86A4C-8E40-4F87-A4F0-01A0687C5742}" type="datetimeFigureOut">
               <a:rPr lang="en-US" smtClean="0"/>
-              <a:t>4/10/2025</a:t>
+              <a:t>4/19/2025</a:t>
             </a:fld>
             <a:endParaRPr lang="en-US" dirty="0"/>
           </a:p>
@@ -5198,7 +5198,7 @@
           <a:p>
             <a:fld id="{35E72C73-2D91-4E12-BA25-F0AA0C03599B}" type="datetimeFigureOut">
               <a:rPr lang="en-US" smtClean="0"/>
-              <a:t>4/10/2025</a:t>
+              <a:t>4/19/2025</a:t>
             </a:fld>
             <a:endParaRPr lang="en-US" dirty="0"/>
           </a:p>
@@ -5628,7 +5628,7 @@
           <a:p>
             <a:fld id="{2BE451C3-0FF4-47C4-B829-773ADF60F88C}" type="datetimeFigureOut">
               <a:rPr lang="en-US" smtClean="0"/>
-              <a:t>4/10/2025</a:t>
+              <a:t>4/19/2025</a:t>
             </a:fld>
             <a:endParaRPr lang="en-US" dirty="0"/>
           </a:p>
@@ -11982,7 +11982,48 @@
           <a:bodyPr/>
           <a:lstStyle/>
           <a:p>
-            <a:endParaRPr lang="hu-HU"/>
+            <a:pPr marL="0" indent="0">
+              <a:buNone/>
+            </a:pPr>
+            <a:r>
+              <a:rPr lang="hu-HU" dirty="0"/>
+              <a:t>Készítette:</a:t>
+            </a:r>
+          </a:p>
+          <a:p>
+            <a:pPr marL="0" indent="0">
+              <a:buNone/>
+            </a:pPr>
+            <a:r>
+              <a:rPr lang="hu-HU" dirty="0"/>
+              <a:t>	</a:t>
+            </a:r>
+            <a:r>
+              <a:rPr lang="hu-HU" dirty="0" err="1"/>
+              <a:t>Pekny</a:t>
+            </a:r>
+            <a:r>
+              <a:rPr lang="hu-HU" dirty="0"/>
+              <a:t> Márk</a:t>
+            </a:r>
+          </a:p>
+          <a:p>
+            <a:pPr marL="0" indent="0">
+              <a:buNone/>
+            </a:pPr>
+            <a:r>
+              <a:rPr lang="hu-HU" dirty="0"/>
+              <a:t>	Rapcsák Marcell</a:t>
+            </a:r>
+          </a:p>
+          <a:p>
+            <a:pPr marL="0" indent="0">
+              <a:buNone/>
+            </a:pPr>
+            <a:r>
+              <a:rPr lang="hu-HU" dirty="0"/>
+              <a:t>	Mózer Richárd</a:t>
+            </a:r>
           </a:p>
         </p:txBody>
       </p:sp>

--- a/KüzdőKert.pptx
+++ b/KüzdőKert.pptx
@@ -137,10 +137,31 @@
       </p:ext>
     </p:extLst>
   </p:cmAuthor>
+  <p:cmAuthor id="2" name="Marcell Rapcsák" initials="MR" lastIdx="1" clrIdx="1">
+    <p:extLst>
+      <p:ext uri="{19B8F6BF-5375-455C-9EA6-DF929625EA0E}">
+        <p15:presenceInfo xmlns:p15="http://schemas.microsoft.com/office/powerpoint/2012/main" userId="f23f39e40f942688" providerId="Windows Live"/>
+      </p:ext>
+    </p:extLst>
+  </p:cmAuthor>
 </p:cmAuthorLst>
 </file>
 
 <file path=ppt/comments/comment1.xml><?xml version="1.0" encoding="utf-8"?>
+<p:cmLst xmlns:a="http://schemas.openxmlformats.org/drawingml/2006/main" xmlns:r="http://schemas.openxmlformats.org/officeDocument/2006/relationships" xmlns:p="http://schemas.openxmlformats.org/presentationml/2006/main">
+  <p:cm authorId="2" dt="2025-04-19T21:47:51.294" idx="1">
+    <p:pos x="10" y="10"/>
+    <p:text/>
+    <p:extLst>
+      <p:ext uri="{C676402C-5697-4E1C-873F-D02D1690AC5C}">
+        <p15:threadingInfo xmlns:p15="http://schemas.microsoft.com/office/powerpoint/2012/main" timeZoneBias="-120"/>
+      </p:ext>
+    </p:extLst>
+  </p:cm>
+</p:cmLst>
+</file>
+
+<file path=ppt/comments/comment2.xml><?xml version="1.0" encoding="utf-8"?>
 <p:cmLst xmlns:a="http://schemas.openxmlformats.org/drawingml/2006/main" xmlns:r="http://schemas.openxmlformats.org/officeDocument/2006/relationships" xmlns:p="http://schemas.openxmlformats.org/presentationml/2006/main">
   <p:cm authorId="1" dt="2025-04-03T11:06:39.836" idx="1">
     <p:pos x="10" y="10"/>
@@ -6617,6 +6638,14 @@
           <a:p>
             <a:r>
               <a:rPr lang="hu-HU" dirty="0" err="1"/>
+              <a:t>MySql</a:t>
+            </a:r>
+            <a:r>
+              <a:rPr lang="hu-HU" dirty="0"/>
+              <a:t> </a:t>
+            </a:r>
+            <a:r>
+              <a:rPr lang="hu-HU" dirty="0" err="1"/>
               <a:t>Workbench</a:t>
             </a:r>
             <a:endParaRPr lang="hu-HU" dirty="0"/>
@@ -6655,7 +6684,7 @@
         </p:blipFill>
         <p:spPr bwMode="auto">
           <a:xfrm>
-            <a:off x="2286000" y="933450"/>
+            <a:off x="2805953" y="923471"/>
             <a:ext cx="7620000" cy="4991100"/>
           </a:xfrm>
           <a:prstGeom prst="rect">
@@ -6688,7 +6717,7 @@
         <p:spPr>
           <a:xfrm>
             <a:off x="357051" y="1715589"/>
-            <a:ext cx="1515292" cy="3416320"/>
+            <a:ext cx="2215820" cy="2031325"/>
           </a:xfrm>
           <a:prstGeom prst="rect">
             <a:avLst/>
@@ -6823,33 +6852,15 @@
                                   </p:childTnLst>
                                 </p:cTn>
                               </p:par>
-                            </p:childTnLst>
-                          </p:cTn>
-                        </p:par>
-                      </p:childTnLst>
-                    </p:cTn>
-                  </p:par>
-                  <p:par>
-                    <p:cTn id="10" fill="hold">
-                      <p:stCondLst>
-                        <p:cond delay="indefinite"/>
-                      </p:stCondLst>
-                      <p:childTnLst>
-                        <p:par>
-                          <p:cTn id="11" fill="hold">
-                            <p:stCondLst>
-                              <p:cond delay="0"/>
-                            </p:stCondLst>
-                            <p:childTnLst>
                               <p:par>
-                                <p:cTn id="12" presetID="21" presetClass="entr" presetSubtype="1" fill="hold" nodeType="clickEffect">
+                                <p:cTn id="10" presetID="21" presetClass="entr" presetSubtype="1" fill="hold" nodeType="withEffect">
                                   <p:stCondLst>
                                     <p:cond delay="0"/>
                                   </p:stCondLst>
                                   <p:childTnLst>
                                     <p:set>
                                       <p:cBhvr>
-                                        <p:cTn id="13" dur="1" fill="hold">
+                                        <p:cTn id="11" dur="1" fill="hold">
                                           <p:stCondLst>
                                             <p:cond delay="0"/>
                                           </p:stCondLst>
@@ -6867,7 +6878,7 @@
                                     </p:set>
                                     <p:animEffect transition="in" filter="wheel(1)">
                                       <p:cBhvr>
-                                        <p:cTn id="14" dur="2000"/>
+                                        <p:cTn id="12" dur="2000"/>
                                         <p:tgtEl>
                                           <p:spTgt spid="1026"/>
                                         </p:tgtEl>
@@ -6954,9 +6965,10 @@
           <a:lstStyle/>
           <a:p>
             <a:r>
-              <a:rPr lang="hu-HU" dirty="0"/>
+              <a:rPr lang="hu-HU"/>
               <a:t>Frontend</a:t>
             </a:r>
+            <a:endParaRPr lang="hu-HU" dirty="0"/>
           </a:p>
         </p:txBody>
       </p:sp>
@@ -6976,7 +6988,12 @@
             <p:ph type="body" sz="half" idx="2"/>
           </p:nvPr>
         </p:nvSpPr>
-        <p:spPr/>
+        <p:spPr>
+          <a:xfrm>
+            <a:off x="1154953" y="1078110"/>
+            <a:ext cx="5084979" cy="1371600"/>
+          </a:xfrm>
+        </p:spPr>
         <p:txBody>
           <a:bodyPr>
             <a:normAutofit/>
@@ -7034,7 +7051,7 @@
         </p:blipFill>
         <p:spPr bwMode="auto">
           <a:xfrm>
-            <a:off x="3988526" y="1431069"/>
+            <a:off x="5434390" y="1431069"/>
             <a:ext cx="1611085" cy="3384292"/>
           </a:xfrm>
           <a:prstGeom prst="rect">
@@ -7081,7 +7098,7 @@
         </p:blipFill>
         <p:spPr bwMode="auto">
           <a:xfrm>
-            <a:off x="5883561" y="1561484"/>
+            <a:off x="7524102" y="1561484"/>
             <a:ext cx="1969280" cy="3253877"/>
           </a:xfrm>
           <a:prstGeom prst="rect">
@@ -7099,6 +7116,255 @@
           </a:extLst>
         </p:spPr>
       </p:pic>
+      <p:pic>
+        <p:nvPicPr>
+          <p:cNvPr id="5" name="Kép 4">
+            <a:extLst>
+              <a:ext uri="{FF2B5EF4-FFF2-40B4-BE49-F238E27FC236}">
+                <a16:creationId xmlns:a16="http://schemas.microsoft.com/office/drawing/2014/main" id="{EACFA86E-686E-29DA-2424-922C357A6182}"/>
+              </a:ext>
+            </a:extLst>
+          </p:cNvPr>
+          <p:cNvPicPr>
+            <a:picLocks noChangeAspect="1"/>
+          </p:cNvPicPr>
+          <p:nvPr/>
+        </p:nvPicPr>
+        <p:blipFill>
+          <a:blip r:embed="rId4"/>
+          <a:stretch>
+            <a:fillRect/>
+          </a:stretch>
+        </p:blipFill>
+        <p:spPr>
+          <a:xfrm>
+            <a:off x="3235693" y="1561484"/>
+            <a:ext cx="1829055" cy="2143424"/>
+          </a:xfrm>
+          <a:prstGeom prst="rect">
+            <a:avLst/>
+          </a:prstGeom>
+        </p:spPr>
+      </p:pic>
+      <p:sp>
+        <p:nvSpPr>
+          <p:cNvPr id="11" name="Szövegdoboz 10">
+            <a:extLst>
+              <a:ext uri="{FF2B5EF4-FFF2-40B4-BE49-F238E27FC236}">
+                <a16:creationId xmlns:a16="http://schemas.microsoft.com/office/drawing/2014/main" id="{7ED4CD8E-EA45-E1AA-F5D9-931862C1B1E3}"/>
+              </a:ext>
+            </a:extLst>
+          </p:cNvPr>
+          <p:cNvSpPr txBox="1"/>
+          <p:nvPr/>
+        </p:nvSpPr>
+        <p:spPr>
+          <a:xfrm>
+            <a:off x="730302" y="3872753"/>
+            <a:ext cx="4334446" cy="1477328"/>
+          </a:xfrm>
+          <a:prstGeom prst="rect">
+            <a:avLst/>
+          </a:prstGeom>
+          <a:noFill/>
+        </p:spPr>
+        <p:txBody>
+          <a:bodyPr wrap="square" rtlCol="0">
+            <a:spAutoFit/>
+          </a:bodyPr>
+          <a:lstStyle/>
+          <a:p>
+            <a:r>
+              <a:rPr lang="hu-HU" dirty="0"/>
+              <a:t>Here </a:t>
+            </a:r>
+            <a:r>
+              <a:rPr lang="hu-HU" dirty="0" err="1"/>
+              <a:t>you</a:t>
+            </a:r>
+            <a:r>
+              <a:rPr lang="hu-HU" dirty="0"/>
+              <a:t> </a:t>
+            </a:r>
+            <a:r>
+              <a:rPr lang="hu-HU" dirty="0" err="1"/>
+              <a:t>can</a:t>
+            </a:r>
+            <a:r>
+              <a:rPr lang="hu-HU" dirty="0"/>
+              <a:t> </a:t>
+            </a:r>
+            <a:r>
+              <a:rPr lang="hu-HU" dirty="0" err="1"/>
+              <a:t>see</a:t>
+            </a:r>
+            <a:r>
+              <a:rPr lang="hu-HU" dirty="0"/>
+              <a:t> </a:t>
+            </a:r>
+            <a:r>
+              <a:rPr lang="hu-HU" dirty="0" err="1"/>
+              <a:t>the</a:t>
+            </a:r>
+            <a:r>
+              <a:rPr lang="hu-HU" dirty="0"/>
+              <a:t> </a:t>
+            </a:r>
+            <a:r>
+              <a:rPr lang="hu-HU" dirty="0" err="1"/>
+              <a:t>structure</a:t>
+            </a:r>
+            <a:r>
+              <a:rPr lang="hu-HU" dirty="0"/>
+              <a:t> of </a:t>
+            </a:r>
+            <a:r>
+              <a:rPr lang="hu-HU" dirty="0" err="1"/>
+              <a:t>our</a:t>
+            </a:r>
+            <a:r>
+              <a:rPr lang="hu-HU" dirty="0"/>
+              <a:t> frontend. </a:t>
+            </a:r>
+            <a:r>
+              <a:rPr lang="hu-HU" dirty="0" err="1"/>
+              <a:t>We</a:t>
+            </a:r>
+            <a:r>
+              <a:rPr lang="hu-HU" dirty="0"/>
+              <a:t> </a:t>
+            </a:r>
+            <a:r>
+              <a:rPr lang="hu-HU" dirty="0" err="1"/>
+              <a:t>divided</a:t>
+            </a:r>
+            <a:r>
+              <a:rPr lang="hu-HU" dirty="0"/>
+              <a:t> </a:t>
+            </a:r>
+            <a:r>
+              <a:rPr lang="hu-HU" dirty="0" err="1"/>
+              <a:t>the</a:t>
+            </a:r>
+            <a:r>
+              <a:rPr lang="hu-HU" dirty="0"/>
+              <a:t> </a:t>
+            </a:r>
+            <a:r>
+              <a:rPr lang="hu-HU" dirty="0" err="1"/>
+              <a:t>pages</a:t>
+            </a:r>
+            <a:r>
+              <a:rPr lang="hu-HU" dirty="0"/>
+              <a:t> and </a:t>
+            </a:r>
+            <a:r>
+              <a:rPr lang="hu-HU" dirty="0" err="1"/>
+              <a:t>other</a:t>
+            </a:r>
+            <a:r>
+              <a:rPr lang="hu-HU" dirty="0"/>
+              <a:t> </a:t>
+            </a:r>
+            <a:r>
+              <a:rPr lang="hu-HU" dirty="0" err="1"/>
+              <a:t>stuff</a:t>
+            </a:r>
+            <a:r>
+              <a:rPr lang="hu-HU" dirty="0"/>
+              <a:t> </a:t>
+            </a:r>
+            <a:r>
+              <a:rPr lang="hu-HU" dirty="0" err="1"/>
+              <a:t>to</a:t>
+            </a:r>
+            <a:r>
+              <a:rPr lang="hu-HU" dirty="0"/>
+              <a:t> </a:t>
+            </a:r>
+            <a:r>
+              <a:rPr lang="hu-HU" dirty="0" err="1"/>
+              <a:t>different</a:t>
+            </a:r>
+            <a:r>
+              <a:rPr lang="hu-HU" dirty="0"/>
+              <a:t> </a:t>
+            </a:r>
+            <a:r>
+              <a:rPr lang="hu-HU" dirty="0" err="1"/>
+              <a:t>parts</a:t>
+            </a:r>
+            <a:r>
+              <a:rPr lang="hu-HU" dirty="0"/>
+              <a:t>, </a:t>
+            </a:r>
+            <a:r>
+              <a:rPr lang="hu-HU" dirty="0" err="1"/>
+              <a:t>so</a:t>
+            </a:r>
+            <a:r>
+              <a:rPr lang="hu-HU" dirty="0"/>
+              <a:t> </a:t>
+            </a:r>
+            <a:r>
+              <a:rPr lang="hu-HU" dirty="0" err="1"/>
+              <a:t>we</a:t>
+            </a:r>
+            <a:r>
+              <a:rPr lang="hu-HU" dirty="0"/>
+              <a:t> </a:t>
+            </a:r>
+            <a:r>
+              <a:rPr lang="hu-HU" dirty="0" err="1"/>
+              <a:t>can</a:t>
+            </a:r>
+            <a:r>
+              <a:rPr lang="hu-HU" dirty="0"/>
+              <a:t> </a:t>
+            </a:r>
+            <a:r>
+              <a:rPr lang="hu-HU" dirty="0" err="1"/>
+              <a:t>easily</a:t>
+            </a:r>
+            <a:r>
+              <a:rPr lang="hu-HU" dirty="0"/>
+              <a:t> </a:t>
+            </a:r>
+            <a:r>
+              <a:rPr lang="hu-HU" dirty="0" err="1"/>
+              <a:t>navigate</a:t>
+            </a:r>
+            <a:r>
+              <a:rPr lang="hu-HU" dirty="0"/>
+              <a:t> </a:t>
+            </a:r>
+            <a:r>
+              <a:rPr lang="hu-HU" dirty="0" err="1"/>
+              <a:t>through</a:t>
+            </a:r>
+            <a:r>
+              <a:rPr lang="hu-HU" dirty="0"/>
+              <a:t> </a:t>
+            </a:r>
+            <a:r>
+              <a:rPr lang="hu-HU" dirty="0" err="1"/>
+              <a:t>the</a:t>
+            </a:r>
+            <a:r>
+              <a:rPr lang="hu-HU" dirty="0"/>
+              <a:t> </a:t>
+            </a:r>
+            <a:r>
+              <a:rPr lang="hu-HU" dirty="0" err="1"/>
+              <a:t>items</a:t>
+            </a:r>
+            <a:r>
+              <a:rPr lang="hu-HU" dirty="0"/>
+              <a:t>.</a:t>
+            </a:r>
+          </a:p>
+        </p:txBody>
+      </p:sp>
     </p:spTree>
     <p:extLst>
       <p:ext uri="{BB962C8B-B14F-4D97-AF65-F5344CB8AC3E}">
@@ -7327,7 +7593,7 @@
                                 </p:cTn>
                               </p:par>
                               <p:par>
-                                <p:cTn id="15" presetID="42" presetClass="entr" presetSubtype="0" fill="hold" nodeType="withEffect">
+                                <p:cTn id="15" presetID="10" presetClass="entr" presetSubtype="0" fill="hold" grpId="0" nodeType="withEffect">
                                   <p:stCondLst>
                                     <p:cond delay="0"/>
                                   </p:stCondLst>
@@ -7340,11 +7606,7 @@
                                           </p:stCondLst>
                                         </p:cTn>
                                         <p:tgtEl>
-                                          <p:spTgt spid="4">
-                                            <p:txEl>
-                                              <p:pRg st="2" end="2"/>
-                                            </p:txEl>
-                                          </p:spTgt>
+                                          <p:spTgt spid="11"/>
                                         </p:tgtEl>
                                         <p:attrNameLst>
                                           <p:attrName>style.visibility</p:attrName>
@@ -7356,7 +7618,46 @@
                                     </p:set>
                                     <p:animEffect transition="in" filter="fade">
                                       <p:cBhvr>
-                                        <p:cTn id="17" dur="1000"/>
+                                        <p:cTn id="17" dur="500"/>
+                                        <p:tgtEl>
+                                          <p:spTgt spid="11"/>
+                                        </p:tgtEl>
+                                      </p:cBhvr>
+                                    </p:animEffect>
+                                  </p:childTnLst>
+                                </p:cTn>
+                              </p:par>
+                              <p:par>
+                                <p:cTn id="18" presetID="42" presetClass="entr" presetSubtype="0" fill="hold" nodeType="withEffect">
+                                  <p:stCondLst>
+                                    <p:cond delay="0"/>
+                                  </p:stCondLst>
+                                  <p:childTnLst>
+                                    <p:set>
+                                      <p:cBhvr>
+                                        <p:cTn id="19" dur="1" fill="hold">
+                                          <p:stCondLst>
+                                            <p:cond delay="0"/>
+                                          </p:stCondLst>
+                                        </p:cTn>
+                                        <p:tgtEl>
+                                          <p:spTgt spid="4">
+                                            <p:txEl>
+                                              <p:pRg st="2" end="2"/>
+                                            </p:txEl>
+                                          </p:spTgt>
+                                        </p:tgtEl>
+                                        <p:attrNameLst>
+                                          <p:attrName>style.visibility</p:attrName>
+                                        </p:attrNameLst>
+                                      </p:cBhvr>
+                                      <p:to>
+                                        <p:strVal val="visible"/>
+                                      </p:to>
+                                    </p:set>
+                                    <p:animEffect transition="in" filter="fade">
+                                      <p:cBhvr>
+                                        <p:cTn id="20" dur="1000"/>
                                         <p:tgtEl>
                                           <p:spTgt spid="4">
                                             <p:txEl>
@@ -7368,7 +7669,7 @@
                                     </p:animEffect>
                                     <p:anim calcmode="lin" valueType="num">
                                       <p:cBhvr>
-                                        <p:cTn id="18" dur="1000" fill="hold"/>
+                                        <p:cTn id="21" dur="1000" fill="hold"/>
                                         <p:tgtEl>
                                           <p:spTgt spid="4">
                                             <p:txEl>
@@ -7395,7 +7696,7 @@
                                     </p:anim>
                                     <p:anim calcmode="lin" valueType="num">
                                       <p:cBhvr>
-                                        <p:cTn id="19" dur="1000" fill="hold"/>
+                                        <p:cTn id="22" dur="1000" fill="hold"/>
                                         <p:tgtEl>
                                           <p:spTgt spid="4">
                                             <p:txEl>
@@ -7423,33 +7724,15 @@
                                   </p:childTnLst>
                                 </p:cTn>
                               </p:par>
-                            </p:childTnLst>
-                          </p:cTn>
-                        </p:par>
-                      </p:childTnLst>
-                    </p:cTn>
-                  </p:par>
-                  <p:par>
-                    <p:cTn id="20" fill="hold">
-                      <p:stCondLst>
-                        <p:cond delay="indefinite"/>
-                      </p:stCondLst>
-                      <p:childTnLst>
-                        <p:par>
-                          <p:cTn id="21" fill="hold">
-                            <p:stCondLst>
-                              <p:cond delay="0"/>
-                            </p:stCondLst>
-                            <p:childTnLst>
                               <p:par>
-                                <p:cTn id="22" presetID="21" presetClass="entr" presetSubtype="1" fill="hold" nodeType="clickEffect">
+                                <p:cTn id="23" presetID="21" presetClass="entr" presetSubtype="1" fill="hold" nodeType="withEffect">
                                   <p:stCondLst>
                                     <p:cond delay="0"/>
                                   </p:stCondLst>
                                   <p:childTnLst>
                                     <p:set>
                                       <p:cBhvr>
-                                        <p:cTn id="23" dur="1" fill="hold">
+                                        <p:cTn id="24" dur="1" fill="hold">
                                           <p:stCondLst>
                                             <p:cond delay="0"/>
                                           </p:stCondLst>
@@ -7467,7 +7750,7 @@
                                     </p:set>
                                     <p:animEffect transition="in" filter="wheel(1)">
                                       <p:cBhvr>
-                                        <p:cTn id="24" dur="2000"/>
+                                        <p:cTn id="25" dur="2000"/>
                                         <p:tgtEl>
                                           <p:spTgt spid="4098"/>
                                         </p:tgtEl>
@@ -7476,33 +7759,15 @@
                                   </p:childTnLst>
                                 </p:cTn>
                               </p:par>
-                            </p:childTnLst>
-                          </p:cTn>
-                        </p:par>
-                      </p:childTnLst>
-                    </p:cTn>
-                  </p:par>
-                  <p:par>
-                    <p:cTn id="25" fill="hold">
-                      <p:stCondLst>
-                        <p:cond delay="indefinite"/>
-                      </p:stCondLst>
-                      <p:childTnLst>
-                        <p:par>
-                          <p:cTn id="26" fill="hold">
-                            <p:stCondLst>
-                              <p:cond delay="0"/>
-                            </p:stCondLst>
-                            <p:childTnLst>
                               <p:par>
-                                <p:cTn id="27" presetID="21" presetClass="entr" presetSubtype="1" fill="hold" nodeType="clickEffect">
+                                <p:cTn id="26" presetID="21" presetClass="entr" presetSubtype="1" fill="hold" nodeType="withEffect">
                                   <p:stCondLst>
                                     <p:cond delay="0"/>
                                   </p:stCondLst>
                                   <p:childTnLst>
                                     <p:set>
                                       <p:cBhvr>
-                                        <p:cTn id="28" dur="1" fill="hold">
+                                        <p:cTn id="27" dur="1" fill="hold">
                                           <p:stCondLst>
                                             <p:cond delay="0"/>
                                           </p:stCondLst>
@@ -7520,9 +7785,44 @@
                                     </p:set>
                                     <p:animEffect transition="in" filter="wheel(1)">
                                       <p:cBhvr>
-                                        <p:cTn id="29" dur="2000"/>
+                                        <p:cTn id="28" dur="2000"/>
                                         <p:tgtEl>
                                           <p:spTgt spid="4100"/>
+                                        </p:tgtEl>
+                                      </p:cBhvr>
+                                    </p:animEffect>
+                                  </p:childTnLst>
+                                </p:cTn>
+                              </p:par>
+                              <p:par>
+                                <p:cTn id="29" presetID="21" presetClass="entr" presetSubtype="1" fill="hold" nodeType="withEffect">
+                                  <p:stCondLst>
+                                    <p:cond delay="0"/>
+                                  </p:stCondLst>
+                                  <p:childTnLst>
+                                    <p:set>
+                                      <p:cBhvr>
+                                        <p:cTn id="30" dur="1" fill="hold">
+                                          <p:stCondLst>
+                                            <p:cond delay="0"/>
+                                          </p:stCondLst>
+                                        </p:cTn>
+                                        <p:tgtEl>
+                                          <p:spTgt spid="5"/>
+                                        </p:tgtEl>
+                                        <p:attrNameLst>
+                                          <p:attrName>style.visibility</p:attrName>
+                                        </p:attrNameLst>
+                                      </p:cBhvr>
+                                      <p:to>
+                                        <p:strVal val="visible"/>
+                                      </p:to>
+                                    </p:set>
+                                    <p:animEffect transition="in" filter="wheel(1)">
+                                      <p:cBhvr>
+                                        <p:cTn id="31" dur="2000"/>
+                                        <p:tgtEl>
+                                          <p:spTgt spid="5"/>
                                         </p:tgtEl>
                                       </p:cBhvr>
                                     </p:animEffect>
@@ -7556,6 +7856,9 @@
         </p:cTn>
       </p:par>
     </p:tnLst>
+    <p:bldLst>
+      <p:bldP spid="11" grpId="0"/>
+    </p:bldLst>
   </p:timing>
 </p:sld>
 </file>
@@ -7698,7 +8001,7 @@
         </p:blipFill>
         <p:spPr bwMode="auto">
           <a:xfrm>
-            <a:off x="7243403" y="1795462"/>
+            <a:off x="6162083" y="775178"/>
             <a:ext cx="2962275" cy="1371600"/>
           </a:xfrm>
           <a:prstGeom prst="rect">
@@ -7745,7 +8048,7 @@
         </p:blipFill>
         <p:spPr bwMode="auto">
           <a:xfrm>
-            <a:off x="1563189" y="2677516"/>
+            <a:off x="6162083" y="3263023"/>
             <a:ext cx="5007584" cy="3142259"/>
           </a:xfrm>
           <a:prstGeom prst="rect">
@@ -7763,6 +8066,316 @@
           </a:extLst>
         </p:spPr>
       </p:pic>
+      <p:sp>
+        <p:nvSpPr>
+          <p:cNvPr id="4" name="Szövegdoboz 3">
+            <a:extLst>
+              <a:ext uri="{FF2B5EF4-FFF2-40B4-BE49-F238E27FC236}">
+                <a16:creationId xmlns:a16="http://schemas.microsoft.com/office/drawing/2014/main" id="{F6DDEBF6-F73C-44FC-7FAC-FA82392E8C9D}"/>
+              </a:ext>
+            </a:extLst>
+          </p:cNvPr>
+          <p:cNvSpPr txBox="1"/>
+          <p:nvPr/>
+        </p:nvSpPr>
+        <p:spPr>
+          <a:xfrm>
+            <a:off x="6029918" y="2893691"/>
+            <a:ext cx="4700835" cy="369332"/>
+          </a:xfrm>
+          <a:prstGeom prst="rect">
+            <a:avLst/>
+          </a:prstGeom>
+          <a:noFill/>
+        </p:spPr>
+        <p:txBody>
+          <a:bodyPr wrap="square" rtlCol="0">
+            <a:spAutoFit/>
+          </a:bodyPr>
+          <a:lstStyle/>
+          <a:p>
+            <a:r>
+              <a:rPr lang="hu-HU" dirty="0" err="1"/>
+              <a:t>Example</a:t>
+            </a:r>
+            <a:r>
+              <a:rPr lang="hu-HU" dirty="0"/>
+              <a:t> of Login API </a:t>
+            </a:r>
+            <a:r>
+              <a:rPr lang="hu-HU" dirty="0" err="1"/>
+              <a:t>from</a:t>
+            </a:r>
+            <a:r>
+              <a:rPr lang="hu-HU" dirty="0"/>
+              <a:t> </a:t>
+            </a:r>
+            <a:r>
+              <a:rPr lang="hu-HU" dirty="0" err="1"/>
+              <a:t>our</a:t>
+            </a:r>
+            <a:r>
+              <a:rPr lang="hu-HU" dirty="0"/>
+              <a:t> </a:t>
+            </a:r>
+            <a:r>
+              <a:rPr lang="hu-HU" dirty="0" err="1"/>
+              <a:t>code</a:t>
+            </a:r>
+            <a:r>
+              <a:rPr lang="hu-HU" dirty="0"/>
+              <a:t>:</a:t>
+            </a:r>
+          </a:p>
+        </p:txBody>
+      </p:sp>
+      <p:sp>
+        <p:nvSpPr>
+          <p:cNvPr id="6" name="Szövegdoboz 5">
+            <a:extLst>
+              <a:ext uri="{FF2B5EF4-FFF2-40B4-BE49-F238E27FC236}">
+                <a16:creationId xmlns:a16="http://schemas.microsoft.com/office/drawing/2014/main" id="{AC94ADAD-C1A2-8DB0-9C1A-364174E14BA3}"/>
+              </a:ext>
+            </a:extLst>
+          </p:cNvPr>
+          <p:cNvSpPr txBox="1"/>
+          <p:nvPr/>
+        </p:nvSpPr>
+        <p:spPr>
+          <a:xfrm>
+            <a:off x="779929" y="2572871"/>
+            <a:ext cx="4263453" cy="2031325"/>
+          </a:xfrm>
+          <a:prstGeom prst="rect">
+            <a:avLst/>
+          </a:prstGeom>
+          <a:noFill/>
+        </p:spPr>
+        <p:txBody>
+          <a:bodyPr wrap="square" rtlCol="0">
+            <a:spAutoFit/>
+          </a:bodyPr>
+          <a:lstStyle/>
+          <a:p>
+            <a:r>
+              <a:rPr lang="hu-HU" dirty="0" err="1"/>
+              <a:t>We</a:t>
+            </a:r>
+            <a:r>
+              <a:rPr lang="hu-HU" dirty="0"/>
+              <a:t> </a:t>
+            </a:r>
+            <a:r>
+              <a:rPr lang="hu-HU" dirty="0" err="1"/>
+              <a:t>used</a:t>
+            </a:r>
+            <a:r>
+              <a:rPr lang="hu-HU" dirty="0"/>
+              <a:t> Node.js </a:t>
+            </a:r>
+            <a:r>
+              <a:rPr lang="hu-HU" dirty="0" err="1"/>
+              <a:t>for</a:t>
+            </a:r>
+            <a:r>
+              <a:rPr lang="hu-HU" dirty="0"/>
+              <a:t> </a:t>
+            </a:r>
+            <a:r>
+              <a:rPr lang="hu-HU" dirty="0" err="1"/>
+              <a:t>our</a:t>
+            </a:r>
+            <a:r>
+              <a:rPr lang="hu-HU" dirty="0"/>
+              <a:t> backend server. </a:t>
+            </a:r>
+            <a:r>
+              <a:rPr lang="hu-HU" dirty="0" err="1"/>
+              <a:t>Its</a:t>
+            </a:r>
+            <a:r>
+              <a:rPr lang="hu-HU" dirty="0"/>
+              <a:t> </a:t>
+            </a:r>
+            <a:r>
+              <a:rPr lang="hu-HU" dirty="0" err="1"/>
+              <a:t>very</a:t>
+            </a:r>
+            <a:r>
+              <a:rPr lang="hu-HU" dirty="0"/>
+              <a:t> </a:t>
+            </a:r>
+            <a:r>
+              <a:rPr lang="hu-HU" dirty="0" err="1"/>
+              <a:t>easy</a:t>
+            </a:r>
+            <a:r>
+              <a:rPr lang="hu-HU" dirty="0"/>
+              <a:t> </a:t>
+            </a:r>
+            <a:r>
+              <a:rPr lang="hu-HU" dirty="0" err="1"/>
+              <a:t>to</a:t>
+            </a:r>
+            <a:r>
+              <a:rPr lang="hu-HU" dirty="0"/>
+              <a:t> </a:t>
+            </a:r>
+            <a:r>
+              <a:rPr lang="hu-HU" dirty="0" err="1"/>
+              <a:t>use</a:t>
+            </a:r>
+            <a:r>
+              <a:rPr lang="hu-HU" dirty="0"/>
+              <a:t> and </a:t>
+            </a:r>
+            <a:r>
+              <a:rPr lang="hu-HU" dirty="0" err="1"/>
+              <a:t>very</a:t>
+            </a:r>
+            <a:r>
+              <a:rPr lang="hu-HU" dirty="0"/>
+              <a:t> </a:t>
+            </a:r>
+            <a:r>
+              <a:rPr lang="hu-HU" dirty="0" err="1"/>
+              <a:t>simple</a:t>
+            </a:r>
+            <a:r>
+              <a:rPr lang="hu-HU" dirty="0"/>
+              <a:t>. Node.js is </a:t>
+            </a:r>
+            <a:r>
+              <a:rPr lang="hu-HU" dirty="0" err="1"/>
+              <a:t>known</a:t>
+            </a:r>
+            <a:r>
+              <a:rPr lang="hu-HU" dirty="0"/>
+              <a:t> </a:t>
+            </a:r>
+            <a:r>
+              <a:rPr lang="hu-HU" dirty="0" err="1"/>
+              <a:t>for</a:t>
+            </a:r>
+            <a:r>
+              <a:rPr lang="hu-HU" dirty="0"/>
+              <a:t> </a:t>
+            </a:r>
+            <a:r>
+              <a:rPr lang="hu-HU" dirty="0" err="1"/>
+              <a:t>being</a:t>
+            </a:r>
+            <a:r>
+              <a:rPr lang="hu-HU" dirty="0"/>
+              <a:t> </a:t>
+            </a:r>
+            <a:r>
+              <a:rPr lang="hu-HU" dirty="0" err="1"/>
+              <a:t>super</a:t>
+            </a:r>
+            <a:r>
+              <a:rPr lang="hu-HU" dirty="0"/>
+              <a:t> </a:t>
+            </a:r>
+            <a:r>
+              <a:rPr lang="hu-HU" dirty="0" err="1"/>
+              <a:t>fast</a:t>
+            </a:r>
+            <a:r>
+              <a:rPr lang="hu-HU" dirty="0"/>
+              <a:t> </a:t>
+            </a:r>
+            <a:r>
+              <a:rPr lang="hu-HU" dirty="0" err="1"/>
+              <a:t>at</a:t>
+            </a:r>
+            <a:r>
+              <a:rPr lang="hu-HU" dirty="0"/>
+              <a:t> </a:t>
+            </a:r>
+            <a:r>
+              <a:rPr lang="hu-HU" dirty="0" err="1"/>
+              <a:t>completing</a:t>
+            </a:r>
+            <a:r>
+              <a:rPr lang="hu-HU" dirty="0"/>
+              <a:t> API </a:t>
+            </a:r>
+            <a:r>
+              <a:rPr lang="hu-HU" dirty="0" err="1"/>
+              <a:t>requests</a:t>
+            </a:r>
+            <a:r>
+              <a:rPr lang="hu-HU" dirty="0"/>
+              <a:t>, </a:t>
+            </a:r>
+            <a:r>
+              <a:rPr lang="hu-HU" dirty="0" err="1"/>
+              <a:t>thats</a:t>
+            </a:r>
+            <a:r>
+              <a:rPr lang="hu-HU" dirty="0"/>
+              <a:t> </a:t>
+            </a:r>
+            <a:r>
+              <a:rPr lang="hu-HU" dirty="0" err="1"/>
+              <a:t>the</a:t>
+            </a:r>
+            <a:r>
+              <a:rPr lang="hu-HU" dirty="0"/>
+              <a:t> main </a:t>
+            </a:r>
+            <a:r>
+              <a:rPr lang="hu-HU" dirty="0" err="1"/>
+              <a:t>reason</a:t>
+            </a:r>
+            <a:r>
+              <a:rPr lang="hu-HU" dirty="0"/>
+              <a:t> </a:t>
+            </a:r>
+            <a:r>
+              <a:rPr lang="hu-HU" dirty="0" err="1"/>
+              <a:t>we</a:t>
+            </a:r>
+            <a:r>
+              <a:rPr lang="hu-HU" dirty="0"/>
+              <a:t> </a:t>
+            </a:r>
+            <a:r>
+              <a:rPr lang="hu-HU" dirty="0" err="1"/>
+              <a:t>have</a:t>
+            </a:r>
+            <a:r>
+              <a:rPr lang="hu-HU" dirty="0"/>
+              <a:t> </a:t>
+            </a:r>
+            <a:r>
+              <a:rPr lang="hu-HU" dirty="0" err="1"/>
+              <a:t>choosen</a:t>
+            </a:r>
+            <a:r>
+              <a:rPr lang="hu-HU" dirty="0"/>
+              <a:t> Node.js </a:t>
+            </a:r>
+            <a:r>
+              <a:rPr lang="hu-HU" dirty="0" err="1"/>
+              <a:t>for</a:t>
+            </a:r>
+            <a:r>
+              <a:rPr lang="hu-HU" dirty="0"/>
+              <a:t> </a:t>
+            </a:r>
+            <a:r>
+              <a:rPr lang="hu-HU" dirty="0" err="1"/>
+              <a:t>our</a:t>
+            </a:r>
+            <a:r>
+              <a:rPr lang="hu-HU" dirty="0"/>
+              <a:t> backend server.</a:t>
+            </a:r>
+          </a:p>
+        </p:txBody>
+      </p:sp>
     </p:spTree>
     <p:extLst>
       <p:ext uri="{BB962C8B-B14F-4D97-AF65-F5344CB8AC3E}">
@@ -7912,7 +8525,7 @@
                             </p:stCondLst>
                             <p:childTnLst>
                               <p:par>
-                                <p:cTn id="12" presetID="21" presetClass="entr" presetSubtype="1" fill="hold" nodeType="clickEffect">
+                                <p:cTn id="12" presetID="42" presetClass="entr" presetSubtype="0" fill="hold" grpId="0" nodeType="clickEffect">
                                   <p:stCondLst>
                                     <p:cond delay="0"/>
                                   </p:stCondLst>
@@ -7925,7 +8538,7 @@
                                           </p:stCondLst>
                                         </p:cTn>
                                         <p:tgtEl>
-                                          <p:spTgt spid="5124"/>
+                                          <p:spTgt spid="6"/>
                                         </p:tgtEl>
                                         <p:attrNameLst>
                                           <p:attrName>style.visibility</p:attrName>
@@ -7935,14 +8548,60 @@
                                         <p:strVal val="visible"/>
                                       </p:to>
                                     </p:set>
-                                    <p:animEffect transition="in" filter="wheel(1)">
-                                      <p:cBhvr>
-                                        <p:cTn id="14" dur="2000"/>
-                                        <p:tgtEl>
-                                          <p:spTgt spid="5124"/>
+                                    <p:animEffect transition="in" filter="fade">
+                                      <p:cBhvr>
+                                        <p:cTn id="14" dur="1000"/>
+                                        <p:tgtEl>
+                                          <p:spTgt spid="6"/>
                                         </p:tgtEl>
                                       </p:cBhvr>
                                     </p:animEffect>
+                                    <p:anim calcmode="lin" valueType="num">
+                                      <p:cBhvr>
+                                        <p:cTn id="15" dur="1000" fill="hold"/>
+                                        <p:tgtEl>
+                                          <p:spTgt spid="6"/>
+                                        </p:tgtEl>
+                                        <p:attrNameLst>
+                                          <p:attrName>ppt_x</p:attrName>
+                                        </p:attrNameLst>
+                                      </p:cBhvr>
+                                      <p:tavLst>
+                                        <p:tav tm="0">
+                                          <p:val>
+                                            <p:strVal val="#ppt_x"/>
+                                          </p:val>
+                                        </p:tav>
+                                        <p:tav tm="100000">
+                                          <p:val>
+                                            <p:strVal val="#ppt_x"/>
+                                          </p:val>
+                                        </p:tav>
+                                      </p:tavLst>
+                                    </p:anim>
+                                    <p:anim calcmode="lin" valueType="num">
+                                      <p:cBhvr>
+                                        <p:cTn id="16" dur="1000" fill="hold"/>
+                                        <p:tgtEl>
+                                          <p:spTgt spid="6"/>
+                                        </p:tgtEl>
+                                        <p:attrNameLst>
+                                          <p:attrName>ppt_y</p:attrName>
+                                        </p:attrNameLst>
+                                      </p:cBhvr>
+                                      <p:tavLst>
+                                        <p:tav tm="0">
+                                          <p:val>
+                                            <p:strVal val="#ppt_y+.1"/>
+                                          </p:val>
+                                        </p:tav>
+                                        <p:tav tm="100000">
+                                          <p:val>
+                                            <p:strVal val="#ppt_y"/>
+                                          </p:val>
+                                        </p:tav>
+                                      </p:tavLst>
+                                    </p:anim>
                                   </p:childTnLst>
                                 </p:cTn>
                               </p:par>
@@ -7953,32 +8612,32 @@
                     </p:cTn>
                   </p:par>
                   <p:par>
-                    <p:cTn id="15" fill="hold">
+                    <p:cTn id="17" fill="hold">
                       <p:stCondLst>
                         <p:cond delay="indefinite"/>
                       </p:stCondLst>
                       <p:childTnLst>
                         <p:par>
-                          <p:cTn id="16" fill="hold">
+                          <p:cTn id="18" fill="hold">
                             <p:stCondLst>
                               <p:cond delay="0"/>
                             </p:stCondLst>
                             <p:childTnLst>
                               <p:par>
-                                <p:cTn id="17" presetID="21" presetClass="entr" presetSubtype="1" fill="hold" nodeType="clickEffect">
+                                <p:cTn id="19" presetID="21" presetClass="entr" presetSubtype="1" fill="hold" nodeType="clickEffect">
                                   <p:stCondLst>
                                     <p:cond delay="0"/>
                                   </p:stCondLst>
                                   <p:childTnLst>
                                     <p:set>
                                       <p:cBhvr>
-                                        <p:cTn id="18" dur="1" fill="hold">
+                                        <p:cTn id="20" dur="1" fill="hold">
                                           <p:stCondLst>
                                             <p:cond delay="0"/>
                                           </p:stCondLst>
                                         </p:cTn>
                                         <p:tgtEl>
-                                          <p:spTgt spid="5122"/>
+                                          <p:spTgt spid="5124"/>
                                         </p:tgtEl>
                                         <p:attrNameLst>
                                           <p:attrName>style.visibility</p:attrName>
@@ -7990,12 +8649,128 @@
                                     </p:set>
                                     <p:animEffect transition="in" filter="wheel(1)">
                                       <p:cBhvr>
-                                        <p:cTn id="19" dur="2000"/>
+                                        <p:cTn id="21" dur="2000"/>
+                                        <p:tgtEl>
+                                          <p:spTgt spid="5124"/>
+                                        </p:tgtEl>
+                                      </p:cBhvr>
+                                    </p:animEffect>
+                                  </p:childTnLst>
+                                </p:cTn>
+                              </p:par>
+                              <p:par>
+                                <p:cTn id="22" presetID="21" presetClass="entr" presetSubtype="1" fill="hold" nodeType="withEffect">
+                                  <p:stCondLst>
+                                    <p:cond delay="0"/>
+                                  </p:stCondLst>
+                                  <p:childTnLst>
+                                    <p:set>
+                                      <p:cBhvr>
+                                        <p:cTn id="23" dur="1" fill="hold">
+                                          <p:stCondLst>
+                                            <p:cond delay="0"/>
+                                          </p:stCondLst>
+                                        </p:cTn>
                                         <p:tgtEl>
                                           <p:spTgt spid="5122"/>
                                         </p:tgtEl>
+                                        <p:attrNameLst>
+                                          <p:attrName>style.visibility</p:attrName>
+                                        </p:attrNameLst>
+                                      </p:cBhvr>
+                                      <p:to>
+                                        <p:strVal val="visible"/>
+                                      </p:to>
+                                    </p:set>
+                                    <p:animEffect transition="in" filter="wheel(1)">
+                                      <p:cBhvr>
+                                        <p:cTn id="24" dur="2000"/>
+                                        <p:tgtEl>
+                                          <p:spTgt spid="5122"/>
+                                        </p:tgtEl>
                                       </p:cBhvr>
                                     </p:animEffect>
+                                  </p:childTnLst>
+                                </p:cTn>
+                              </p:par>
+                              <p:par>
+                                <p:cTn id="25" presetID="42" presetClass="entr" presetSubtype="0" fill="hold" grpId="0" nodeType="withEffect">
+                                  <p:stCondLst>
+                                    <p:cond delay="0"/>
+                                  </p:stCondLst>
+                                  <p:childTnLst>
+                                    <p:set>
+                                      <p:cBhvr>
+                                        <p:cTn id="26" dur="1" fill="hold">
+                                          <p:stCondLst>
+                                            <p:cond delay="0"/>
+                                          </p:stCondLst>
+                                        </p:cTn>
+                                        <p:tgtEl>
+                                          <p:spTgt spid="4"/>
+                                        </p:tgtEl>
+                                        <p:attrNameLst>
+                                          <p:attrName>style.visibility</p:attrName>
+                                        </p:attrNameLst>
+                                      </p:cBhvr>
+                                      <p:to>
+                                        <p:strVal val="visible"/>
+                                      </p:to>
+                                    </p:set>
+                                    <p:animEffect transition="in" filter="fade">
+                                      <p:cBhvr>
+                                        <p:cTn id="27" dur="1000"/>
+                                        <p:tgtEl>
+                                          <p:spTgt spid="4"/>
+                                        </p:tgtEl>
+                                      </p:cBhvr>
+                                    </p:animEffect>
+                                    <p:anim calcmode="lin" valueType="num">
+                                      <p:cBhvr>
+                                        <p:cTn id="28" dur="1000" fill="hold"/>
+                                        <p:tgtEl>
+                                          <p:spTgt spid="4"/>
+                                        </p:tgtEl>
+                                        <p:attrNameLst>
+                                          <p:attrName>ppt_x</p:attrName>
+                                        </p:attrNameLst>
+                                      </p:cBhvr>
+                                      <p:tavLst>
+                                        <p:tav tm="0">
+                                          <p:val>
+                                            <p:strVal val="#ppt_x"/>
+                                          </p:val>
+                                        </p:tav>
+                                        <p:tav tm="100000">
+                                          <p:val>
+                                            <p:strVal val="#ppt_x"/>
+                                          </p:val>
+                                        </p:tav>
+                                      </p:tavLst>
+                                    </p:anim>
+                                    <p:anim calcmode="lin" valueType="num">
+                                      <p:cBhvr>
+                                        <p:cTn id="29" dur="1000" fill="hold"/>
+                                        <p:tgtEl>
+                                          <p:spTgt spid="4"/>
+                                        </p:tgtEl>
+                                        <p:attrNameLst>
+                                          <p:attrName>ppt_y</p:attrName>
+                                        </p:attrNameLst>
+                                      </p:cBhvr>
+                                      <p:tavLst>
+                                        <p:tav tm="0">
+                                          <p:val>
+                                            <p:strVal val="#ppt_y+.1"/>
+                                          </p:val>
+                                        </p:tav>
+                                        <p:tav tm="100000">
+                                          <p:val>
+                                            <p:strVal val="#ppt_y"/>
+                                          </p:val>
+                                        </p:tav>
+                                      </p:tavLst>
+                                    </p:anim>
                                   </p:childTnLst>
                                 </p:cTn>
                               </p:par>
@@ -8026,6 +8801,10 @@
         </p:cTn>
       </p:par>
     </p:tnLst>
+    <p:bldLst>
+      <p:bldP spid="4" grpId="0"/>
+      <p:bldP spid="6" grpId="0"/>
+    </p:bldLst>
   </p:timing>
 </p:sld>
 </file>
@@ -8120,14 +8899,19 @@
             <p:ph type="body" sz="quarter" idx="3"/>
           </p:nvPr>
         </p:nvSpPr>
-        <p:spPr/>
+        <p:spPr>
+          <a:xfrm>
+            <a:off x="7061954" y="1879124"/>
+            <a:ext cx="4396339" cy="576262"/>
+          </a:xfrm>
+        </p:spPr>
         <p:txBody>
           <a:bodyPr/>
           <a:lstStyle/>
           <a:p>
             <a:r>
               <a:rPr lang="hu-HU" dirty="0"/>
-              <a:t>Tablett</a:t>
+              <a:t>Tablet</a:t>
             </a:r>
           </a:p>
         </p:txBody>
@@ -8159,38 +8943,6 @@
       </p:sp>
       <p:pic>
         <p:nvPicPr>
-          <p:cNvPr id="7" name="Tartalom helye 6">
-            <a:extLst>
-              <a:ext uri="{FF2B5EF4-FFF2-40B4-BE49-F238E27FC236}">
-                <a16:creationId xmlns:a16="http://schemas.microsoft.com/office/drawing/2014/main" id="{E4755127-D18B-475C-8601-5E7B0EF68A8D}"/>
-              </a:ext>
-            </a:extLst>
-          </p:cNvPr>
-          <p:cNvPicPr>
-            <a:picLocks noGrp="1" noChangeAspect="1"/>
-          </p:cNvPicPr>
-          <p:nvPr>
-            <p:ph sz="quarter" idx="4"/>
-          </p:nvPr>
-        </p:nvPicPr>
-        <p:blipFill>
-          <a:blip r:embed="rId2"/>
-          <a:stretch>
-            <a:fillRect/>
-          </a:stretch>
-        </p:blipFill>
-        <p:spPr>
-          <a:xfrm>
-            <a:off x="6021911" y="2514600"/>
-            <a:ext cx="3661316" cy="3741738"/>
-          </a:xfrm>
-          <a:prstGeom prst="rect">
-            <a:avLst/>
-          </a:prstGeom>
-        </p:spPr>
-      </p:pic>
-      <p:pic>
-        <p:nvPicPr>
           <p:cNvPr id="6146" name="Picture 2">
             <a:extLst>
               <a:ext uri="{FF2B5EF4-FFF2-40B4-BE49-F238E27FC236}">
@@ -8204,7 +8956,7 @@
           <p:nvPr/>
         </p:nvPicPr>
         <p:blipFill>
-          <a:blip r:embed="rId3">
+          <a:blip r:embed="rId2">
             <a:extLst>
               <a:ext uri="{28A0092B-C50C-407E-A947-70E740481C1C}">
                 <a14:useLocalDpi xmlns:a14="http://schemas.microsoft.com/office/drawing/2010/main" val="0"/>
@@ -8234,6 +8986,91 @@
               </a14:hiddenFill>
             </a:ext>
           </a:extLst>
+        </p:spPr>
+      </p:pic>
+      <p:pic>
+        <p:nvPicPr>
+          <p:cNvPr id="8" name="Kép 7">
+            <a:extLst>
+              <a:ext uri="{FF2B5EF4-FFF2-40B4-BE49-F238E27FC236}">
+                <a16:creationId xmlns:a16="http://schemas.microsoft.com/office/drawing/2014/main" id="{16E314A5-FACE-7F83-5B60-8239768901A9}"/>
+              </a:ext>
+            </a:extLst>
+          </p:cNvPr>
+          <p:cNvPicPr>
+            <a:picLocks noChangeAspect="1"/>
+          </p:cNvPicPr>
+          <p:nvPr/>
+        </p:nvPicPr>
+        <p:blipFill>
+          <a:blip r:embed="rId3"/>
+          <a:stretch>
+            <a:fillRect/>
+          </a:stretch>
+        </p:blipFill>
+        <p:spPr>
+          <a:xfrm>
+            <a:off x="3750003" y="2960914"/>
+            <a:ext cx="1883885" cy="3432956"/>
+          </a:xfrm>
+          <a:prstGeom prst="rect">
+            <a:avLst/>
+          </a:prstGeom>
+        </p:spPr>
+      </p:pic>
+      <p:sp>
+        <p:nvSpPr>
+          <p:cNvPr id="10" name="Tartalom helye 9">
+            <a:extLst>
+              <a:ext uri="{FF2B5EF4-FFF2-40B4-BE49-F238E27FC236}">
+                <a16:creationId xmlns:a16="http://schemas.microsoft.com/office/drawing/2014/main" id="{687617B3-6F9C-9E31-9E31-1B1DF2AB3906}"/>
+              </a:ext>
+            </a:extLst>
+          </p:cNvPr>
+          <p:cNvSpPr>
+            <a:spLocks noGrp="1"/>
+          </p:cNvSpPr>
+          <p:nvPr>
+            <p:ph sz="quarter" idx="4"/>
+          </p:nvPr>
+        </p:nvSpPr>
+        <p:spPr/>
+        <p:txBody>
+          <a:bodyPr/>
+          <a:lstStyle/>
+          <a:p>
+            <a:endParaRPr lang="hu-HU"/>
+          </a:p>
+        </p:txBody>
+      </p:sp>
+      <p:pic>
+        <p:nvPicPr>
+          <p:cNvPr id="12" name="Kép 11">
+            <a:extLst>
+              <a:ext uri="{FF2B5EF4-FFF2-40B4-BE49-F238E27FC236}">
+                <a16:creationId xmlns:a16="http://schemas.microsoft.com/office/drawing/2014/main" id="{7A5B22D0-9E7E-3165-B591-40D27A556D2B}"/>
+              </a:ext>
+            </a:extLst>
+          </p:cNvPr>
+          <p:cNvPicPr>
+            <a:picLocks noChangeAspect="1"/>
+          </p:cNvPicPr>
+          <p:nvPr/>
+        </p:nvPicPr>
+        <p:blipFill>
+          <a:blip r:embed="rId4"/>
+          <a:stretch>
+            <a:fillRect/>
+          </a:stretch>
+        </p:blipFill>
+        <p:spPr>
+          <a:xfrm>
+            <a:off x="7135923" y="2520432"/>
+            <a:ext cx="3809983" cy="3795120"/>
+          </a:xfrm>
+          <a:prstGeom prst="rect">
+            <a:avLst/>
+          </a:prstGeom>
         </p:spPr>
       </p:pic>
     </p:spTree>
@@ -8354,43 +9191,21 @@
                                   </p:childTnLst>
                                 </p:cTn>
                               </p:par>
-                            </p:childTnLst>
-                          </p:cTn>
-                        </p:par>
-                      </p:childTnLst>
-                    </p:cTn>
-                  </p:par>
-                  <p:par>
-                    <p:cTn id="9" fill="hold">
-                      <p:stCondLst>
-                        <p:cond delay="indefinite"/>
-                      </p:stCondLst>
-                      <p:childTnLst>
-                        <p:par>
-                          <p:cTn id="10" fill="hold">
-                            <p:stCondLst>
-                              <p:cond delay="0"/>
-                            </p:stCondLst>
-                            <p:childTnLst>
                               <p:par>
-                                <p:cTn id="11" presetID="2" presetClass="entr" presetSubtype="4" fill="hold" nodeType="clickEffect">
+                                <p:cTn id="9" presetID="21" presetClass="entr" presetSubtype="1" fill="hold" nodeType="withEffect">
                                   <p:stCondLst>
                                     <p:cond delay="0"/>
                                   </p:stCondLst>
                                   <p:childTnLst>
                                     <p:set>
                                       <p:cBhvr>
-                                        <p:cTn id="12" dur="1" fill="hold">
+                                        <p:cTn id="10" dur="1" fill="hold">
                                           <p:stCondLst>
                                             <p:cond delay="0"/>
                                           </p:stCondLst>
                                         </p:cTn>
                                         <p:tgtEl>
-                                          <p:spTgt spid="5">
-                                            <p:txEl>
-                                              <p:pRg st="0" end="0"/>
-                                            </p:txEl>
-                                          </p:spTgt>
+                                          <p:spTgt spid="6146"/>
                                         </p:tgtEl>
                                         <p:attrNameLst>
                                           <p:attrName>style.visibility</p:attrName>
@@ -8400,60 +9215,49 @@
                                         <p:strVal val="visible"/>
                                       </p:to>
                                     </p:set>
-                                    <p:anim calcmode="lin" valueType="num">
-                                      <p:cBhvr additive="base">
-                                        <p:cTn id="13" dur="500" fill="hold"/>
-                                        <p:tgtEl>
-                                          <p:spTgt spid="5">
-                                            <p:txEl>
-                                              <p:pRg st="0" end="0"/>
-                                            </p:txEl>
-                                          </p:spTgt>
-                                        </p:tgtEl>
-                                        <p:attrNameLst>
-                                          <p:attrName>ppt_x</p:attrName>
-                                        </p:attrNameLst>
-                                      </p:cBhvr>
-                                      <p:tavLst>
-                                        <p:tav tm="0">
-                                          <p:val>
-                                            <p:strVal val="#ppt_x"/>
-                                          </p:val>
-                                        </p:tav>
-                                        <p:tav tm="100000">
-                                          <p:val>
-                                            <p:strVal val="#ppt_x"/>
-                                          </p:val>
-                                        </p:tav>
-                                      </p:tavLst>
-                                    </p:anim>
-                                    <p:anim calcmode="lin" valueType="num">
-                                      <p:cBhvr additive="base">
-                                        <p:cTn id="14" dur="500" fill="hold"/>
-                                        <p:tgtEl>
-                                          <p:spTgt spid="5">
-                                            <p:txEl>
-                                              <p:pRg st="0" end="0"/>
-                                            </p:txEl>
-                                          </p:spTgt>
-                                        </p:tgtEl>
-                                        <p:attrNameLst>
-                                          <p:attrName>ppt_y</p:attrName>
-                                        </p:attrNameLst>
-                                      </p:cBhvr>
-                                      <p:tavLst>
-                                        <p:tav tm="0">
-                                          <p:val>
-                                            <p:strVal val="1+#ppt_h/2"/>
-                                          </p:val>
-                                        </p:tav>
-                                        <p:tav tm="100000">
-                                          <p:val>
-                                            <p:strVal val="#ppt_y"/>
-                                          </p:val>
-                                        </p:tav>
-                                      </p:tavLst>
-                                    </p:anim>
+                                    <p:animEffect transition="in" filter="wheel(1)">
+                                      <p:cBhvr>
+                                        <p:cTn id="11" dur="2000"/>
+                                        <p:tgtEl>
+                                          <p:spTgt spid="6146"/>
+                                        </p:tgtEl>
+                                      </p:cBhvr>
+                                    </p:animEffect>
+                                  </p:childTnLst>
+                                </p:cTn>
+                              </p:par>
+                              <p:par>
+                                <p:cTn id="12" presetID="21" presetClass="entr" presetSubtype="1" fill="hold" nodeType="withEffect">
+                                  <p:stCondLst>
+                                    <p:cond delay="0"/>
+                                  </p:stCondLst>
+                                  <p:childTnLst>
+                                    <p:set>
+                                      <p:cBhvr>
+                                        <p:cTn id="13" dur="1" fill="hold">
+                                          <p:stCondLst>
+                                            <p:cond delay="0"/>
+                                          </p:stCondLst>
+                                        </p:cTn>
+                                        <p:tgtEl>
+                                          <p:spTgt spid="8"/>
+                                        </p:tgtEl>
+                                        <p:attrNameLst>
+                                          <p:attrName>style.visibility</p:attrName>
+                                        </p:attrNameLst>
+                                      </p:cBhvr>
+                                      <p:to>
+                                        <p:strVal val="visible"/>
+                                      </p:to>
+                                    </p:set>
+                                    <p:animEffect transition="in" filter="wheel(1)">
+                                      <p:cBhvr>
+                                        <p:cTn id="14" dur="2000"/>
+                                        <p:tgtEl>
+                                          <p:spTgt spid="8"/>
+                                        </p:tgtEl>
+                                      </p:cBhvr>
+                                    </p:animEffect>
                                   </p:childTnLst>
                                 </p:cTn>
                               </p:par>
@@ -8476,7 +9280,7 @@
                             </p:stCondLst>
                             <p:childTnLst>
                               <p:par>
-                                <p:cTn id="17" presetID="21" presetClass="entr" presetSubtype="1" fill="hold" nodeType="clickEffect">
+                                <p:cTn id="17" presetID="2" presetClass="entr" presetSubtype="4" fill="hold" nodeType="clickEffect">
                                   <p:stCondLst>
                                     <p:cond delay="0"/>
                                   </p:stCondLst>
@@ -8489,7 +9293,92 @@
                                           </p:stCondLst>
                                         </p:cTn>
                                         <p:tgtEl>
-                                          <p:spTgt spid="6146"/>
+                                          <p:spTgt spid="5">
+                                            <p:txEl>
+                                              <p:pRg st="0" end="0"/>
+                                            </p:txEl>
+                                          </p:spTgt>
+                                        </p:tgtEl>
+                                        <p:attrNameLst>
+                                          <p:attrName>style.visibility</p:attrName>
+                                        </p:attrNameLst>
+                                      </p:cBhvr>
+                                      <p:to>
+                                        <p:strVal val="visible"/>
+                                      </p:to>
+                                    </p:set>
+                                    <p:anim calcmode="lin" valueType="num">
+                                      <p:cBhvr additive="base">
+                                        <p:cTn id="19" dur="500" fill="hold"/>
+                                        <p:tgtEl>
+                                          <p:spTgt spid="5">
+                                            <p:txEl>
+                                              <p:pRg st="0" end="0"/>
+                                            </p:txEl>
+                                          </p:spTgt>
+                                        </p:tgtEl>
+                                        <p:attrNameLst>
+                                          <p:attrName>ppt_x</p:attrName>
+                                        </p:attrNameLst>
+                                      </p:cBhvr>
+                                      <p:tavLst>
+                                        <p:tav tm="0">
+                                          <p:val>
+                                            <p:strVal val="#ppt_x"/>
+                                          </p:val>
+                                        </p:tav>
+                                        <p:tav tm="100000">
+                                          <p:val>
+                                            <p:strVal val="#ppt_x"/>
+                                          </p:val>
+                                        </p:tav>
+                                      </p:tavLst>
+                                    </p:anim>
+                                    <p:anim calcmode="lin" valueType="num">
+                                      <p:cBhvr additive="base">
+                                        <p:cTn id="20" dur="500" fill="hold"/>
+                                        <p:tgtEl>
+                                          <p:spTgt spid="5">
+                                            <p:txEl>
+                                              <p:pRg st="0" end="0"/>
+                                            </p:txEl>
+                                          </p:spTgt>
+                                        </p:tgtEl>
+                                        <p:attrNameLst>
+                                          <p:attrName>ppt_y</p:attrName>
+                                        </p:attrNameLst>
+                                      </p:cBhvr>
+                                      <p:tavLst>
+                                        <p:tav tm="0">
+                                          <p:val>
+                                            <p:strVal val="1+#ppt_h/2"/>
+                                          </p:val>
+                                        </p:tav>
+                                        <p:tav tm="100000">
+                                          <p:val>
+                                            <p:strVal val="#ppt_y"/>
+                                          </p:val>
+                                        </p:tav>
+                                      </p:tavLst>
+                                    </p:anim>
+                                  </p:childTnLst>
+                                </p:cTn>
+                              </p:par>
+                              <p:par>
+                                <p:cTn id="21" presetID="21" presetClass="entr" presetSubtype="1" fill="hold" nodeType="withEffect">
+                                  <p:stCondLst>
+                                    <p:cond delay="0"/>
+                                  </p:stCondLst>
+                                  <p:childTnLst>
+                                    <p:set>
+                                      <p:cBhvr>
+                                        <p:cTn id="22" dur="1" fill="hold">
+                                          <p:stCondLst>
+                                            <p:cond delay="0"/>
+                                          </p:stCondLst>
+                                        </p:cTn>
+                                        <p:tgtEl>
+                                          <p:spTgt spid="12"/>
                                         </p:tgtEl>
                                         <p:attrNameLst>
                                           <p:attrName>style.visibility</p:attrName>
@@ -8501,62 +9390,9 @@
                                     </p:set>
                                     <p:animEffect transition="in" filter="wheel(1)">
                                       <p:cBhvr>
-                                        <p:cTn id="19" dur="2000"/>
-                                        <p:tgtEl>
-                                          <p:spTgt spid="6146"/>
-                                        </p:tgtEl>
-                                      </p:cBhvr>
-                                    </p:animEffect>
-                                  </p:childTnLst>
-                                </p:cTn>
-                              </p:par>
-                            </p:childTnLst>
-                          </p:cTn>
-                        </p:par>
-                      </p:childTnLst>
-                    </p:cTn>
-                  </p:par>
-                  <p:par>
-                    <p:cTn id="20" fill="hold">
-                      <p:stCondLst>
-                        <p:cond delay="indefinite"/>
-                      </p:stCondLst>
-                      <p:childTnLst>
-                        <p:par>
-                          <p:cTn id="21" fill="hold">
-                            <p:stCondLst>
-                              <p:cond delay="0"/>
-                            </p:stCondLst>
-                            <p:childTnLst>
-                              <p:par>
-                                <p:cTn id="22" presetID="21" presetClass="entr" presetSubtype="1" fill="hold" nodeType="clickEffect">
-                                  <p:stCondLst>
-                                    <p:cond delay="0"/>
-                                  </p:stCondLst>
-                                  <p:childTnLst>
-                                    <p:set>
-                                      <p:cBhvr>
-                                        <p:cTn id="23" dur="1" fill="hold">
-                                          <p:stCondLst>
-                                            <p:cond delay="0"/>
-                                          </p:stCondLst>
-                                        </p:cTn>
-                                        <p:tgtEl>
-                                          <p:spTgt spid="7"/>
-                                        </p:tgtEl>
-                                        <p:attrNameLst>
-                                          <p:attrName>style.visibility</p:attrName>
-                                        </p:attrNameLst>
-                                      </p:cBhvr>
-                                      <p:to>
-                                        <p:strVal val="visible"/>
-                                      </p:to>
-                                    </p:set>
-                                    <p:animEffect transition="in" filter="wheel(1)">
-                                      <p:cBhvr>
-                                        <p:cTn id="24" dur="2000"/>
-                                        <p:tgtEl>
-                                          <p:spTgt spid="7"/>
+                                        <p:cTn id="23" dur="2000"/>
+                                        <p:tgtEl>
+                                          <p:spTgt spid="12"/>
                                         </p:tgtEl>
                                       </p:cBhvr>
                                     </p:animEffect>
@@ -8627,7 +9463,12 @@
             <p:ph type="title"/>
           </p:nvPr>
         </p:nvSpPr>
-        <p:spPr/>
+        <p:spPr>
+          <a:xfrm>
+            <a:off x="87716" y="1154627"/>
+            <a:ext cx="3401064" cy="1290918"/>
+          </a:xfrm>
+        </p:spPr>
         <p:txBody>
           <a:bodyPr/>
           <a:lstStyle/>
@@ -8663,8 +9504,8 @@
         </p:blipFill>
         <p:spPr>
           <a:xfrm>
-            <a:off x="3936655" y="362585"/>
-            <a:ext cx="3034794" cy="1703070"/>
+            <a:off x="4559164" y="139968"/>
+            <a:ext cx="1715547" cy="962733"/>
           </a:xfrm>
         </p:spPr>
       </p:pic>
@@ -8684,9 +9525,16 @@
             <p:ph type="body" sz="half" idx="2"/>
           </p:nvPr>
         </p:nvSpPr>
-        <p:spPr/>
+        <p:spPr>
+          <a:xfrm>
+            <a:off x="2301412" y="448235"/>
+            <a:ext cx="1894258" cy="6047180"/>
+          </a:xfrm>
+        </p:spPr>
         <p:txBody>
-          <a:bodyPr/>
+          <a:bodyPr>
+            <a:normAutofit/>
+          </a:bodyPr>
           <a:lstStyle/>
           <a:p>
             <a:pPr marL="285750" indent="-285750">
@@ -8701,6 +9549,27 @@
               </a:rPr>
               <a:t>Github</a:t>
             </a:r>
+            <a:r>
+              <a:rPr lang="hu-HU" dirty="0">
+                <a:solidFill>
+                  <a:schemeClr val="bg1"/>
+                </a:solidFill>
+              </a:rPr>
+              <a:t>	</a:t>
+            </a:r>
+          </a:p>
+          <a:p>
+            <a:endParaRPr lang="hu-HU" dirty="0">
+              <a:solidFill>
+                <a:schemeClr val="bg1"/>
+              </a:solidFill>
+            </a:endParaRPr>
+          </a:p>
+          <a:p>
+            <a:pPr marL="285750" indent="-285750">
+              <a:buFont typeface="Wingdings" panose="05000000000000000000" pitchFamily="2" charset="2"/>
+              <a:buChar char="ü"/>
+            </a:pPr>
             <a:endParaRPr lang="hu-HU" dirty="0">
               <a:solidFill>
                 <a:schemeClr val="bg1"/>
@@ -8720,6 +9589,179 @@
               </a:rPr>
               <a:t>Discord</a:t>
             </a:r>
+            <a:endParaRPr lang="hu-HU" dirty="0">
+              <a:solidFill>
+                <a:schemeClr val="bg1"/>
+              </a:solidFill>
+            </a:endParaRPr>
+          </a:p>
+          <a:p>
+            <a:pPr marL="285750" indent="-285750">
+              <a:buFont typeface="Wingdings" panose="05000000000000000000" pitchFamily="2" charset="2"/>
+              <a:buChar char="ü"/>
+            </a:pPr>
+            <a:endParaRPr lang="hu-HU" dirty="0">
+              <a:solidFill>
+                <a:schemeClr val="bg1"/>
+              </a:solidFill>
+            </a:endParaRPr>
+          </a:p>
+          <a:p>
+            <a:pPr marL="285750" indent="-285750">
+              <a:buFont typeface="Wingdings" panose="05000000000000000000" pitchFamily="2" charset="2"/>
+              <a:buChar char="ü"/>
+            </a:pPr>
+            <a:endParaRPr lang="hu-HU" dirty="0">
+              <a:solidFill>
+                <a:schemeClr val="bg1"/>
+              </a:solidFill>
+            </a:endParaRPr>
+          </a:p>
+          <a:p>
+            <a:pPr marL="285750" indent="-285750">
+              <a:buFont typeface="Wingdings" panose="05000000000000000000" pitchFamily="2" charset="2"/>
+              <a:buChar char="ü"/>
+            </a:pPr>
+            <a:endParaRPr lang="hu-HU" dirty="0">
+              <a:solidFill>
+                <a:schemeClr val="bg1"/>
+              </a:solidFill>
+            </a:endParaRPr>
+          </a:p>
+          <a:p>
+            <a:pPr marL="285750" indent="-285750">
+              <a:buFont typeface="Wingdings" panose="05000000000000000000" pitchFamily="2" charset="2"/>
+              <a:buChar char="ü"/>
+            </a:pPr>
+            <a:r>
+              <a:rPr lang="hu-HU" dirty="0" err="1">
+                <a:solidFill>
+                  <a:schemeClr val="bg1"/>
+                </a:solidFill>
+              </a:rPr>
+              <a:t>MySql</a:t>
+            </a:r>
+            <a:r>
+              <a:rPr lang="hu-HU" dirty="0">
+                <a:solidFill>
+                  <a:schemeClr val="bg1"/>
+                </a:solidFill>
+              </a:rPr>
+              <a:t> </a:t>
+            </a:r>
+            <a:r>
+              <a:rPr lang="hu-HU" dirty="0" err="1">
+                <a:solidFill>
+                  <a:schemeClr val="bg1"/>
+                </a:solidFill>
+              </a:rPr>
+              <a:t>Workbench</a:t>
+            </a:r>
+            <a:endParaRPr lang="hu-HU" dirty="0">
+              <a:solidFill>
+                <a:schemeClr val="bg1"/>
+              </a:solidFill>
+            </a:endParaRPr>
+          </a:p>
+          <a:p>
+            <a:pPr marL="285750" indent="-285750">
+              <a:buFont typeface="Wingdings" panose="05000000000000000000" pitchFamily="2" charset="2"/>
+              <a:buChar char="ü"/>
+            </a:pPr>
+            <a:endParaRPr lang="hu-HU" dirty="0">
+              <a:solidFill>
+                <a:schemeClr val="bg1"/>
+              </a:solidFill>
+            </a:endParaRPr>
+          </a:p>
+          <a:p>
+            <a:pPr marL="285750" indent="-285750">
+              <a:buFont typeface="Wingdings" panose="05000000000000000000" pitchFamily="2" charset="2"/>
+              <a:buChar char="ü"/>
+            </a:pPr>
+            <a:endParaRPr lang="hu-HU" dirty="0">
+              <a:solidFill>
+                <a:schemeClr val="bg1"/>
+              </a:solidFill>
+            </a:endParaRPr>
+          </a:p>
+          <a:p>
+            <a:pPr marL="285750" indent="-285750">
+              <a:buFont typeface="Wingdings" panose="05000000000000000000" pitchFamily="2" charset="2"/>
+              <a:buChar char="ü"/>
+            </a:pPr>
+            <a:endParaRPr lang="hu-HU" dirty="0">
+              <a:solidFill>
+                <a:schemeClr val="bg1"/>
+              </a:solidFill>
+            </a:endParaRPr>
+          </a:p>
+          <a:p>
+            <a:pPr marL="285750" indent="-285750">
+              <a:buFont typeface="Wingdings" panose="05000000000000000000" pitchFamily="2" charset="2"/>
+              <a:buChar char="ü"/>
+            </a:pPr>
+            <a:r>
+              <a:rPr lang="hu-HU" dirty="0">
+                <a:solidFill>
+                  <a:schemeClr val="bg1"/>
+                </a:solidFill>
+              </a:rPr>
+              <a:t>Visual </a:t>
+            </a:r>
+            <a:r>
+              <a:rPr lang="hu-HU" dirty="0" err="1">
+                <a:solidFill>
+                  <a:schemeClr val="bg1"/>
+                </a:solidFill>
+              </a:rPr>
+              <a:t>Studio</a:t>
+            </a:r>
+            <a:r>
+              <a:rPr lang="hu-HU" dirty="0">
+                <a:solidFill>
+                  <a:schemeClr val="bg1"/>
+                </a:solidFill>
+              </a:rPr>
+              <a:t> </a:t>
+            </a:r>
+            <a:r>
+              <a:rPr lang="hu-HU" dirty="0" err="1">
+                <a:solidFill>
+                  <a:schemeClr val="bg1"/>
+                </a:solidFill>
+              </a:rPr>
+              <a:t>Code</a:t>
+            </a:r>
+            <a:endParaRPr lang="hu-HU" dirty="0">
+              <a:solidFill>
+                <a:schemeClr val="bg1"/>
+              </a:solidFill>
+            </a:endParaRPr>
+          </a:p>
+          <a:p>
+            <a:pPr marL="285750" indent="-285750">
+              <a:buFont typeface="Wingdings" panose="05000000000000000000" pitchFamily="2" charset="2"/>
+              <a:buChar char="ü"/>
+            </a:pPr>
+            <a:endParaRPr lang="hu-HU" dirty="0">
+              <a:solidFill>
+                <a:schemeClr val="bg1"/>
+              </a:solidFill>
+            </a:endParaRPr>
+          </a:p>
+          <a:p>
+            <a:pPr marL="285750" indent="-285750">
+              <a:buFont typeface="Wingdings" panose="05000000000000000000" pitchFamily="2" charset="2"/>
+              <a:buChar char="ü"/>
+            </a:pPr>
+            <a:endParaRPr lang="hu-HU" dirty="0">
+              <a:solidFill>
+                <a:schemeClr val="bg1"/>
+              </a:solidFill>
+            </a:endParaRPr>
+          </a:p>
+          <a:p>
             <a:endParaRPr lang="hu-HU" dirty="0">
               <a:solidFill>
                 <a:schemeClr val="bg1"/>
@@ -8756,8 +9798,8 @@
         </p:nvSpPr>
         <p:spPr>
           <a:xfrm>
-            <a:off x="7419324" y="702978"/>
-            <a:ext cx="2781701" cy="1200329"/>
+            <a:off x="7078665" y="139968"/>
+            <a:ext cx="2925947" cy="1200329"/>
           </a:xfrm>
           <a:prstGeom prst="rect">
             <a:avLst/>
@@ -8808,7 +9850,7 @@
                   <a:schemeClr val="bg1"/>
                 </a:solidFill>
               </a:rPr>
-              <a:t> a munkánkat</a:t>
+              <a:t> a munkánkat.</a:t>
             </a:r>
           </a:p>
         </p:txBody>
@@ -8827,7 +9869,7 @@
         </p:nvSpPr>
         <p:spPr>
           <a:xfrm>
-            <a:off x="7419324" y="2667615"/>
+            <a:off x="5664885" y="1338421"/>
             <a:ext cx="2499360" cy="923330"/>
           </a:xfrm>
           <a:prstGeom prst="rect">
@@ -8863,7 +9905,7 @@
                   <a:schemeClr val="bg1"/>
                 </a:solidFill>
               </a:rPr>
-              <a:t> beszéltünk</a:t>
+              <a:t> beszéltünk.</a:t>
             </a:r>
           </a:p>
         </p:txBody>
@@ -8882,8 +9924,8 @@
         </p:nvSpPr>
         <p:spPr>
           <a:xfrm>
-            <a:off x="7419324" y="4691710"/>
-            <a:ext cx="2385769" cy="1200329"/>
+            <a:off x="6624968" y="5375524"/>
+            <a:ext cx="2199805" cy="1200329"/>
           </a:xfrm>
           <a:prstGeom prst="rect">
             <a:avLst/>
@@ -8902,7 +9944,7 @@
                   <a:schemeClr val="bg1"/>
                 </a:solidFill>
               </a:rPr>
-              <a:t>Iskolában egymás mellől tudtunk a leghatékonyabban dolgozni</a:t>
+              <a:t>Iskolában egymás mellől tudtunk a leghatékonyabban dolgozni.</a:t>
             </a:r>
           </a:p>
         </p:txBody>
@@ -8936,8 +9978,8 @@
         </p:blipFill>
         <p:spPr bwMode="auto">
           <a:xfrm>
-            <a:off x="4425021" y="2206837"/>
-            <a:ext cx="2058061" cy="2058061"/>
+            <a:off x="4399716" y="1208955"/>
+            <a:ext cx="1061123" cy="1061123"/>
           </a:xfrm>
           <a:prstGeom prst="rect">
             <a:avLst/>
@@ -8983,8 +10025,8 @@
         </p:blipFill>
         <p:spPr bwMode="auto">
           <a:xfrm>
-            <a:off x="4326665" y="4498578"/>
-            <a:ext cx="2385769" cy="1586595"/>
+            <a:off x="4267956" y="5434971"/>
+            <a:ext cx="1715548" cy="1140882"/>
           </a:xfrm>
           <a:prstGeom prst="rect">
             <a:avLst/>
@@ -9001,6 +10043,235 @@
           </a:extLst>
         </p:spPr>
       </p:pic>
+      <p:sp>
+        <p:nvSpPr>
+          <p:cNvPr id="12" name="Szövegdoboz 11">
+            <a:extLst>
+              <a:ext uri="{FF2B5EF4-FFF2-40B4-BE49-F238E27FC236}">
+                <a16:creationId xmlns:a16="http://schemas.microsoft.com/office/drawing/2014/main" id="{3C687B91-6F50-6385-C8EF-962BCBEBE501}"/>
+              </a:ext>
+            </a:extLst>
+          </p:cNvPr>
+          <p:cNvSpPr txBox="1"/>
+          <p:nvPr/>
+        </p:nvSpPr>
+        <p:spPr>
+          <a:xfrm>
+            <a:off x="98567" y="2672305"/>
+            <a:ext cx="2202846" cy="1754326"/>
+          </a:xfrm>
+          <a:prstGeom prst="rect">
+            <a:avLst/>
+          </a:prstGeom>
+          <a:noFill/>
+        </p:spPr>
+        <p:txBody>
+          <a:bodyPr wrap="square" rtlCol="0">
+            <a:spAutoFit/>
+          </a:bodyPr>
+          <a:lstStyle/>
+          <a:p>
+            <a:r>
+              <a:rPr lang="hu-HU" dirty="0"/>
+              <a:t>Csapatmunkához 4 legfontosabb alkalmazást használtuk a webalkalmazás elkészítéséhez.</a:t>
+            </a:r>
+          </a:p>
+        </p:txBody>
+      </p:sp>
+      <p:pic>
+        <p:nvPicPr>
+          <p:cNvPr id="14" name="Kép 13">
+            <a:extLst>
+              <a:ext uri="{FF2B5EF4-FFF2-40B4-BE49-F238E27FC236}">
+                <a16:creationId xmlns:a16="http://schemas.microsoft.com/office/drawing/2014/main" id="{C46C3119-CCAD-F0C3-FC90-B7000EF8B797}"/>
+              </a:ext>
+            </a:extLst>
+          </p:cNvPr>
+          <p:cNvPicPr>
+            <a:picLocks noChangeAspect="1"/>
+          </p:cNvPicPr>
+          <p:nvPr/>
+        </p:nvPicPr>
+        <p:blipFill>
+          <a:blip r:embed="rId5"/>
+          <a:stretch>
+            <a:fillRect/>
+          </a:stretch>
+        </p:blipFill>
+        <p:spPr>
+          <a:xfrm>
+            <a:off x="4231788" y="4106431"/>
+            <a:ext cx="1426810" cy="1152181"/>
+          </a:xfrm>
+          <a:prstGeom prst="rect">
+            <a:avLst/>
+          </a:prstGeom>
+        </p:spPr>
+      </p:pic>
+      <p:pic>
+        <p:nvPicPr>
+          <p:cNvPr id="16" name="Kép 15">
+            <a:extLst>
+              <a:ext uri="{FF2B5EF4-FFF2-40B4-BE49-F238E27FC236}">
+                <a16:creationId xmlns:a16="http://schemas.microsoft.com/office/drawing/2014/main" id="{430B2F15-024D-D8E7-26F7-768BDFF72EF0}"/>
+              </a:ext>
+            </a:extLst>
+          </p:cNvPr>
+          <p:cNvPicPr>
+            <a:picLocks noChangeAspect="1"/>
+          </p:cNvPicPr>
+          <p:nvPr/>
+        </p:nvPicPr>
+        <p:blipFill>
+          <a:blip r:embed="rId6"/>
+          <a:stretch>
+            <a:fillRect/>
+          </a:stretch>
+        </p:blipFill>
+        <p:spPr>
+          <a:xfrm>
+            <a:off x="4886375" y="2698510"/>
+            <a:ext cx="1061123" cy="1077900"/>
+          </a:xfrm>
+          <a:prstGeom prst="rect">
+            <a:avLst/>
+          </a:prstGeom>
+        </p:spPr>
+      </p:pic>
+      <p:sp>
+        <p:nvSpPr>
+          <p:cNvPr id="17" name="Szövegdoboz 16">
+            <a:extLst>
+              <a:ext uri="{FF2B5EF4-FFF2-40B4-BE49-F238E27FC236}">
+                <a16:creationId xmlns:a16="http://schemas.microsoft.com/office/drawing/2014/main" id="{C94D7E38-5077-3028-F7A9-348BE9CE4035}"/>
+              </a:ext>
+            </a:extLst>
+          </p:cNvPr>
+          <p:cNvSpPr txBox="1"/>
+          <p:nvPr/>
+        </p:nvSpPr>
+        <p:spPr>
+          <a:xfrm>
+            <a:off x="6568527" y="2878864"/>
+            <a:ext cx="3191435" cy="646331"/>
+          </a:xfrm>
+          <a:prstGeom prst="rect">
+            <a:avLst/>
+          </a:prstGeom>
+          <a:noFill/>
+        </p:spPr>
+        <p:txBody>
+          <a:bodyPr wrap="square" rtlCol="0">
+            <a:spAutoFit/>
+          </a:bodyPr>
+          <a:lstStyle/>
+          <a:p>
+            <a:r>
+              <a:rPr lang="hu-HU" dirty="0" err="1">
+                <a:solidFill>
+                  <a:schemeClr val="bg1"/>
+                </a:solidFill>
+              </a:rPr>
+              <a:t>Mysql</a:t>
+            </a:r>
+            <a:r>
+              <a:rPr lang="hu-HU" dirty="0">
+                <a:solidFill>
+                  <a:schemeClr val="bg1"/>
+                </a:solidFill>
+              </a:rPr>
+              <a:t> </a:t>
+            </a:r>
+            <a:r>
+              <a:rPr lang="hu-HU" dirty="0" err="1">
+                <a:solidFill>
+                  <a:schemeClr val="bg1"/>
+                </a:solidFill>
+              </a:rPr>
+              <a:t>Workbench</a:t>
+            </a:r>
+            <a:r>
+              <a:rPr lang="hu-HU" dirty="0">
+                <a:solidFill>
+                  <a:schemeClr val="bg1"/>
+                </a:solidFill>
+              </a:rPr>
+              <a:t>-ben csináltuk az adatbázist.</a:t>
+            </a:r>
+          </a:p>
+        </p:txBody>
+      </p:sp>
+      <p:sp>
+        <p:nvSpPr>
+          <p:cNvPr id="18" name="Szövegdoboz 17">
+            <a:extLst>
+              <a:ext uri="{FF2B5EF4-FFF2-40B4-BE49-F238E27FC236}">
+                <a16:creationId xmlns:a16="http://schemas.microsoft.com/office/drawing/2014/main" id="{CB1B69A8-A755-CDEF-9882-89A6022E198B}"/>
+              </a:ext>
+            </a:extLst>
+          </p:cNvPr>
+          <p:cNvSpPr txBox="1"/>
+          <p:nvPr/>
+        </p:nvSpPr>
+        <p:spPr>
+          <a:xfrm>
+            <a:off x="6185613" y="4118722"/>
+            <a:ext cx="3756161" cy="1200329"/>
+          </a:xfrm>
+          <a:prstGeom prst="rect">
+            <a:avLst/>
+          </a:prstGeom>
+          <a:noFill/>
+        </p:spPr>
+        <p:txBody>
+          <a:bodyPr wrap="square" rtlCol="0">
+            <a:spAutoFit/>
+          </a:bodyPr>
+          <a:lstStyle/>
+          <a:p>
+            <a:r>
+              <a:rPr lang="hu-HU" dirty="0">
+                <a:solidFill>
+                  <a:schemeClr val="bg1"/>
+                </a:solidFill>
+              </a:rPr>
+              <a:t>Visual </a:t>
+            </a:r>
+            <a:r>
+              <a:rPr lang="hu-HU" dirty="0" err="1">
+                <a:solidFill>
+                  <a:schemeClr val="bg1"/>
+                </a:solidFill>
+              </a:rPr>
+              <a:t>Studio</a:t>
+            </a:r>
+            <a:r>
+              <a:rPr lang="hu-HU" dirty="0">
+                <a:solidFill>
+                  <a:schemeClr val="bg1"/>
+                </a:solidFill>
+              </a:rPr>
+              <a:t> </a:t>
+            </a:r>
+            <a:r>
+              <a:rPr lang="hu-HU" dirty="0" err="1">
+                <a:solidFill>
+                  <a:schemeClr val="bg1"/>
+                </a:solidFill>
+              </a:rPr>
+              <a:t>Code</a:t>
+            </a:r>
+            <a:r>
+              <a:rPr lang="hu-HU" dirty="0">
+                <a:solidFill>
+                  <a:schemeClr val="bg1"/>
+                </a:solidFill>
+              </a:rPr>
+              <a:t>-ban írtuk meg az összes kódot a frontendhez és backendhez egyaránt.</a:t>
+            </a:r>
+          </a:p>
+        </p:txBody>
+      </p:sp>
     </p:spTree>
     <p:extLst>
       <p:ext uri="{BB962C8B-B14F-4D97-AF65-F5344CB8AC3E}">
@@ -9026,6 +10297,9 @@
                     <p:cTn id="3" fill="hold">
                       <p:stCondLst>
                         <p:cond delay="indefinite"/>
+                        <p:cond evt="onBegin" delay="0">
+                          <p:tn val="2"/>
+                        </p:cond>
                       </p:stCondLst>
                       <p:childTnLst>
                         <p:par>
@@ -9035,7 +10309,7 @@
                             </p:stCondLst>
                             <p:childTnLst>
                               <p:par>
-                                <p:cTn id="5" presetID="42" presetClass="entr" presetSubtype="0" fill="hold" nodeType="clickEffect">
+                                <p:cTn id="5" presetID="42" presetClass="entr" presetSubtype="0" fill="hold" grpId="0" nodeType="afterEffect">
                                   <p:stCondLst>
                                     <p:cond delay="0"/>
                                   </p:stCondLst>
@@ -9131,15 +10405,24 @@
                                   </p:childTnLst>
                                 </p:cTn>
                               </p:par>
+                            </p:childTnLst>
+                          </p:cTn>
+                        </p:par>
+                        <p:par>
+                          <p:cTn id="10" fill="hold">
+                            <p:stCondLst>
+                              <p:cond delay="1000"/>
+                            </p:stCondLst>
+                            <p:childTnLst>
                               <p:par>
-                                <p:cTn id="10" presetID="42" presetClass="entr" presetSubtype="0" fill="hold" nodeType="withEffect">
+                                <p:cTn id="11" presetID="42" presetClass="entr" presetSubtype="0" fill="hold" grpId="0" nodeType="afterEffect">
                                   <p:stCondLst>
                                     <p:cond delay="0"/>
                                   </p:stCondLst>
                                   <p:childTnLst>
                                     <p:set>
                                       <p:cBhvr>
-                                        <p:cTn id="11" dur="1" fill="hold">
+                                        <p:cTn id="12" dur="1" fill="hold">
                                           <p:stCondLst>
                                             <p:cond delay="0"/>
                                           </p:stCondLst>
@@ -9147,7 +10430,7 @@
                                         <p:tgtEl>
                                           <p:spTgt spid="4">
                                             <p:txEl>
-                                              <p:pRg st="1" end="1"/>
+                                              <p:pRg st="3" end="3"/>
                                             </p:txEl>
                                           </p:spTgt>
                                         </p:tgtEl>
@@ -9161,11 +10444,11 @@
                                     </p:set>
                                     <p:animEffect transition="in" filter="fade">
                                       <p:cBhvr>
-                                        <p:cTn id="12" dur="1000"/>
+                                        <p:cTn id="13" dur="1000"/>
                                         <p:tgtEl>
                                           <p:spTgt spid="4">
                                             <p:txEl>
-                                              <p:pRg st="1" end="1"/>
+                                              <p:pRg st="3" end="3"/>
                                             </p:txEl>
                                           </p:spTgt>
                                         </p:tgtEl>
@@ -9173,11 +10456,11 @@
                                     </p:animEffect>
                                     <p:anim calcmode="lin" valueType="num">
                                       <p:cBhvr>
-                                        <p:cTn id="13" dur="1000" fill="hold"/>
+                                        <p:cTn id="14" dur="1000" fill="hold"/>
                                         <p:tgtEl>
                                           <p:spTgt spid="4">
                                             <p:txEl>
-                                              <p:pRg st="1" end="1"/>
+                                              <p:pRg st="3" end="3"/>
                                             </p:txEl>
                                           </p:spTgt>
                                         </p:tgtEl>
@@ -9200,11 +10483,11 @@
                                     </p:anim>
                                     <p:anim calcmode="lin" valueType="num">
                                       <p:cBhvr>
-                                        <p:cTn id="14" dur="1000" fill="hold"/>
+                                        <p:cTn id="15" dur="1000" fill="hold"/>
                                         <p:tgtEl>
                                           <p:spTgt spid="4">
                                             <p:txEl>
-                                              <p:pRg st="1" end="1"/>
+                                              <p:pRg st="3" end="3"/>
                                             </p:txEl>
                                           </p:spTgt>
                                         </p:tgtEl>
@@ -9228,15 +10511,24 @@
                                   </p:childTnLst>
                                 </p:cTn>
                               </p:par>
+                            </p:childTnLst>
+                          </p:cTn>
+                        </p:par>
+                        <p:par>
+                          <p:cTn id="16" fill="hold">
+                            <p:stCondLst>
+                              <p:cond delay="2000"/>
+                            </p:stCondLst>
+                            <p:childTnLst>
                               <p:par>
-                                <p:cTn id="15" presetID="42" presetClass="entr" presetSubtype="0" fill="hold" nodeType="withEffect">
+                                <p:cTn id="17" presetID="42" presetClass="entr" presetSubtype="0" fill="hold" grpId="0" nodeType="afterEffect">
                                   <p:stCondLst>
                                     <p:cond delay="0"/>
                                   </p:stCondLst>
                                   <p:childTnLst>
                                     <p:set>
                                       <p:cBhvr>
-                                        <p:cTn id="16" dur="1" fill="hold">
+                                        <p:cTn id="18" dur="1" fill="hold">
                                           <p:stCondLst>
                                             <p:cond delay="0"/>
                                           </p:stCondLst>
@@ -9244,7 +10536,7 @@
                                         <p:tgtEl>
                                           <p:spTgt spid="4">
                                             <p:txEl>
-                                              <p:pRg st="2" end="2"/>
+                                              <p:pRg st="7" end="7"/>
                                             </p:txEl>
                                           </p:spTgt>
                                         </p:tgtEl>
@@ -9258,11 +10550,11 @@
                                     </p:set>
                                     <p:animEffect transition="in" filter="fade">
                                       <p:cBhvr>
-                                        <p:cTn id="17" dur="1000"/>
+                                        <p:cTn id="19" dur="1000"/>
                                         <p:tgtEl>
                                           <p:spTgt spid="4">
                                             <p:txEl>
-                                              <p:pRg st="2" end="2"/>
+                                              <p:pRg st="7" end="7"/>
                                             </p:txEl>
                                           </p:spTgt>
                                         </p:tgtEl>
@@ -9270,11 +10562,11 @@
                                     </p:animEffect>
                                     <p:anim calcmode="lin" valueType="num">
                                       <p:cBhvr>
-                                        <p:cTn id="18" dur="1000" fill="hold"/>
+                                        <p:cTn id="20" dur="1000" fill="hold"/>
                                         <p:tgtEl>
                                           <p:spTgt spid="4">
                                             <p:txEl>
-                                              <p:pRg st="2" end="2"/>
+                                              <p:pRg st="7" end="7"/>
                                             </p:txEl>
                                           </p:spTgt>
                                         </p:tgtEl>
@@ -9297,11 +10589,223 @@
                                     </p:anim>
                                     <p:anim calcmode="lin" valueType="num">
                                       <p:cBhvr>
-                                        <p:cTn id="19" dur="1000" fill="hold"/>
+                                        <p:cTn id="21" dur="1000" fill="hold"/>
                                         <p:tgtEl>
                                           <p:spTgt spid="4">
                                             <p:txEl>
-                                              <p:pRg st="2" end="2"/>
+                                              <p:pRg st="7" end="7"/>
+                                            </p:txEl>
+                                          </p:spTgt>
+                                        </p:tgtEl>
+                                        <p:attrNameLst>
+                                          <p:attrName>ppt_y</p:attrName>
+                                        </p:attrNameLst>
+                                      </p:cBhvr>
+                                      <p:tavLst>
+                                        <p:tav tm="0">
+                                          <p:val>
+                                            <p:strVal val="#ppt_y+.1"/>
+                                          </p:val>
+                                        </p:tav>
+                                        <p:tav tm="100000">
+                                          <p:val>
+                                            <p:strVal val="#ppt_y"/>
+                                          </p:val>
+                                        </p:tav>
+                                      </p:tavLst>
+                                    </p:anim>
+                                  </p:childTnLst>
+                                </p:cTn>
+                              </p:par>
+                            </p:childTnLst>
+                          </p:cTn>
+                        </p:par>
+                        <p:par>
+                          <p:cTn id="22" fill="hold">
+                            <p:stCondLst>
+                              <p:cond delay="3000"/>
+                            </p:stCondLst>
+                            <p:childTnLst>
+                              <p:par>
+                                <p:cTn id="23" presetID="42" presetClass="entr" presetSubtype="0" fill="hold" grpId="0" nodeType="afterEffect">
+                                  <p:stCondLst>
+                                    <p:cond delay="0"/>
+                                  </p:stCondLst>
+                                  <p:childTnLst>
+                                    <p:set>
+                                      <p:cBhvr>
+                                        <p:cTn id="24" dur="1" fill="hold">
+                                          <p:stCondLst>
+                                            <p:cond delay="0"/>
+                                          </p:stCondLst>
+                                        </p:cTn>
+                                        <p:tgtEl>
+                                          <p:spTgt spid="4">
+                                            <p:txEl>
+                                              <p:pRg st="11" end="11"/>
+                                            </p:txEl>
+                                          </p:spTgt>
+                                        </p:tgtEl>
+                                        <p:attrNameLst>
+                                          <p:attrName>style.visibility</p:attrName>
+                                        </p:attrNameLst>
+                                      </p:cBhvr>
+                                      <p:to>
+                                        <p:strVal val="visible"/>
+                                      </p:to>
+                                    </p:set>
+                                    <p:animEffect transition="in" filter="fade">
+                                      <p:cBhvr>
+                                        <p:cTn id="25" dur="1000"/>
+                                        <p:tgtEl>
+                                          <p:spTgt spid="4">
+                                            <p:txEl>
+                                              <p:pRg st="11" end="11"/>
+                                            </p:txEl>
+                                          </p:spTgt>
+                                        </p:tgtEl>
+                                      </p:cBhvr>
+                                    </p:animEffect>
+                                    <p:anim calcmode="lin" valueType="num">
+                                      <p:cBhvr>
+                                        <p:cTn id="26" dur="1000" fill="hold"/>
+                                        <p:tgtEl>
+                                          <p:spTgt spid="4">
+                                            <p:txEl>
+                                              <p:pRg st="11" end="11"/>
+                                            </p:txEl>
+                                          </p:spTgt>
+                                        </p:tgtEl>
+                                        <p:attrNameLst>
+                                          <p:attrName>ppt_x</p:attrName>
+                                        </p:attrNameLst>
+                                      </p:cBhvr>
+                                      <p:tavLst>
+                                        <p:tav tm="0">
+                                          <p:val>
+                                            <p:strVal val="#ppt_x"/>
+                                          </p:val>
+                                        </p:tav>
+                                        <p:tav tm="100000">
+                                          <p:val>
+                                            <p:strVal val="#ppt_x"/>
+                                          </p:val>
+                                        </p:tav>
+                                      </p:tavLst>
+                                    </p:anim>
+                                    <p:anim calcmode="lin" valueType="num">
+                                      <p:cBhvr>
+                                        <p:cTn id="27" dur="1000" fill="hold"/>
+                                        <p:tgtEl>
+                                          <p:spTgt spid="4">
+                                            <p:txEl>
+                                              <p:pRg st="11" end="11"/>
+                                            </p:txEl>
+                                          </p:spTgt>
+                                        </p:tgtEl>
+                                        <p:attrNameLst>
+                                          <p:attrName>ppt_y</p:attrName>
+                                        </p:attrNameLst>
+                                      </p:cBhvr>
+                                      <p:tavLst>
+                                        <p:tav tm="0">
+                                          <p:val>
+                                            <p:strVal val="#ppt_y+.1"/>
+                                          </p:val>
+                                        </p:tav>
+                                        <p:tav tm="100000">
+                                          <p:val>
+                                            <p:strVal val="#ppt_y"/>
+                                          </p:val>
+                                        </p:tav>
+                                      </p:tavLst>
+                                    </p:anim>
+                                  </p:childTnLst>
+                                </p:cTn>
+                              </p:par>
+                            </p:childTnLst>
+                          </p:cTn>
+                        </p:par>
+                        <p:par>
+                          <p:cTn id="28" fill="hold">
+                            <p:stCondLst>
+                              <p:cond delay="4000"/>
+                            </p:stCondLst>
+                            <p:childTnLst>
+                              <p:par>
+                                <p:cTn id="29" presetID="42" presetClass="entr" presetSubtype="0" fill="hold" grpId="0" nodeType="afterEffect">
+                                  <p:stCondLst>
+                                    <p:cond delay="0"/>
+                                  </p:stCondLst>
+                                  <p:childTnLst>
+                                    <p:set>
+                                      <p:cBhvr>
+                                        <p:cTn id="30" dur="1" fill="hold">
+                                          <p:stCondLst>
+                                            <p:cond delay="0"/>
+                                          </p:stCondLst>
+                                        </p:cTn>
+                                        <p:tgtEl>
+                                          <p:spTgt spid="4">
+                                            <p:txEl>
+                                              <p:pRg st="15" end="15"/>
+                                            </p:txEl>
+                                          </p:spTgt>
+                                        </p:tgtEl>
+                                        <p:attrNameLst>
+                                          <p:attrName>style.visibility</p:attrName>
+                                        </p:attrNameLst>
+                                      </p:cBhvr>
+                                      <p:to>
+                                        <p:strVal val="visible"/>
+                                      </p:to>
+                                    </p:set>
+                                    <p:animEffect transition="in" filter="fade">
+                                      <p:cBhvr>
+                                        <p:cTn id="31" dur="1000"/>
+                                        <p:tgtEl>
+                                          <p:spTgt spid="4">
+                                            <p:txEl>
+                                              <p:pRg st="15" end="15"/>
+                                            </p:txEl>
+                                          </p:spTgt>
+                                        </p:tgtEl>
+                                      </p:cBhvr>
+                                    </p:animEffect>
+                                    <p:anim calcmode="lin" valueType="num">
+                                      <p:cBhvr>
+                                        <p:cTn id="32" dur="1000" fill="hold"/>
+                                        <p:tgtEl>
+                                          <p:spTgt spid="4">
+                                            <p:txEl>
+                                              <p:pRg st="15" end="15"/>
+                                            </p:txEl>
+                                          </p:spTgt>
+                                        </p:tgtEl>
+                                        <p:attrNameLst>
+                                          <p:attrName>ppt_x</p:attrName>
+                                        </p:attrNameLst>
+                                      </p:cBhvr>
+                                      <p:tavLst>
+                                        <p:tav tm="0">
+                                          <p:val>
+                                            <p:strVal val="#ppt_x"/>
+                                          </p:val>
+                                        </p:tav>
+                                        <p:tav tm="100000">
+                                          <p:val>
+                                            <p:strVal val="#ppt_x"/>
+                                          </p:val>
+                                        </p:tav>
+                                      </p:tavLst>
+                                    </p:anim>
+                                    <p:anim calcmode="lin" valueType="num">
+                                      <p:cBhvr>
+                                        <p:cTn id="33" dur="1000" fill="hold"/>
+                                        <p:tgtEl>
+                                          <p:spTgt spid="4">
+                                            <p:txEl>
+                                              <p:pRg st="15" end="15"/>
                                             </p:txEl>
                                           </p:spTgt>
                                         </p:tgtEl>
@@ -9332,26 +10836,26 @@
                     </p:cTn>
                   </p:par>
                   <p:par>
-                    <p:cTn id="20" fill="hold">
+                    <p:cTn id="34" fill="hold">
                       <p:stCondLst>
                         <p:cond delay="indefinite"/>
                       </p:stCondLst>
                       <p:childTnLst>
                         <p:par>
-                          <p:cTn id="21" fill="hold">
+                          <p:cTn id="35" fill="hold">
                             <p:stCondLst>
                               <p:cond delay="0"/>
                             </p:stCondLst>
                             <p:childTnLst>
                               <p:par>
-                                <p:cTn id="22" presetID="42" presetClass="entr" presetSubtype="0" fill="hold" grpId="0" nodeType="clickEffect">
+                                <p:cTn id="36" presetID="42" presetClass="entr" presetSubtype="0" fill="hold" grpId="0" nodeType="clickEffect">
                                   <p:stCondLst>
                                     <p:cond delay="0"/>
                                   </p:stCondLst>
                                   <p:childTnLst>
                                     <p:set>
                                       <p:cBhvr>
-                                        <p:cTn id="23" dur="1" fill="hold">
+                                        <p:cTn id="37" dur="1" fill="hold">
                                           <p:stCondLst>
                                             <p:cond delay="0"/>
                                           </p:stCondLst>
@@ -9369,7 +10873,7 @@
                                     </p:set>
                                     <p:animEffect transition="in" filter="fade">
                                       <p:cBhvr>
-                                        <p:cTn id="24" dur="1000"/>
+                                        <p:cTn id="38" dur="1000"/>
                                         <p:tgtEl>
                                           <p:spTgt spid="3"/>
                                         </p:tgtEl>
@@ -9377,7 +10881,7 @@
                                     </p:animEffect>
                                     <p:anim calcmode="lin" valueType="num">
                                       <p:cBhvr>
-                                        <p:cTn id="25" dur="1000" fill="hold"/>
+                                        <p:cTn id="39" dur="1000" fill="hold"/>
                                         <p:tgtEl>
                                           <p:spTgt spid="3"/>
                                         </p:tgtEl>
@@ -9400,7 +10904,7 @@
                                     </p:anim>
                                     <p:anim calcmode="lin" valueType="num">
                                       <p:cBhvr>
-                                        <p:cTn id="26" dur="1000" fill="hold"/>
+                                        <p:cTn id="40" dur="1000" fill="hold"/>
                                         <p:tgtEl>
                                           <p:spTgt spid="3"/>
                                         </p:tgtEl>
@@ -9424,33 +10928,15 @@
                                   </p:childTnLst>
                                 </p:cTn>
                               </p:par>
-                            </p:childTnLst>
-                          </p:cTn>
-                        </p:par>
-                      </p:childTnLst>
-                    </p:cTn>
-                  </p:par>
-                  <p:par>
-                    <p:cTn id="27" fill="hold">
-                      <p:stCondLst>
-                        <p:cond delay="indefinite"/>
-                      </p:stCondLst>
-                      <p:childTnLst>
-                        <p:par>
-                          <p:cTn id="28" fill="hold">
-                            <p:stCondLst>
-                              <p:cond delay="0"/>
-                            </p:stCondLst>
-                            <p:childTnLst>
                               <p:par>
-                                <p:cTn id="29" presetID="26" presetClass="entr" presetSubtype="0" fill="hold" nodeType="clickEffect">
+                                <p:cTn id="41" presetID="26" presetClass="entr" presetSubtype="0" fill="hold" nodeType="withEffect">
                                   <p:stCondLst>
                                     <p:cond delay="0"/>
                                   </p:stCondLst>
                                   <p:childTnLst>
                                     <p:set>
                                       <p:cBhvr>
-                                        <p:cTn id="30" dur="1" fill="hold">
+                                        <p:cTn id="42" dur="1" fill="hold">
                                           <p:stCondLst>
                                             <p:cond delay="0"/>
                                           </p:stCondLst>
@@ -9468,7 +10954,7 @@
                                     </p:set>
                                     <p:animEffect transition="in" filter="wipe(down)">
                                       <p:cBhvr>
-                                        <p:cTn id="31" dur="580">
+                                        <p:cTn id="43" dur="580">
                                           <p:stCondLst>
                                             <p:cond delay="0"/>
                                           </p:stCondLst>
@@ -9480,7 +10966,7 @@
                                     </p:animEffect>
                                     <p:anim calcmode="lin" valueType="num">
                                       <p:cBhvr>
-                                        <p:cTn id="32" dur="1822" tmFilter="0,0; 0.14,0.36; 0.43,0.73; 0.71,0.91; 1.0,1.0">
+                                        <p:cTn id="44" dur="1822" tmFilter="0,0; 0.14,0.36; 0.43,0.73; 0.71,0.91; 1.0,1.0">
                                           <p:stCondLst>
                                             <p:cond delay="0"/>
                                           </p:stCondLst>
@@ -9507,7 +10993,7 @@
                                     </p:anim>
                                     <p:anim calcmode="lin" valueType="num">
                                       <p:cBhvr>
-                                        <p:cTn id="33" dur="664" tmFilter="0.0,0.0; 0.25,0.07; 0.50,0.2; 0.75,0.467; 1.0,1.0">
+                                        <p:cTn id="45" dur="664" tmFilter="0.0,0.0; 0.25,0.07; 0.50,0.2; 0.75,0.467; 1.0,1.0">
                                           <p:stCondLst>
                                             <p:cond delay="0"/>
                                           </p:stCondLst>
@@ -9534,7 +11020,7 @@
                                     </p:anim>
                                     <p:anim calcmode="lin" valueType="num">
                                       <p:cBhvr>
-                                        <p:cTn id="34" dur="664" tmFilter="0, 0; 0.125,0.2665; 0.25,0.4; 0.375,0.465; 0.5,0.5;  0.625,0.535; 0.75,0.6; 0.875,0.7335; 1,1">
+                                        <p:cTn id="46" dur="664" tmFilter="0, 0; 0.125,0.2665; 0.25,0.4; 0.375,0.465; 0.5,0.5;  0.625,0.535; 0.75,0.6; 0.875,0.7335; 1,1">
                                           <p:stCondLst>
                                             <p:cond delay="664"/>
                                           </p:stCondLst>
@@ -9561,7 +11047,7 @@
                                     </p:anim>
                                     <p:anim calcmode="lin" valueType="num">
                                       <p:cBhvr>
-                                        <p:cTn id="35" dur="332" tmFilter="0, 0; 0.125,0.2665; 0.25,0.4; 0.375,0.465; 0.5,0.5;  0.625,0.535; 0.75,0.6; 0.875,0.7335; 1,1">
+                                        <p:cTn id="47" dur="332" tmFilter="0, 0; 0.125,0.2665; 0.25,0.4; 0.375,0.465; 0.5,0.5;  0.625,0.535; 0.75,0.6; 0.875,0.7335; 1,1">
                                           <p:stCondLst>
                                             <p:cond delay="1324"/>
                                           </p:stCondLst>
@@ -9588,7 +11074,7 @@
                                     </p:anim>
                                     <p:anim calcmode="lin" valueType="num">
                                       <p:cBhvr>
-                                        <p:cTn id="36" dur="164" tmFilter="0, 0; 0.125,0.2665; 0.25,0.4; 0.375,0.465; 0.5,0.5;  0.625,0.535; 0.75,0.6; 0.875,0.7335; 1,1">
+                                        <p:cTn id="48" dur="164" tmFilter="0, 0; 0.125,0.2665; 0.25,0.4; 0.375,0.465; 0.5,0.5;  0.625,0.535; 0.75,0.6; 0.875,0.7335; 1,1">
                                           <p:stCondLst>
                                             <p:cond delay="1656"/>
                                           </p:stCondLst>
@@ -9615,7 +11101,7 @@
                                     </p:anim>
                                     <p:animScale>
                                       <p:cBhvr>
-                                        <p:cTn id="37" dur="26">
+                                        <p:cTn id="49" dur="26">
                                           <p:stCondLst>
                                             <p:cond delay="650"/>
                                           </p:stCondLst>
@@ -9628,7 +11114,7 @@
                                     </p:animScale>
                                     <p:animScale>
                                       <p:cBhvr>
-                                        <p:cTn id="38" dur="166" decel="50000">
+                                        <p:cTn id="50" dur="166" decel="50000">
                                           <p:stCondLst>
                                             <p:cond delay="676"/>
                                           </p:stCondLst>
@@ -9641,7 +11127,7 @@
                                     </p:animScale>
                                     <p:animScale>
                                       <p:cBhvr>
-                                        <p:cTn id="39" dur="26">
+                                        <p:cTn id="51" dur="26">
                                           <p:stCondLst>
                                             <p:cond delay="1312"/>
                                           </p:stCondLst>
@@ -9654,7 +11140,7 @@
                                     </p:animScale>
                                     <p:animScale>
                                       <p:cBhvr>
-                                        <p:cTn id="40" dur="166" decel="50000">
+                                        <p:cTn id="52" dur="166" decel="50000">
                                           <p:stCondLst>
                                             <p:cond delay="1338"/>
                                           </p:stCondLst>
@@ -9667,7 +11153,7 @@
                                     </p:animScale>
                                     <p:animScale>
                                       <p:cBhvr>
-                                        <p:cTn id="41" dur="26">
+                                        <p:cTn id="53" dur="26">
                                           <p:stCondLst>
                                             <p:cond delay="1642"/>
                                           </p:stCondLst>
@@ -9680,7 +11166,7 @@
                                     </p:animScale>
                                     <p:animScale>
                                       <p:cBhvr>
-                                        <p:cTn id="42" dur="166" decel="50000">
+                                        <p:cTn id="54" dur="166" decel="50000">
                                           <p:stCondLst>
                                             <p:cond delay="1668"/>
                                           </p:stCondLst>
@@ -9693,7 +11179,7 @@
                                     </p:animScale>
                                     <p:animScale>
                                       <p:cBhvr>
-                                        <p:cTn id="43" dur="26">
+                                        <p:cTn id="55" dur="26">
                                           <p:stCondLst>
                                             <p:cond delay="1808"/>
                                           </p:stCondLst>
@@ -9706,7 +11192,7 @@
                                     </p:animScale>
                                     <p:animScale>
                                       <p:cBhvr>
-                                        <p:cTn id="44" dur="166" decel="50000">
+                                        <p:cTn id="56" dur="166" decel="50000">
                                           <p:stCondLst>
                                             <p:cond delay="1834"/>
                                           </p:stCondLst>
@@ -9727,36 +11213,32 @@
                     </p:cTn>
                   </p:par>
                   <p:par>
-                    <p:cTn id="45" fill="hold">
+                    <p:cTn id="57" fill="hold">
                       <p:stCondLst>
                         <p:cond delay="indefinite"/>
                       </p:stCondLst>
                       <p:childTnLst>
                         <p:par>
-                          <p:cTn id="46" fill="hold">
+                          <p:cTn id="58" fill="hold">
                             <p:stCondLst>
                               <p:cond delay="0"/>
                             </p:stCondLst>
                             <p:childTnLst>
                               <p:par>
-                                <p:cTn id="47" presetID="42" presetClass="entr" presetSubtype="0" fill="hold" nodeType="clickEffect">
+                                <p:cTn id="59" presetID="42" presetClass="entr" presetSubtype="0" fill="hold" grpId="0" nodeType="clickEffect">
                                   <p:stCondLst>
                                     <p:cond delay="0"/>
                                   </p:stCondLst>
                                   <p:childTnLst>
                                     <p:set>
                                       <p:cBhvr>
-                                        <p:cTn id="48" dur="1" fill="hold">
+                                        <p:cTn id="60" dur="1" fill="hold">
                                           <p:stCondLst>
                                             <p:cond delay="0"/>
                                           </p:stCondLst>
                                         </p:cTn>
                                         <p:tgtEl>
-                                          <p:spTgt spid="5">
-                                            <p:txEl>
-                                              <p:pRg st="0" end="0"/>
-                                            </p:txEl>
-                                          </p:spTgt>
+                                          <p:spTgt spid="5"/>
                                         </p:tgtEl>
                                         <p:attrNameLst>
                                           <p:attrName>style.visibility</p:attrName>
@@ -9768,25 +11250,17 @@
                                     </p:set>
                                     <p:animEffect transition="in" filter="fade">
                                       <p:cBhvr>
-                                        <p:cTn id="49" dur="1000"/>
-                                        <p:tgtEl>
-                                          <p:spTgt spid="5">
-                                            <p:txEl>
-                                              <p:pRg st="0" end="0"/>
-                                            </p:txEl>
-                                          </p:spTgt>
+                                        <p:cTn id="61" dur="1000"/>
+                                        <p:tgtEl>
+                                          <p:spTgt spid="5"/>
                                         </p:tgtEl>
                                       </p:cBhvr>
                                     </p:animEffect>
                                     <p:anim calcmode="lin" valueType="num">
                                       <p:cBhvr>
-                                        <p:cTn id="50" dur="1000" fill="hold"/>
-                                        <p:tgtEl>
-                                          <p:spTgt spid="5">
-                                            <p:txEl>
-                                              <p:pRg st="0" end="0"/>
-                                            </p:txEl>
-                                          </p:spTgt>
+                                        <p:cTn id="62" dur="1000" fill="hold"/>
+                                        <p:tgtEl>
+                                          <p:spTgt spid="5"/>
                                         </p:tgtEl>
                                         <p:attrNameLst>
                                           <p:attrName>ppt_x</p:attrName>
@@ -9807,13 +11281,9 @@
                                     </p:anim>
                                     <p:anim calcmode="lin" valueType="num">
                                       <p:cBhvr>
-                                        <p:cTn id="51" dur="1000" fill="hold"/>
-                                        <p:tgtEl>
-                                          <p:spTgt spid="5">
-                                            <p:txEl>
-                                              <p:pRg st="0" end="0"/>
-                                            </p:txEl>
-                                          </p:spTgt>
+                                        <p:cTn id="63" dur="1000" fill="hold"/>
+                                        <p:tgtEl>
+                                          <p:spTgt spid="5"/>
                                         </p:tgtEl>
                                         <p:attrNameLst>
                                           <p:attrName>ppt_y</p:attrName>
@@ -9835,33 +11305,15 @@
                                   </p:childTnLst>
                                 </p:cTn>
                               </p:par>
-                            </p:childTnLst>
-                          </p:cTn>
-                        </p:par>
-                      </p:childTnLst>
-                    </p:cTn>
-                  </p:par>
-                  <p:par>
-                    <p:cTn id="52" fill="hold">
-                      <p:stCondLst>
-                        <p:cond delay="indefinite"/>
-                      </p:stCondLst>
-                      <p:childTnLst>
-                        <p:par>
-                          <p:cTn id="53" fill="hold">
-                            <p:stCondLst>
-                              <p:cond delay="0"/>
-                            </p:stCondLst>
-                            <p:childTnLst>
                               <p:par>
-                                <p:cTn id="54" presetID="26" presetClass="entr" presetSubtype="0" fill="hold" nodeType="clickEffect">
+                                <p:cTn id="64" presetID="26" presetClass="entr" presetSubtype="0" fill="hold" nodeType="withEffect">
                                   <p:stCondLst>
                                     <p:cond delay="0"/>
                                   </p:stCondLst>
                                   <p:childTnLst>
                                     <p:set>
                                       <p:cBhvr>
-                                        <p:cTn id="55" dur="1" fill="hold">
+                                        <p:cTn id="65" dur="1" fill="hold">
                                           <p:stCondLst>
                                             <p:cond delay="0"/>
                                           </p:stCondLst>
@@ -9879,7 +11331,7 @@
                                     </p:set>
                                     <p:animEffect transition="in" filter="wipe(down)">
                                       <p:cBhvr>
-                                        <p:cTn id="56" dur="580">
+                                        <p:cTn id="66" dur="580">
                                           <p:stCondLst>
                                             <p:cond delay="0"/>
                                           </p:stCondLst>
@@ -9891,7 +11343,7 @@
                                     </p:animEffect>
                                     <p:anim calcmode="lin" valueType="num">
                                       <p:cBhvr>
-                                        <p:cTn id="57" dur="1822" tmFilter="0,0; 0.14,0.36; 0.43,0.73; 0.71,0.91; 1.0,1.0">
+                                        <p:cTn id="67" dur="1822" tmFilter="0,0; 0.14,0.36; 0.43,0.73; 0.71,0.91; 1.0,1.0">
                                           <p:stCondLst>
                                             <p:cond delay="0"/>
                                           </p:stCondLst>
@@ -9918,7 +11370,7 @@
                                     </p:anim>
                                     <p:anim calcmode="lin" valueType="num">
                                       <p:cBhvr>
-                                        <p:cTn id="58" dur="664" tmFilter="0.0,0.0; 0.25,0.07; 0.50,0.2; 0.75,0.467; 1.0,1.0">
+                                        <p:cTn id="68" dur="664" tmFilter="0.0,0.0; 0.25,0.07; 0.50,0.2; 0.75,0.467; 1.0,1.0">
                                           <p:stCondLst>
                                             <p:cond delay="0"/>
                                           </p:stCondLst>
@@ -9945,7 +11397,7 @@
                                     </p:anim>
                                     <p:anim calcmode="lin" valueType="num">
                                       <p:cBhvr>
-                                        <p:cTn id="59" dur="664" tmFilter="0, 0; 0.125,0.2665; 0.25,0.4; 0.375,0.465; 0.5,0.5;  0.625,0.535; 0.75,0.6; 0.875,0.7335; 1,1">
+                                        <p:cTn id="69" dur="664" tmFilter="0, 0; 0.125,0.2665; 0.25,0.4; 0.375,0.465; 0.5,0.5;  0.625,0.535; 0.75,0.6; 0.875,0.7335; 1,1">
                                           <p:stCondLst>
                                             <p:cond delay="664"/>
                                           </p:stCondLst>
@@ -9972,7 +11424,7 @@
                                     </p:anim>
                                     <p:anim calcmode="lin" valueType="num">
                                       <p:cBhvr>
-                                        <p:cTn id="60" dur="332" tmFilter="0, 0; 0.125,0.2665; 0.25,0.4; 0.375,0.465; 0.5,0.5;  0.625,0.535; 0.75,0.6; 0.875,0.7335; 1,1">
+                                        <p:cTn id="70" dur="332" tmFilter="0, 0; 0.125,0.2665; 0.25,0.4; 0.375,0.465; 0.5,0.5;  0.625,0.535; 0.75,0.6; 0.875,0.7335; 1,1">
                                           <p:stCondLst>
                                             <p:cond delay="1324"/>
                                           </p:stCondLst>
@@ -9999,7 +11451,7 @@
                                     </p:anim>
                                     <p:anim calcmode="lin" valueType="num">
                                       <p:cBhvr>
-                                        <p:cTn id="61" dur="164" tmFilter="0, 0; 0.125,0.2665; 0.25,0.4; 0.375,0.465; 0.5,0.5;  0.625,0.535; 0.75,0.6; 0.875,0.7335; 1,1">
+                                        <p:cTn id="71" dur="164" tmFilter="0, 0; 0.125,0.2665; 0.25,0.4; 0.375,0.465; 0.5,0.5;  0.625,0.535; 0.75,0.6; 0.875,0.7335; 1,1">
                                           <p:stCondLst>
                                             <p:cond delay="1656"/>
                                           </p:stCondLst>
@@ -10026,7 +11478,7 @@
                                     </p:anim>
                                     <p:animScale>
                                       <p:cBhvr>
-                                        <p:cTn id="62" dur="26">
+                                        <p:cTn id="72" dur="26">
                                           <p:stCondLst>
                                             <p:cond delay="650"/>
                                           </p:stCondLst>
@@ -10039,7 +11491,7 @@
                                     </p:animScale>
                                     <p:animScale>
                                       <p:cBhvr>
-                                        <p:cTn id="63" dur="166" decel="50000">
+                                        <p:cTn id="73" dur="166" decel="50000">
                                           <p:stCondLst>
                                             <p:cond delay="676"/>
                                           </p:stCondLst>
@@ -10052,7 +11504,7 @@
                                     </p:animScale>
                                     <p:animScale>
                                       <p:cBhvr>
-                                        <p:cTn id="64" dur="26">
+                                        <p:cTn id="74" dur="26">
                                           <p:stCondLst>
                                             <p:cond delay="1312"/>
                                           </p:stCondLst>
@@ -10065,7 +11517,7 @@
                                     </p:animScale>
                                     <p:animScale>
                                       <p:cBhvr>
-                                        <p:cTn id="65" dur="166" decel="50000">
+                                        <p:cTn id="75" dur="166" decel="50000">
                                           <p:stCondLst>
                                             <p:cond delay="1338"/>
                                           </p:stCondLst>
@@ -10078,7 +11530,7 @@
                                     </p:animScale>
                                     <p:animScale>
                                       <p:cBhvr>
-                                        <p:cTn id="66" dur="26">
+                                        <p:cTn id="76" dur="26">
                                           <p:stCondLst>
                                             <p:cond delay="1642"/>
                                           </p:stCondLst>
@@ -10091,7 +11543,7 @@
                                     </p:animScale>
                                     <p:animScale>
                                       <p:cBhvr>
-                                        <p:cTn id="67" dur="166" decel="50000">
+                                        <p:cTn id="77" dur="166" decel="50000">
                                           <p:stCondLst>
                                             <p:cond delay="1668"/>
                                           </p:stCondLst>
@@ -10104,7 +11556,7 @@
                                     </p:animScale>
                                     <p:animScale>
                                       <p:cBhvr>
-                                        <p:cTn id="68" dur="26">
+                                        <p:cTn id="78" dur="26">
                                           <p:stCondLst>
                                             <p:cond delay="1808"/>
                                           </p:stCondLst>
@@ -10117,7 +11569,7 @@
                                     </p:animScale>
                                     <p:animScale>
                                       <p:cBhvr>
-                                        <p:cTn id="69" dur="166" decel="50000">
+                                        <p:cTn id="79" dur="166" decel="50000">
                                           <p:stCondLst>
                                             <p:cond delay="1834"/>
                                           </p:stCondLst>
@@ -10138,36 +11590,32 @@
                     </p:cTn>
                   </p:par>
                   <p:par>
-                    <p:cTn id="70" fill="hold">
+                    <p:cTn id="80" fill="hold">
                       <p:stCondLst>
                         <p:cond delay="indefinite"/>
                       </p:stCondLst>
                       <p:childTnLst>
                         <p:par>
-                          <p:cTn id="71" fill="hold">
+                          <p:cTn id="81" fill="hold">
                             <p:stCondLst>
                               <p:cond delay="0"/>
                             </p:stCondLst>
                             <p:childTnLst>
                               <p:par>
-                                <p:cTn id="72" presetID="42" presetClass="entr" presetSubtype="0" fill="hold" nodeType="clickEffect">
+                                <p:cTn id="82" presetID="42" presetClass="entr" presetSubtype="0" fill="hold" grpId="0" nodeType="clickEffect">
                                   <p:stCondLst>
                                     <p:cond delay="0"/>
                                   </p:stCondLst>
                                   <p:childTnLst>
                                     <p:set>
                                       <p:cBhvr>
-                                        <p:cTn id="73" dur="1" fill="hold">
+                                        <p:cTn id="83" dur="1" fill="hold">
                                           <p:stCondLst>
                                             <p:cond delay="0"/>
                                           </p:stCondLst>
                                         </p:cTn>
                                         <p:tgtEl>
-                                          <p:spTgt spid="7">
-                                            <p:txEl>
-                                              <p:pRg st="0" end="0"/>
-                                            </p:txEl>
-                                          </p:spTgt>
+                                          <p:spTgt spid="17"/>
                                         </p:tgtEl>
                                         <p:attrNameLst>
                                           <p:attrName>style.visibility</p:attrName>
@@ -10179,25 +11627,17 @@
                                     </p:set>
                                     <p:animEffect transition="in" filter="fade">
                                       <p:cBhvr>
-                                        <p:cTn id="74" dur="1000"/>
-                                        <p:tgtEl>
-                                          <p:spTgt spid="7">
-                                            <p:txEl>
-                                              <p:pRg st="0" end="0"/>
-                                            </p:txEl>
-                                          </p:spTgt>
+                                        <p:cTn id="84" dur="1000"/>
+                                        <p:tgtEl>
+                                          <p:spTgt spid="17"/>
                                         </p:tgtEl>
                                       </p:cBhvr>
                                     </p:animEffect>
                                     <p:anim calcmode="lin" valueType="num">
                                       <p:cBhvr>
-                                        <p:cTn id="75" dur="1000" fill="hold"/>
-                                        <p:tgtEl>
-                                          <p:spTgt spid="7">
-                                            <p:txEl>
-                                              <p:pRg st="0" end="0"/>
-                                            </p:txEl>
-                                          </p:spTgt>
+                                        <p:cTn id="85" dur="1000" fill="hold"/>
+                                        <p:tgtEl>
+                                          <p:spTgt spid="17"/>
                                         </p:tgtEl>
                                         <p:attrNameLst>
                                           <p:attrName>ppt_x</p:attrName>
@@ -10218,13 +11658,9 @@
                                     </p:anim>
                                     <p:anim calcmode="lin" valueType="num">
                                       <p:cBhvr>
-                                        <p:cTn id="76" dur="1000" fill="hold"/>
-                                        <p:tgtEl>
-                                          <p:spTgt spid="7">
-                                            <p:txEl>
-                                              <p:pRg st="0" end="0"/>
-                                            </p:txEl>
-                                          </p:spTgt>
+                                        <p:cTn id="86" dur="1000" fill="hold"/>
+                                        <p:tgtEl>
+                                          <p:spTgt spid="17"/>
                                         </p:tgtEl>
                                         <p:attrNameLst>
                                           <p:attrName>ppt_y</p:attrName>
@@ -10243,6 +11679,284 @@
                                         </p:tav>
                                       </p:tavLst>
                                     </p:anim>
+                                  </p:childTnLst>
+                                </p:cTn>
+                              </p:par>
+                              <p:par>
+                                <p:cTn id="87" presetID="26" presetClass="entr" presetSubtype="0" fill="hold" nodeType="withEffect">
+                                  <p:stCondLst>
+                                    <p:cond delay="0"/>
+                                  </p:stCondLst>
+                                  <p:childTnLst>
+                                    <p:set>
+                                      <p:cBhvr>
+                                        <p:cTn id="88" dur="1" fill="hold">
+                                          <p:stCondLst>
+                                            <p:cond delay="0"/>
+                                          </p:stCondLst>
+                                        </p:cTn>
+                                        <p:tgtEl>
+                                          <p:spTgt spid="16"/>
+                                        </p:tgtEl>
+                                        <p:attrNameLst>
+                                          <p:attrName>style.visibility</p:attrName>
+                                        </p:attrNameLst>
+                                      </p:cBhvr>
+                                      <p:to>
+                                        <p:strVal val="visible"/>
+                                      </p:to>
+                                    </p:set>
+                                    <p:animEffect transition="in" filter="wipe(down)">
+                                      <p:cBhvr>
+                                        <p:cTn id="89" dur="580">
+                                          <p:stCondLst>
+                                            <p:cond delay="0"/>
+                                          </p:stCondLst>
+                                        </p:cTn>
+                                        <p:tgtEl>
+                                          <p:spTgt spid="16"/>
+                                        </p:tgtEl>
+                                      </p:cBhvr>
+                                    </p:animEffect>
+                                    <p:anim calcmode="lin" valueType="num">
+                                      <p:cBhvr>
+                                        <p:cTn id="90" dur="1822" tmFilter="0,0; 0.14,0.36; 0.43,0.73; 0.71,0.91; 1.0,1.0">
+                                          <p:stCondLst>
+                                            <p:cond delay="0"/>
+                                          </p:stCondLst>
+                                        </p:cTn>
+                                        <p:tgtEl>
+                                          <p:spTgt spid="16"/>
+                                        </p:tgtEl>
+                                        <p:attrNameLst>
+                                          <p:attrName>ppt_x</p:attrName>
+                                        </p:attrNameLst>
+                                      </p:cBhvr>
+                                      <p:tavLst>
+                                        <p:tav tm="0">
+                                          <p:val>
+                                            <p:strVal val="#ppt_x-0.25"/>
+                                          </p:val>
+                                        </p:tav>
+                                        <p:tav tm="100000">
+                                          <p:val>
+                                            <p:strVal val="#ppt_x"/>
+                                          </p:val>
+                                        </p:tav>
+                                      </p:tavLst>
+                                    </p:anim>
+                                    <p:anim calcmode="lin" valueType="num">
+                                      <p:cBhvr>
+                                        <p:cTn id="91" dur="664" tmFilter="0.0,0.0; 0.25,0.07; 0.50,0.2; 0.75,0.467; 1.0,1.0">
+                                          <p:stCondLst>
+                                            <p:cond delay="0"/>
+                                          </p:stCondLst>
+                                        </p:cTn>
+                                        <p:tgtEl>
+                                          <p:spTgt spid="16"/>
+                                        </p:tgtEl>
+                                        <p:attrNameLst>
+                                          <p:attrName>ppt_y</p:attrName>
+                                        </p:attrNameLst>
+                                      </p:cBhvr>
+                                      <p:tavLst>
+                                        <p:tav tm="0" fmla="#ppt_y-sin(pi*$)/3">
+                                          <p:val>
+                                            <p:fltVal val="0.5"/>
+                                          </p:val>
+                                        </p:tav>
+                                        <p:tav tm="100000">
+                                          <p:val>
+                                            <p:fltVal val="1"/>
+                                          </p:val>
+                                        </p:tav>
+                                      </p:tavLst>
+                                    </p:anim>
+                                    <p:anim calcmode="lin" valueType="num">
+                                      <p:cBhvr>
+                                        <p:cTn id="92" dur="664" tmFilter="0, 0; 0.125,0.2665; 0.25,0.4; 0.375,0.465; 0.5,0.5;  0.625,0.535; 0.75,0.6; 0.875,0.7335; 1,1">
+                                          <p:stCondLst>
+                                            <p:cond delay="664"/>
+                                          </p:stCondLst>
+                                        </p:cTn>
+                                        <p:tgtEl>
+                                          <p:spTgt spid="16"/>
+                                        </p:tgtEl>
+                                        <p:attrNameLst>
+                                          <p:attrName>ppt_y</p:attrName>
+                                        </p:attrNameLst>
+                                      </p:cBhvr>
+                                      <p:tavLst>
+                                        <p:tav tm="0" fmla="#ppt_y-sin(pi*$)/9">
+                                          <p:val>
+                                            <p:fltVal val="0"/>
+                                          </p:val>
+                                        </p:tav>
+                                        <p:tav tm="100000">
+                                          <p:val>
+                                            <p:fltVal val="1"/>
+                                          </p:val>
+                                        </p:tav>
+                                      </p:tavLst>
+                                    </p:anim>
+                                    <p:anim calcmode="lin" valueType="num">
+                                      <p:cBhvr>
+                                        <p:cTn id="93" dur="332" tmFilter="0, 0; 0.125,0.2665; 0.25,0.4; 0.375,0.465; 0.5,0.5;  0.625,0.535; 0.75,0.6; 0.875,0.7335; 1,1">
+                                          <p:stCondLst>
+                                            <p:cond delay="1324"/>
+                                          </p:stCondLst>
+                                        </p:cTn>
+                                        <p:tgtEl>
+                                          <p:spTgt spid="16"/>
+                                        </p:tgtEl>
+                                        <p:attrNameLst>
+                                          <p:attrName>ppt_y</p:attrName>
+                                        </p:attrNameLst>
+                                      </p:cBhvr>
+                                      <p:tavLst>
+                                        <p:tav tm="0" fmla="#ppt_y-sin(pi*$)/27">
+                                          <p:val>
+                                            <p:fltVal val="0"/>
+                                          </p:val>
+                                        </p:tav>
+                                        <p:tav tm="100000">
+                                          <p:val>
+                                            <p:fltVal val="1"/>
+                                          </p:val>
+                                        </p:tav>
+                                      </p:tavLst>
+                                    </p:anim>
+                                    <p:anim calcmode="lin" valueType="num">
+                                      <p:cBhvr>
+                                        <p:cTn id="94" dur="164" tmFilter="0, 0; 0.125,0.2665; 0.25,0.4; 0.375,0.465; 0.5,0.5;  0.625,0.535; 0.75,0.6; 0.875,0.7335; 1,1">
+                                          <p:stCondLst>
+                                            <p:cond delay="1656"/>
+                                          </p:stCondLst>
+                                        </p:cTn>
+                                        <p:tgtEl>
+                                          <p:spTgt spid="16"/>
+                                        </p:tgtEl>
+                                        <p:attrNameLst>
+                                          <p:attrName>ppt_y</p:attrName>
+                                        </p:attrNameLst>
+                                      </p:cBhvr>
+                                      <p:tavLst>
+                                        <p:tav tm="0" fmla="#ppt_y-sin(pi*$)/81">
+                                          <p:val>
+                                            <p:fltVal val="0"/>
+                                          </p:val>
+                                        </p:tav>
+                                        <p:tav tm="100000">
+                                          <p:val>
+                                            <p:fltVal val="1"/>
+                                          </p:val>
+                                        </p:tav>
+                                      </p:tavLst>
+                                    </p:anim>
+                                    <p:animScale>
+                                      <p:cBhvr>
+                                        <p:cTn id="95" dur="26">
+                                          <p:stCondLst>
+                                            <p:cond delay="650"/>
+                                          </p:stCondLst>
+                                        </p:cTn>
+                                        <p:tgtEl>
+                                          <p:spTgt spid="16"/>
+                                        </p:tgtEl>
+                                      </p:cBhvr>
+                                      <p:to x="100000" y="60000"/>
+                                    </p:animScale>
+                                    <p:animScale>
+                                      <p:cBhvr>
+                                        <p:cTn id="96" dur="166" decel="50000">
+                                          <p:stCondLst>
+                                            <p:cond delay="676"/>
+                                          </p:stCondLst>
+                                        </p:cTn>
+                                        <p:tgtEl>
+                                          <p:spTgt spid="16"/>
+                                        </p:tgtEl>
+                                      </p:cBhvr>
+                                      <p:to x="100000" y="100000"/>
+                                    </p:animScale>
+                                    <p:animScale>
+                                      <p:cBhvr>
+                                        <p:cTn id="97" dur="26">
+                                          <p:stCondLst>
+                                            <p:cond delay="1312"/>
+                                          </p:stCondLst>
+                                        </p:cTn>
+                                        <p:tgtEl>
+                                          <p:spTgt spid="16"/>
+                                        </p:tgtEl>
+                                      </p:cBhvr>
+                                      <p:to x="100000" y="80000"/>
+                                    </p:animScale>
+                                    <p:animScale>
+                                      <p:cBhvr>
+                                        <p:cTn id="98" dur="166" decel="50000">
+                                          <p:stCondLst>
+                                            <p:cond delay="1338"/>
+                                          </p:stCondLst>
+                                        </p:cTn>
+                                        <p:tgtEl>
+                                          <p:spTgt spid="16"/>
+                                        </p:tgtEl>
+                                      </p:cBhvr>
+                                      <p:to x="100000" y="100000"/>
+                                    </p:animScale>
+                                    <p:animScale>
+                                      <p:cBhvr>
+                                        <p:cTn id="99" dur="26">
+                                          <p:stCondLst>
+                                            <p:cond delay="1642"/>
+                                          </p:stCondLst>
+                                        </p:cTn>
+                                        <p:tgtEl>
+                                          <p:spTgt spid="16"/>
+                                        </p:tgtEl>
+                                      </p:cBhvr>
+                                      <p:to x="100000" y="90000"/>
+                                    </p:animScale>
+                                    <p:animScale>
+                                      <p:cBhvr>
+                                        <p:cTn id="100" dur="166" decel="50000">
+                                          <p:stCondLst>
+                                            <p:cond delay="1668"/>
+                                          </p:stCondLst>
+                                        </p:cTn>
+                                        <p:tgtEl>
+                                          <p:spTgt spid="16"/>
+                                        </p:tgtEl>
+                                      </p:cBhvr>
+                                      <p:to x="100000" y="100000"/>
+                                    </p:animScale>
+                                    <p:animScale>
+                                      <p:cBhvr>
+                                        <p:cTn id="101" dur="26">
+                                          <p:stCondLst>
+                                            <p:cond delay="1808"/>
+                                          </p:stCondLst>
+                                        </p:cTn>
+                                        <p:tgtEl>
+                                          <p:spTgt spid="16"/>
+                                        </p:tgtEl>
+                                      </p:cBhvr>
+                                      <p:to x="100000" y="95000"/>
+                                    </p:animScale>
+                                    <p:animScale>
+                                      <p:cBhvr>
+                                        <p:cTn id="102" dur="166" decel="50000">
+                                          <p:stCondLst>
+                                            <p:cond delay="1834"/>
+                                          </p:stCondLst>
+                                        </p:cTn>
+                                        <p:tgtEl>
+                                          <p:spTgt spid="16"/>
+                                        </p:tgtEl>
+                                      </p:cBhvr>
+                                      <p:to x="100000" y="100000"/>
+                                    </p:animScale>
                                   </p:childTnLst>
                                 </p:cTn>
                               </p:par>
@@ -10253,32 +11967,113 @@
                     </p:cTn>
                   </p:par>
                   <p:par>
-                    <p:cTn id="77" fill="hold">
+                    <p:cTn id="103" fill="hold">
                       <p:stCondLst>
                         <p:cond delay="indefinite"/>
                       </p:stCondLst>
                       <p:childTnLst>
                         <p:par>
-                          <p:cTn id="78" fill="hold">
+                          <p:cTn id="104" fill="hold">
                             <p:stCondLst>
                               <p:cond delay="0"/>
                             </p:stCondLst>
                             <p:childTnLst>
                               <p:par>
-                                <p:cTn id="79" presetID="26" presetClass="entr" presetSubtype="0" fill="hold" nodeType="clickEffect">
+                                <p:cTn id="105" presetID="42" presetClass="entr" presetSubtype="0" fill="hold" grpId="0" nodeType="clickEffect">
                                   <p:stCondLst>
                                     <p:cond delay="0"/>
                                   </p:stCondLst>
                                   <p:childTnLst>
                                     <p:set>
                                       <p:cBhvr>
-                                        <p:cTn id="80" dur="1" fill="hold">
+                                        <p:cTn id="106" dur="1" fill="hold">
                                           <p:stCondLst>
                                             <p:cond delay="0"/>
                                           </p:stCondLst>
                                         </p:cTn>
                                         <p:tgtEl>
-                                          <p:spTgt spid="3078"/>
+                                          <p:spTgt spid="18"/>
+                                        </p:tgtEl>
+                                        <p:attrNameLst>
+                                          <p:attrName>style.visibility</p:attrName>
+                                        </p:attrNameLst>
+                                      </p:cBhvr>
+                                      <p:to>
+                                        <p:strVal val="visible"/>
+                                      </p:to>
+                                    </p:set>
+                                    <p:animEffect transition="in" filter="fade">
+                                      <p:cBhvr>
+                                        <p:cTn id="107" dur="1000"/>
+                                        <p:tgtEl>
+                                          <p:spTgt spid="18"/>
+                                        </p:tgtEl>
+                                      </p:cBhvr>
+                                    </p:animEffect>
+                                    <p:anim calcmode="lin" valueType="num">
+                                      <p:cBhvr>
+                                        <p:cTn id="108" dur="1000" fill="hold"/>
+                                        <p:tgtEl>
+                                          <p:spTgt spid="18"/>
+                                        </p:tgtEl>
+                                        <p:attrNameLst>
+                                          <p:attrName>ppt_x</p:attrName>
+                                        </p:attrNameLst>
+                                      </p:cBhvr>
+                                      <p:tavLst>
+                                        <p:tav tm="0">
+                                          <p:val>
+                                            <p:strVal val="#ppt_x"/>
+                                          </p:val>
+                                        </p:tav>
+                                        <p:tav tm="100000">
+                                          <p:val>
+                                            <p:strVal val="#ppt_x"/>
+                                          </p:val>
+                                        </p:tav>
+                                      </p:tavLst>
+                                    </p:anim>
+                                    <p:anim calcmode="lin" valueType="num">
+                                      <p:cBhvr>
+                                        <p:cTn id="109" dur="1000" fill="hold"/>
+                                        <p:tgtEl>
+                                          <p:spTgt spid="18"/>
+                                        </p:tgtEl>
+                                        <p:attrNameLst>
+                                          <p:attrName>ppt_y</p:attrName>
+                                        </p:attrNameLst>
+                                      </p:cBhvr>
+                                      <p:tavLst>
+                                        <p:tav tm="0">
+                                          <p:val>
+                                            <p:strVal val="#ppt_y+.1"/>
+                                          </p:val>
+                                        </p:tav>
+                                        <p:tav tm="100000">
+                                          <p:val>
+                                            <p:strVal val="#ppt_y"/>
+                                          </p:val>
+                                        </p:tav>
+                                      </p:tavLst>
+                                    </p:anim>
+                                  </p:childTnLst>
+                                </p:cTn>
+                              </p:par>
+                              <p:par>
+                                <p:cTn id="110" presetID="26" presetClass="entr" presetSubtype="0" fill="hold" nodeType="withEffect">
+                                  <p:stCondLst>
+                                    <p:cond delay="0"/>
+                                  </p:stCondLst>
+                                  <p:childTnLst>
+                                    <p:set>
+                                      <p:cBhvr>
+                                        <p:cTn id="111" dur="1" fill="hold">
+                                          <p:stCondLst>
+                                            <p:cond delay="0"/>
+                                          </p:stCondLst>
+                                        </p:cTn>
+                                        <p:tgtEl>
+                                          <p:spTgt spid="14"/>
                                         </p:tgtEl>
                                         <p:attrNameLst>
                                           <p:attrName>style.visibility</p:attrName>
@@ -10290,25 +12085,25 @@
                                     </p:set>
                                     <p:animEffect transition="in" filter="wipe(down)">
                                       <p:cBhvr>
-                                        <p:cTn id="81" dur="580">
+                                        <p:cTn id="112" dur="580">
                                           <p:stCondLst>
                                             <p:cond delay="0"/>
                                           </p:stCondLst>
                                         </p:cTn>
                                         <p:tgtEl>
-                                          <p:spTgt spid="3078"/>
+                                          <p:spTgt spid="14"/>
                                         </p:tgtEl>
                                       </p:cBhvr>
                                     </p:animEffect>
                                     <p:anim calcmode="lin" valueType="num">
                                       <p:cBhvr>
-                                        <p:cTn id="82" dur="1822" tmFilter="0,0; 0.14,0.36; 0.43,0.73; 0.71,0.91; 1.0,1.0">
+                                        <p:cTn id="113" dur="1822" tmFilter="0,0; 0.14,0.36; 0.43,0.73; 0.71,0.91; 1.0,1.0">
                                           <p:stCondLst>
                                             <p:cond delay="0"/>
                                           </p:stCondLst>
                                         </p:cTn>
                                         <p:tgtEl>
-                                          <p:spTgt spid="3078"/>
+                                          <p:spTgt spid="14"/>
                                         </p:tgtEl>
                                         <p:attrNameLst>
                                           <p:attrName>ppt_x</p:attrName>
@@ -10329,13 +12124,13 @@
                                     </p:anim>
                                     <p:anim calcmode="lin" valueType="num">
                                       <p:cBhvr>
-                                        <p:cTn id="83" dur="664" tmFilter="0.0,0.0; 0.25,0.07; 0.50,0.2; 0.75,0.467; 1.0,1.0">
+                                        <p:cTn id="114" dur="664" tmFilter="0.0,0.0; 0.25,0.07; 0.50,0.2; 0.75,0.467; 1.0,1.0">
                                           <p:stCondLst>
                                             <p:cond delay="0"/>
                                           </p:stCondLst>
                                         </p:cTn>
                                         <p:tgtEl>
-                                          <p:spTgt spid="3078"/>
+                                          <p:spTgt spid="14"/>
                                         </p:tgtEl>
                                         <p:attrNameLst>
                                           <p:attrName>ppt_y</p:attrName>
@@ -10356,13 +12151,13 @@
                                     </p:anim>
                                     <p:anim calcmode="lin" valueType="num">
                                       <p:cBhvr>
-                                        <p:cTn id="84" dur="664" tmFilter="0, 0; 0.125,0.2665; 0.25,0.4; 0.375,0.465; 0.5,0.5;  0.625,0.535; 0.75,0.6; 0.875,0.7335; 1,1">
+                                        <p:cTn id="115" dur="664" tmFilter="0, 0; 0.125,0.2665; 0.25,0.4; 0.375,0.465; 0.5,0.5;  0.625,0.535; 0.75,0.6; 0.875,0.7335; 1,1">
                                           <p:stCondLst>
                                             <p:cond delay="664"/>
                                           </p:stCondLst>
                                         </p:cTn>
                                         <p:tgtEl>
-                                          <p:spTgt spid="3078"/>
+                                          <p:spTgt spid="14"/>
                                         </p:tgtEl>
                                         <p:attrNameLst>
                                           <p:attrName>ppt_y</p:attrName>
@@ -10383,13 +12178,13 @@
                                     </p:anim>
                                     <p:anim calcmode="lin" valueType="num">
                                       <p:cBhvr>
-                                        <p:cTn id="85" dur="332" tmFilter="0, 0; 0.125,0.2665; 0.25,0.4; 0.375,0.465; 0.5,0.5;  0.625,0.535; 0.75,0.6; 0.875,0.7335; 1,1">
+                                        <p:cTn id="116" dur="332" tmFilter="0, 0; 0.125,0.2665; 0.25,0.4; 0.375,0.465; 0.5,0.5;  0.625,0.535; 0.75,0.6; 0.875,0.7335; 1,1">
                                           <p:stCondLst>
                                             <p:cond delay="1324"/>
                                           </p:stCondLst>
                                         </p:cTn>
                                         <p:tgtEl>
-                                          <p:spTgt spid="3078"/>
+                                          <p:spTgt spid="14"/>
                                         </p:tgtEl>
                                         <p:attrNameLst>
                                           <p:attrName>ppt_y</p:attrName>
@@ -10410,13 +12205,13 @@
                                     </p:anim>
                                     <p:anim calcmode="lin" valueType="num">
                                       <p:cBhvr>
-                                        <p:cTn id="86" dur="164" tmFilter="0, 0; 0.125,0.2665; 0.25,0.4; 0.375,0.465; 0.5,0.5;  0.625,0.535; 0.75,0.6; 0.875,0.7335; 1,1">
+                                        <p:cTn id="117" dur="164" tmFilter="0, 0; 0.125,0.2665; 0.25,0.4; 0.375,0.465; 0.5,0.5;  0.625,0.535; 0.75,0.6; 0.875,0.7335; 1,1">
                                           <p:stCondLst>
                                             <p:cond delay="1656"/>
                                           </p:stCondLst>
                                         </p:cTn>
                                         <p:tgtEl>
-                                          <p:spTgt spid="3078"/>
+                                          <p:spTgt spid="14"/>
                                         </p:tgtEl>
                                         <p:attrNameLst>
                                           <p:attrName>ppt_y</p:attrName>
@@ -10437,98 +12232,475 @@
                                     </p:anim>
                                     <p:animScale>
                                       <p:cBhvr>
-                                        <p:cTn id="87" dur="26">
+                                        <p:cTn id="118" dur="26">
                                           <p:stCondLst>
                                             <p:cond delay="650"/>
                                           </p:stCondLst>
                                         </p:cTn>
                                         <p:tgtEl>
-                                          <p:spTgt spid="3078"/>
+                                          <p:spTgt spid="14"/>
                                         </p:tgtEl>
                                       </p:cBhvr>
                                       <p:to x="100000" y="60000"/>
                                     </p:animScale>
                                     <p:animScale>
                                       <p:cBhvr>
-                                        <p:cTn id="88" dur="166" decel="50000">
+                                        <p:cTn id="119" dur="166" decel="50000">
                                           <p:stCondLst>
                                             <p:cond delay="676"/>
                                           </p:stCondLst>
                                         </p:cTn>
                                         <p:tgtEl>
-                                          <p:spTgt spid="3078"/>
+                                          <p:spTgt spid="14"/>
                                         </p:tgtEl>
                                       </p:cBhvr>
                                       <p:to x="100000" y="100000"/>
                                     </p:animScale>
                                     <p:animScale>
                                       <p:cBhvr>
-                                        <p:cTn id="89" dur="26">
+                                        <p:cTn id="120" dur="26">
                                           <p:stCondLst>
                                             <p:cond delay="1312"/>
                                           </p:stCondLst>
                                         </p:cTn>
                                         <p:tgtEl>
-                                          <p:spTgt spid="3078"/>
+                                          <p:spTgt spid="14"/>
                                         </p:tgtEl>
                                       </p:cBhvr>
                                       <p:to x="100000" y="80000"/>
                                     </p:animScale>
                                     <p:animScale>
                                       <p:cBhvr>
-                                        <p:cTn id="90" dur="166" decel="50000">
+                                        <p:cTn id="121" dur="166" decel="50000">
                                           <p:stCondLst>
                                             <p:cond delay="1338"/>
                                           </p:stCondLst>
                                         </p:cTn>
                                         <p:tgtEl>
-                                          <p:spTgt spid="3078"/>
+                                          <p:spTgt spid="14"/>
                                         </p:tgtEl>
                                       </p:cBhvr>
                                       <p:to x="100000" y="100000"/>
                                     </p:animScale>
                                     <p:animScale>
                                       <p:cBhvr>
-                                        <p:cTn id="91" dur="26">
+                                        <p:cTn id="122" dur="26">
                                           <p:stCondLst>
                                             <p:cond delay="1642"/>
                                           </p:stCondLst>
                                         </p:cTn>
                                         <p:tgtEl>
-                                          <p:spTgt spid="3078"/>
+                                          <p:spTgt spid="14"/>
                                         </p:tgtEl>
                                       </p:cBhvr>
                                       <p:to x="100000" y="90000"/>
                                     </p:animScale>
                                     <p:animScale>
                                       <p:cBhvr>
-                                        <p:cTn id="92" dur="166" decel="50000">
+                                        <p:cTn id="123" dur="166" decel="50000">
                                           <p:stCondLst>
                                             <p:cond delay="1668"/>
                                           </p:stCondLst>
                                         </p:cTn>
                                         <p:tgtEl>
-                                          <p:spTgt spid="3078"/>
+                                          <p:spTgt spid="14"/>
                                         </p:tgtEl>
                                       </p:cBhvr>
                                       <p:to x="100000" y="100000"/>
                                     </p:animScale>
                                     <p:animScale>
                                       <p:cBhvr>
-                                        <p:cTn id="93" dur="26">
+                                        <p:cTn id="124" dur="26">
                                           <p:stCondLst>
                                             <p:cond delay="1808"/>
                                           </p:stCondLst>
                                         </p:cTn>
                                         <p:tgtEl>
-                                          <p:spTgt spid="3078"/>
+                                          <p:spTgt spid="14"/>
                                         </p:tgtEl>
                                       </p:cBhvr>
                                       <p:to x="100000" y="95000"/>
                                     </p:animScale>
                                     <p:animScale>
                                       <p:cBhvr>
-                                        <p:cTn id="94" dur="166" decel="50000">
+                                        <p:cTn id="125" dur="166" decel="50000">
+                                          <p:stCondLst>
+                                            <p:cond delay="1834"/>
+                                          </p:stCondLst>
+                                        </p:cTn>
+                                        <p:tgtEl>
+                                          <p:spTgt spid="14"/>
+                                        </p:tgtEl>
+                                      </p:cBhvr>
+                                      <p:to x="100000" y="100000"/>
+                                    </p:animScale>
+                                  </p:childTnLst>
+                                </p:cTn>
+                              </p:par>
+                            </p:childTnLst>
+                          </p:cTn>
+                        </p:par>
+                      </p:childTnLst>
+                    </p:cTn>
+                  </p:par>
+                  <p:par>
+                    <p:cTn id="126" fill="hold">
+                      <p:stCondLst>
+                        <p:cond delay="indefinite"/>
+                      </p:stCondLst>
+                      <p:childTnLst>
+                        <p:par>
+                          <p:cTn id="127" fill="hold">
+                            <p:stCondLst>
+                              <p:cond delay="0"/>
+                            </p:stCondLst>
+                            <p:childTnLst>
+                              <p:par>
+                                <p:cTn id="128" presetID="42" presetClass="entr" presetSubtype="0" fill="hold" grpId="0" nodeType="clickEffect">
+                                  <p:stCondLst>
+                                    <p:cond delay="0"/>
+                                  </p:stCondLst>
+                                  <p:childTnLst>
+                                    <p:set>
+                                      <p:cBhvr>
+                                        <p:cTn id="129" dur="1" fill="hold">
+                                          <p:stCondLst>
+                                            <p:cond delay="0"/>
+                                          </p:stCondLst>
+                                        </p:cTn>
+                                        <p:tgtEl>
+                                          <p:spTgt spid="7"/>
+                                        </p:tgtEl>
+                                        <p:attrNameLst>
+                                          <p:attrName>style.visibility</p:attrName>
+                                        </p:attrNameLst>
+                                      </p:cBhvr>
+                                      <p:to>
+                                        <p:strVal val="visible"/>
+                                      </p:to>
+                                    </p:set>
+                                    <p:animEffect transition="in" filter="fade">
+                                      <p:cBhvr>
+                                        <p:cTn id="130" dur="1000"/>
+                                        <p:tgtEl>
+                                          <p:spTgt spid="7"/>
+                                        </p:tgtEl>
+                                      </p:cBhvr>
+                                    </p:animEffect>
+                                    <p:anim calcmode="lin" valueType="num">
+                                      <p:cBhvr>
+                                        <p:cTn id="131" dur="1000" fill="hold"/>
+                                        <p:tgtEl>
+                                          <p:spTgt spid="7"/>
+                                        </p:tgtEl>
+                                        <p:attrNameLst>
+                                          <p:attrName>ppt_x</p:attrName>
+                                        </p:attrNameLst>
+                                      </p:cBhvr>
+                                      <p:tavLst>
+                                        <p:tav tm="0">
+                                          <p:val>
+                                            <p:strVal val="#ppt_x"/>
+                                          </p:val>
+                                        </p:tav>
+                                        <p:tav tm="100000">
+                                          <p:val>
+                                            <p:strVal val="#ppt_x"/>
+                                          </p:val>
+                                        </p:tav>
+                                      </p:tavLst>
+                                    </p:anim>
+                                    <p:anim calcmode="lin" valueType="num">
+                                      <p:cBhvr>
+                                        <p:cTn id="132" dur="1000" fill="hold"/>
+                                        <p:tgtEl>
+                                          <p:spTgt spid="7"/>
+                                        </p:tgtEl>
+                                        <p:attrNameLst>
+                                          <p:attrName>ppt_y</p:attrName>
+                                        </p:attrNameLst>
+                                      </p:cBhvr>
+                                      <p:tavLst>
+                                        <p:tav tm="0">
+                                          <p:val>
+                                            <p:strVal val="#ppt_y+.1"/>
+                                          </p:val>
+                                        </p:tav>
+                                        <p:tav tm="100000">
+                                          <p:val>
+                                            <p:strVal val="#ppt_y"/>
+                                          </p:val>
+                                        </p:tav>
+                                      </p:tavLst>
+                                    </p:anim>
+                                  </p:childTnLst>
+                                </p:cTn>
+                              </p:par>
+                              <p:par>
+                                <p:cTn id="133" presetID="26" presetClass="entr" presetSubtype="0" fill="hold" nodeType="withEffect">
+                                  <p:stCondLst>
+                                    <p:cond delay="0"/>
+                                  </p:stCondLst>
+                                  <p:childTnLst>
+                                    <p:set>
+                                      <p:cBhvr>
+                                        <p:cTn id="134" dur="1" fill="hold">
+                                          <p:stCondLst>
+                                            <p:cond delay="0"/>
+                                          </p:stCondLst>
+                                        </p:cTn>
+                                        <p:tgtEl>
+                                          <p:spTgt spid="3078"/>
+                                        </p:tgtEl>
+                                        <p:attrNameLst>
+                                          <p:attrName>style.visibility</p:attrName>
+                                        </p:attrNameLst>
+                                      </p:cBhvr>
+                                      <p:to>
+                                        <p:strVal val="visible"/>
+                                      </p:to>
+                                    </p:set>
+                                    <p:animEffect transition="in" filter="wipe(down)">
+                                      <p:cBhvr>
+                                        <p:cTn id="135" dur="580">
+                                          <p:stCondLst>
+                                            <p:cond delay="0"/>
+                                          </p:stCondLst>
+                                        </p:cTn>
+                                        <p:tgtEl>
+                                          <p:spTgt spid="3078"/>
+                                        </p:tgtEl>
+                                      </p:cBhvr>
+                                    </p:animEffect>
+                                    <p:anim calcmode="lin" valueType="num">
+                                      <p:cBhvr>
+                                        <p:cTn id="136" dur="1822" tmFilter="0,0; 0.14,0.36; 0.43,0.73; 0.71,0.91; 1.0,1.0">
+                                          <p:stCondLst>
+                                            <p:cond delay="0"/>
+                                          </p:stCondLst>
+                                        </p:cTn>
+                                        <p:tgtEl>
+                                          <p:spTgt spid="3078"/>
+                                        </p:tgtEl>
+                                        <p:attrNameLst>
+                                          <p:attrName>ppt_x</p:attrName>
+                                        </p:attrNameLst>
+                                      </p:cBhvr>
+                                      <p:tavLst>
+                                        <p:tav tm="0">
+                                          <p:val>
+                                            <p:strVal val="#ppt_x-0.25"/>
+                                          </p:val>
+                                        </p:tav>
+                                        <p:tav tm="100000">
+                                          <p:val>
+                                            <p:strVal val="#ppt_x"/>
+                                          </p:val>
+                                        </p:tav>
+                                      </p:tavLst>
+                                    </p:anim>
+                                    <p:anim calcmode="lin" valueType="num">
+                                      <p:cBhvr>
+                                        <p:cTn id="137" dur="664" tmFilter="0.0,0.0; 0.25,0.07; 0.50,0.2; 0.75,0.467; 1.0,1.0">
+                                          <p:stCondLst>
+                                            <p:cond delay="0"/>
+                                          </p:stCondLst>
+                                        </p:cTn>
+                                        <p:tgtEl>
+                                          <p:spTgt spid="3078"/>
+                                        </p:tgtEl>
+                                        <p:attrNameLst>
+                                          <p:attrName>ppt_y</p:attrName>
+                                        </p:attrNameLst>
+                                      </p:cBhvr>
+                                      <p:tavLst>
+                                        <p:tav tm="0" fmla="#ppt_y-sin(pi*$)/3">
+                                          <p:val>
+                                            <p:fltVal val="0.5"/>
+                                          </p:val>
+                                        </p:tav>
+                                        <p:tav tm="100000">
+                                          <p:val>
+                                            <p:fltVal val="1"/>
+                                          </p:val>
+                                        </p:tav>
+                                      </p:tavLst>
+                                    </p:anim>
+                                    <p:anim calcmode="lin" valueType="num">
+                                      <p:cBhvr>
+                                        <p:cTn id="138" dur="664" tmFilter="0, 0; 0.125,0.2665; 0.25,0.4; 0.375,0.465; 0.5,0.5;  0.625,0.535; 0.75,0.6; 0.875,0.7335; 1,1">
+                                          <p:stCondLst>
+                                            <p:cond delay="664"/>
+                                          </p:stCondLst>
+                                        </p:cTn>
+                                        <p:tgtEl>
+                                          <p:spTgt spid="3078"/>
+                                        </p:tgtEl>
+                                        <p:attrNameLst>
+                                          <p:attrName>ppt_y</p:attrName>
+                                        </p:attrNameLst>
+                                      </p:cBhvr>
+                                      <p:tavLst>
+                                        <p:tav tm="0" fmla="#ppt_y-sin(pi*$)/9">
+                                          <p:val>
+                                            <p:fltVal val="0"/>
+                                          </p:val>
+                                        </p:tav>
+                                        <p:tav tm="100000">
+                                          <p:val>
+                                            <p:fltVal val="1"/>
+                                          </p:val>
+                                        </p:tav>
+                                      </p:tavLst>
+                                    </p:anim>
+                                    <p:anim calcmode="lin" valueType="num">
+                                      <p:cBhvr>
+                                        <p:cTn id="139" dur="332" tmFilter="0, 0; 0.125,0.2665; 0.25,0.4; 0.375,0.465; 0.5,0.5;  0.625,0.535; 0.75,0.6; 0.875,0.7335; 1,1">
+                                          <p:stCondLst>
+                                            <p:cond delay="1324"/>
+                                          </p:stCondLst>
+                                        </p:cTn>
+                                        <p:tgtEl>
+                                          <p:spTgt spid="3078"/>
+                                        </p:tgtEl>
+                                        <p:attrNameLst>
+                                          <p:attrName>ppt_y</p:attrName>
+                                        </p:attrNameLst>
+                                      </p:cBhvr>
+                                      <p:tavLst>
+                                        <p:tav tm="0" fmla="#ppt_y-sin(pi*$)/27">
+                                          <p:val>
+                                            <p:fltVal val="0"/>
+                                          </p:val>
+                                        </p:tav>
+                                        <p:tav tm="100000">
+                                          <p:val>
+                                            <p:fltVal val="1"/>
+                                          </p:val>
+                                        </p:tav>
+                                      </p:tavLst>
+                                    </p:anim>
+                                    <p:anim calcmode="lin" valueType="num">
+                                      <p:cBhvr>
+                                        <p:cTn id="140" dur="164" tmFilter="0, 0; 0.125,0.2665; 0.25,0.4; 0.375,0.465; 0.5,0.5;  0.625,0.535; 0.75,0.6; 0.875,0.7335; 1,1">
+                                          <p:stCondLst>
+                                            <p:cond delay="1656"/>
+                                          </p:stCondLst>
+                                        </p:cTn>
+                                        <p:tgtEl>
+                                          <p:spTgt spid="3078"/>
+                                        </p:tgtEl>
+                                        <p:attrNameLst>
+                                          <p:attrName>ppt_y</p:attrName>
+                                        </p:attrNameLst>
+                                      </p:cBhvr>
+                                      <p:tavLst>
+                                        <p:tav tm="0" fmla="#ppt_y-sin(pi*$)/81">
+                                          <p:val>
+                                            <p:fltVal val="0"/>
+                                          </p:val>
+                                        </p:tav>
+                                        <p:tav tm="100000">
+                                          <p:val>
+                                            <p:fltVal val="1"/>
+                                          </p:val>
+                                        </p:tav>
+                                      </p:tavLst>
+                                    </p:anim>
+                                    <p:animScale>
+                                      <p:cBhvr>
+                                        <p:cTn id="141" dur="26">
+                                          <p:stCondLst>
+                                            <p:cond delay="650"/>
+                                          </p:stCondLst>
+                                        </p:cTn>
+                                        <p:tgtEl>
+                                          <p:spTgt spid="3078"/>
+                                        </p:tgtEl>
+                                      </p:cBhvr>
+                                      <p:to x="100000" y="60000"/>
+                                    </p:animScale>
+                                    <p:animScale>
+                                      <p:cBhvr>
+                                        <p:cTn id="142" dur="166" decel="50000">
+                                          <p:stCondLst>
+                                            <p:cond delay="676"/>
+                                          </p:stCondLst>
+                                        </p:cTn>
+                                        <p:tgtEl>
+                                          <p:spTgt spid="3078"/>
+                                        </p:tgtEl>
+                                      </p:cBhvr>
+                                      <p:to x="100000" y="100000"/>
+                                    </p:animScale>
+                                    <p:animScale>
+                                      <p:cBhvr>
+                                        <p:cTn id="143" dur="26">
+                                          <p:stCondLst>
+                                            <p:cond delay="1312"/>
+                                          </p:stCondLst>
+                                        </p:cTn>
+                                        <p:tgtEl>
+                                          <p:spTgt spid="3078"/>
+                                        </p:tgtEl>
+                                      </p:cBhvr>
+                                      <p:to x="100000" y="80000"/>
+                                    </p:animScale>
+                                    <p:animScale>
+                                      <p:cBhvr>
+                                        <p:cTn id="144" dur="166" decel="50000">
+                                          <p:stCondLst>
+                                            <p:cond delay="1338"/>
+                                          </p:stCondLst>
+                                        </p:cTn>
+                                        <p:tgtEl>
+                                          <p:spTgt spid="3078"/>
+                                        </p:tgtEl>
+                                      </p:cBhvr>
+                                      <p:to x="100000" y="100000"/>
+                                    </p:animScale>
+                                    <p:animScale>
+                                      <p:cBhvr>
+                                        <p:cTn id="145" dur="26">
+                                          <p:stCondLst>
+                                            <p:cond delay="1642"/>
+                                          </p:stCondLst>
+                                        </p:cTn>
+                                        <p:tgtEl>
+                                          <p:spTgt spid="3078"/>
+                                        </p:tgtEl>
+                                      </p:cBhvr>
+                                      <p:to x="100000" y="90000"/>
+                                    </p:animScale>
+                                    <p:animScale>
+                                      <p:cBhvr>
+                                        <p:cTn id="146" dur="166" decel="50000">
+                                          <p:stCondLst>
+                                            <p:cond delay="1668"/>
+                                          </p:stCondLst>
+                                        </p:cTn>
+                                        <p:tgtEl>
+                                          <p:spTgt spid="3078"/>
+                                        </p:tgtEl>
+                                      </p:cBhvr>
+                                      <p:to x="100000" y="100000"/>
+                                    </p:animScale>
+                                    <p:animScale>
+                                      <p:cBhvr>
+                                        <p:cTn id="147" dur="26">
+                                          <p:stCondLst>
+                                            <p:cond delay="1808"/>
+                                          </p:stCondLst>
+                                        </p:cTn>
+                                        <p:tgtEl>
+                                          <p:spTgt spid="3078"/>
+                                        </p:tgtEl>
+                                      </p:cBhvr>
+                                      <p:to x="100000" y="95000"/>
+                                    </p:animScale>
+                                    <p:animScale>
+                                      <p:cBhvr>
+                                        <p:cTn id="148" dur="166" decel="50000">
                                           <p:stCondLst>
                                             <p:cond delay="1834"/>
                                           </p:stCondLst>
@@ -10570,7 +12742,12 @@
       </p:par>
     </p:tnLst>
     <p:bldLst>
+      <p:bldP spid="4" grpId="0" build="p"/>
       <p:bldP spid="3" grpId="0"/>
+      <p:bldP spid="5" grpId="0"/>
+      <p:bldP spid="7" grpId="0"/>
+      <p:bldP spid="17" grpId="0"/>
+      <p:bldP spid="18" grpId="0"/>
     </p:bldLst>
   </p:timing>
 </p:sld>
@@ -11867,6 +14044,499 @@
   <p:clrMapOvr>
     <a:masterClrMapping/>
   </p:clrMapOvr>
+  <p:timing>
+    <p:tnLst>
+      <p:par>
+        <p:cTn id="1" dur="indefinite" restart="never" nodeType="tmRoot">
+          <p:childTnLst>
+            <p:seq concurrent="1" nextAc="seek">
+              <p:cTn id="2" dur="indefinite" nodeType="mainSeq">
+                <p:childTnLst>
+                  <p:par>
+                    <p:cTn id="3" fill="hold">
+                      <p:stCondLst>
+                        <p:cond delay="indefinite"/>
+                      </p:stCondLst>
+                      <p:childTnLst>
+                        <p:par>
+                          <p:cTn id="4" fill="hold">
+                            <p:stCondLst>
+                              <p:cond delay="0"/>
+                            </p:stCondLst>
+                            <p:childTnLst>
+                              <p:par>
+                                <p:cTn id="5" presetID="42" presetClass="entr" presetSubtype="0" fill="hold" grpId="0" nodeType="clickEffect">
+                                  <p:stCondLst>
+                                    <p:cond delay="0"/>
+                                  </p:stCondLst>
+                                  <p:childTnLst>
+                                    <p:set>
+                                      <p:cBhvr>
+                                        <p:cTn id="6" dur="1" fill="hold">
+                                          <p:stCondLst>
+                                            <p:cond delay="0"/>
+                                          </p:stCondLst>
+                                        </p:cTn>
+                                        <p:tgtEl>
+                                          <p:spTgt spid="3">
+                                            <p:txEl>
+                                              <p:pRg st="1" end="1"/>
+                                            </p:txEl>
+                                          </p:spTgt>
+                                        </p:tgtEl>
+                                        <p:attrNameLst>
+                                          <p:attrName>style.visibility</p:attrName>
+                                        </p:attrNameLst>
+                                      </p:cBhvr>
+                                      <p:to>
+                                        <p:strVal val="visible"/>
+                                      </p:to>
+                                    </p:set>
+                                    <p:animEffect transition="in" filter="fade">
+                                      <p:cBhvr>
+                                        <p:cTn id="7" dur="1000"/>
+                                        <p:tgtEl>
+                                          <p:spTgt spid="3">
+                                            <p:txEl>
+                                              <p:pRg st="1" end="1"/>
+                                            </p:txEl>
+                                          </p:spTgt>
+                                        </p:tgtEl>
+                                      </p:cBhvr>
+                                    </p:animEffect>
+                                    <p:anim calcmode="lin" valueType="num">
+                                      <p:cBhvr>
+                                        <p:cTn id="8" dur="1000" fill="hold"/>
+                                        <p:tgtEl>
+                                          <p:spTgt spid="3">
+                                            <p:txEl>
+                                              <p:pRg st="1" end="1"/>
+                                            </p:txEl>
+                                          </p:spTgt>
+                                        </p:tgtEl>
+                                        <p:attrNameLst>
+                                          <p:attrName>ppt_x</p:attrName>
+                                        </p:attrNameLst>
+                                      </p:cBhvr>
+                                      <p:tavLst>
+                                        <p:tav tm="0">
+                                          <p:val>
+                                            <p:strVal val="#ppt_x"/>
+                                          </p:val>
+                                        </p:tav>
+                                        <p:tav tm="100000">
+                                          <p:val>
+                                            <p:strVal val="#ppt_x"/>
+                                          </p:val>
+                                        </p:tav>
+                                      </p:tavLst>
+                                    </p:anim>
+                                    <p:anim calcmode="lin" valueType="num">
+                                      <p:cBhvr>
+                                        <p:cTn id="9" dur="1000" fill="hold"/>
+                                        <p:tgtEl>
+                                          <p:spTgt spid="3">
+                                            <p:txEl>
+                                              <p:pRg st="1" end="1"/>
+                                            </p:txEl>
+                                          </p:spTgt>
+                                        </p:tgtEl>
+                                        <p:attrNameLst>
+                                          <p:attrName>ppt_y</p:attrName>
+                                        </p:attrNameLst>
+                                      </p:cBhvr>
+                                      <p:tavLst>
+                                        <p:tav tm="0">
+                                          <p:val>
+                                            <p:strVal val="#ppt_y+.1"/>
+                                          </p:val>
+                                        </p:tav>
+                                        <p:tav tm="100000">
+                                          <p:val>
+                                            <p:strVal val="#ppt_y"/>
+                                          </p:val>
+                                        </p:tav>
+                                      </p:tavLst>
+                                    </p:anim>
+                                  </p:childTnLst>
+                                </p:cTn>
+                              </p:par>
+                            </p:childTnLst>
+                          </p:cTn>
+                        </p:par>
+                      </p:childTnLst>
+                    </p:cTn>
+                  </p:par>
+                  <p:par>
+                    <p:cTn id="10" fill="hold">
+                      <p:stCondLst>
+                        <p:cond delay="indefinite"/>
+                      </p:stCondLst>
+                      <p:childTnLst>
+                        <p:par>
+                          <p:cTn id="11" fill="hold">
+                            <p:stCondLst>
+                              <p:cond delay="0"/>
+                            </p:stCondLst>
+                            <p:childTnLst>
+                              <p:par>
+                                <p:cTn id="12" presetID="42" presetClass="entr" presetSubtype="0" fill="hold" grpId="0" nodeType="clickEffect">
+                                  <p:stCondLst>
+                                    <p:cond delay="0"/>
+                                  </p:stCondLst>
+                                  <p:childTnLst>
+                                    <p:set>
+                                      <p:cBhvr>
+                                        <p:cTn id="13" dur="1" fill="hold">
+                                          <p:stCondLst>
+                                            <p:cond delay="0"/>
+                                          </p:stCondLst>
+                                        </p:cTn>
+                                        <p:tgtEl>
+                                          <p:spTgt spid="3">
+                                            <p:txEl>
+                                              <p:pRg st="3" end="3"/>
+                                            </p:txEl>
+                                          </p:spTgt>
+                                        </p:tgtEl>
+                                        <p:attrNameLst>
+                                          <p:attrName>style.visibility</p:attrName>
+                                        </p:attrNameLst>
+                                      </p:cBhvr>
+                                      <p:to>
+                                        <p:strVal val="visible"/>
+                                      </p:to>
+                                    </p:set>
+                                    <p:animEffect transition="in" filter="fade">
+                                      <p:cBhvr>
+                                        <p:cTn id="14" dur="1000"/>
+                                        <p:tgtEl>
+                                          <p:spTgt spid="3">
+                                            <p:txEl>
+                                              <p:pRg st="3" end="3"/>
+                                            </p:txEl>
+                                          </p:spTgt>
+                                        </p:tgtEl>
+                                      </p:cBhvr>
+                                    </p:animEffect>
+                                    <p:anim calcmode="lin" valueType="num">
+                                      <p:cBhvr>
+                                        <p:cTn id="15" dur="1000" fill="hold"/>
+                                        <p:tgtEl>
+                                          <p:spTgt spid="3">
+                                            <p:txEl>
+                                              <p:pRg st="3" end="3"/>
+                                            </p:txEl>
+                                          </p:spTgt>
+                                        </p:tgtEl>
+                                        <p:attrNameLst>
+                                          <p:attrName>ppt_x</p:attrName>
+                                        </p:attrNameLst>
+                                      </p:cBhvr>
+                                      <p:tavLst>
+                                        <p:tav tm="0">
+                                          <p:val>
+                                            <p:strVal val="#ppt_x"/>
+                                          </p:val>
+                                        </p:tav>
+                                        <p:tav tm="100000">
+                                          <p:val>
+                                            <p:strVal val="#ppt_x"/>
+                                          </p:val>
+                                        </p:tav>
+                                      </p:tavLst>
+                                    </p:anim>
+                                    <p:anim calcmode="lin" valueType="num">
+                                      <p:cBhvr>
+                                        <p:cTn id="16" dur="1000" fill="hold"/>
+                                        <p:tgtEl>
+                                          <p:spTgt spid="3">
+                                            <p:txEl>
+                                              <p:pRg st="3" end="3"/>
+                                            </p:txEl>
+                                          </p:spTgt>
+                                        </p:tgtEl>
+                                        <p:attrNameLst>
+                                          <p:attrName>ppt_y</p:attrName>
+                                        </p:attrNameLst>
+                                      </p:cBhvr>
+                                      <p:tavLst>
+                                        <p:tav tm="0">
+                                          <p:val>
+                                            <p:strVal val="#ppt_y+.1"/>
+                                          </p:val>
+                                        </p:tav>
+                                        <p:tav tm="100000">
+                                          <p:val>
+                                            <p:strVal val="#ppt_y"/>
+                                          </p:val>
+                                        </p:tav>
+                                      </p:tavLst>
+                                    </p:anim>
+                                  </p:childTnLst>
+                                </p:cTn>
+                              </p:par>
+                            </p:childTnLst>
+                          </p:cTn>
+                        </p:par>
+                      </p:childTnLst>
+                    </p:cTn>
+                  </p:par>
+                  <p:par>
+                    <p:cTn id="17" fill="hold">
+                      <p:stCondLst>
+                        <p:cond delay="indefinite"/>
+                      </p:stCondLst>
+                      <p:childTnLst>
+                        <p:par>
+                          <p:cTn id="18" fill="hold">
+                            <p:stCondLst>
+                              <p:cond delay="0"/>
+                            </p:stCondLst>
+                            <p:childTnLst>
+                              <p:par>
+                                <p:cTn id="19" presetID="42" presetClass="entr" presetSubtype="0" fill="hold" grpId="0" nodeType="clickEffect">
+                                  <p:stCondLst>
+                                    <p:cond delay="0"/>
+                                  </p:stCondLst>
+                                  <p:childTnLst>
+                                    <p:set>
+                                      <p:cBhvr>
+                                        <p:cTn id="20" dur="1" fill="hold">
+                                          <p:stCondLst>
+                                            <p:cond delay="0"/>
+                                          </p:stCondLst>
+                                        </p:cTn>
+                                        <p:tgtEl>
+                                          <p:spTgt spid="3">
+                                            <p:txEl>
+                                              <p:pRg st="5" end="5"/>
+                                            </p:txEl>
+                                          </p:spTgt>
+                                        </p:tgtEl>
+                                        <p:attrNameLst>
+                                          <p:attrName>style.visibility</p:attrName>
+                                        </p:attrNameLst>
+                                      </p:cBhvr>
+                                      <p:to>
+                                        <p:strVal val="visible"/>
+                                      </p:to>
+                                    </p:set>
+                                    <p:animEffect transition="in" filter="fade">
+                                      <p:cBhvr>
+                                        <p:cTn id="21" dur="1000"/>
+                                        <p:tgtEl>
+                                          <p:spTgt spid="3">
+                                            <p:txEl>
+                                              <p:pRg st="5" end="5"/>
+                                            </p:txEl>
+                                          </p:spTgt>
+                                        </p:tgtEl>
+                                      </p:cBhvr>
+                                    </p:animEffect>
+                                    <p:anim calcmode="lin" valueType="num">
+                                      <p:cBhvr>
+                                        <p:cTn id="22" dur="1000" fill="hold"/>
+                                        <p:tgtEl>
+                                          <p:spTgt spid="3">
+                                            <p:txEl>
+                                              <p:pRg st="5" end="5"/>
+                                            </p:txEl>
+                                          </p:spTgt>
+                                        </p:tgtEl>
+                                        <p:attrNameLst>
+                                          <p:attrName>ppt_x</p:attrName>
+                                        </p:attrNameLst>
+                                      </p:cBhvr>
+                                      <p:tavLst>
+                                        <p:tav tm="0">
+                                          <p:val>
+                                            <p:strVal val="#ppt_x"/>
+                                          </p:val>
+                                        </p:tav>
+                                        <p:tav tm="100000">
+                                          <p:val>
+                                            <p:strVal val="#ppt_x"/>
+                                          </p:val>
+                                        </p:tav>
+                                      </p:tavLst>
+                                    </p:anim>
+                                    <p:anim calcmode="lin" valueType="num">
+                                      <p:cBhvr>
+                                        <p:cTn id="23" dur="1000" fill="hold"/>
+                                        <p:tgtEl>
+                                          <p:spTgt spid="3">
+                                            <p:txEl>
+                                              <p:pRg st="5" end="5"/>
+                                            </p:txEl>
+                                          </p:spTgt>
+                                        </p:tgtEl>
+                                        <p:attrNameLst>
+                                          <p:attrName>ppt_y</p:attrName>
+                                        </p:attrNameLst>
+                                      </p:cBhvr>
+                                      <p:tavLst>
+                                        <p:tav tm="0">
+                                          <p:val>
+                                            <p:strVal val="#ppt_y+.1"/>
+                                          </p:val>
+                                        </p:tav>
+                                        <p:tav tm="100000">
+                                          <p:val>
+                                            <p:strVal val="#ppt_y"/>
+                                          </p:val>
+                                        </p:tav>
+                                      </p:tavLst>
+                                    </p:anim>
+                                  </p:childTnLst>
+                                </p:cTn>
+                              </p:par>
+                            </p:childTnLst>
+                          </p:cTn>
+                        </p:par>
+                      </p:childTnLst>
+                    </p:cTn>
+                  </p:par>
+                  <p:par>
+                    <p:cTn id="24" fill="hold">
+                      <p:stCondLst>
+                        <p:cond delay="indefinite"/>
+                      </p:stCondLst>
+                      <p:childTnLst>
+                        <p:par>
+                          <p:cTn id="25" fill="hold">
+                            <p:stCondLst>
+                              <p:cond delay="0"/>
+                            </p:stCondLst>
+                            <p:childTnLst>
+                              <p:par>
+                                <p:cTn id="26" presetID="42" presetClass="entr" presetSubtype="0" fill="hold" grpId="0" nodeType="clickEffect">
+                                  <p:stCondLst>
+                                    <p:cond delay="0"/>
+                                  </p:stCondLst>
+                                  <p:childTnLst>
+                                    <p:set>
+                                      <p:cBhvr>
+                                        <p:cTn id="27" dur="1" fill="hold">
+                                          <p:stCondLst>
+                                            <p:cond delay="0"/>
+                                          </p:stCondLst>
+                                        </p:cTn>
+                                        <p:tgtEl>
+                                          <p:spTgt spid="3">
+                                            <p:txEl>
+                                              <p:pRg st="7" end="7"/>
+                                            </p:txEl>
+                                          </p:spTgt>
+                                        </p:tgtEl>
+                                        <p:attrNameLst>
+                                          <p:attrName>style.visibility</p:attrName>
+                                        </p:attrNameLst>
+                                      </p:cBhvr>
+                                      <p:to>
+                                        <p:strVal val="visible"/>
+                                      </p:to>
+                                    </p:set>
+                                    <p:animEffect transition="in" filter="fade">
+                                      <p:cBhvr>
+                                        <p:cTn id="28" dur="1000"/>
+                                        <p:tgtEl>
+                                          <p:spTgt spid="3">
+                                            <p:txEl>
+                                              <p:pRg st="7" end="7"/>
+                                            </p:txEl>
+                                          </p:spTgt>
+                                        </p:tgtEl>
+                                      </p:cBhvr>
+                                    </p:animEffect>
+                                    <p:anim calcmode="lin" valueType="num">
+                                      <p:cBhvr>
+                                        <p:cTn id="29" dur="1000" fill="hold"/>
+                                        <p:tgtEl>
+                                          <p:spTgt spid="3">
+                                            <p:txEl>
+                                              <p:pRg st="7" end="7"/>
+                                            </p:txEl>
+                                          </p:spTgt>
+                                        </p:tgtEl>
+                                        <p:attrNameLst>
+                                          <p:attrName>ppt_x</p:attrName>
+                                        </p:attrNameLst>
+                                      </p:cBhvr>
+                                      <p:tavLst>
+                                        <p:tav tm="0">
+                                          <p:val>
+                                            <p:strVal val="#ppt_x"/>
+                                          </p:val>
+                                        </p:tav>
+                                        <p:tav tm="100000">
+                                          <p:val>
+                                            <p:strVal val="#ppt_x"/>
+                                          </p:val>
+                                        </p:tav>
+                                      </p:tavLst>
+                                    </p:anim>
+                                    <p:anim calcmode="lin" valueType="num">
+                                      <p:cBhvr>
+                                        <p:cTn id="30" dur="1000" fill="hold"/>
+                                        <p:tgtEl>
+                                          <p:spTgt spid="3">
+                                            <p:txEl>
+                                              <p:pRg st="7" end="7"/>
+                                            </p:txEl>
+                                          </p:spTgt>
+                                        </p:tgtEl>
+                                        <p:attrNameLst>
+                                          <p:attrName>ppt_y</p:attrName>
+                                        </p:attrNameLst>
+                                      </p:cBhvr>
+                                      <p:tavLst>
+                                        <p:tav tm="0">
+                                          <p:val>
+                                            <p:strVal val="#ppt_y+.1"/>
+                                          </p:val>
+                                        </p:tav>
+                                        <p:tav tm="100000">
+                                          <p:val>
+                                            <p:strVal val="#ppt_y"/>
+                                          </p:val>
+                                        </p:tav>
+                                      </p:tavLst>
+                                    </p:anim>
+                                  </p:childTnLst>
+                                </p:cTn>
+                              </p:par>
+                            </p:childTnLst>
+                          </p:cTn>
+                        </p:par>
+                      </p:childTnLst>
+                    </p:cTn>
+                  </p:par>
+                </p:childTnLst>
+              </p:cTn>
+              <p:prevCondLst>
+                <p:cond evt="onPrev" delay="0">
+                  <p:tgtEl>
+                    <p:sldTgt/>
+                  </p:tgtEl>
+                </p:cond>
+              </p:prevCondLst>
+              <p:nextCondLst>
+                <p:cond evt="onNext" delay="0">
+                  <p:tgtEl>
+                    <p:sldTgt/>
+                  </p:tgtEl>
+                </p:cond>
+              </p:nextCondLst>
+            </p:seq>
+          </p:childTnLst>
+        </p:cTn>
+      </p:par>
+    </p:tnLst>
+    <p:bldLst>
+      <p:bldP spid="3" grpId="0" build="p"/>
+    </p:bldLst>
+  </p:timing>
 </p:sld>
 </file>
 
@@ -12098,6 +14768,430 @@
                             </p:childTnLst>
                           </p:cTn>
                         </p:par>
+                        <p:par>
+                          <p:cTn id="8" fill="hold">
+                            <p:stCondLst>
+                              <p:cond delay="500"/>
+                            </p:stCondLst>
+                            <p:childTnLst>
+                              <p:par>
+                                <p:cTn id="9" presetID="42" presetClass="entr" presetSubtype="0" fill="hold" grpId="0" nodeType="afterEffect">
+                                  <p:stCondLst>
+                                    <p:cond delay="0"/>
+                                  </p:stCondLst>
+                                  <p:childTnLst>
+                                    <p:set>
+                                      <p:cBhvr>
+                                        <p:cTn id="10" dur="1" fill="hold">
+                                          <p:stCondLst>
+                                            <p:cond delay="0"/>
+                                          </p:stCondLst>
+                                        </p:cTn>
+                                        <p:tgtEl>
+                                          <p:spTgt spid="3">
+                                            <p:txEl>
+                                              <p:pRg st="0" end="0"/>
+                                            </p:txEl>
+                                          </p:spTgt>
+                                        </p:tgtEl>
+                                        <p:attrNameLst>
+                                          <p:attrName>style.visibility</p:attrName>
+                                        </p:attrNameLst>
+                                      </p:cBhvr>
+                                      <p:to>
+                                        <p:strVal val="visible"/>
+                                      </p:to>
+                                    </p:set>
+                                    <p:animEffect transition="in" filter="fade">
+                                      <p:cBhvr>
+                                        <p:cTn id="11" dur="1000"/>
+                                        <p:tgtEl>
+                                          <p:spTgt spid="3">
+                                            <p:txEl>
+                                              <p:pRg st="0" end="0"/>
+                                            </p:txEl>
+                                          </p:spTgt>
+                                        </p:tgtEl>
+                                      </p:cBhvr>
+                                    </p:animEffect>
+                                    <p:anim calcmode="lin" valueType="num">
+                                      <p:cBhvr>
+                                        <p:cTn id="12" dur="1000" fill="hold"/>
+                                        <p:tgtEl>
+                                          <p:spTgt spid="3">
+                                            <p:txEl>
+                                              <p:pRg st="0" end="0"/>
+                                            </p:txEl>
+                                          </p:spTgt>
+                                        </p:tgtEl>
+                                        <p:attrNameLst>
+                                          <p:attrName>ppt_x</p:attrName>
+                                        </p:attrNameLst>
+                                      </p:cBhvr>
+                                      <p:tavLst>
+                                        <p:tav tm="0">
+                                          <p:val>
+                                            <p:strVal val="#ppt_x"/>
+                                          </p:val>
+                                        </p:tav>
+                                        <p:tav tm="100000">
+                                          <p:val>
+                                            <p:strVal val="#ppt_x"/>
+                                          </p:val>
+                                        </p:tav>
+                                      </p:tavLst>
+                                    </p:anim>
+                                    <p:anim calcmode="lin" valueType="num">
+                                      <p:cBhvr>
+                                        <p:cTn id="13" dur="1000" fill="hold"/>
+                                        <p:tgtEl>
+                                          <p:spTgt spid="3">
+                                            <p:txEl>
+                                              <p:pRg st="0" end="0"/>
+                                            </p:txEl>
+                                          </p:spTgt>
+                                        </p:tgtEl>
+                                        <p:attrNameLst>
+                                          <p:attrName>ppt_y</p:attrName>
+                                        </p:attrNameLst>
+                                      </p:cBhvr>
+                                      <p:tavLst>
+                                        <p:tav tm="0">
+                                          <p:val>
+                                            <p:strVal val="#ppt_y+.1"/>
+                                          </p:val>
+                                        </p:tav>
+                                        <p:tav tm="100000">
+                                          <p:val>
+                                            <p:strVal val="#ppt_y"/>
+                                          </p:val>
+                                        </p:tav>
+                                      </p:tavLst>
+                                    </p:anim>
+                                  </p:childTnLst>
+                                </p:cTn>
+                              </p:par>
+                            </p:childTnLst>
+                          </p:cTn>
+                        </p:par>
+                        <p:par>
+                          <p:cTn id="14" fill="hold">
+                            <p:stCondLst>
+                              <p:cond delay="1500"/>
+                            </p:stCondLst>
+                            <p:childTnLst>
+                              <p:par>
+                                <p:cTn id="15" presetID="42" presetClass="entr" presetSubtype="0" fill="hold" grpId="0" nodeType="afterEffect">
+                                  <p:stCondLst>
+                                    <p:cond delay="0"/>
+                                  </p:stCondLst>
+                                  <p:childTnLst>
+                                    <p:set>
+                                      <p:cBhvr>
+                                        <p:cTn id="16" dur="1" fill="hold">
+                                          <p:stCondLst>
+                                            <p:cond delay="0"/>
+                                          </p:stCondLst>
+                                        </p:cTn>
+                                        <p:tgtEl>
+                                          <p:spTgt spid="3">
+                                            <p:txEl>
+                                              <p:pRg st="1" end="1"/>
+                                            </p:txEl>
+                                          </p:spTgt>
+                                        </p:tgtEl>
+                                        <p:attrNameLst>
+                                          <p:attrName>style.visibility</p:attrName>
+                                        </p:attrNameLst>
+                                      </p:cBhvr>
+                                      <p:to>
+                                        <p:strVal val="visible"/>
+                                      </p:to>
+                                    </p:set>
+                                    <p:animEffect transition="in" filter="fade">
+                                      <p:cBhvr>
+                                        <p:cTn id="17" dur="1000"/>
+                                        <p:tgtEl>
+                                          <p:spTgt spid="3">
+                                            <p:txEl>
+                                              <p:pRg st="1" end="1"/>
+                                            </p:txEl>
+                                          </p:spTgt>
+                                        </p:tgtEl>
+                                      </p:cBhvr>
+                                    </p:animEffect>
+                                    <p:anim calcmode="lin" valueType="num">
+                                      <p:cBhvr>
+                                        <p:cTn id="18" dur="1000" fill="hold"/>
+                                        <p:tgtEl>
+                                          <p:spTgt spid="3">
+                                            <p:txEl>
+                                              <p:pRg st="1" end="1"/>
+                                            </p:txEl>
+                                          </p:spTgt>
+                                        </p:tgtEl>
+                                        <p:attrNameLst>
+                                          <p:attrName>ppt_x</p:attrName>
+                                        </p:attrNameLst>
+                                      </p:cBhvr>
+                                      <p:tavLst>
+                                        <p:tav tm="0">
+                                          <p:val>
+                                            <p:strVal val="#ppt_x"/>
+                                          </p:val>
+                                        </p:tav>
+                                        <p:tav tm="100000">
+                                          <p:val>
+                                            <p:strVal val="#ppt_x"/>
+                                          </p:val>
+                                        </p:tav>
+                                      </p:tavLst>
+                                    </p:anim>
+                                    <p:anim calcmode="lin" valueType="num">
+                                      <p:cBhvr>
+                                        <p:cTn id="19" dur="1000" fill="hold"/>
+                                        <p:tgtEl>
+                                          <p:spTgt spid="3">
+                                            <p:txEl>
+                                              <p:pRg st="1" end="1"/>
+                                            </p:txEl>
+                                          </p:spTgt>
+                                        </p:tgtEl>
+                                        <p:attrNameLst>
+                                          <p:attrName>ppt_y</p:attrName>
+                                        </p:attrNameLst>
+                                      </p:cBhvr>
+                                      <p:tavLst>
+                                        <p:tav tm="0">
+                                          <p:val>
+                                            <p:strVal val="#ppt_y+.1"/>
+                                          </p:val>
+                                        </p:tav>
+                                        <p:tav tm="100000">
+                                          <p:val>
+                                            <p:strVal val="#ppt_y"/>
+                                          </p:val>
+                                        </p:tav>
+                                      </p:tavLst>
+                                    </p:anim>
+                                  </p:childTnLst>
+                                </p:cTn>
+                              </p:par>
+                            </p:childTnLst>
+                          </p:cTn>
+                        </p:par>
+                        <p:par>
+                          <p:cTn id="20" fill="hold">
+                            <p:stCondLst>
+                              <p:cond delay="2500"/>
+                            </p:stCondLst>
+                            <p:childTnLst>
+                              <p:par>
+                                <p:cTn id="21" presetID="42" presetClass="entr" presetSubtype="0" fill="hold" grpId="0" nodeType="afterEffect">
+                                  <p:stCondLst>
+                                    <p:cond delay="0"/>
+                                  </p:stCondLst>
+                                  <p:childTnLst>
+                                    <p:set>
+                                      <p:cBhvr>
+                                        <p:cTn id="22" dur="1" fill="hold">
+                                          <p:stCondLst>
+                                            <p:cond delay="0"/>
+                                          </p:stCondLst>
+                                        </p:cTn>
+                                        <p:tgtEl>
+                                          <p:spTgt spid="3">
+                                            <p:txEl>
+                                              <p:pRg st="2" end="2"/>
+                                            </p:txEl>
+                                          </p:spTgt>
+                                        </p:tgtEl>
+                                        <p:attrNameLst>
+                                          <p:attrName>style.visibility</p:attrName>
+                                        </p:attrNameLst>
+                                      </p:cBhvr>
+                                      <p:to>
+                                        <p:strVal val="visible"/>
+                                      </p:to>
+                                    </p:set>
+                                    <p:animEffect transition="in" filter="fade">
+                                      <p:cBhvr>
+                                        <p:cTn id="23" dur="1000"/>
+                                        <p:tgtEl>
+                                          <p:spTgt spid="3">
+                                            <p:txEl>
+                                              <p:pRg st="2" end="2"/>
+                                            </p:txEl>
+                                          </p:spTgt>
+                                        </p:tgtEl>
+                                      </p:cBhvr>
+                                    </p:animEffect>
+                                    <p:anim calcmode="lin" valueType="num">
+                                      <p:cBhvr>
+                                        <p:cTn id="24" dur="1000" fill="hold"/>
+                                        <p:tgtEl>
+                                          <p:spTgt spid="3">
+                                            <p:txEl>
+                                              <p:pRg st="2" end="2"/>
+                                            </p:txEl>
+                                          </p:spTgt>
+                                        </p:tgtEl>
+                                        <p:attrNameLst>
+                                          <p:attrName>ppt_x</p:attrName>
+                                        </p:attrNameLst>
+                                      </p:cBhvr>
+                                      <p:tavLst>
+                                        <p:tav tm="0">
+                                          <p:val>
+                                            <p:strVal val="#ppt_x"/>
+                                          </p:val>
+                                        </p:tav>
+                                        <p:tav tm="100000">
+                                          <p:val>
+                                            <p:strVal val="#ppt_x"/>
+                                          </p:val>
+                                        </p:tav>
+                                      </p:tavLst>
+                                    </p:anim>
+                                    <p:anim calcmode="lin" valueType="num">
+                                      <p:cBhvr>
+                                        <p:cTn id="25" dur="1000" fill="hold"/>
+                                        <p:tgtEl>
+                                          <p:spTgt spid="3">
+                                            <p:txEl>
+                                              <p:pRg st="2" end="2"/>
+                                            </p:txEl>
+                                          </p:spTgt>
+                                        </p:tgtEl>
+                                        <p:attrNameLst>
+                                          <p:attrName>ppt_y</p:attrName>
+                                        </p:attrNameLst>
+                                      </p:cBhvr>
+                                      <p:tavLst>
+                                        <p:tav tm="0">
+                                          <p:val>
+                                            <p:strVal val="#ppt_y+.1"/>
+                                          </p:val>
+                                        </p:tav>
+                                        <p:tav tm="100000">
+                                          <p:val>
+                                            <p:strVal val="#ppt_y"/>
+                                          </p:val>
+                                        </p:tav>
+                                      </p:tavLst>
+                                    </p:anim>
+                                  </p:childTnLst>
+                                </p:cTn>
+                              </p:par>
+                            </p:childTnLst>
+                          </p:cTn>
+                        </p:par>
+                        <p:par>
+                          <p:cTn id="26" fill="hold">
+                            <p:stCondLst>
+                              <p:cond delay="3500"/>
+                            </p:stCondLst>
+                            <p:childTnLst>
+                              <p:par>
+                                <p:cTn id="27" presetID="42" presetClass="entr" presetSubtype="0" fill="hold" grpId="0" nodeType="afterEffect">
+                                  <p:stCondLst>
+                                    <p:cond delay="0"/>
+                                  </p:stCondLst>
+                                  <p:childTnLst>
+                                    <p:set>
+                                      <p:cBhvr>
+                                        <p:cTn id="28" dur="1" fill="hold">
+                                          <p:stCondLst>
+                                            <p:cond delay="0"/>
+                                          </p:stCondLst>
+                                        </p:cTn>
+                                        <p:tgtEl>
+                                          <p:spTgt spid="3">
+                                            <p:txEl>
+                                              <p:pRg st="3" end="3"/>
+                                            </p:txEl>
+                                          </p:spTgt>
+                                        </p:tgtEl>
+                                        <p:attrNameLst>
+                                          <p:attrName>style.visibility</p:attrName>
+                                        </p:attrNameLst>
+                                      </p:cBhvr>
+                                      <p:to>
+                                        <p:strVal val="visible"/>
+                                      </p:to>
+                                    </p:set>
+                                    <p:animEffect transition="in" filter="fade">
+                                      <p:cBhvr>
+                                        <p:cTn id="29" dur="1000"/>
+                                        <p:tgtEl>
+                                          <p:spTgt spid="3">
+                                            <p:txEl>
+                                              <p:pRg st="3" end="3"/>
+                                            </p:txEl>
+                                          </p:spTgt>
+                                        </p:tgtEl>
+                                      </p:cBhvr>
+                                    </p:animEffect>
+                                    <p:anim calcmode="lin" valueType="num">
+                                      <p:cBhvr>
+                                        <p:cTn id="30" dur="1000" fill="hold"/>
+                                        <p:tgtEl>
+                                          <p:spTgt spid="3">
+                                            <p:txEl>
+                                              <p:pRg st="3" end="3"/>
+                                            </p:txEl>
+                                          </p:spTgt>
+                                        </p:tgtEl>
+                                        <p:attrNameLst>
+                                          <p:attrName>ppt_x</p:attrName>
+                                        </p:attrNameLst>
+                                      </p:cBhvr>
+                                      <p:tavLst>
+                                        <p:tav tm="0">
+                                          <p:val>
+                                            <p:strVal val="#ppt_x"/>
+                                          </p:val>
+                                        </p:tav>
+                                        <p:tav tm="100000">
+                                          <p:val>
+                                            <p:strVal val="#ppt_x"/>
+                                          </p:val>
+                                        </p:tav>
+                                      </p:tavLst>
+                                    </p:anim>
+                                    <p:anim calcmode="lin" valueType="num">
+                                      <p:cBhvr>
+                                        <p:cTn id="31" dur="1000" fill="hold"/>
+                                        <p:tgtEl>
+                                          <p:spTgt spid="3">
+                                            <p:txEl>
+                                              <p:pRg st="3" end="3"/>
+                                            </p:txEl>
+                                          </p:spTgt>
+                                        </p:tgtEl>
+                                        <p:attrNameLst>
+                                          <p:attrName>ppt_y</p:attrName>
+                                        </p:attrNameLst>
+                                      </p:cBhvr>
+                                      <p:tavLst>
+                                        <p:tav tm="0">
+                                          <p:val>
+                                            <p:strVal val="#ppt_y+.1"/>
+                                          </p:val>
+                                        </p:tav>
+                                        <p:tav tm="100000">
+                                          <p:val>
+                                            <p:strVal val="#ppt_y"/>
+                                          </p:val>
+                                        </p:tav>
+                                      </p:tavLst>
+                                    </p:anim>
+                                  </p:childTnLst>
+                                </p:cTn>
+                              </p:par>
+                            </p:childTnLst>
+                          </p:cTn>
+                        </p:par>
                       </p:childTnLst>
                     </p:cTn>
                   </p:par>
@@ -12124,6 +15218,7 @@
     </p:tnLst>
     <p:bldLst>
       <p:bldP spid="2" grpId="0"/>
+      <p:bldP spid="3" grpId="0" build="p"/>
     </p:bldLst>
   </p:timing>
 </p:sld>
@@ -13100,33 +16195,15 @@
                                   </p:childTnLst>
                                 </p:cTn>
                               </p:par>
-                            </p:childTnLst>
-                          </p:cTn>
-                        </p:par>
-                      </p:childTnLst>
-                    </p:cTn>
-                  </p:par>
-                  <p:par>
-                    <p:cTn id="17" fill="hold">
-                      <p:stCondLst>
-                        <p:cond delay="indefinite"/>
-                      </p:stCondLst>
-                      <p:childTnLst>
-                        <p:par>
-                          <p:cTn id="18" fill="hold">
-                            <p:stCondLst>
-                              <p:cond delay="0"/>
-                            </p:stCondLst>
-                            <p:childTnLst>
                               <p:par>
-                                <p:cTn id="19" presetID="21" presetClass="entr" presetSubtype="1" fill="hold" nodeType="clickEffect">
+                                <p:cTn id="17" presetID="21" presetClass="entr" presetSubtype="1" fill="hold" nodeType="withEffect">
                                   <p:stCondLst>
                                     <p:cond delay="0"/>
                                   </p:stCondLst>
                                   <p:childTnLst>
                                     <p:set>
                                       <p:cBhvr>
-                                        <p:cTn id="20" dur="1" fill="hold">
+                                        <p:cTn id="18" dur="1" fill="hold">
                                           <p:stCondLst>
                                             <p:cond delay="0"/>
                                           </p:stCondLst>
@@ -13144,7 +16221,7 @@
                                     </p:set>
                                     <p:animEffect transition="in" filter="wheel(1)">
                                       <p:cBhvr>
-                                        <p:cTn id="21" dur="2000"/>
+                                        <p:cTn id="19" dur="2000"/>
                                         <p:tgtEl>
                                           <p:spTgt spid="1030"/>
                                         </p:tgtEl>
@@ -13160,26 +16237,26 @@
                     </p:cTn>
                   </p:par>
                   <p:par>
-                    <p:cTn id="22" fill="hold">
+                    <p:cTn id="20" fill="hold">
                       <p:stCondLst>
                         <p:cond delay="indefinite"/>
                       </p:stCondLst>
                       <p:childTnLst>
                         <p:par>
-                          <p:cTn id="23" fill="hold">
+                          <p:cTn id="21" fill="hold">
                             <p:stCondLst>
                               <p:cond delay="0"/>
                             </p:stCondLst>
                             <p:childTnLst>
                               <p:par>
-                                <p:cTn id="24" presetID="42" presetClass="entr" presetSubtype="0" fill="hold" nodeType="clickEffect">
+                                <p:cTn id="22" presetID="42" presetClass="entr" presetSubtype="0" fill="hold" nodeType="clickEffect">
                                   <p:stCondLst>
                                     <p:cond delay="0"/>
                                   </p:stCondLst>
                                   <p:childTnLst>
                                     <p:set>
                                       <p:cBhvr>
-                                        <p:cTn id="25" dur="1" fill="hold">
+                                        <p:cTn id="23" dur="1" fill="hold">
                                           <p:stCondLst>
                                             <p:cond delay="0"/>
                                           </p:stCondLst>
@@ -13201,7 +16278,7 @@
                                     </p:set>
                                     <p:animEffect transition="in" filter="fade">
                                       <p:cBhvr>
-                                        <p:cTn id="26" dur="1000"/>
+                                        <p:cTn id="24" dur="1000"/>
                                         <p:tgtEl>
                                           <p:spTgt spid="10">
                                             <p:txEl>
@@ -13213,7 +16290,7 @@
                                     </p:animEffect>
                                     <p:anim calcmode="lin" valueType="num">
                                       <p:cBhvr>
-                                        <p:cTn id="27" dur="1000" fill="hold"/>
+                                        <p:cTn id="25" dur="1000" fill="hold"/>
                                         <p:tgtEl>
                                           <p:spTgt spid="10">
                                             <p:txEl>
@@ -13240,7 +16317,7 @@
                                     </p:anim>
                                     <p:anim calcmode="lin" valueType="num">
                                       <p:cBhvr>
-                                        <p:cTn id="28" dur="1000" fill="hold"/>
+                                        <p:cTn id="26" dur="1000" fill="hold"/>
                                         <p:tgtEl>
                                           <p:spTgt spid="10">
                                             <p:txEl>
@@ -13275,26 +16352,26 @@
                     </p:cTn>
                   </p:par>
                   <p:par>
-                    <p:cTn id="29" fill="hold">
+                    <p:cTn id="27" fill="hold">
                       <p:stCondLst>
                         <p:cond delay="indefinite"/>
                       </p:stCondLst>
                       <p:childTnLst>
                         <p:par>
-                          <p:cTn id="30" fill="hold">
+                          <p:cTn id="28" fill="hold">
                             <p:stCondLst>
                               <p:cond delay="0"/>
                             </p:stCondLst>
                             <p:childTnLst>
                               <p:par>
-                                <p:cTn id="31" presetID="42" presetClass="entr" presetSubtype="0" fill="hold" nodeType="clickEffect">
+                                <p:cTn id="29" presetID="42" presetClass="entr" presetSubtype="0" fill="hold" nodeType="clickEffect">
                                   <p:stCondLst>
                                     <p:cond delay="0"/>
                                   </p:stCondLst>
                                   <p:childTnLst>
                                     <p:set>
                                       <p:cBhvr>
-                                        <p:cTn id="32" dur="1" fill="hold">
+                                        <p:cTn id="30" dur="1" fill="hold">
                                           <p:stCondLst>
                                             <p:cond delay="0"/>
                                           </p:stCondLst>
@@ -13316,7 +16393,7 @@
                                     </p:set>
                                     <p:animEffect transition="in" filter="fade">
                                       <p:cBhvr>
-                                        <p:cTn id="33" dur="1000"/>
+                                        <p:cTn id="31" dur="1000"/>
                                         <p:tgtEl>
                                           <p:spTgt spid="6">
                                             <p:txEl>
@@ -13328,7 +16405,7 @@
                                     </p:animEffect>
                                     <p:anim calcmode="lin" valueType="num">
                                       <p:cBhvr>
-                                        <p:cTn id="34" dur="1000" fill="hold"/>
+                                        <p:cTn id="32" dur="1000" fill="hold"/>
                                         <p:tgtEl>
                                           <p:spTgt spid="6">
                                             <p:txEl>
@@ -13355,7 +16432,7 @@
                                     </p:anim>
                                     <p:anim calcmode="lin" valueType="num">
                                       <p:cBhvr>
-                                        <p:cTn id="35" dur="1000" fill="hold"/>
+                                        <p:cTn id="33" dur="1000" fill="hold"/>
                                         <p:tgtEl>
                                           <p:spTgt spid="6">
                                             <p:txEl>
@@ -13383,33 +16460,15 @@
                                   </p:childTnLst>
                                 </p:cTn>
                               </p:par>
-                            </p:childTnLst>
-                          </p:cTn>
-                        </p:par>
-                      </p:childTnLst>
-                    </p:cTn>
-                  </p:par>
-                  <p:par>
-                    <p:cTn id="36" fill="hold">
-                      <p:stCondLst>
-                        <p:cond delay="indefinite"/>
-                      </p:stCondLst>
-                      <p:childTnLst>
-                        <p:par>
-                          <p:cTn id="37" fill="hold">
-                            <p:stCondLst>
-                              <p:cond delay="0"/>
-                            </p:stCondLst>
-                            <p:childTnLst>
                               <p:par>
-                                <p:cTn id="38" presetID="21" presetClass="entr" presetSubtype="1" fill="hold" nodeType="clickEffect">
+                                <p:cTn id="34" presetID="21" presetClass="entr" presetSubtype="1" fill="hold" nodeType="withEffect">
                                   <p:stCondLst>
                                     <p:cond delay="0"/>
                                   </p:stCondLst>
                                   <p:childTnLst>
                                     <p:set>
                                       <p:cBhvr>
-                                        <p:cTn id="39" dur="1" fill="hold">
+                                        <p:cTn id="35" dur="1" fill="hold">
                                           <p:stCondLst>
                                             <p:cond delay="0"/>
                                           </p:stCondLst>
@@ -13427,7 +16486,7 @@
                                     </p:set>
                                     <p:animEffect transition="in" filter="wheel(1)">
                                       <p:cBhvr>
-                                        <p:cTn id="40" dur="2000"/>
+                                        <p:cTn id="36" dur="2000"/>
                                         <p:tgtEl>
                                           <p:spTgt spid="1032"/>
                                         </p:tgtEl>
@@ -13610,7 +16669,7 @@
         </p:blipFill>
         <p:spPr bwMode="auto">
           <a:xfrm>
-            <a:off x="6891204" y="2603500"/>
+            <a:off x="6864310" y="2603500"/>
             <a:ext cx="4294955" cy="2840039"/>
           </a:xfrm>
           <a:prstGeom prst="rect">
@@ -13861,33 +16920,15 @@
                                   </p:childTnLst>
                                 </p:cTn>
                               </p:par>
-                            </p:childTnLst>
-                          </p:cTn>
-                        </p:par>
-                      </p:childTnLst>
-                    </p:cTn>
-                  </p:par>
-                  <p:par>
-                    <p:cTn id="16" fill="hold">
-                      <p:stCondLst>
-                        <p:cond delay="indefinite"/>
-                      </p:stCondLst>
-                      <p:childTnLst>
-                        <p:par>
-                          <p:cTn id="17" fill="hold">
-                            <p:stCondLst>
-                              <p:cond delay="0"/>
-                            </p:stCondLst>
-                            <p:childTnLst>
                               <p:par>
-                                <p:cTn id="18" presetID="21" presetClass="entr" presetSubtype="1" fill="hold" nodeType="clickEffect">
+                                <p:cTn id="16" presetID="21" presetClass="entr" presetSubtype="1" fill="hold" nodeType="withEffect">
                                   <p:stCondLst>
                                     <p:cond delay="0"/>
                                   </p:stCondLst>
                                   <p:childTnLst>
                                     <p:set>
                                       <p:cBhvr>
-                                        <p:cTn id="19" dur="1" fill="hold">
+                                        <p:cTn id="17" dur="1" fill="hold">
                                           <p:stCondLst>
                                             <p:cond delay="0"/>
                                           </p:stCondLst>
@@ -13905,7 +16946,7 @@
                                     </p:set>
                                     <p:animEffect transition="in" filter="wheel(1)">
                                       <p:cBhvr>
-                                        <p:cTn id="20" dur="2000"/>
+                                        <p:cTn id="18" dur="2000"/>
                                         <p:tgtEl>
                                           <p:spTgt spid="2050"/>
                                         </p:tgtEl>
@@ -14451,33 +17492,15 @@
                                   </p:childTnLst>
                                 </p:cTn>
                               </p:par>
-                            </p:childTnLst>
-                          </p:cTn>
-                        </p:par>
-                      </p:childTnLst>
-                    </p:cTn>
-                  </p:par>
-                  <p:par>
-                    <p:cTn id="22" fill="hold">
-                      <p:stCondLst>
-                        <p:cond delay="indefinite"/>
-                      </p:stCondLst>
-                      <p:childTnLst>
-                        <p:par>
-                          <p:cTn id="23" fill="hold">
-                            <p:stCondLst>
-                              <p:cond delay="0"/>
-                            </p:stCondLst>
-                            <p:childTnLst>
                               <p:par>
-                                <p:cTn id="24" presetID="21" presetClass="entr" presetSubtype="1" fill="hold" nodeType="clickEffect">
+                                <p:cTn id="22" presetID="21" presetClass="entr" presetSubtype="1" fill="hold" nodeType="withEffect">
                                   <p:stCondLst>
                                     <p:cond delay="0"/>
                                   </p:stCondLst>
                                   <p:childTnLst>
                                     <p:set>
                                       <p:cBhvr>
-                                        <p:cTn id="25" dur="1" fill="hold">
+                                        <p:cTn id="23" dur="1" fill="hold">
                                           <p:stCondLst>
                                             <p:cond delay="0"/>
                                           </p:stCondLst>
@@ -14495,7 +17518,7 @@
                                     </p:set>
                                     <p:animEffect transition="in" filter="wheel(1)">
                                       <p:cBhvr>
-                                        <p:cTn id="26" dur="2000"/>
+                                        <p:cTn id="24" dur="2000"/>
                                         <p:tgtEl>
                                           <p:spTgt spid="3074"/>
                                         </p:tgtEl>
@@ -14936,33 +17959,15 @@
                                   </p:childTnLst>
                                 </p:cTn>
                               </p:par>
-                            </p:childTnLst>
-                          </p:cTn>
-                        </p:par>
-                      </p:childTnLst>
-                    </p:cTn>
-                  </p:par>
-                  <p:par>
-                    <p:cTn id="17" fill="hold">
-                      <p:stCondLst>
-                        <p:cond delay="indefinite"/>
-                      </p:stCondLst>
-                      <p:childTnLst>
-                        <p:par>
-                          <p:cTn id="18" fill="hold">
-                            <p:stCondLst>
-                              <p:cond delay="0"/>
-                            </p:stCondLst>
-                            <p:childTnLst>
                               <p:par>
-                                <p:cTn id="19" presetID="21" presetClass="entr" presetSubtype="1" fill="hold" nodeType="clickEffect">
+                                <p:cTn id="17" presetID="21" presetClass="entr" presetSubtype="1" fill="hold" nodeType="withEffect">
                                   <p:stCondLst>
                                     <p:cond delay="0"/>
                                   </p:stCondLst>
                                   <p:childTnLst>
                                     <p:set>
                                       <p:cBhvr>
-                                        <p:cTn id="20" dur="1" fill="hold">
+                                        <p:cTn id="18" dur="1" fill="hold">
                                           <p:stCondLst>
                                             <p:cond delay="0"/>
                                           </p:stCondLst>
@@ -14980,7 +17985,7 @@
                                     </p:set>
                                     <p:animEffect transition="in" filter="wheel(1)">
                                       <p:cBhvr>
-                                        <p:cTn id="21" dur="2000"/>
+                                        <p:cTn id="19" dur="2000"/>
                                         <p:tgtEl>
                                           <p:spTgt spid="1026"/>
                                         </p:tgtEl>
@@ -15517,33 +18522,15 @@
                                   </p:childTnLst>
                                 </p:cTn>
                               </p:par>
-                            </p:childTnLst>
-                          </p:cTn>
-                        </p:par>
-                      </p:childTnLst>
-                    </p:cTn>
-                  </p:par>
-                  <p:par>
-                    <p:cTn id="17" fill="hold">
-                      <p:stCondLst>
-                        <p:cond delay="indefinite"/>
-                      </p:stCondLst>
-                      <p:childTnLst>
-                        <p:par>
-                          <p:cTn id="18" fill="hold">
-                            <p:stCondLst>
-                              <p:cond delay="0"/>
-                            </p:stCondLst>
-                            <p:childTnLst>
                               <p:par>
-                                <p:cTn id="19" presetID="21" presetClass="entr" presetSubtype="1" fill="hold" nodeType="clickEffect">
+                                <p:cTn id="17" presetID="21" presetClass="entr" presetSubtype="1" fill="hold" nodeType="withEffect">
                                   <p:stCondLst>
                                     <p:cond delay="0"/>
                                   </p:stCondLst>
                                   <p:childTnLst>
                                     <p:set>
                                       <p:cBhvr>
-                                        <p:cTn id="20" dur="1" fill="hold">
+                                        <p:cTn id="18" dur="1" fill="hold">
                                           <p:stCondLst>
                                             <p:cond delay="0"/>
                                           </p:stCondLst>
@@ -15561,7 +18548,7 @@
                                     </p:set>
                                     <p:animEffect transition="in" filter="wheel(1)">
                                       <p:cBhvr>
-                                        <p:cTn id="21" dur="2000"/>
+                                        <p:cTn id="19" dur="2000"/>
                                         <p:tgtEl>
                                           <p:spTgt spid="2052"/>
                                         </p:tgtEl>
@@ -15577,26 +18564,26 @@
                     </p:cTn>
                   </p:par>
                   <p:par>
-                    <p:cTn id="22" fill="hold">
+                    <p:cTn id="20" fill="hold">
                       <p:stCondLst>
                         <p:cond delay="indefinite"/>
                       </p:stCondLst>
                       <p:childTnLst>
                         <p:par>
-                          <p:cTn id="23" fill="hold">
+                          <p:cTn id="21" fill="hold">
                             <p:stCondLst>
                               <p:cond delay="0"/>
                             </p:stCondLst>
                             <p:childTnLst>
                               <p:par>
-                                <p:cTn id="24" presetID="42" presetClass="entr" presetSubtype="0" fill="hold" grpId="0" nodeType="clickEffect">
+                                <p:cTn id="22" presetID="42" presetClass="entr" presetSubtype="0" fill="hold" grpId="0" nodeType="clickEffect">
                                   <p:stCondLst>
                                     <p:cond delay="0"/>
                                   </p:stCondLst>
                                   <p:childTnLst>
                                     <p:set>
                                       <p:cBhvr>
-                                        <p:cTn id="25" dur="1" fill="hold">
+                                        <p:cTn id="23" dur="1" fill="hold">
                                           <p:stCondLst>
                                             <p:cond delay="0"/>
                                           </p:stCondLst>
@@ -15618,7 +18605,7 @@
                                     </p:set>
                                     <p:animEffect transition="in" filter="fade">
                                       <p:cBhvr>
-                                        <p:cTn id="26" dur="1000"/>
+                                        <p:cTn id="24" dur="1000"/>
                                         <p:tgtEl>
                                           <p:spTgt spid="5">
                                             <p:txEl>
@@ -15630,7 +18617,7 @@
                                     </p:animEffect>
                                     <p:anim calcmode="lin" valueType="num">
                                       <p:cBhvr>
-                                        <p:cTn id="27" dur="1000" fill="hold"/>
+                                        <p:cTn id="25" dur="1000" fill="hold"/>
                                         <p:tgtEl>
                                           <p:spTgt spid="5">
                                             <p:txEl>
@@ -15657,7 +18644,7 @@
                                     </p:anim>
                                     <p:anim calcmode="lin" valueType="num">
                                       <p:cBhvr>
-                                        <p:cTn id="28" dur="1000" fill="hold"/>
+                                        <p:cTn id="26" dur="1000" fill="hold"/>
                                         <p:tgtEl>
                                           <p:spTgt spid="5">
                                             <p:txEl>
@@ -15692,26 +18679,26 @@
                     </p:cTn>
                   </p:par>
                   <p:par>
-                    <p:cTn id="29" fill="hold">
+                    <p:cTn id="27" fill="hold">
                       <p:stCondLst>
                         <p:cond delay="indefinite"/>
                       </p:stCondLst>
                       <p:childTnLst>
                         <p:par>
-                          <p:cTn id="30" fill="hold">
+                          <p:cTn id="28" fill="hold">
                             <p:stCondLst>
                               <p:cond delay="0"/>
                             </p:stCondLst>
                             <p:childTnLst>
                               <p:par>
-                                <p:cTn id="31" presetID="42" presetClass="entr" presetSubtype="0" fill="hold" grpId="0" nodeType="clickEffect">
+                                <p:cTn id="29" presetID="42" presetClass="entr" presetSubtype="0" fill="hold" grpId="0" nodeType="clickEffect">
                                   <p:stCondLst>
                                     <p:cond delay="0"/>
                                   </p:stCondLst>
                                   <p:childTnLst>
                                     <p:set>
                                       <p:cBhvr>
-                                        <p:cTn id="32" dur="1" fill="hold">
+                                        <p:cTn id="30" dur="1" fill="hold">
                                           <p:stCondLst>
                                             <p:cond delay="0"/>
                                           </p:stCondLst>
@@ -15733,7 +18720,7 @@
                                     </p:set>
                                     <p:animEffect transition="in" filter="fade">
                                       <p:cBhvr>
-                                        <p:cTn id="33" dur="1000"/>
+                                        <p:cTn id="31" dur="1000"/>
                                         <p:tgtEl>
                                           <p:spTgt spid="6">
                                             <p:txEl>
@@ -15745,7 +18732,7 @@
                                     </p:animEffect>
                                     <p:anim calcmode="lin" valueType="num">
                                       <p:cBhvr>
-                                        <p:cTn id="34" dur="1000" fill="hold"/>
+                                        <p:cTn id="32" dur="1000" fill="hold"/>
                                         <p:tgtEl>
                                           <p:spTgt spid="6">
                                             <p:txEl>
@@ -15772,7 +18759,7 @@
                                     </p:anim>
                                     <p:anim calcmode="lin" valueType="num">
                                       <p:cBhvr>
-                                        <p:cTn id="35" dur="1000" fill="hold"/>
+                                        <p:cTn id="33" dur="1000" fill="hold"/>
                                         <p:tgtEl>
                                           <p:spTgt spid="6">
                                             <p:txEl>
@@ -15800,33 +18787,15 @@
                                   </p:childTnLst>
                                 </p:cTn>
                               </p:par>
-                            </p:childTnLst>
-                          </p:cTn>
-                        </p:par>
-                      </p:childTnLst>
-                    </p:cTn>
-                  </p:par>
-                  <p:par>
-                    <p:cTn id="36" fill="hold">
-                      <p:stCondLst>
-                        <p:cond delay="indefinite"/>
-                      </p:stCondLst>
-                      <p:childTnLst>
-                        <p:par>
-                          <p:cTn id="37" fill="hold">
-                            <p:stCondLst>
-                              <p:cond delay="0"/>
-                            </p:stCondLst>
-                            <p:childTnLst>
                               <p:par>
-                                <p:cTn id="38" presetID="21" presetClass="entr" presetSubtype="1" fill="hold" nodeType="clickEffect">
+                                <p:cTn id="34" presetID="21" presetClass="entr" presetSubtype="1" fill="hold" nodeType="withEffect">
                                   <p:stCondLst>
                                     <p:cond delay="0"/>
                                   </p:stCondLst>
                                   <p:childTnLst>
                                     <p:set>
                                       <p:cBhvr>
-                                        <p:cTn id="39" dur="1" fill="hold">
+                                        <p:cTn id="35" dur="1" fill="hold">
                                           <p:stCondLst>
                                             <p:cond delay="0"/>
                                           </p:stCondLst>
@@ -15844,7 +18813,7 @@
                                     </p:set>
                                     <p:animEffect transition="in" filter="wheel(1)">
                                       <p:cBhvr>
-                                        <p:cTn id="40" dur="2000"/>
+                                        <p:cTn id="36" dur="2000"/>
                                         <p:tgtEl>
                                           <p:spTgt spid="2050"/>
                                         </p:tgtEl>
@@ -15928,7 +18897,7 @@
           <a:p>
             <a:r>
               <a:rPr lang="hu-HU" dirty="0"/>
-              <a:t>Funkciót az oldalon VI</a:t>
+              <a:t>Funkciók az oldalon VI</a:t>
             </a:r>
           </a:p>
         </p:txBody>
@@ -16339,7 +19308,7 @@
         </p:blipFill>
         <p:spPr bwMode="auto">
           <a:xfrm>
-            <a:off x="6471484" y="41364"/>
+            <a:off x="6602704" y="221165"/>
             <a:ext cx="3764921" cy="1863636"/>
           </a:xfrm>
           <a:prstGeom prst="rect">
@@ -16599,39 +19568,21 @@
                                   </p:childTnLst>
                                 </p:cTn>
                               </p:par>
-                            </p:childTnLst>
-                          </p:cTn>
-                        </p:par>
-                      </p:childTnLst>
-                    </p:cTn>
-                  </p:par>
-                  <p:par>
-                    <p:cTn id="17" fill="hold">
-                      <p:stCondLst>
-                        <p:cond delay="indefinite"/>
-                      </p:stCondLst>
-                      <p:childTnLst>
-                        <p:par>
-                          <p:cTn id="18" fill="hold">
-                            <p:stCondLst>
-                              <p:cond delay="0"/>
-                            </p:stCondLst>
-                            <p:childTnLst>
                               <p:par>
-                                <p:cTn id="19" presetID="2" presetClass="entr" presetSubtype="4" fill="hold" grpId="0" nodeType="clickEffect">
+                                <p:cTn id="17" presetID="21" presetClass="entr" presetSubtype="1" fill="hold" nodeType="withEffect">
                                   <p:stCondLst>
                                     <p:cond delay="0"/>
                                   </p:stCondLst>
                                   <p:childTnLst>
                                     <p:set>
                                       <p:cBhvr>
-                                        <p:cTn id="20" dur="1" fill="hold">
+                                        <p:cTn id="18" dur="1" fill="hold">
                                           <p:stCondLst>
                                             <p:cond delay="0"/>
                                           </p:stCondLst>
                                         </p:cTn>
                                         <p:tgtEl>
-                                          <p:spTgt spid="7"/>
+                                          <p:spTgt spid="2058"/>
                                         </p:tgtEl>
                                         <p:attrNameLst>
                                           <p:attrName>style.visibility</p:attrName>
@@ -16641,52 +19592,49 @@
                                         <p:strVal val="visible"/>
                                       </p:to>
                                     </p:set>
-                                    <p:anim calcmode="lin" valueType="num">
-                                      <p:cBhvr additive="base">
-                                        <p:cTn id="21" dur="500" fill="hold"/>
-                                        <p:tgtEl>
-                                          <p:spTgt spid="7"/>
-                                        </p:tgtEl>
-                                        <p:attrNameLst>
-                                          <p:attrName>ppt_x</p:attrName>
-                                        </p:attrNameLst>
-                                      </p:cBhvr>
-                                      <p:tavLst>
-                                        <p:tav tm="0">
-                                          <p:val>
-                                            <p:strVal val="#ppt_x"/>
-                                          </p:val>
-                                        </p:tav>
-                                        <p:tav tm="100000">
-                                          <p:val>
-                                            <p:strVal val="#ppt_x"/>
-                                          </p:val>
-                                        </p:tav>
-                                      </p:tavLst>
-                                    </p:anim>
-                                    <p:anim calcmode="lin" valueType="num">
-                                      <p:cBhvr additive="base">
-                                        <p:cTn id="22" dur="500" fill="hold"/>
-                                        <p:tgtEl>
-                                          <p:spTgt spid="7"/>
-                                        </p:tgtEl>
-                                        <p:attrNameLst>
-                                          <p:attrName>ppt_y</p:attrName>
-                                        </p:attrNameLst>
-                                      </p:cBhvr>
-                                      <p:tavLst>
-                                        <p:tav tm="0">
-                                          <p:val>
-                                            <p:strVal val="1+#ppt_h/2"/>
-                                          </p:val>
-                                        </p:tav>
-                                        <p:tav tm="100000">
-                                          <p:val>
-                                            <p:strVal val="#ppt_y"/>
-                                          </p:val>
-                                        </p:tav>
-                                      </p:tavLst>
-                                    </p:anim>
+                                    <p:animEffect transition="in" filter="wheel(1)">
+                                      <p:cBhvr>
+                                        <p:cTn id="19" dur="2000"/>
+                                        <p:tgtEl>
+                                          <p:spTgt spid="2058"/>
+                                        </p:tgtEl>
+                                      </p:cBhvr>
+                                    </p:animEffect>
+                                  </p:childTnLst>
+                                </p:cTn>
+                              </p:par>
+                              <p:par>
+                                <p:cTn id="20" presetID="21" presetClass="entr" presetSubtype="1" fill="hold" nodeType="withEffect">
+                                  <p:stCondLst>
+                                    <p:cond delay="0"/>
+                                  </p:stCondLst>
+                                  <p:childTnLst>
+                                    <p:set>
+                                      <p:cBhvr>
+                                        <p:cTn id="21" dur="1" fill="hold">
+                                          <p:stCondLst>
+                                            <p:cond delay="0"/>
+                                          </p:stCondLst>
+                                        </p:cTn>
+                                        <p:tgtEl>
+                                          <p:spTgt spid="2060"/>
+                                        </p:tgtEl>
+                                        <p:attrNameLst>
+                                          <p:attrName>style.visibility</p:attrName>
+                                        </p:attrNameLst>
+                                      </p:cBhvr>
+                                      <p:to>
+                                        <p:strVal val="visible"/>
+                                      </p:to>
+                                    </p:set>
+                                    <p:animEffect transition="in" filter="wheel(1)">
+                                      <p:cBhvr>
+                                        <p:cTn id="22" dur="2000"/>
+                                        <p:tgtEl>
+                                          <p:spTgt spid="2060"/>
+                                        </p:tgtEl>
+                                      </p:cBhvr>
+                                    </p:animEffect>
                                   </p:childTnLst>
                                 </p:cTn>
                               </p:par>
@@ -16709,7 +19657,7 @@
                             </p:stCondLst>
                             <p:childTnLst>
                               <p:par>
-                                <p:cTn id="25" presetID="42" presetClass="entr" presetSubtype="0" fill="hold" nodeType="clickEffect">
+                                <p:cTn id="25" presetID="2" presetClass="entr" presetSubtype="4" fill="hold" grpId="0" nodeType="clickEffect">
                                   <p:stCondLst>
                                     <p:cond delay="0"/>
                                   </p:stCondLst>
@@ -16722,6 +19670,79 @@
                                           </p:stCondLst>
                                         </p:cTn>
                                         <p:tgtEl>
+                                          <p:spTgt spid="7"/>
+                                        </p:tgtEl>
+                                        <p:attrNameLst>
+                                          <p:attrName>style.visibility</p:attrName>
+                                        </p:attrNameLst>
+                                      </p:cBhvr>
+                                      <p:to>
+                                        <p:strVal val="visible"/>
+                                      </p:to>
+                                    </p:set>
+                                    <p:anim calcmode="lin" valueType="num">
+                                      <p:cBhvr additive="base">
+                                        <p:cTn id="27" dur="500" fill="hold"/>
+                                        <p:tgtEl>
+                                          <p:spTgt spid="7"/>
+                                        </p:tgtEl>
+                                        <p:attrNameLst>
+                                          <p:attrName>ppt_x</p:attrName>
+                                        </p:attrNameLst>
+                                      </p:cBhvr>
+                                      <p:tavLst>
+                                        <p:tav tm="0">
+                                          <p:val>
+                                            <p:strVal val="#ppt_x"/>
+                                          </p:val>
+                                        </p:tav>
+                                        <p:tav tm="100000">
+                                          <p:val>
+                                            <p:strVal val="#ppt_x"/>
+                                          </p:val>
+                                        </p:tav>
+                                      </p:tavLst>
+                                    </p:anim>
+                                    <p:anim calcmode="lin" valueType="num">
+                                      <p:cBhvr additive="base">
+                                        <p:cTn id="28" dur="500" fill="hold"/>
+                                        <p:tgtEl>
+                                          <p:spTgt spid="7"/>
+                                        </p:tgtEl>
+                                        <p:attrNameLst>
+                                          <p:attrName>ppt_y</p:attrName>
+                                        </p:attrNameLst>
+                                      </p:cBhvr>
+                                      <p:tavLst>
+                                        <p:tav tm="0">
+                                          <p:val>
+                                            <p:strVal val="1+#ppt_h/2"/>
+                                          </p:val>
+                                        </p:tav>
+                                        <p:tav tm="100000">
+                                          <p:val>
+                                            <p:strVal val="#ppt_y"/>
+                                          </p:val>
+                                        </p:tav>
+                                      </p:tavLst>
+                                    </p:anim>
+                                  </p:childTnLst>
+                                </p:cTn>
+                              </p:par>
+                              <p:par>
+                                <p:cTn id="29" presetID="42" presetClass="entr" presetSubtype="0" fill="hold" nodeType="withEffect">
+                                  <p:stCondLst>
+                                    <p:cond delay="0"/>
+                                  </p:stCondLst>
+                                  <p:childTnLst>
+                                    <p:set>
+                                      <p:cBhvr>
+                                        <p:cTn id="30" dur="1" fill="hold">
+                                          <p:stCondLst>
+                                            <p:cond delay="0"/>
+                                          </p:stCondLst>
+                                        </p:cTn>
+                                        <p:tgtEl>
                                           <p:spTgt spid="8">
                                             <p:txEl>
                                               <p:pRg st="0" end="0"/>
@@ -16738,7 +19759,7 @@
                                     </p:set>
                                     <p:animEffect transition="in" filter="fade">
                                       <p:cBhvr>
-                                        <p:cTn id="27" dur="1000"/>
+                                        <p:cTn id="31" dur="1000"/>
                                         <p:tgtEl>
                                           <p:spTgt spid="8">
                                             <p:txEl>
@@ -16750,7 +19771,7 @@
                                     </p:animEffect>
                                     <p:anim calcmode="lin" valueType="num">
                                       <p:cBhvr>
-                                        <p:cTn id="28" dur="1000" fill="hold"/>
+                                        <p:cTn id="32" dur="1000" fill="hold"/>
                                         <p:tgtEl>
                                           <p:spTgt spid="8">
                                             <p:txEl>
@@ -16777,9 +19798,106 @@
                                     </p:anim>
                                     <p:anim calcmode="lin" valueType="num">
                                       <p:cBhvr>
-                                        <p:cTn id="29" dur="1000" fill="hold"/>
+                                        <p:cTn id="33" dur="1000" fill="hold"/>
                                         <p:tgtEl>
                                           <p:spTgt spid="8">
+                                            <p:txEl>
+                                              <p:pRg st="0" end="0"/>
+                                            </p:txEl>
+                                          </p:spTgt>
+                                        </p:tgtEl>
+                                        <p:attrNameLst>
+                                          <p:attrName>ppt_y</p:attrName>
+                                        </p:attrNameLst>
+                                      </p:cBhvr>
+                                      <p:tavLst>
+                                        <p:tav tm="0">
+                                          <p:val>
+                                            <p:strVal val="#ppt_y+.1"/>
+                                          </p:val>
+                                        </p:tav>
+                                        <p:tav tm="100000">
+                                          <p:val>
+                                            <p:strVal val="#ppt_y"/>
+                                          </p:val>
+                                        </p:tav>
+                                      </p:tavLst>
+                                    </p:anim>
+                                  </p:childTnLst>
+                                </p:cTn>
+                              </p:par>
+                              <p:par>
+                                <p:cTn id="34" presetID="42" presetClass="entr" presetSubtype="0" fill="hold" nodeType="withEffect">
+                                  <p:stCondLst>
+                                    <p:cond delay="0"/>
+                                  </p:stCondLst>
+                                  <p:childTnLst>
+                                    <p:set>
+                                      <p:cBhvr>
+                                        <p:cTn id="35" dur="1" fill="hold">
+                                          <p:stCondLst>
+                                            <p:cond delay="0"/>
+                                          </p:stCondLst>
+                                        </p:cTn>
+                                        <p:tgtEl>
+                                          <p:spTgt spid="9">
+                                            <p:txEl>
+                                              <p:pRg st="0" end="0"/>
+                                            </p:txEl>
+                                          </p:spTgt>
+                                        </p:tgtEl>
+                                        <p:attrNameLst>
+                                          <p:attrName>style.visibility</p:attrName>
+                                        </p:attrNameLst>
+                                      </p:cBhvr>
+                                      <p:to>
+                                        <p:strVal val="visible"/>
+                                      </p:to>
+                                    </p:set>
+                                    <p:animEffect transition="in" filter="fade">
+                                      <p:cBhvr>
+                                        <p:cTn id="36" dur="1000"/>
+                                        <p:tgtEl>
+                                          <p:spTgt spid="9">
+                                            <p:txEl>
+                                              <p:pRg st="0" end="0"/>
+                                            </p:txEl>
+                                          </p:spTgt>
+                                        </p:tgtEl>
+                                      </p:cBhvr>
+                                    </p:animEffect>
+                                    <p:anim calcmode="lin" valueType="num">
+                                      <p:cBhvr>
+                                        <p:cTn id="37" dur="1000" fill="hold"/>
+                                        <p:tgtEl>
+                                          <p:spTgt spid="9">
+                                            <p:txEl>
+                                              <p:pRg st="0" end="0"/>
+                                            </p:txEl>
+                                          </p:spTgt>
+                                        </p:tgtEl>
+                                        <p:attrNameLst>
+                                          <p:attrName>ppt_x</p:attrName>
+                                        </p:attrNameLst>
+                                      </p:cBhvr>
+                                      <p:tavLst>
+                                        <p:tav tm="0">
+                                          <p:val>
+                                            <p:strVal val="#ppt_x"/>
+                                          </p:val>
+                                        </p:tav>
+                                        <p:tav tm="100000">
+                                          <p:val>
+                                            <p:strVal val="#ppt_x"/>
+                                          </p:val>
+                                        </p:tav>
+                                      </p:tavLst>
+                                    </p:anim>
+                                    <p:anim calcmode="lin" valueType="num">
+                                      <p:cBhvr>
+                                        <p:cTn id="38" dur="1000" fill="hold"/>
+                                        <p:tgtEl>
+                                          <p:spTgt spid="9">
                                             <p:txEl>
                                               <p:pRg st="0" end="0"/>
                                             </p:txEl>
@@ -16812,32 +19930,32 @@
                     </p:cTn>
                   </p:par>
                   <p:par>
-                    <p:cTn id="30" fill="hold">
+                    <p:cTn id="39" fill="hold">
                       <p:stCondLst>
                         <p:cond delay="indefinite"/>
                       </p:stCondLst>
                       <p:childTnLst>
                         <p:par>
-                          <p:cTn id="31" fill="hold">
+                          <p:cTn id="40" fill="hold">
                             <p:stCondLst>
                               <p:cond delay="0"/>
                             </p:stCondLst>
                             <p:childTnLst>
                               <p:par>
-                                <p:cTn id="32" presetID="42" presetClass="entr" presetSubtype="0" fill="hold" nodeType="clickEffect">
+                                <p:cTn id="41" presetID="42" presetClass="entr" presetSubtype="0" fill="hold" nodeType="clickEffect">
                                   <p:stCondLst>
                                     <p:cond delay="0"/>
                                   </p:stCondLst>
                                   <p:childTnLst>
                                     <p:set>
                                       <p:cBhvr>
-                                        <p:cTn id="33" dur="1" fill="hold">
+                                        <p:cTn id="42" dur="1" fill="hold">
                                           <p:stCondLst>
                                             <p:cond delay="0"/>
                                           </p:stCondLst>
                                         </p:cTn>
                                         <p:tgtEl>
-                                          <p:spTgt spid="9">
+                                          <p:spTgt spid="5">
                                             <p:txEl>
                                               <p:pRg st="0" end="0"/>
                                             </p:txEl>
@@ -16853,9 +19971,9 @@
                                     </p:set>
                                     <p:animEffect transition="in" filter="fade">
                                       <p:cBhvr>
-                                        <p:cTn id="34" dur="1000"/>
-                                        <p:tgtEl>
-                                          <p:spTgt spid="9">
+                                        <p:cTn id="43" dur="1000"/>
+                                        <p:tgtEl>
+                                          <p:spTgt spid="5">
                                             <p:txEl>
                                               <p:pRg st="0" end="0"/>
                                             </p:txEl>
@@ -16865,9 +19983,9 @@
                                     </p:animEffect>
                                     <p:anim calcmode="lin" valueType="num">
                                       <p:cBhvr>
-                                        <p:cTn id="35" dur="1000" fill="hold"/>
-                                        <p:tgtEl>
-                                          <p:spTgt spid="9">
+                                        <p:cTn id="44" dur="1000" fill="hold"/>
+                                        <p:tgtEl>
+                                          <p:spTgt spid="5">
                                             <p:txEl>
                                               <p:pRg st="0" end="0"/>
                                             </p:txEl>
@@ -16892,9 +20010,9 @@
                                     </p:anim>
                                     <p:anim calcmode="lin" valueType="num">
                                       <p:cBhvr>
-                                        <p:cTn id="36" dur="1000" fill="hold"/>
-                                        <p:tgtEl>
-                                          <p:spTgt spid="9">
+                                        <p:cTn id="45" dur="1000" fill="hold"/>
+                                        <p:tgtEl>
+                                          <p:spTgt spid="5">
                                             <p:txEl>
                                               <p:pRg st="0" end="0"/>
                                             </p:txEl>
@@ -16920,39 +20038,21 @@
                                   </p:childTnLst>
                                 </p:cTn>
                               </p:par>
-                            </p:childTnLst>
-                          </p:cTn>
-                        </p:par>
-                      </p:childTnLst>
-                    </p:cTn>
-                  </p:par>
-                  <p:par>
-                    <p:cTn id="37" fill="hold">
-                      <p:stCondLst>
-                        <p:cond delay="indefinite"/>
-                      </p:stCondLst>
-                      <p:childTnLst>
-                        <p:par>
-                          <p:cTn id="38" fill="hold">
-                            <p:stCondLst>
-                              <p:cond delay="0"/>
-                            </p:stCondLst>
-                            <p:childTnLst>
                               <p:par>
-                                <p:cTn id="39" presetID="42" presetClass="entr" presetSubtype="0" fill="hold" nodeType="clickEffect">
+                                <p:cTn id="46" presetID="42" presetClass="entr" presetSubtype="0" fill="hold" nodeType="withEffect">
                                   <p:stCondLst>
                                     <p:cond delay="0"/>
                                   </p:stCondLst>
                                   <p:childTnLst>
                                     <p:set>
                                       <p:cBhvr>
-                                        <p:cTn id="40" dur="1" fill="hold">
+                                        <p:cTn id="47" dur="1" fill="hold">
                                           <p:stCondLst>
                                             <p:cond delay="0"/>
                                           </p:stCondLst>
                                         </p:cTn>
                                         <p:tgtEl>
-                                          <p:spTgt spid="5">
+                                          <p:spTgt spid="6">
                                             <p:txEl>
                                               <p:pRg st="0" end="0"/>
                                             </p:txEl>
@@ -16968,9 +20068,9 @@
                                     </p:set>
                                     <p:animEffect transition="in" filter="fade">
                                       <p:cBhvr>
-                                        <p:cTn id="41" dur="1000"/>
-                                        <p:tgtEl>
-                                          <p:spTgt spid="5">
+                                        <p:cTn id="48" dur="1000"/>
+                                        <p:tgtEl>
+                                          <p:spTgt spid="6">
                                             <p:txEl>
                                               <p:pRg st="0" end="0"/>
                                             </p:txEl>
@@ -16980,9 +20080,9 @@
                                     </p:animEffect>
                                     <p:anim calcmode="lin" valueType="num">
                                       <p:cBhvr>
-                                        <p:cTn id="42" dur="1000" fill="hold"/>
-                                        <p:tgtEl>
-                                          <p:spTgt spid="5">
+                                        <p:cTn id="49" dur="1000" fill="hold"/>
+                                        <p:tgtEl>
+                                          <p:spTgt spid="6">
                                             <p:txEl>
                                               <p:pRg st="0" end="0"/>
                                             </p:txEl>
@@ -17007,9 +20107,9 @@
                                     </p:anim>
                                     <p:anim calcmode="lin" valueType="num">
                                       <p:cBhvr>
-                                        <p:cTn id="43" dur="1000" fill="hold"/>
-                                        <p:tgtEl>
-                                          <p:spTgt spid="5">
+                                        <p:cTn id="50" dur="1000" fill="hold"/>
+                                        <p:tgtEl>
+                                          <p:spTgt spid="6">
                                             <p:txEl>
                                               <p:pRg st="0" end="0"/>
                                             </p:txEl>
@@ -17035,148 +20135,15 @@
                                   </p:childTnLst>
                                 </p:cTn>
                               </p:par>
-                            </p:childTnLst>
-                          </p:cTn>
-                        </p:par>
-                      </p:childTnLst>
-                    </p:cTn>
-                  </p:par>
-                  <p:par>
-                    <p:cTn id="44" fill="hold">
-                      <p:stCondLst>
-                        <p:cond delay="indefinite"/>
-                      </p:stCondLst>
-                      <p:childTnLst>
-                        <p:par>
-                          <p:cTn id="45" fill="hold">
-                            <p:stCondLst>
-                              <p:cond delay="0"/>
-                            </p:stCondLst>
-                            <p:childTnLst>
                               <p:par>
-                                <p:cTn id="46" presetID="42" presetClass="entr" presetSubtype="0" fill="hold" nodeType="clickEffect">
+                                <p:cTn id="51" presetID="21" presetClass="entr" presetSubtype="1" fill="hold" nodeType="withEffect">
                                   <p:stCondLst>
                                     <p:cond delay="0"/>
                                   </p:stCondLst>
                                   <p:childTnLst>
                                     <p:set>
                                       <p:cBhvr>
-                                        <p:cTn id="47" dur="1" fill="hold">
-                                          <p:stCondLst>
-                                            <p:cond delay="0"/>
-                                          </p:stCondLst>
-                                        </p:cTn>
-                                        <p:tgtEl>
-                                          <p:spTgt spid="6">
-                                            <p:txEl>
-                                              <p:pRg st="0" end="0"/>
-                                            </p:txEl>
-                                          </p:spTgt>
-                                        </p:tgtEl>
-                                        <p:attrNameLst>
-                                          <p:attrName>style.visibility</p:attrName>
-                                        </p:attrNameLst>
-                                      </p:cBhvr>
-                                      <p:to>
-                                        <p:strVal val="visible"/>
-                                      </p:to>
-                                    </p:set>
-                                    <p:animEffect transition="in" filter="fade">
-                                      <p:cBhvr>
-                                        <p:cTn id="48" dur="1000"/>
-                                        <p:tgtEl>
-                                          <p:spTgt spid="6">
-                                            <p:txEl>
-                                              <p:pRg st="0" end="0"/>
-                                            </p:txEl>
-                                          </p:spTgt>
-                                        </p:tgtEl>
-                                      </p:cBhvr>
-                                    </p:animEffect>
-                                    <p:anim calcmode="lin" valueType="num">
-                                      <p:cBhvr>
-                                        <p:cTn id="49" dur="1000" fill="hold"/>
-                                        <p:tgtEl>
-                                          <p:spTgt spid="6">
-                                            <p:txEl>
-                                              <p:pRg st="0" end="0"/>
-                                            </p:txEl>
-                                          </p:spTgt>
-                                        </p:tgtEl>
-                                        <p:attrNameLst>
-                                          <p:attrName>ppt_x</p:attrName>
-                                        </p:attrNameLst>
-                                      </p:cBhvr>
-                                      <p:tavLst>
-                                        <p:tav tm="0">
-                                          <p:val>
-                                            <p:strVal val="#ppt_x"/>
-                                          </p:val>
-                                        </p:tav>
-                                        <p:tav tm="100000">
-                                          <p:val>
-                                            <p:strVal val="#ppt_x"/>
-                                          </p:val>
-                                        </p:tav>
-                                      </p:tavLst>
-                                    </p:anim>
-                                    <p:anim calcmode="lin" valueType="num">
-                                      <p:cBhvr>
-                                        <p:cTn id="50" dur="1000" fill="hold"/>
-                                        <p:tgtEl>
-                                          <p:spTgt spid="6">
-                                            <p:txEl>
-                                              <p:pRg st="0" end="0"/>
-                                            </p:txEl>
-                                          </p:spTgt>
-                                        </p:tgtEl>
-                                        <p:attrNameLst>
-                                          <p:attrName>ppt_y</p:attrName>
-                                        </p:attrNameLst>
-                                      </p:cBhvr>
-                                      <p:tavLst>
-                                        <p:tav tm="0">
-                                          <p:val>
-                                            <p:strVal val="#ppt_y+.1"/>
-                                          </p:val>
-                                        </p:tav>
-                                        <p:tav tm="100000">
-                                          <p:val>
-                                            <p:strVal val="#ppt_y"/>
-                                          </p:val>
-                                        </p:tav>
-                                      </p:tavLst>
-                                    </p:anim>
-                                  </p:childTnLst>
-                                </p:cTn>
-                              </p:par>
-                            </p:childTnLst>
-                          </p:cTn>
-                        </p:par>
-                      </p:childTnLst>
-                    </p:cTn>
-                  </p:par>
-                  <p:par>
-                    <p:cTn id="51" fill="hold">
-                      <p:stCondLst>
-                        <p:cond delay="indefinite"/>
-                      </p:stCondLst>
-                      <p:childTnLst>
-                        <p:par>
-                          <p:cTn id="52" fill="hold">
-                            <p:stCondLst>
-                              <p:cond delay="0"/>
-                            </p:stCondLst>
-                            <p:childTnLst>
-                              <p:par>
-                                <p:cTn id="53" presetID="21" presetClass="entr" presetSubtype="1" fill="hold" nodeType="clickEffect">
-                                  <p:stCondLst>
-                                    <p:cond delay="0"/>
-                                  </p:stCondLst>
-                                  <p:childTnLst>
-                                    <p:set>
-                                      <p:cBhvr>
-                                        <p:cTn id="54" dur="1" fill="hold">
+                                        <p:cTn id="52" dur="1" fill="hold">
                                           <p:stCondLst>
                                             <p:cond delay="0"/>
                                           </p:stCondLst>
@@ -17194,115 +20161,9 @@
                                     </p:set>
                                     <p:animEffect transition="in" filter="wheel(1)">
                                       <p:cBhvr>
-                                        <p:cTn id="55" dur="2000"/>
+                                        <p:cTn id="53" dur="2000"/>
                                         <p:tgtEl>
                                           <p:spTgt spid="2062"/>
-                                        </p:tgtEl>
-                                      </p:cBhvr>
-                                    </p:animEffect>
-                                  </p:childTnLst>
-                                </p:cTn>
-                              </p:par>
-                            </p:childTnLst>
-                          </p:cTn>
-                        </p:par>
-                      </p:childTnLst>
-                    </p:cTn>
-                  </p:par>
-                  <p:par>
-                    <p:cTn id="56" fill="hold">
-                      <p:stCondLst>
-                        <p:cond delay="indefinite"/>
-                      </p:stCondLst>
-                      <p:childTnLst>
-                        <p:par>
-                          <p:cTn id="57" fill="hold">
-                            <p:stCondLst>
-                              <p:cond delay="0"/>
-                            </p:stCondLst>
-                            <p:childTnLst>
-                              <p:par>
-                                <p:cTn id="58" presetID="21" presetClass="entr" presetSubtype="1" fill="hold" nodeType="clickEffect">
-                                  <p:stCondLst>
-                                    <p:cond delay="0"/>
-                                  </p:stCondLst>
-                                  <p:childTnLst>
-                                    <p:set>
-                                      <p:cBhvr>
-                                        <p:cTn id="59" dur="1" fill="hold">
-                                          <p:stCondLst>
-                                            <p:cond delay="0"/>
-                                          </p:stCondLst>
-                                        </p:cTn>
-                                        <p:tgtEl>
-                                          <p:spTgt spid="2058"/>
-                                        </p:tgtEl>
-                                        <p:attrNameLst>
-                                          <p:attrName>style.visibility</p:attrName>
-                                        </p:attrNameLst>
-                                      </p:cBhvr>
-                                      <p:to>
-                                        <p:strVal val="visible"/>
-                                      </p:to>
-                                    </p:set>
-                                    <p:animEffect transition="in" filter="wheel(1)">
-                                      <p:cBhvr>
-                                        <p:cTn id="60" dur="2000"/>
-                                        <p:tgtEl>
-                                          <p:spTgt spid="2058"/>
-                                        </p:tgtEl>
-                                      </p:cBhvr>
-                                    </p:animEffect>
-                                  </p:childTnLst>
-                                </p:cTn>
-                              </p:par>
-                            </p:childTnLst>
-                          </p:cTn>
-                        </p:par>
-                      </p:childTnLst>
-                    </p:cTn>
-                  </p:par>
-                  <p:par>
-                    <p:cTn id="61" fill="hold">
-                      <p:stCondLst>
-                        <p:cond delay="indefinite"/>
-                      </p:stCondLst>
-                      <p:childTnLst>
-                        <p:par>
-                          <p:cTn id="62" fill="hold">
-                            <p:stCondLst>
-                              <p:cond delay="0"/>
-                            </p:stCondLst>
-                            <p:childTnLst>
-                              <p:par>
-                                <p:cTn id="63" presetID="21" presetClass="entr" presetSubtype="1" fill="hold" nodeType="clickEffect">
-                                  <p:stCondLst>
-                                    <p:cond delay="0"/>
-                                  </p:stCondLst>
-                                  <p:childTnLst>
-                                    <p:set>
-                                      <p:cBhvr>
-                                        <p:cTn id="64" dur="1" fill="hold">
-                                          <p:stCondLst>
-                                            <p:cond delay="0"/>
-                                          </p:stCondLst>
-                                        </p:cTn>
-                                        <p:tgtEl>
-                                          <p:spTgt spid="2060"/>
-                                        </p:tgtEl>
-                                        <p:attrNameLst>
-                                          <p:attrName>style.visibility</p:attrName>
-                                        </p:attrNameLst>
-                                      </p:cBhvr>
-                                      <p:to>
-                                        <p:strVal val="visible"/>
-                                      </p:to>
-                                    </p:set>
-                                    <p:animEffect transition="in" filter="wheel(1)">
-                                      <p:cBhvr>
-                                        <p:cTn id="65" dur="2000"/>
-                                        <p:tgtEl>
-                                          <p:spTgt spid="2060"/>
                                         </p:tgtEl>
                                       </p:cBhvr>
                                     </p:animEffect>
@@ -17477,6 +20338,17 @@
             </a:r>
             <a:endParaRPr lang="hu-HU" dirty="0"/>
           </a:p>
+          <a:p>
+            <a:pPr marL="628650" lvl="1" indent="-171450">
+              <a:buFont typeface="Wingdings" panose="05000000000000000000" pitchFamily="2" charset="2"/>
+              <a:buChar char="Ø"/>
+            </a:pPr>
+            <a:r>
+              <a:rPr lang="hu-HU" dirty="0" err="1"/>
+              <a:t>React</a:t>
+            </a:r>
+            <a:endParaRPr lang="hu-HU" dirty="0"/>
+          </a:p>
         </p:txBody>
       </p:sp>
       <p:sp>
@@ -17560,18 +20432,9 @@
           <a:lstStyle/>
           <a:p>
             <a:r>
-              <a:rPr lang="hu-HU" dirty="0" err="1"/>
-              <a:t>Database</a:t>
-            </a:r>
-            <a:r>
               <a:rPr lang="hu-HU" dirty="0"/>
-              <a:t> - </a:t>
-            </a:r>
-            <a:r>
-              <a:rPr lang="hu-HU" dirty="0" err="1"/>
-              <a:t>MySQL</a:t>
-            </a:r>
-            <a:endParaRPr lang="hu-HU" dirty="0"/>
+              <a:t>Adatbázis</a:t>
+            </a:r>
           </a:p>
         </p:txBody>
       </p:sp>
@@ -17609,18 +20472,7 @@
             </a:pPr>
             <a:r>
               <a:rPr lang="hu-HU" sz="1800" dirty="0" err="1"/>
-              <a:t>phpMyAdmin</a:t>
-            </a:r>
-            <a:endParaRPr lang="hu-HU" sz="1800" dirty="0"/>
-          </a:p>
-          <a:p>
-            <a:pPr marL="628650" lvl="1" indent="-171450">
-              <a:buFont typeface="Courier New" panose="02070309020205020404" pitchFamily="49" charset="0"/>
-              <a:buChar char="o"/>
-            </a:pPr>
-            <a:r>
-              <a:rPr lang="hu-HU" sz="1800" dirty="0" err="1"/>
-              <a:t>Workbench</a:t>
+              <a:t>MySQL</a:t>
             </a:r>
             <a:endParaRPr lang="hu-HU" sz="1800" dirty="0"/>
           </a:p>
@@ -17756,33 +20608,15 @@
                                   </p:childTnLst>
                                 </p:cTn>
                               </p:par>
-                            </p:childTnLst>
-                          </p:cTn>
-                        </p:par>
-                      </p:childTnLst>
-                    </p:cTn>
-                  </p:par>
-                  <p:par>
-                    <p:cTn id="10" fill="hold">
-                      <p:stCondLst>
-                        <p:cond delay="indefinite"/>
-                      </p:stCondLst>
-                      <p:childTnLst>
-                        <p:par>
-                          <p:cTn id="11" fill="hold">
-                            <p:stCondLst>
-                              <p:cond delay="0"/>
-                            </p:stCondLst>
-                            <p:childTnLst>
                               <p:par>
-                                <p:cTn id="12" presetID="42" presetClass="entr" presetSubtype="0" fill="hold" nodeType="clickEffect">
+                                <p:cTn id="10" presetID="42" presetClass="entr" presetSubtype="0" fill="hold" nodeType="withEffect">
                                   <p:stCondLst>
                                     <p:cond delay="0"/>
                                   </p:stCondLst>
                                   <p:childTnLst>
                                     <p:set>
                                       <p:cBhvr>
-                                        <p:cTn id="13" dur="1" fill="hold">
+                                        <p:cTn id="11" dur="1" fill="hold">
                                           <p:stCondLst>
                                             <p:cond delay="0"/>
                                           </p:stCondLst>
@@ -17804,7 +20638,7 @@
                                     </p:set>
                                     <p:animEffect transition="in" filter="fade">
                                       <p:cBhvr>
-                                        <p:cTn id="14" dur="1000"/>
+                                        <p:cTn id="12" dur="1000"/>
                                         <p:tgtEl>
                                           <p:spTgt spid="4">
                                             <p:txEl>
@@ -17816,7 +20650,7 @@
                                     </p:animEffect>
                                     <p:anim calcmode="lin" valueType="num">
                                       <p:cBhvr>
-                                        <p:cTn id="15" dur="1000" fill="hold"/>
+                                        <p:cTn id="13" dur="1000" fill="hold"/>
                                         <p:tgtEl>
                                           <p:spTgt spid="4">
                                             <p:txEl>
@@ -17843,7 +20677,7 @@
                                     </p:anim>
                                     <p:anim calcmode="lin" valueType="num">
                                       <p:cBhvr>
-                                        <p:cTn id="16" dur="1000" fill="hold"/>
+                                        <p:cTn id="14" dur="1000" fill="hold"/>
                                         <p:tgtEl>
                                           <p:spTgt spid="4">
                                             <p:txEl>
@@ -17872,14 +20706,14 @@
                                 </p:cTn>
                               </p:par>
                               <p:par>
-                                <p:cTn id="17" presetID="42" presetClass="entr" presetSubtype="0" fill="hold" nodeType="withEffect">
+                                <p:cTn id="15" presetID="42" presetClass="entr" presetSubtype="0" fill="hold" nodeType="withEffect">
                                   <p:stCondLst>
                                     <p:cond delay="0"/>
                                   </p:stCondLst>
                                   <p:childTnLst>
                                     <p:set>
                                       <p:cBhvr>
-                                        <p:cTn id="18" dur="1" fill="hold">
+                                        <p:cTn id="16" dur="1" fill="hold">
                                           <p:stCondLst>
                                             <p:cond delay="0"/>
                                           </p:stCondLst>
@@ -17901,7 +20735,7 @@
                                     </p:set>
                                     <p:animEffect transition="in" filter="fade">
                                       <p:cBhvr>
-                                        <p:cTn id="19" dur="1000"/>
+                                        <p:cTn id="17" dur="1000"/>
                                         <p:tgtEl>
                                           <p:spTgt spid="4">
                                             <p:txEl>
@@ -17913,7 +20747,7 @@
                                     </p:animEffect>
                                     <p:anim calcmode="lin" valueType="num">
                                       <p:cBhvr>
-                                        <p:cTn id="20" dur="1000" fill="hold"/>
+                                        <p:cTn id="18" dur="1000" fill="hold"/>
                                         <p:tgtEl>
                                           <p:spTgt spid="4">
                                             <p:txEl>
@@ -17940,7 +20774,7 @@
                                     </p:anim>
                                     <p:anim calcmode="lin" valueType="num">
                                       <p:cBhvr>
-                                        <p:cTn id="21" dur="1000" fill="hold"/>
+                                        <p:cTn id="19" dur="1000" fill="hold"/>
                                         <p:tgtEl>
                                           <p:spTgt spid="4">
                                             <p:txEl>
@@ -17969,14 +20803,14 @@
                                 </p:cTn>
                               </p:par>
                               <p:par>
-                                <p:cTn id="22" presetID="42" presetClass="entr" presetSubtype="0" fill="hold" nodeType="withEffect">
+                                <p:cTn id="20" presetID="42" presetClass="entr" presetSubtype="0" fill="hold" nodeType="withEffect">
                                   <p:stCondLst>
                                     <p:cond delay="0"/>
                                   </p:stCondLst>
                                   <p:childTnLst>
                                     <p:set>
                                       <p:cBhvr>
-                                        <p:cTn id="23" dur="1" fill="hold">
+                                        <p:cTn id="21" dur="1" fill="hold">
                                           <p:stCondLst>
                                             <p:cond delay="0"/>
                                           </p:stCondLst>
@@ -17998,7 +20832,7 @@
                                     </p:set>
                                     <p:animEffect transition="in" filter="fade">
                                       <p:cBhvr>
-                                        <p:cTn id="24" dur="1000"/>
+                                        <p:cTn id="22" dur="1000"/>
                                         <p:tgtEl>
                                           <p:spTgt spid="4">
                                             <p:txEl>
@@ -18010,7 +20844,7 @@
                                     </p:animEffect>
                                     <p:anim calcmode="lin" valueType="num">
                                       <p:cBhvr>
-                                        <p:cTn id="25" dur="1000" fill="hold"/>
+                                        <p:cTn id="23" dur="1000" fill="hold"/>
                                         <p:tgtEl>
                                           <p:spTgt spid="4">
                                             <p:txEl>
@@ -18037,7 +20871,7 @@
                                     </p:anim>
                                     <p:anim calcmode="lin" valueType="num">
                                       <p:cBhvr>
-                                        <p:cTn id="26" dur="1000" fill="hold"/>
+                                        <p:cTn id="24" dur="1000" fill="hold"/>
                                         <p:tgtEl>
                                           <p:spTgt spid="4">
                                             <p:txEl>
@@ -18066,14 +20900,14 @@
                                 </p:cTn>
                               </p:par>
                               <p:par>
-                                <p:cTn id="27" presetID="42" presetClass="entr" presetSubtype="0" fill="hold" nodeType="withEffect">
+                                <p:cTn id="25" presetID="42" presetClass="entr" presetSubtype="0" fill="hold" nodeType="withEffect">
                                   <p:stCondLst>
                                     <p:cond delay="0"/>
                                   </p:stCondLst>
                                   <p:childTnLst>
                                     <p:set>
                                       <p:cBhvr>
-                                        <p:cTn id="28" dur="1" fill="hold">
+                                        <p:cTn id="26" dur="1" fill="hold">
                                           <p:stCondLst>
                                             <p:cond delay="0"/>
                                           </p:stCondLst>
@@ -18095,7 +20929,7 @@
                                     </p:set>
                                     <p:animEffect transition="in" filter="fade">
                                       <p:cBhvr>
-                                        <p:cTn id="29" dur="1000"/>
+                                        <p:cTn id="27" dur="1000"/>
                                         <p:tgtEl>
                                           <p:spTgt spid="4">
                                             <p:txEl>
@@ -18107,7 +20941,7 @@
                                     </p:animEffect>
                                     <p:anim calcmode="lin" valueType="num">
                                       <p:cBhvr>
-                                        <p:cTn id="30" dur="1000" fill="hold"/>
+                                        <p:cTn id="28" dur="1000" fill="hold"/>
                                         <p:tgtEl>
                                           <p:spTgt spid="4">
                                             <p:txEl>
@@ -18134,11 +20968,108 @@
                                     </p:anim>
                                     <p:anim calcmode="lin" valueType="num">
                                       <p:cBhvr>
-                                        <p:cTn id="31" dur="1000" fill="hold"/>
+                                        <p:cTn id="29" dur="1000" fill="hold"/>
                                         <p:tgtEl>
                                           <p:spTgt spid="4">
                                             <p:txEl>
                                               <p:pRg st="3" end="3"/>
+                                            </p:txEl>
+                                          </p:spTgt>
+                                        </p:tgtEl>
+                                        <p:attrNameLst>
+                                          <p:attrName>ppt_y</p:attrName>
+                                        </p:attrNameLst>
+                                      </p:cBhvr>
+                                      <p:tavLst>
+                                        <p:tav tm="0">
+                                          <p:val>
+                                            <p:strVal val="#ppt_y+.1"/>
+                                          </p:val>
+                                        </p:tav>
+                                        <p:tav tm="100000">
+                                          <p:val>
+                                            <p:strVal val="#ppt_y"/>
+                                          </p:val>
+                                        </p:tav>
+                                      </p:tavLst>
+                                    </p:anim>
+                                  </p:childTnLst>
+                                </p:cTn>
+                              </p:par>
+                              <p:par>
+                                <p:cTn id="30" presetID="42" presetClass="entr" presetSubtype="0" fill="hold" nodeType="withEffect">
+                                  <p:stCondLst>
+                                    <p:cond delay="0"/>
+                                  </p:stCondLst>
+                                  <p:childTnLst>
+                                    <p:set>
+                                      <p:cBhvr>
+                                        <p:cTn id="31" dur="1" fill="hold">
+                                          <p:stCondLst>
+                                            <p:cond delay="0"/>
+                                          </p:stCondLst>
+                                        </p:cTn>
+                                        <p:tgtEl>
+                                          <p:spTgt spid="4">
+                                            <p:txEl>
+                                              <p:pRg st="4" end="4"/>
+                                            </p:txEl>
+                                          </p:spTgt>
+                                        </p:tgtEl>
+                                        <p:attrNameLst>
+                                          <p:attrName>style.visibility</p:attrName>
+                                        </p:attrNameLst>
+                                      </p:cBhvr>
+                                      <p:to>
+                                        <p:strVal val="visible"/>
+                                      </p:to>
+                                    </p:set>
+                                    <p:animEffect transition="in" filter="fade">
+                                      <p:cBhvr>
+                                        <p:cTn id="32" dur="1000"/>
+                                        <p:tgtEl>
+                                          <p:spTgt spid="4">
+                                            <p:txEl>
+                                              <p:pRg st="4" end="4"/>
+                                            </p:txEl>
+                                          </p:spTgt>
+                                        </p:tgtEl>
+                                      </p:cBhvr>
+                                    </p:animEffect>
+                                    <p:anim calcmode="lin" valueType="num">
+                                      <p:cBhvr>
+                                        <p:cTn id="33" dur="1000" fill="hold"/>
+                                        <p:tgtEl>
+                                          <p:spTgt spid="4">
+                                            <p:txEl>
+                                              <p:pRg st="4" end="4"/>
+                                            </p:txEl>
+                                          </p:spTgt>
+                                        </p:tgtEl>
+                                        <p:attrNameLst>
+                                          <p:attrName>ppt_x</p:attrName>
+                                        </p:attrNameLst>
+                                      </p:cBhvr>
+                                      <p:tavLst>
+                                        <p:tav tm="0">
+                                          <p:val>
+                                            <p:strVal val="#ppt_x"/>
+                                          </p:val>
+                                        </p:tav>
+                                        <p:tav tm="100000">
+                                          <p:val>
+                                            <p:strVal val="#ppt_x"/>
+                                          </p:val>
+                                        </p:tav>
+                                      </p:tavLst>
+                                    </p:anim>
+                                    <p:anim calcmode="lin" valueType="num">
+                                      <p:cBhvr>
+                                        <p:cTn id="34" dur="1000" fill="hold"/>
+                                        <p:tgtEl>
+                                          <p:spTgt spid="4">
+                                            <p:txEl>
+                                              <p:pRg st="4" end="4"/>
                                             </p:txEl>
                                           </p:spTgt>
                                         </p:tgtEl>
@@ -18169,26 +21100,26 @@
                     </p:cTn>
                   </p:par>
                   <p:par>
-                    <p:cTn id="32" fill="hold">
+                    <p:cTn id="35" fill="hold">
                       <p:stCondLst>
                         <p:cond delay="indefinite"/>
                       </p:stCondLst>
                       <p:childTnLst>
                         <p:par>
-                          <p:cTn id="33" fill="hold">
+                          <p:cTn id="36" fill="hold">
                             <p:stCondLst>
                               <p:cond delay="0"/>
                             </p:stCondLst>
                             <p:childTnLst>
                               <p:par>
-                                <p:cTn id="34" presetID="42" presetClass="entr" presetSubtype="0" fill="hold" nodeType="clickEffect">
+                                <p:cTn id="37" presetID="42" presetClass="entr" presetSubtype="0" fill="hold" nodeType="clickEffect">
                                   <p:stCondLst>
                                     <p:cond delay="0"/>
                                   </p:stCondLst>
                                   <p:childTnLst>
                                     <p:set>
                                       <p:cBhvr>
-                                        <p:cTn id="35" dur="1" fill="hold">
+                                        <p:cTn id="38" dur="1" fill="hold">
                                           <p:stCondLst>
                                             <p:cond delay="0"/>
                                           </p:stCondLst>
@@ -18210,7 +21141,7 @@
                                     </p:set>
                                     <p:animEffect transition="in" filter="fade">
                                       <p:cBhvr>
-                                        <p:cTn id="36" dur="1000"/>
+                                        <p:cTn id="39" dur="1000"/>
                                         <p:tgtEl>
                                           <p:spTgt spid="5">
                                             <p:txEl>
@@ -18222,7 +21153,7 @@
                                     </p:animEffect>
                                     <p:anim calcmode="lin" valueType="num">
                                       <p:cBhvr>
-                                        <p:cTn id="37" dur="1000" fill="hold"/>
+                                        <p:cTn id="40" dur="1000" fill="hold"/>
                                         <p:tgtEl>
                                           <p:spTgt spid="5">
                                             <p:txEl>
@@ -18249,9 +21180,106 @@
                                     </p:anim>
                                     <p:anim calcmode="lin" valueType="num">
                                       <p:cBhvr>
-                                        <p:cTn id="38" dur="1000" fill="hold"/>
+                                        <p:cTn id="41" dur="1000" fill="hold"/>
                                         <p:tgtEl>
                                           <p:spTgt spid="5">
+                                            <p:txEl>
+                                              <p:pRg st="0" end="0"/>
+                                            </p:txEl>
+                                          </p:spTgt>
+                                        </p:tgtEl>
+                                        <p:attrNameLst>
+                                          <p:attrName>ppt_y</p:attrName>
+                                        </p:attrNameLst>
+                                      </p:cBhvr>
+                                      <p:tavLst>
+                                        <p:tav tm="0">
+                                          <p:val>
+                                            <p:strVal val="#ppt_y+.1"/>
+                                          </p:val>
+                                        </p:tav>
+                                        <p:tav tm="100000">
+                                          <p:val>
+                                            <p:strVal val="#ppt_y"/>
+                                          </p:val>
+                                        </p:tav>
+                                      </p:tavLst>
+                                    </p:anim>
+                                  </p:childTnLst>
+                                </p:cTn>
+                              </p:par>
+                              <p:par>
+                                <p:cTn id="42" presetID="42" presetClass="entr" presetSubtype="0" fill="hold" nodeType="withEffect">
+                                  <p:stCondLst>
+                                    <p:cond delay="0"/>
+                                  </p:stCondLst>
+                                  <p:childTnLst>
+                                    <p:set>
+                                      <p:cBhvr>
+                                        <p:cTn id="43" dur="1" fill="hold">
+                                          <p:stCondLst>
+                                            <p:cond delay="0"/>
+                                          </p:stCondLst>
+                                        </p:cTn>
+                                        <p:tgtEl>
+                                          <p:spTgt spid="6">
+                                            <p:txEl>
+                                              <p:pRg st="0" end="0"/>
+                                            </p:txEl>
+                                          </p:spTgt>
+                                        </p:tgtEl>
+                                        <p:attrNameLst>
+                                          <p:attrName>style.visibility</p:attrName>
+                                        </p:attrNameLst>
+                                      </p:cBhvr>
+                                      <p:to>
+                                        <p:strVal val="visible"/>
+                                      </p:to>
+                                    </p:set>
+                                    <p:animEffect transition="in" filter="fade">
+                                      <p:cBhvr>
+                                        <p:cTn id="44" dur="1000"/>
+                                        <p:tgtEl>
+                                          <p:spTgt spid="6">
+                                            <p:txEl>
+                                              <p:pRg st="0" end="0"/>
+                                            </p:txEl>
+                                          </p:spTgt>
+                                        </p:tgtEl>
+                                      </p:cBhvr>
+                                    </p:animEffect>
+                                    <p:anim calcmode="lin" valueType="num">
+                                      <p:cBhvr>
+                                        <p:cTn id="45" dur="1000" fill="hold"/>
+                                        <p:tgtEl>
+                                          <p:spTgt spid="6">
+                                            <p:txEl>
+                                              <p:pRg st="0" end="0"/>
+                                            </p:txEl>
+                                          </p:spTgt>
+                                        </p:tgtEl>
+                                        <p:attrNameLst>
+                                          <p:attrName>ppt_x</p:attrName>
+                                        </p:attrNameLst>
+                                      </p:cBhvr>
+                                      <p:tavLst>
+                                        <p:tav tm="0">
+                                          <p:val>
+                                            <p:strVal val="#ppt_x"/>
+                                          </p:val>
+                                        </p:tav>
+                                        <p:tav tm="100000">
+                                          <p:val>
+                                            <p:strVal val="#ppt_x"/>
+                                          </p:val>
+                                        </p:tav>
+                                      </p:tavLst>
+                                    </p:anim>
+                                    <p:anim calcmode="lin" valueType="num">
+                                      <p:cBhvr>
+                                        <p:cTn id="46" dur="1000" fill="hold"/>
+                                        <p:tgtEl>
+                                          <p:spTgt spid="6">
                                             <p:txEl>
                                               <p:pRg st="0" end="0"/>
                                             </p:txEl>
@@ -18284,32 +21312,32 @@
                     </p:cTn>
                   </p:par>
                   <p:par>
-                    <p:cTn id="39" fill="hold">
+                    <p:cTn id="47" fill="hold">
                       <p:stCondLst>
                         <p:cond delay="indefinite"/>
                       </p:stCondLst>
                       <p:childTnLst>
                         <p:par>
-                          <p:cTn id="40" fill="hold">
+                          <p:cTn id="48" fill="hold">
                             <p:stCondLst>
                               <p:cond delay="0"/>
                             </p:stCondLst>
                             <p:childTnLst>
                               <p:par>
-                                <p:cTn id="41" presetID="42" presetClass="entr" presetSubtype="0" fill="hold" nodeType="clickEffect">
+                                <p:cTn id="49" presetID="42" presetClass="entr" presetSubtype="0" fill="hold" nodeType="clickEffect">
                                   <p:stCondLst>
                                     <p:cond delay="0"/>
                                   </p:stCondLst>
                                   <p:childTnLst>
                                     <p:set>
                                       <p:cBhvr>
-                                        <p:cTn id="42" dur="1" fill="hold">
+                                        <p:cTn id="50" dur="1" fill="hold">
                                           <p:stCondLst>
                                             <p:cond delay="0"/>
                                           </p:stCondLst>
                                         </p:cTn>
                                         <p:tgtEl>
-                                          <p:spTgt spid="6">
+                                          <p:spTgt spid="7">
                                             <p:txEl>
                                               <p:pRg st="0" end="0"/>
                                             </p:txEl>
@@ -18325,9 +21353,9 @@
                                     </p:set>
                                     <p:animEffect transition="in" filter="fade">
                                       <p:cBhvr>
-                                        <p:cTn id="43" dur="1000"/>
-                                        <p:tgtEl>
-                                          <p:spTgt spid="6">
+                                        <p:cTn id="51" dur="1000"/>
+                                        <p:tgtEl>
+                                          <p:spTgt spid="7">
                                             <p:txEl>
                                               <p:pRg st="0" end="0"/>
                                             </p:txEl>
@@ -18337,9 +21365,9 @@
                                     </p:animEffect>
                                     <p:anim calcmode="lin" valueType="num">
                                       <p:cBhvr>
-                                        <p:cTn id="44" dur="1000" fill="hold"/>
-                                        <p:tgtEl>
-                                          <p:spTgt spid="6">
+                                        <p:cTn id="52" dur="1000" fill="hold"/>
+                                        <p:tgtEl>
+                                          <p:spTgt spid="7">
                                             <p:txEl>
                                               <p:pRg st="0" end="0"/>
                                             </p:txEl>
@@ -18364,239 +21392,9 @@
                                     </p:anim>
                                     <p:anim calcmode="lin" valueType="num">
                                       <p:cBhvr>
-                                        <p:cTn id="45" dur="1000" fill="hold"/>
-                                        <p:tgtEl>
-                                          <p:spTgt spid="6">
-                                            <p:txEl>
-                                              <p:pRg st="0" end="0"/>
-                                            </p:txEl>
-                                          </p:spTgt>
-                                        </p:tgtEl>
-                                        <p:attrNameLst>
-                                          <p:attrName>ppt_y</p:attrName>
-                                        </p:attrNameLst>
-                                      </p:cBhvr>
-                                      <p:tavLst>
-                                        <p:tav tm="0">
-                                          <p:val>
-                                            <p:strVal val="#ppt_y+.1"/>
-                                          </p:val>
-                                        </p:tav>
-                                        <p:tav tm="100000">
-                                          <p:val>
-                                            <p:strVal val="#ppt_y"/>
-                                          </p:val>
-                                        </p:tav>
-                                      </p:tavLst>
-                                    </p:anim>
-                                  </p:childTnLst>
-                                </p:cTn>
-                              </p:par>
-                            </p:childTnLst>
-                          </p:cTn>
-                        </p:par>
-                      </p:childTnLst>
-                    </p:cTn>
-                  </p:par>
-                  <p:par>
-                    <p:cTn id="46" fill="hold">
-                      <p:stCondLst>
-                        <p:cond delay="indefinite"/>
-                      </p:stCondLst>
-                      <p:childTnLst>
-                        <p:par>
-                          <p:cTn id="47" fill="hold">
-                            <p:stCondLst>
-                              <p:cond delay="0"/>
-                            </p:stCondLst>
-                            <p:childTnLst>
-                              <p:par>
-                                <p:cTn id="48" presetID="42" presetClass="entr" presetSubtype="0" fill="hold" nodeType="clickEffect">
-                                  <p:stCondLst>
-                                    <p:cond delay="0"/>
-                                  </p:stCondLst>
-                                  <p:childTnLst>
-                                    <p:set>
-                                      <p:cBhvr>
-                                        <p:cTn id="49" dur="1" fill="hold">
-                                          <p:stCondLst>
-                                            <p:cond delay="0"/>
-                                          </p:stCondLst>
-                                        </p:cTn>
+                                        <p:cTn id="53" dur="1000" fill="hold"/>
                                         <p:tgtEl>
                                           <p:spTgt spid="7">
-                                            <p:txEl>
-                                              <p:pRg st="0" end="0"/>
-                                            </p:txEl>
-                                          </p:spTgt>
-                                        </p:tgtEl>
-                                        <p:attrNameLst>
-                                          <p:attrName>style.visibility</p:attrName>
-                                        </p:attrNameLst>
-                                      </p:cBhvr>
-                                      <p:to>
-                                        <p:strVal val="visible"/>
-                                      </p:to>
-                                    </p:set>
-                                    <p:animEffect transition="in" filter="fade">
-                                      <p:cBhvr>
-                                        <p:cTn id="50" dur="1000"/>
-                                        <p:tgtEl>
-                                          <p:spTgt spid="7">
-                                            <p:txEl>
-                                              <p:pRg st="0" end="0"/>
-                                            </p:txEl>
-                                          </p:spTgt>
-                                        </p:tgtEl>
-                                      </p:cBhvr>
-                                    </p:animEffect>
-                                    <p:anim calcmode="lin" valueType="num">
-                                      <p:cBhvr>
-                                        <p:cTn id="51" dur="1000" fill="hold"/>
-                                        <p:tgtEl>
-                                          <p:spTgt spid="7">
-                                            <p:txEl>
-                                              <p:pRg st="0" end="0"/>
-                                            </p:txEl>
-                                          </p:spTgt>
-                                        </p:tgtEl>
-                                        <p:attrNameLst>
-                                          <p:attrName>ppt_x</p:attrName>
-                                        </p:attrNameLst>
-                                      </p:cBhvr>
-                                      <p:tavLst>
-                                        <p:tav tm="0">
-                                          <p:val>
-                                            <p:strVal val="#ppt_x"/>
-                                          </p:val>
-                                        </p:tav>
-                                        <p:tav tm="100000">
-                                          <p:val>
-                                            <p:strVal val="#ppt_x"/>
-                                          </p:val>
-                                        </p:tav>
-                                      </p:tavLst>
-                                    </p:anim>
-                                    <p:anim calcmode="lin" valueType="num">
-                                      <p:cBhvr>
-                                        <p:cTn id="52" dur="1000" fill="hold"/>
-                                        <p:tgtEl>
-                                          <p:spTgt spid="7">
-                                            <p:txEl>
-                                              <p:pRg st="0" end="0"/>
-                                            </p:txEl>
-                                          </p:spTgt>
-                                        </p:tgtEl>
-                                        <p:attrNameLst>
-                                          <p:attrName>ppt_y</p:attrName>
-                                        </p:attrNameLst>
-                                      </p:cBhvr>
-                                      <p:tavLst>
-                                        <p:tav tm="0">
-                                          <p:val>
-                                            <p:strVal val="#ppt_y+.1"/>
-                                          </p:val>
-                                        </p:tav>
-                                        <p:tav tm="100000">
-                                          <p:val>
-                                            <p:strVal val="#ppt_y"/>
-                                          </p:val>
-                                        </p:tav>
-                                      </p:tavLst>
-                                    </p:anim>
-                                  </p:childTnLst>
-                                </p:cTn>
-                              </p:par>
-                            </p:childTnLst>
-                          </p:cTn>
-                        </p:par>
-                      </p:childTnLst>
-                    </p:cTn>
-                  </p:par>
-                  <p:par>
-                    <p:cTn id="53" fill="hold">
-                      <p:stCondLst>
-                        <p:cond delay="indefinite"/>
-                      </p:stCondLst>
-                      <p:childTnLst>
-                        <p:par>
-                          <p:cTn id="54" fill="hold">
-                            <p:stCondLst>
-                              <p:cond delay="0"/>
-                            </p:stCondLst>
-                            <p:childTnLst>
-                              <p:par>
-                                <p:cTn id="55" presetID="42" presetClass="entr" presetSubtype="0" fill="hold" nodeType="clickEffect">
-                                  <p:stCondLst>
-                                    <p:cond delay="0"/>
-                                  </p:stCondLst>
-                                  <p:childTnLst>
-                                    <p:set>
-                                      <p:cBhvr>
-                                        <p:cTn id="56" dur="1" fill="hold">
-                                          <p:stCondLst>
-                                            <p:cond delay="0"/>
-                                          </p:stCondLst>
-                                        </p:cTn>
-                                        <p:tgtEl>
-                                          <p:spTgt spid="8">
-                                            <p:txEl>
-                                              <p:pRg st="0" end="0"/>
-                                            </p:txEl>
-                                          </p:spTgt>
-                                        </p:tgtEl>
-                                        <p:attrNameLst>
-                                          <p:attrName>style.visibility</p:attrName>
-                                        </p:attrNameLst>
-                                      </p:cBhvr>
-                                      <p:to>
-                                        <p:strVal val="visible"/>
-                                      </p:to>
-                                    </p:set>
-                                    <p:animEffect transition="in" filter="fade">
-                                      <p:cBhvr>
-                                        <p:cTn id="57" dur="1000"/>
-                                        <p:tgtEl>
-                                          <p:spTgt spid="8">
-                                            <p:txEl>
-                                              <p:pRg st="0" end="0"/>
-                                            </p:txEl>
-                                          </p:spTgt>
-                                        </p:tgtEl>
-                                      </p:cBhvr>
-                                    </p:animEffect>
-                                    <p:anim calcmode="lin" valueType="num">
-                                      <p:cBhvr>
-                                        <p:cTn id="58" dur="1000" fill="hold"/>
-                                        <p:tgtEl>
-                                          <p:spTgt spid="8">
-                                            <p:txEl>
-                                              <p:pRg st="0" end="0"/>
-                                            </p:txEl>
-                                          </p:spTgt>
-                                        </p:tgtEl>
-                                        <p:attrNameLst>
-                                          <p:attrName>ppt_x</p:attrName>
-                                        </p:attrNameLst>
-                                      </p:cBhvr>
-                                      <p:tavLst>
-                                        <p:tav tm="0">
-                                          <p:val>
-                                            <p:strVal val="#ppt_x"/>
-                                          </p:val>
-                                        </p:tav>
-                                        <p:tav tm="100000">
-                                          <p:val>
-                                            <p:strVal val="#ppt_x"/>
-                                          </p:val>
-                                        </p:tav>
-                                      </p:tavLst>
-                                    </p:anim>
-                                    <p:anim calcmode="lin" valueType="num">
-                                      <p:cBhvr>
-                                        <p:cTn id="59" dur="1000" fill="hold"/>
-                                        <p:tgtEl>
-                                          <p:spTgt spid="8">
                                             <p:txEl>
                                               <p:pRg st="0" end="0"/>
                                             </p:txEl>
@@ -18623,14 +21421,14 @@
                                 </p:cTn>
                               </p:par>
                               <p:par>
-                                <p:cTn id="60" presetID="42" presetClass="entr" presetSubtype="0" fill="hold" nodeType="withEffect">
+                                <p:cTn id="54" presetID="42" presetClass="entr" presetSubtype="0" fill="hold" nodeType="withEffect">
                                   <p:stCondLst>
                                     <p:cond delay="0"/>
                                   </p:stCondLst>
                                   <p:childTnLst>
                                     <p:set>
                                       <p:cBhvr>
-                                        <p:cTn id="61" dur="1" fill="hold">
+                                        <p:cTn id="55" dur="1" fill="hold">
                                           <p:stCondLst>
                                             <p:cond delay="0"/>
                                           </p:stCondLst>
@@ -18638,7 +21436,7 @@
                                         <p:tgtEl>
                                           <p:spTgt spid="8">
                                             <p:txEl>
-                                              <p:pRg st="1" end="1"/>
+                                              <p:pRg st="0" end="0"/>
                                             </p:txEl>
                                           </p:spTgt>
                                         </p:tgtEl>
@@ -18652,11 +21450,11 @@
                                     </p:set>
                                     <p:animEffect transition="in" filter="fade">
                                       <p:cBhvr>
-                                        <p:cTn id="62" dur="1000"/>
+                                        <p:cTn id="56" dur="1000"/>
                                         <p:tgtEl>
                                           <p:spTgt spid="8">
                                             <p:txEl>
-                                              <p:pRg st="1" end="1"/>
+                                              <p:pRg st="0" end="0"/>
                                             </p:txEl>
                                           </p:spTgt>
                                         </p:tgtEl>
@@ -18664,11 +21462,11 @@
                                     </p:animEffect>
                                     <p:anim calcmode="lin" valueType="num">
                                       <p:cBhvr>
-                                        <p:cTn id="63" dur="1000" fill="hold"/>
+                                        <p:cTn id="57" dur="1000" fill="hold"/>
                                         <p:tgtEl>
                                           <p:spTgt spid="8">
                                             <p:txEl>
-                                              <p:pRg st="1" end="1"/>
+                                              <p:pRg st="0" end="0"/>
                                             </p:txEl>
                                           </p:spTgt>
                                         </p:tgtEl>
@@ -18691,11 +21489,11 @@
                                     </p:anim>
                                     <p:anim calcmode="lin" valueType="num">
                                       <p:cBhvr>
-                                        <p:cTn id="64" dur="1000" fill="hold"/>
+                                        <p:cTn id="58" dur="1000" fill="hold"/>
                                         <p:tgtEl>
                                           <p:spTgt spid="8">
                                             <p:txEl>
-                                              <p:pRg st="1" end="1"/>
+                                              <p:pRg st="0" end="0"/>
                                             </p:txEl>
                                           </p:spTgt>
                                         </p:tgtEl>

--- a/KüzdőKert.pptx
+++ b/KüzdőKert.pptx
@@ -7,20 +7,20 @@
   <p:sldIdLst>
     <p:sldId id="256" r:id="rId2"/>
     <p:sldId id="257" r:id="rId3"/>
-    <p:sldId id="271" r:id="rId4"/>
-    <p:sldId id="269" r:id="rId5"/>
-    <p:sldId id="270" r:id="rId6"/>
-    <p:sldId id="272" r:id="rId7"/>
-    <p:sldId id="273" r:id="rId8"/>
-    <p:sldId id="274" r:id="rId9"/>
-    <p:sldId id="259" r:id="rId10"/>
-    <p:sldId id="260" r:id="rId11"/>
-    <p:sldId id="261" r:id="rId12"/>
-    <p:sldId id="262" r:id="rId13"/>
-    <p:sldId id="263" r:id="rId14"/>
-    <p:sldId id="264" r:id="rId15"/>
-    <p:sldId id="266" r:id="rId16"/>
-    <p:sldId id="275" r:id="rId17"/>
+    <p:sldId id="275" r:id="rId4"/>
+    <p:sldId id="271" r:id="rId5"/>
+    <p:sldId id="269" r:id="rId6"/>
+    <p:sldId id="270" r:id="rId7"/>
+    <p:sldId id="272" r:id="rId8"/>
+    <p:sldId id="273" r:id="rId9"/>
+    <p:sldId id="274" r:id="rId10"/>
+    <p:sldId id="259" r:id="rId11"/>
+    <p:sldId id="260" r:id="rId12"/>
+    <p:sldId id="261" r:id="rId13"/>
+    <p:sldId id="262" r:id="rId14"/>
+    <p:sldId id="263" r:id="rId15"/>
+    <p:sldId id="264" r:id="rId16"/>
+    <p:sldId id="266" r:id="rId17"/>
     <p:sldId id="267" r:id="rId18"/>
   </p:sldIdLst>
   <p:sldSz cx="12192000" cy="6858000"/>
@@ -144,10 +144,241 @@
       </p:ext>
     </p:extLst>
   </p:cmAuthor>
+  <p:cmAuthor id="3" name="Rapcsák Marcell 248" initials="R2" lastIdx="16" clrIdx="2">
+    <p:extLst>
+      <p:ext uri="{19B8F6BF-5375-455C-9EA6-DF929625EA0E}">
+        <p15:presenceInfo xmlns:p15="http://schemas.microsoft.com/office/powerpoint/2012/main" userId="S::rapmar248@hengersor.hu::892558b1-fecd-4fb6-9fa6-95c031bc3524" providerId="AD"/>
+      </p:ext>
+    </p:extLst>
+  </p:cmAuthor>
 </p:cmAuthorLst>
 </file>
 
+<file path=ppt/revisionInfo.xml><?xml version="1.0" encoding="utf-8"?>
+<p1510:revInfo xmlns:a="http://schemas.openxmlformats.org/drawingml/2006/main" xmlns:r="http://schemas.openxmlformats.org/officeDocument/2006/relationships" xmlns:p1510="http://schemas.microsoft.com/office/powerpoint/2015/10/main">
+  <p1510:revLst>
+    <p1510:client id="{1DC1C828-0903-78FD-56D6-2891C6CE9838}" v="302" dt="2025-05-26T19:19:46.203"/>
+    <p1510:client id="{73A03B8F-E92D-A394-3B85-D2E6C8579D0A}" v="221" dt="2025-05-26T18:42:59.624"/>
+  </p1510:revLst>
+</p1510:revInfo>
+</file>
+
+<file path=ppt/changesInfos/changesInfo1.xml><?xml version="1.0" encoding="utf-8"?>
+<pc:chgInfo xmlns:a="http://schemas.openxmlformats.org/drawingml/2006/main" xmlns:r="http://schemas.openxmlformats.org/officeDocument/2006/relationships" xmlns:ac="http://schemas.microsoft.com/office/drawing/2013/main/command" xmlns:pc="http://schemas.microsoft.com/office/powerpoint/2013/main/command">
+  <pc:docChgLst>
+    <pc:chgData name="Rapcsák Marcell 248" userId="S::rapmar248@hengersor.hu::892558b1-fecd-4fb6-9fa6-95c031bc3524" providerId="AD" clId="Web-{1DC1C828-0903-78FD-56D6-2891C6CE9838}"/>
+    <pc:docChg chg="modSld sldOrd">
+      <pc:chgData name="Rapcsák Marcell 248" userId="S::rapmar248@hengersor.hu::892558b1-fecd-4fb6-9fa6-95c031bc3524" providerId="AD" clId="Web-{1DC1C828-0903-78FD-56D6-2891C6CE9838}" dt="2025-05-26T19:14:32.897" v="240" actId="1076"/>
+      <pc:docMkLst>
+        <pc:docMk/>
+      </pc:docMkLst>
+      <pc:sldChg chg="modAnim">
+        <pc:chgData name="Rapcsák Marcell 248" userId="S::rapmar248@hengersor.hu::892558b1-fecd-4fb6-9fa6-95c031bc3524" providerId="AD" clId="Web-{1DC1C828-0903-78FD-56D6-2891C6CE9838}" dt="2025-05-26T18:54:15.283" v="62"/>
+        <pc:sldMkLst>
+          <pc:docMk/>
+          <pc:sldMk cId="1778086159" sldId="256"/>
+        </pc:sldMkLst>
+      </pc:sldChg>
+      <pc:sldChg chg="modSp modAnim">
+        <pc:chgData name="Rapcsák Marcell 248" userId="S::rapmar248@hengersor.hu::892558b1-fecd-4fb6-9fa6-95c031bc3524" providerId="AD" clId="Web-{1DC1C828-0903-78FD-56D6-2891C6CE9838}" dt="2025-05-26T19:14:32.897" v="240" actId="1076"/>
+        <pc:sldMkLst>
+          <pc:docMk/>
+          <pc:sldMk cId="3731094037" sldId="259"/>
+        </pc:sldMkLst>
+        <pc:spChg chg="mod">
+          <ac:chgData name="Rapcsák Marcell 248" userId="S::rapmar248@hengersor.hu::892558b1-fecd-4fb6-9fa6-95c031bc3524" providerId="AD" clId="Web-{1DC1C828-0903-78FD-56D6-2891C6CE9838}" dt="2025-05-26T19:14:32.897" v="240" actId="1076"/>
+          <ac:spMkLst>
+            <pc:docMk/>
+            <pc:sldMk cId="3731094037" sldId="259"/>
+            <ac:spMk id="8" creationId="{D89B6E42-A0B4-41BD-BB61-8CFD8ACCA099}"/>
+          </ac:spMkLst>
+        </pc:spChg>
+      </pc:sldChg>
+      <pc:sldChg chg="modAnim">
+        <pc:chgData name="Rapcsák Marcell 248" userId="S::rapmar248@hengersor.hu::892558b1-fecd-4fb6-9fa6-95c031bc3524" providerId="AD" clId="Web-{1DC1C828-0903-78FD-56D6-2891C6CE9838}" dt="2025-05-26T18:50:10.135" v="17"/>
+        <pc:sldMkLst>
+          <pc:docMk/>
+          <pc:sldMk cId="269002221" sldId="262"/>
+        </pc:sldMkLst>
+      </pc:sldChg>
+      <pc:sldChg chg="modAnim">
+        <pc:chgData name="Rapcsák Marcell 248" userId="S::rapmar248@hengersor.hu::892558b1-fecd-4fb6-9fa6-95c031bc3524" providerId="AD" clId="Web-{1DC1C828-0903-78FD-56D6-2891C6CE9838}" dt="2025-05-26T18:50:19.292" v="18"/>
+        <pc:sldMkLst>
+          <pc:docMk/>
+          <pc:sldMk cId="2220276412" sldId="263"/>
+        </pc:sldMkLst>
+      </pc:sldChg>
+      <pc:sldChg chg="modSp modAnim">
+        <pc:chgData name="Rapcsák Marcell 248" userId="S::rapmar248@hengersor.hu::892558b1-fecd-4fb6-9fa6-95c031bc3524" providerId="AD" clId="Web-{1DC1C828-0903-78FD-56D6-2891C6CE9838}" dt="2025-05-26T18:52:35.343" v="48"/>
+        <pc:sldMkLst>
+          <pc:docMk/>
+          <pc:sldMk cId="125935594" sldId="264"/>
+        </pc:sldMkLst>
+        <pc:spChg chg="mod">
+          <ac:chgData name="Rapcsák Marcell 248" userId="S::rapmar248@hengersor.hu::892558b1-fecd-4fb6-9fa6-95c031bc3524" providerId="AD" clId="Web-{1DC1C828-0903-78FD-56D6-2891C6CE9838}" dt="2025-05-26T18:51:26.653" v="43" actId="14100"/>
+          <ac:spMkLst>
+            <pc:docMk/>
+            <pc:sldMk cId="125935594" sldId="264"/>
+            <ac:spMk id="2" creationId="{0C02F4ED-2BFA-44B5-A0E0-8F55A654F1A2}"/>
+          </ac:spMkLst>
+        </pc:spChg>
+        <pc:spChg chg="mod">
+          <ac:chgData name="Rapcsák Marcell 248" userId="S::rapmar248@hengersor.hu::892558b1-fecd-4fb6-9fa6-95c031bc3524" providerId="AD" clId="Web-{1DC1C828-0903-78FD-56D6-2891C6CE9838}" dt="2025-05-26T18:51:18.465" v="42" actId="14100"/>
+          <ac:spMkLst>
+            <pc:docMk/>
+            <pc:sldMk cId="125935594" sldId="264"/>
+            <ac:spMk id="12" creationId="{3C687B91-6F50-6385-C8EF-962BCBEBE501}"/>
+          </ac:spMkLst>
+        </pc:spChg>
+      </pc:sldChg>
+      <pc:sldChg chg="modSp modAnim">
+        <pc:chgData name="Rapcsák Marcell 248" userId="S::rapmar248@hengersor.hu::892558b1-fecd-4fb6-9fa6-95c031bc3524" providerId="AD" clId="Web-{1DC1C828-0903-78FD-56D6-2891C6CE9838}" dt="2025-05-26T18:54:00.486" v="61" actId="20577"/>
+        <pc:sldMkLst>
+          <pc:docMk/>
+          <pc:sldMk cId="1807680192" sldId="266"/>
+        </pc:sldMkLst>
+        <pc:spChg chg="mod">
+          <ac:chgData name="Rapcsák Marcell 248" userId="S::rapmar248@hengersor.hu::892558b1-fecd-4fb6-9fa6-95c031bc3524" providerId="AD" clId="Web-{1DC1C828-0903-78FD-56D6-2891C6CE9838}" dt="2025-05-26T18:54:00.486" v="61" actId="20577"/>
+          <ac:spMkLst>
+            <pc:docMk/>
+            <pc:sldMk cId="1807680192" sldId="266"/>
+            <ac:spMk id="3" creationId="{A3FE92F8-DD3B-4460-A582-A9CC57866F70}"/>
+          </ac:spMkLst>
+        </pc:spChg>
+      </pc:sldChg>
+      <pc:sldChg chg="modAnim">
+        <pc:chgData name="Rapcsák Marcell 248" userId="S::rapmar248@hengersor.hu::892558b1-fecd-4fb6-9fa6-95c031bc3524" providerId="AD" clId="Web-{1DC1C828-0903-78FD-56D6-2891C6CE9838}" dt="2025-05-26T18:48:10.022" v="7"/>
+        <pc:sldMkLst>
+          <pc:docMk/>
+          <pc:sldMk cId="4293408281" sldId="269"/>
+        </pc:sldMkLst>
+      </pc:sldChg>
+      <pc:sldChg chg="modAnim">
+        <pc:chgData name="Rapcsák Marcell 248" userId="S::rapmar248@hengersor.hu::892558b1-fecd-4fb6-9fa6-95c031bc3524" providerId="AD" clId="Web-{1DC1C828-0903-78FD-56D6-2891C6CE9838}" dt="2025-05-26T18:48:27.117" v="9"/>
+        <pc:sldMkLst>
+          <pc:docMk/>
+          <pc:sldMk cId="2373512643" sldId="270"/>
+        </pc:sldMkLst>
+      </pc:sldChg>
+      <pc:sldChg chg="modAnim">
+        <pc:chgData name="Rapcsák Marcell 248" userId="S::rapmar248@hengersor.hu::892558b1-fecd-4fb6-9fa6-95c031bc3524" providerId="AD" clId="Web-{1DC1C828-0903-78FD-56D6-2891C6CE9838}" dt="2025-05-26T18:48:00.163" v="6"/>
+        <pc:sldMkLst>
+          <pc:docMk/>
+          <pc:sldMk cId="2815776072" sldId="271"/>
+        </pc:sldMkLst>
+      </pc:sldChg>
+      <pc:sldChg chg="modAnim">
+        <pc:chgData name="Rapcsák Marcell 248" userId="S::rapmar248@hengersor.hu::892558b1-fecd-4fb6-9fa6-95c031bc3524" providerId="AD" clId="Web-{1DC1C828-0903-78FD-56D6-2891C6CE9838}" dt="2025-05-26T18:48:35.617" v="10"/>
+        <pc:sldMkLst>
+          <pc:docMk/>
+          <pc:sldMk cId="479580305" sldId="272"/>
+        </pc:sldMkLst>
+      </pc:sldChg>
+      <pc:sldChg chg="modSp modAnim">
+        <pc:chgData name="Rapcsák Marcell 248" userId="S::rapmar248@hengersor.hu::892558b1-fecd-4fb6-9fa6-95c031bc3524" providerId="AD" clId="Web-{1DC1C828-0903-78FD-56D6-2891C6CE9838}" dt="2025-05-26T19:05:48.835" v="186" actId="20577"/>
+        <pc:sldMkLst>
+          <pc:docMk/>
+          <pc:sldMk cId="1134715279" sldId="273"/>
+        </pc:sldMkLst>
+        <pc:spChg chg="mod">
+          <ac:chgData name="Rapcsák Marcell 248" userId="S::rapmar248@hengersor.hu::892558b1-fecd-4fb6-9fa6-95c031bc3524" providerId="AD" clId="Web-{1DC1C828-0903-78FD-56D6-2891C6CE9838}" dt="2025-05-26T19:05:48.835" v="186" actId="20577"/>
+          <ac:spMkLst>
+            <pc:docMk/>
+            <pc:sldMk cId="1134715279" sldId="273"/>
+            <ac:spMk id="4" creationId="{C7BBA5C1-21CE-40D3-AAFE-60DDCC610B2F}"/>
+          </ac:spMkLst>
+        </pc:spChg>
+        <pc:spChg chg="mod">
+          <ac:chgData name="Rapcsák Marcell 248" userId="S::rapmar248@hengersor.hu::892558b1-fecd-4fb6-9fa6-95c031bc3524" providerId="AD" clId="Web-{1DC1C828-0903-78FD-56D6-2891C6CE9838}" dt="2025-05-26T19:05:48.835" v="186" actId="20577"/>
+          <ac:spMkLst>
+            <pc:docMk/>
+            <pc:sldMk cId="1134715279" sldId="273"/>
+            <ac:spMk id="6" creationId="{66042AC5-4D5E-482F-95E9-540F13C70345}"/>
+          </ac:spMkLst>
+        </pc:spChg>
+      </pc:sldChg>
+      <pc:sldChg chg="modSp modAnim">
+        <pc:chgData name="Rapcsák Marcell 248" userId="S::rapmar248@hengersor.hu::892558b1-fecd-4fb6-9fa6-95c031bc3524" providerId="AD" clId="Web-{1DC1C828-0903-78FD-56D6-2891C6CE9838}" dt="2025-05-26T19:13:53.067" v="239" actId="20577"/>
+        <pc:sldMkLst>
+          <pc:docMk/>
+          <pc:sldMk cId="618486347" sldId="274"/>
+        </pc:sldMkLst>
+        <pc:spChg chg="mod">
+          <ac:chgData name="Rapcsák Marcell 248" userId="S::rapmar248@hengersor.hu::892558b1-fecd-4fb6-9fa6-95c031bc3524" providerId="AD" clId="Web-{1DC1C828-0903-78FD-56D6-2891C6CE9838}" dt="2025-05-26T19:11:56.564" v="201" actId="14100"/>
+          <ac:spMkLst>
+            <pc:docMk/>
+            <pc:sldMk cId="618486347" sldId="274"/>
+            <ac:spMk id="4" creationId="{9D65EF5E-F78F-4B16-9EFC-5663B2BEC42F}"/>
+          </ac:spMkLst>
+        </pc:spChg>
+        <pc:spChg chg="mod">
+          <ac:chgData name="Rapcsák Marcell 248" userId="S::rapmar248@hengersor.hu::892558b1-fecd-4fb6-9fa6-95c031bc3524" providerId="AD" clId="Web-{1DC1C828-0903-78FD-56D6-2891C6CE9838}" dt="2025-05-26T19:12:22.237" v="209" actId="20577"/>
+          <ac:spMkLst>
+            <pc:docMk/>
+            <pc:sldMk cId="618486347" sldId="274"/>
+            <ac:spMk id="6" creationId="{A09B16D8-CE5F-4711-8B4E-38DA772A34CD}"/>
+          </ac:spMkLst>
+        </pc:spChg>
+        <pc:spChg chg="mod">
+          <ac:chgData name="Rapcsák Marcell 248" userId="S::rapmar248@hengersor.hu::892558b1-fecd-4fb6-9fa6-95c031bc3524" providerId="AD" clId="Web-{1DC1C828-0903-78FD-56D6-2891C6CE9838}" dt="2025-05-26T19:13:53.067" v="239" actId="20577"/>
+          <ac:spMkLst>
+            <pc:docMk/>
+            <pc:sldMk cId="618486347" sldId="274"/>
+            <ac:spMk id="9" creationId="{E53455EE-6C76-4969-BB27-39D1E0ADC79E}"/>
+          </ac:spMkLst>
+        </pc:spChg>
+      </pc:sldChg>
+      <pc:sldChg chg="modSp ord addAnim delAnim modAnim">
+        <pc:chgData name="Rapcsák Marcell 248" userId="S::rapmar248@hengersor.hu::892558b1-fecd-4fb6-9fa6-95c031bc3524" providerId="AD" clId="Web-{1DC1C828-0903-78FD-56D6-2891C6CE9838}" dt="2025-05-26T19:01:35.140" v="81"/>
+        <pc:sldMkLst>
+          <pc:docMk/>
+          <pc:sldMk cId="2170988426" sldId="275"/>
+        </pc:sldMkLst>
+        <pc:spChg chg="mod">
+          <ac:chgData name="Rapcsák Marcell 248" userId="S::rapmar248@hengersor.hu::892558b1-fecd-4fb6-9fa6-95c031bc3524" providerId="AD" clId="Web-{1DC1C828-0903-78FD-56D6-2891C6CE9838}" dt="2025-05-26T18:55:51.676" v="71" actId="20577"/>
+          <ac:spMkLst>
+            <pc:docMk/>
+            <pc:sldMk cId="2170988426" sldId="275"/>
+            <ac:spMk id="3" creationId="{79E21700-416A-4A84-ADE4-6416935D5EB2}"/>
+          </ac:spMkLst>
+        </pc:spChg>
+      </pc:sldChg>
+    </pc:docChg>
+  </pc:docChgLst>
+</pc:chgInfo>
+</file>
+
 <file path=ppt/comments/comment1.xml><?xml version="1.0" encoding="utf-8"?>
+<p:cmLst xmlns:a="http://schemas.openxmlformats.org/drawingml/2006/main" xmlns:r="http://schemas.openxmlformats.org/officeDocument/2006/relationships" xmlns:p="http://schemas.openxmlformats.org/presentationml/2006/main">
+  <p:cm authorId="3" dt="2025-05-26T12:16:04.306" idx="1">
+    <p:pos x="10" y="10"/>
+    <p:text>pekny
+</p:text>
+    <p:extLst>
+      <p:ext uri="{C676402C-5697-4E1C-873F-D02D1690AC5C}">
+        <p15:threadingInfo xmlns:p15="http://schemas.microsoft.com/office/powerpoint/2012/main" timeZoneBias="420"/>
+      </p:ext>
+    </p:extLst>
+  </p:cm>
+</p:cmLst>
+</file>
+
+<file path=ppt/comments/comment10.xml><?xml version="1.0" encoding="utf-8"?>
+<p:cmLst xmlns:a="http://schemas.openxmlformats.org/drawingml/2006/main" xmlns:r="http://schemas.openxmlformats.org/officeDocument/2006/relationships" xmlns:p="http://schemas.openxmlformats.org/presentationml/2006/main">
+  <p:cm authorId="3" dt="2025-05-26T12:18:11.044" idx="10">
+    <p:pos x="10" y="10"/>
+    <p:text>rapi
+</p:text>
+    <p:extLst>
+      <p:ext uri="{C676402C-5697-4E1C-873F-D02D1690AC5C}">
+        <p15:threadingInfo xmlns:p15="http://schemas.microsoft.com/office/powerpoint/2012/main" timeZoneBias="420"/>
+      </p:ext>
+    </p:extLst>
+  </p:cm>
+</p:cmLst>
+</file>
+
+<file path=ppt/comments/comment11.xml><?xml version="1.0" encoding="utf-8"?>
 <p:cmLst xmlns:a="http://schemas.openxmlformats.org/drawingml/2006/main" xmlns:r="http://schemas.openxmlformats.org/officeDocument/2006/relationships" xmlns:p="http://schemas.openxmlformats.org/presentationml/2006/main">
   <p:cm authorId="2" dt="2025-04-19T21:47:51.294" idx="1">
     <p:pos x="10" y="10"/>
@@ -158,10 +389,52 @@
       </p:ext>
     </p:extLst>
   </p:cm>
+  <p:cm authorId="3" dt="2025-05-26T12:18:27.435" idx="11">
+    <p:pos x="10" y="146"/>
+    <p:text>pekny
+</p:text>
+    <p:extLst>
+      <p:ext uri="{C676402C-5697-4E1C-873F-D02D1690AC5C}">
+        <p15:threadingInfo xmlns:p15="http://schemas.microsoft.com/office/powerpoint/2012/main" timeZoneBias="420">
+          <p15:parentCm authorId="2" idx="1"/>
+        </p15:threadingInfo>
+      </p:ext>
+    </p:extLst>
+  </p:cm>
 </p:cmLst>
 </file>
 
-<file path=ppt/comments/comment2.xml><?xml version="1.0" encoding="utf-8"?>
+<file path=ppt/comments/comment12.xml><?xml version="1.0" encoding="utf-8"?>
+<p:cmLst xmlns:a="http://schemas.openxmlformats.org/drawingml/2006/main" xmlns:r="http://schemas.openxmlformats.org/officeDocument/2006/relationships" xmlns:p="http://schemas.openxmlformats.org/presentationml/2006/main">
+  <p:cm authorId="3" dt="2025-05-26T12:18:41.404" idx="12">
+    <p:pos x="10" y="10"/>
+    <p:text>mozer
+</p:text>
+    <p:extLst>
+      <p:ext uri="{C676402C-5697-4E1C-873F-D02D1690AC5C}">
+        <p15:threadingInfo xmlns:p15="http://schemas.microsoft.com/office/powerpoint/2012/main" timeZoneBias="420"/>
+      </p:ext>
+    </p:extLst>
+  </p:cm>
+</p:cmLst>
+</file>
+
+<file path=ppt/comments/comment13.xml><?xml version="1.0" encoding="utf-8"?>
+<p:cmLst xmlns:a="http://schemas.openxmlformats.org/drawingml/2006/main" xmlns:r="http://schemas.openxmlformats.org/officeDocument/2006/relationships" xmlns:p="http://schemas.openxmlformats.org/presentationml/2006/main">
+  <p:cm authorId="3" dt="2025-05-26T12:19:01.108" idx="13">
+    <p:pos x="10" y="10"/>
+    <p:text>rapi
+</p:text>
+    <p:extLst>
+      <p:ext uri="{C676402C-5697-4E1C-873F-D02D1690AC5C}">
+        <p15:threadingInfo xmlns:p15="http://schemas.microsoft.com/office/powerpoint/2012/main" timeZoneBias="420"/>
+      </p:ext>
+    </p:extLst>
+  </p:cm>
+</p:cmLst>
+</file>
+
+<file path=ppt/comments/comment14.xml><?xml version="1.0" encoding="utf-8"?>
 <p:cmLst xmlns:a="http://schemas.openxmlformats.org/drawingml/2006/main" xmlns:r="http://schemas.openxmlformats.org/officeDocument/2006/relationships" xmlns:p="http://schemas.openxmlformats.org/presentationml/2006/main">
   <p:cm authorId="1" dt="2025-04-03T11:06:39.836" idx="1">
     <p:pos x="10" y="10"/>
@@ -169,6 +442,168 @@
     <p:extLst>
       <p:ext uri="{C676402C-5697-4E1C-873F-D02D1690AC5C}">
         <p15:threadingInfo xmlns:p15="http://schemas.microsoft.com/office/powerpoint/2012/main" timeZoneBias="-120"/>
+      </p:ext>
+    </p:extLst>
+  </p:cm>
+  <p:cm authorId="3" dt="2025-05-26T12:19:07.123" idx="14">
+    <p:pos x="10" y="146"/>
+    <p:text>pekny
+</p:text>
+    <p:extLst>
+      <p:ext uri="{C676402C-5697-4E1C-873F-D02D1690AC5C}">
+        <p15:threadingInfo xmlns:p15="http://schemas.microsoft.com/office/powerpoint/2012/main" timeZoneBias="420">
+          <p15:parentCm authorId="1" idx="1"/>
+        </p15:threadingInfo>
+      </p:ext>
+    </p:extLst>
+  </p:cm>
+</p:cmLst>
+</file>
+
+<file path=ppt/comments/comment15.xml><?xml version="1.0" encoding="utf-8"?>
+<p:cmLst xmlns:a="http://schemas.openxmlformats.org/drawingml/2006/main" xmlns:r="http://schemas.openxmlformats.org/officeDocument/2006/relationships" xmlns:p="http://schemas.openxmlformats.org/presentationml/2006/main">
+  <p:cm authorId="3" dt="2025-05-26T12:19:12.170" idx="15">
+    <p:pos x="10" y="10"/>
+    <p:text>mozer
+</p:text>
+    <p:extLst>
+      <p:ext uri="{C676402C-5697-4E1C-873F-D02D1690AC5C}">
+        <p15:threadingInfo xmlns:p15="http://schemas.microsoft.com/office/powerpoint/2012/main" timeZoneBias="420"/>
+      </p:ext>
+    </p:extLst>
+  </p:cm>
+</p:cmLst>
+</file>
+
+<file path=ppt/comments/comment16.xml><?xml version="1.0" encoding="utf-8"?>
+<p:cmLst xmlns:a="http://schemas.openxmlformats.org/drawingml/2006/main" xmlns:r="http://schemas.openxmlformats.org/officeDocument/2006/relationships" xmlns:p="http://schemas.openxmlformats.org/presentationml/2006/main">
+  <p:cm authorId="3" dt="2025-05-26T12:19:46.203" idx="16">
+    <p:pos x="10" y="10"/>
+    <p:text>pekny
+</p:text>
+    <p:extLst>
+      <p:ext uri="{C676402C-5697-4E1C-873F-D02D1690AC5C}">
+        <p15:threadingInfo xmlns:p15="http://schemas.microsoft.com/office/powerpoint/2012/main" timeZoneBias="420"/>
+      </p:ext>
+    </p:extLst>
+  </p:cm>
+</p:cmLst>
+</file>
+
+<file path=ppt/comments/comment2.xml><?xml version="1.0" encoding="utf-8"?>
+<p:cmLst xmlns:a="http://schemas.openxmlformats.org/drawingml/2006/main" xmlns:r="http://schemas.openxmlformats.org/officeDocument/2006/relationships" xmlns:p="http://schemas.openxmlformats.org/presentationml/2006/main">
+  <p:cm authorId="3" dt="2025-05-26T12:17:20.636" idx="2">
+    <p:pos x="10" y="10"/>
+    <p:text>pekny
+</p:text>
+    <p:extLst>
+      <p:ext uri="{C676402C-5697-4E1C-873F-D02D1690AC5C}">
+        <p15:threadingInfo xmlns:p15="http://schemas.microsoft.com/office/powerpoint/2012/main" timeZoneBias="420"/>
+      </p:ext>
+    </p:extLst>
+  </p:cm>
+</p:cmLst>
+</file>
+
+<file path=ppt/comments/comment3.xml><?xml version="1.0" encoding="utf-8"?>
+<p:cmLst xmlns:a="http://schemas.openxmlformats.org/drawingml/2006/main" xmlns:r="http://schemas.openxmlformats.org/officeDocument/2006/relationships" xmlns:p="http://schemas.openxmlformats.org/presentationml/2006/main">
+  <p:cm authorId="3" dt="2025-05-26T12:17:26.636" idx="3">
+    <p:pos x="10" y="10"/>
+    <p:text>rapi
+</p:text>
+    <p:extLst>
+      <p:ext uri="{C676402C-5697-4E1C-873F-D02D1690AC5C}">
+        <p15:threadingInfo xmlns:p15="http://schemas.microsoft.com/office/powerpoint/2012/main" timeZoneBias="420"/>
+      </p:ext>
+    </p:extLst>
+  </p:cm>
+</p:cmLst>
+</file>
+
+<file path=ppt/comments/comment4.xml><?xml version="1.0" encoding="utf-8"?>
+<p:cmLst xmlns:a="http://schemas.openxmlformats.org/drawingml/2006/main" xmlns:r="http://schemas.openxmlformats.org/officeDocument/2006/relationships" xmlns:p="http://schemas.openxmlformats.org/presentationml/2006/main">
+  <p:cm authorId="3" dt="2025-05-26T12:17:33.308" idx="4">
+    <p:pos x="10" y="10"/>
+    <p:text>rapi
+</p:text>
+    <p:extLst>
+      <p:ext uri="{C676402C-5697-4E1C-873F-D02D1690AC5C}">
+        <p15:threadingInfo xmlns:p15="http://schemas.microsoft.com/office/powerpoint/2012/main" timeZoneBias="420"/>
+      </p:ext>
+    </p:extLst>
+  </p:cm>
+</p:cmLst>
+</file>
+
+<file path=ppt/comments/comment5.xml><?xml version="1.0" encoding="utf-8"?>
+<p:cmLst xmlns:a="http://schemas.openxmlformats.org/drawingml/2006/main" xmlns:r="http://schemas.openxmlformats.org/officeDocument/2006/relationships" xmlns:p="http://schemas.openxmlformats.org/presentationml/2006/main">
+  <p:cm authorId="3" dt="2025-05-26T12:17:39.105" idx="5">
+    <p:pos x="10" y="10"/>
+    <p:text>mozer
+</p:text>
+    <p:extLst>
+      <p:ext uri="{C676402C-5697-4E1C-873F-D02D1690AC5C}">
+        <p15:threadingInfo xmlns:p15="http://schemas.microsoft.com/office/powerpoint/2012/main" timeZoneBias="420"/>
+      </p:ext>
+    </p:extLst>
+  </p:cm>
+</p:cmLst>
+</file>
+
+<file path=ppt/comments/comment6.xml><?xml version="1.0" encoding="utf-8"?>
+<p:cmLst xmlns:a="http://schemas.openxmlformats.org/drawingml/2006/main" xmlns:r="http://schemas.openxmlformats.org/officeDocument/2006/relationships" xmlns:p="http://schemas.openxmlformats.org/presentationml/2006/main">
+  <p:cm authorId="3" dt="2025-05-26T12:17:44.480" idx="6">
+    <p:pos x="10" y="10"/>
+    <p:text>mozer
+</p:text>
+    <p:extLst>
+      <p:ext uri="{C676402C-5697-4E1C-873F-D02D1690AC5C}">
+        <p15:threadingInfo xmlns:p15="http://schemas.microsoft.com/office/powerpoint/2012/main" timeZoneBias="420"/>
+      </p:ext>
+    </p:extLst>
+  </p:cm>
+</p:cmLst>
+</file>
+
+<file path=ppt/comments/comment7.xml><?xml version="1.0" encoding="utf-8"?>
+<p:cmLst xmlns:a="http://schemas.openxmlformats.org/drawingml/2006/main" xmlns:r="http://schemas.openxmlformats.org/officeDocument/2006/relationships" xmlns:p="http://schemas.openxmlformats.org/presentationml/2006/main">
+  <p:cm authorId="3" dt="2025-05-26T12:17:50.777" idx="7">
+    <p:pos x="10" y="10"/>
+    <p:text>pekny
+</p:text>
+    <p:extLst>
+      <p:ext uri="{C676402C-5697-4E1C-873F-D02D1690AC5C}">
+        <p15:threadingInfo xmlns:p15="http://schemas.microsoft.com/office/powerpoint/2012/main" timeZoneBias="420"/>
+      </p:ext>
+    </p:extLst>
+  </p:cm>
+</p:cmLst>
+</file>
+
+<file path=ppt/comments/comment8.xml><?xml version="1.0" encoding="utf-8"?>
+<p:cmLst xmlns:a="http://schemas.openxmlformats.org/drawingml/2006/main" xmlns:r="http://schemas.openxmlformats.org/officeDocument/2006/relationships" xmlns:p="http://schemas.openxmlformats.org/presentationml/2006/main">
+  <p:cm authorId="3" dt="2025-05-26T12:17:55.418" idx="8">
+    <p:pos x="10" y="10"/>
+    <p:text>pekny
+</p:text>
+    <p:extLst>
+      <p:ext uri="{C676402C-5697-4E1C-873F-D02D1690AC5C}">
+        <p15:threadingInfo xmlns:p15="http://schemas.microsoft.com/office/powerpoint/2012/main" timeZoneBias="420"/>
+      </p:ext>
+    </p:extLst>
+  </p:cm>
+</p:cmLst>
+</file>
+
+<file path=ppt/comments/comment9.xml><?xml version="1.0" encoding="utf-8"?>
+<p:cmLst xmlns:a="http://schemas.openxmlformats.org/drawingml/2006/main" xmlns:r="http://schemas.openxmlformats.org/officeDocument/2006/relationships" xmlns:p="http://schemas.openxmlformats.org/presentationml/2006/main">
+  <p:cm authorId="3" dt="2025-05-26T12:18:06.481" idx="9">
+    <p:pos x="10" y="10"/>
+    <p:text>rapi
+</p:text>
+    <p:extLst>
+      <p:ext uri="{C676402C-5697-4E1C-873F-D02D1690AC5C}">
+        <p15:threadingInfo xmlns:p15="http://schemas.microsoft.com/office/powerpoint/2012/main" timeZoneBias="420"/>
       </p:ext>
     </p:extLst>
   </p:cm>
@@ -362,7 +797,7 @@
             <a:fld id="{5923F103-BC34-4FE4-A40E-EDDEECFDA5D0}" type="datetimeFigureOut">
               <a:rPr lang="en-US" smtClean="0"/>
               <a:pPr/>
-              <a:t>4/19/2025</a:t>
+              <a:t>5/26/2025</a:t>
             </a:fld>
             <a:endParaRPr lang="en-US" dirty="0"/>
           </a:p>
@@ -638,7 +1073,7 @@
           <a:p>
             <a:fld id="{2BE451C3-0FF4-47C4-B829-773ADF60F88C}" type="datetimeFigureOut">
               <a:rPr lang="en-US" smtClean="0"/>
-              <a:t>4/19/2025</a:t>
+              <a:t>5/26/2025</a:t>
             </a:fld>
             <a:endParaRPr lang="en-US" dirty="0"/>
           </a:p>
@@ -834,7 +1269,7 @@
           <a:p>
             <a:fld id="{2BE451C3-0FF4-47C4-B829-773ADF60F88C}" type="datetimeFigureOut">
               <a:rPr lang="en-US" smtClean="0"/>
-              <a:t>4/19/2025</a:t>
+              <a:t>5/26/2025</a:t>
             </a:fld>
             <a:endParaRPr lang="en-US" dirty="0"/>
           </a:p>
@@ -1109,7 +1544,7 @@
           <a:p>
             <a:fld id="{2BE451C3-0FF4-47C4-B829-773ADF60F88C}" type="datetimeFigureOut">
               <a:rPr lang="en-US" smtClean="0"/>
-              <a:t>4/19/2025</a:t>
+              <a:t>5/26/2025</a:t>
             </a:fld>
             <a:endParaRPr lang="en-US" dirty="0"/>
           </a:p>
@@ -1452,7 +1887,7 @@
           <a:p>
             <a:fld id="{2BE451C3-0FF4-47C4-B829-773ADF60F88C}" type="datetimeFigureOut">
               <a:rPr lang="en-US" smtClean="0"/>
-              <a:t>4/19/2025</a:t>
+              <a:t>5/26/2025</a:t>
             </a:fld>
             <a:endParaRPr lang="en-US" dirty="0"/>
           </a:p>
@@ -2077,7 +2512,7 @@
           <a:p>
             <a:fld id="{9FE86839-B9D8-4651-8783-F325ECE74E65}" type="datetimeFigureOut">
               <a:rPr lang="en-US" smtClean="0"/>
-              <a:t>4/19/2025</a:t>
+              <a:t>5/26/2025</a:t>
             </a:fld>
             <a:endParaRPr lang="en-US" dirty="0"/>
           </a:p>
@@ -2938,7 +3373,7 @@
           <a:p>
             <a:fld id="{2BE451C3-0FF4-47C4-B829-773ADF60F88C}" type="datetimeFigureOut">
               <a:rPr lang="en-US" smtClean="0"/>
-              <a:t>4/19/2025</a:t>
+              <a:t>5/26/2025</a:t>
             </a:fld>
             <a:endParaRPr lang="en-US" dirty="0"/>
           </a:p>
@@ -3110,7 +3545,7 @@
           <a:p>
             <a:fld id="{53086D93-FCAC-47E0-A2EE-787E62CA814C}" type="datetimeFigureOut">
               <a:rPr lang="en-US" smtClean="0"/>
-              <a:t>4/19/2025</a:t>
+              <a:t>5/26/2025</a:t>
             </a:fld>
             <a:endParaRPr lang="en-US" dirty="0"/>
           </a:p>
@@ -3291,7 +3726,7 @@
           <a:p>
             <a:fld id="{CDA879A6-0FD0-4734-A311-86BFCA472E6E}" type="datetimeFigureOut">
               <a:rPr lang="en-US" smtClean="0"/>
-              <a:t>4/19/2025</a:t>
+              <a:t>5/26/2025</a:t>
             </a:fld>
             <a:endParaRPr lang="en-US" dirty="0"/>
           </a:p>
@@ -3462,7 +3897,7 @@
           <a:p>
             <a:fld id="{19C9CA7B-DFD4-44B5-8C60-D14B8CD1FB59}" type="datetimeFigureOut">
               <a:rPr lang="en-US" smtClean="0"/>
-              <a:t>4/19/2025</a:t>
+              <a:t>5/26/2025</a:t>
             </a:fld>
             <a:endParaRPr lang="en-US" dirty="0"/>
           </a:p>
@@ -3710,7 +4145,7 @@
           <a:p>
             <a:fld id="{F34E6425-0181-43F2-84FC-787E803FD2F8}" type="datetimeFigureOut">
               <a:rPr lang="en-US" smtClean="0"/>
-              <a:t>4/19/2025</a:t>
+              <a:t>5/26/2025</a:t>
             </a:fld>
             <a:endParaRPr lang="en-US" dirty="0"/>
           </a:p>
@@ -4003,7 +4438,7 @@
           <a:p>
             <a:fld id="{3BDB8791-F1B0-41E7-B7FD-A781E65C4266}" type="datetimeFigureOut">
               <a:rPr lang="en-US" smtClean="0"/>
-              <a:t>4/19/2025</a:t>
+              <a:t>5/26/2025</a:t>
             </a:fld>
             <a:endParaRPr lang="en-US" dirty="0"/>
           </a:p>
@@ -4448,7 +4883,7 @@
           <a:p>
             <a:fld id="{5FDD63B2-E120-4ED8-B27B-C685F510A5FE}" type="datetimeFigureOut">
               <a:rPr lang="en-US" smtClean="0"/>
-              <a:t>4/19/2025</a:t>
+              <a:t>5/26/2025</a:t>
             </a:fld>
             <a:endParaRPr lang="en-US" dirty="0"/>
           </a:p>
@@ -4567,7 +5002,7 @@
           <a:p>
             <a:fld id="{7AA18ACC-A947-437B-A130-35BD54FDF1E9}" type="datetimeFigureOut">
               <a:rPr lang="en-US" smtClean="0"/>
-              <a:t>4/19/2025</a:t>
+              <a:t>5/26/2025</a:t>
             </a:fld>
             <a:endParaRPr lang="en-US" dirty="0"/>
           </a:p>
@@ -4663,7 +5098,7 @@
           <a:p>
             <a:fld id="{7C8D7E02-BCB8-4D50-A234-369438C08659}" type="datetimeFigureOut">
               <a:rPr lang="en-US" smtClean="0"/>
-              <a:t>4/19/2025</a:t>
+              <a:t>5/26/2025</a:t>
             </a:fld>
             <a:endParaRPr lang="en-US" dirty="0"/>
           </a:p>
@@ -4943,7 +5378,7 @@
           <a:p>
             <a:fld id="{76E86A4C-8E40-4F87-A4F0-01A0687C5742}" type="datetimeFigureOut">
               <a:rPr lang="en-US" smtClean="0"/>
-              <a:t>4/19/2025</a:t>
+              <a:t>5/26/2025</a:t>
             </a:fld>
             <a:endParaRPr lang="en-US" dirty="0"/>
           </a:p>
@@ -5219,7 +5654,7 @@
           <a:p>
             <a:fld id="{35E72C73-2D91-4E12-BA25-F0AA0C03599B}" type="datetimeFigureOut">
               <a:rPr lang="en-US" smtClean="0"/>
-              <a:t>4/19/2025</a:t>
+              <a:t>5/26/2025</a:t>
             </a:fld>
             <a:endParaRPr lang="en-US" dirty="0"/>
           </a:p>
@@ -5649,7 +6084,7 @@
           <a:p>
             <a:fld id="{2BE451C3-0FF4-47C4-B829-773ADF60F88C}" type="datetimeFigureOut">
               <a:rPr lang="en-US" smtClean="0"/>
-              <a:t>4/19/2025</a:t>
+              <a:t>5/26/2025</a:t>
             </a:fld>
             <a:endParaRPr lang="en-US" dirty="0"/>
           </a:p>
@@ -6407,33 +6842,15 @@
                                   </p:childTnLst>
                                 </p:cTn>
                               </p:par>
-                            </p:childTnLst>
-                          </p:cTn>
-                        </p:par>
-                      </p:childTnLst>
-                    </p:cTn>
-                  </p:par>
-                  <p:par>
-                    <p:cTn id="11" fill="hold">
-                      <p:stCondLst>
-                        <p:cond delay="indefinite"/>
-                      </p:stCondLst>
-                      <p:childTnLst>
-                        <p:par>
-                          <p:cTn id="12" fill="hold">
-                            <p:stCondLst>
-                              <p:cond delay="0"/>
-                            </p:stCondLst>
-                            <p:childTnLst>
                               <p:par>
-                                <p:cTn id="13" presetID="53" presetClass="entr" presetSubtype="16" fill="hold" grpId="0" nodeType="clickEffect">
+                                <p:cTn id="11" presetID="53" presetClass="entr" presetSubtype="16" fill="hold" grpId="0" nodeType="withEffect">
                                   <p:stCondLst>
                                     <p:cond delay="0"/>
                                   </p:stCondLst>
                                   <p:childTnLst>
                                     <p:set>
                                       <p:cBhvr>
-                                        <p:cTn id="14" dur="1" fill="hold">
+                                        <p:cTn id="12" dur="1" fill="hold">
                                           <p:stCondLst>
                                             <p:cond delay="0"/>
                                           </p:stCondLst>
@@ -6455,7 +6872,7 @@
                                     </p:set>
                                     <p:anim calcmode="lin" valueType="num">
                                       <p:cBhvr>
-                                        <p:cTn id="15" dur="500" fill="hold"/>
+                                        <p:cTn id="13" dur="500" fill="hold"/>
                                         <p:tgtEl>
                                           <p:spTgt spid="3">
                                             <p:txEl>
@@ -6482,7 +6899,7 @@
                                     </p:anim>
                                     <p:anim calcmode="lin" valueType="num">
                                       <p:cBhvr>
-                                        <p:cTn id="16" dur="500" fill="hold"/>
+                                        <p:cTn id="14" dur="500" fill="hold"/>
                                         <p:tgtEl>
                                           <p:spTgt spid="3">
                                             <p:txEl>
@@ -6509,7 +6926,7 @@
                                     </p:anim>
                                     <p:animEffect transition="in" filter="fade">
                                       <p:cBhvr>
-                                        <p:cTn id="17" dur="500"/>
+                                        <p:cTn id="15" dur="500"/>
                                         <p:tgtEl>
                                           <p:spTgt spid="3">
                                             <p:txEl>
@@ -6558,6 +6975,1314 @@
 </file>
 
 <file path=ppt/slides/slide10.xml><?xml version="1.0" encoding="utf-8"?>
+<p:sld xmlns:a="http://schemas.openxmlformats.org/drawingml/2006/main" xmlns:r="http://schemas.openxmlformats.org/officeDocument/2006/relationships" xmlns:p="http://schemas.openxmlformats.org/presentationml/2006/main">
+  <p:cSld>
+    <p:spTree>
+      <p:nvGrpSpPr>
+        <p:cNvPr id="1" name=""/>
+        <p:cNvGrpSpPr/>
+        <p:nvPr/>
+      </p:nvGrpSpPr>
+      <p:grpSpPr>
+        <a:xfrm>
+          <a:off x="0" y="0"/>
+          <a:ext cx="0" cy="0"/>
+          <a:chOff x="0" y="0"/>
+          <a:chExt cx="0" cy="0"/>
+        </a:xfrm>
+      </p:grpSpPr>
+      <p:sp>
+        <p:nvSpPr>
+          <p:cNvPr id="2" name="Cím 1">
+            <a:extLst>
+              <a:ext uri="{FF2B5EF4-FFF2-40B4-BE49-F238E27FC236}">
+                <a16:creationId xmlns:a16="http://schemas.microsoft.com/office/drawing/2014/main" id="{0B9594A9-144C-4D96-AEFB-EFC6801290E7}"/>
+              </a:ext>
+            </a:extLst>
+          </p:cNvPr>
+          <p:cNvSpPr>
+            <a:spLocks noGrp="1"/>
+          </p:cNvSpPr>
+          <p:nvPr>
+            <p:ph type="title"/>
+          </p:nvPr>
+        </p:nvSpPr>
+        <p:spPr/>
+        <p:txBody>
+          <a:bodyPr/>
+          <a:lstStyle/>
+          <a:p>
+            <a:r>
+              <a:rPr lang="hu-HU" dirty="0"/>
+              <a:t>Program</a:t>
+            </a:r>
+          </a:p>
+        </p:txBody>
+      </p:sp>
+      <p:sp>
+        <p:nvSpPr>
+          <p:cNvPr id="3" name="Szöveg helye 2">
+            <a:extLst>
+              <a:ext uri="{FF2B5EF4-FFF2-40B4-BE49-F238E27FC236}">
+                <a16:creationId xmlns:a16="http://schemas.microsoft.com/office/drawing/2014/main" id="{C7A3523B-1183-4AD3-8109-0E480C80C90A}"/>
+              </a:ext>
+            </a:extLst>
+          </p:cNvPr>
+          <p:cNvSpPr>
+            <a:spLocks noGrp="1"/>
+          </p:cNvSpPr>
+          <p:nvPr>
+            <p:ph type="body" idx="1"/>
+          </p:nvPr>
+        </p:nvSpPr>
+        <p:spPr/>
+        <p:txBody>
+          <a:bodyPr/>
+          <a:lstStyle/>
+          <a:p>
+            <a:r>
+              <a:rPr lang="hu-HU" dirty="0"/>
+              <a:t>Frontend</a:t>
+            </a:r>
+          </a:p>
+        </p:txBody>
+      </p:sp>
+      <p:sp>
+        <p:nvSpPr>
+          <p:cNvPr id="4" name="Szöveg helye 3">
+            <a:extLst>
+              <a:ext uri="{FF2B5EF4-FFF2-40B4-BE49-F238E27FC236}">
+                <a16:creationId xmlns:a16="http://schemas.microsoft.com/office/drawing/2014/main" id="{E7A8C4F0-2934-4DBD-AEC6-4E28DACD80DE}"/>
+              </a:ext>
+            </a:extLst>
+          </p:cNvPr>
+          <p:cNvSpPr>
+            <a:spLocks noGrp="1"/>
+          </p:cNvSpPr>
+          <p:nvPr>
+            <p:ph type="body" sz="half" idx="15"/>
+          </p:nvPr>
+        </p:nvSpPr>
+        <p:spPr/>
+        <p:txBody>
+          <a:bodyPr/>
+          <a:lstStyle/>
+          <a:p>
+            <a:pPr marL="628650" lvl="1" indent="-171450">
+              <a:buFont typeface="Wingdings" panose="05000000000000000000" pitchFamily="2" charset="2"/>
+              <a:buChar char="Ø"/>
+            </a:pPr>
+            <a:r>
+              <a:rPr lang="hu-HU" dirty="0"/>
+              <a:t>HTML</a:t>
+            </a:r>
+          </a:p>
+          <a:p>
+            <a:pPr marL="628650" lvl="1" indent="-171450">
+              <a:buFont typeface="Wingdings" panose="05000000000000000000" pitchFamily="2" charset="2"/>
+              <a:buChar char="Ø"/>
+            </a:pPr>
+            <a:r>
+              <a:rPr lang="hu-HU" dirty="0"/>
+              <a:t>CSS</a:t>
+            </a:r>
+          </a:p>
+          <a:p>
+            <a:pPr marL="628650" lvl="1" indent="-171450">
+              <a:buFont typeface="Wingdings" panose="05000000000000000000" pitchFamily="2" charset="2"/>
+              <a:buChar char="Ø"/>
+            </a:pPr>
+            <a:r>
+              <a:rPr lang="hu-HU" dirty="0"/>
+              <a:t>JS</a:t>
+            </a:r>
+          </a:p>
+          <a:p>
+            <a:pPr marL="628650" lvl="1" indent="-171450">
+              <a:buFont typeface="Wingdings" panose="05000000000000000000" pitchFamily="2" charset="2"/>
+              <a:buChar char="Ø"/>
+            </a:pPr>
+            <a:r>
+              <a:rPr lang="hu-HU" dirty="0" err="1"/>
+              <a:t>Bootstrap</a:t>
+            </a:r>
+            <a:endParaRPr lang="hu-HU" dirty="0"/>
+          </a:p>
+          <a:p>
+            <a:pPr marL="628650" lvl="1" indent="-171450">
+              <a:buFont typeface="Wingdings" panose="05000000000000000000" pitchFamily="2" charset="2"/>
+              <a:buChar char="Ø"/>
+            </a:pPr>
+            <a:r>
+              <a:rPr lang="hu-HU" dirty="0" err="1"/>
+              <a:t>React</a:t>
+            </a:r>
+            <a:endParaRPr lang="hu-HU" dirty="0"/>
+          </a:p>
+        </p:txBody>
+      </p:sp>
+      <p:sp>
+        <p:nvSpPr>
+          <p:cNvPr id="5" name="Szöveg helye 4">
+            <a:extLst>
+              <a:ext uri="{FF2B5EF4-FFF2-40B4-BE49-F238E27FC236}">
+                <a16:creationId xmlns:a16="http://schemas.microsoft.com/office/drawing/2014/main" id="{9871830C-852A-415B-992A-048766F7D175}"/>
+              </a:ext>
+            </a:extLst>
+          </p:cNvPr>
+          <p:cNvSpPr>
+            <a:spLocks noGrp="1"/>
+          </p:cNvSpPr>
+          <p:nvPr>
+            <p:ph type="body" sz="quarter" idx="3"/>
+          </p:nvPr>
+        </p:nvSpPr>
+        <p:spPr/>
+        <p:txBody>
+          <a:bodyPr/>
+          <a:lstStyle/>
+          <a:p>
+            <a:r>
+              <a:rPr lang="hu-HU" dirty="0"/>
+              <a:t>Backend</a:t>
+            </a:r>
+          </a:p>
+        </p:txBody>
+      </p:sp>
+      <p:sp>
+        <p:nvSpPr>
+          <p:cNvPr id="6" name="Szöveg helye 5">
+            <a:extLst>
+              <a:ext uri="{FF2B5EF4-FFF2-40B4-BE49-F238E27FC236}">
+                <a16:creationId xmlns:a16="http://schemas.microsoft.com/office/drawing/2014/main" id="{FE708D95-5C72-41E9-8D51-7EB303656641}"/>
+              </a:ext>
+            </a:extLst>
+          </p:cNvPr>
+          <p:cNvSpPr>
+            <a:spLocks noGrp="1"/>
+          </p:cNvSpPr>
+          <p:nvPr>
+            <p:ph type="body" sz="half" idx="16"/>
+          </p:nvPr>
+        </p:nvSpPr>
+        <p:spPr/>
+        <p:txBody>
+          <a:bodyPr>
+            <a:normAutofit/>
+          </a:bodyPr>
+          <a:lstStyle/>
+          <a:p>
+            <a:pPr lvl="1"/>
+            <a:r>
+              <a:rPr lang="hu-HU" sz="1600" dirty="0"/>
+              <a:t>Node.js</a:t>
+            </a:r>
+          </a:p>
+        </p:txBody>
+      </p:sp>
+      <p:sp>
+        <p:nvSpPr>
+          <p:cNvPr id="7" name="Szöveg helye 6">
+            <a:extLst>
+              <a:ext uri="{FF2B5EF4-FFF2-40B4-BE49-F238E27FC236}">
+                <a16:creationId xmlns:a16="http://schemas.microsoft.com/office/drawing/2014/main" id="{D7272FC0-5FA8-41BB-8DCC-98A96C7DC104}"/>
+              </a:ext>
+            </a:extLst>
+          </p:cNvPr>
+          <p:cNvSpPr>
+            <a:spLocks noGrp="1"/>
+          </p:cNvSpPr>
+          <p:nvPr>
+            <p:ph type="body" sz="quarter" idx="13"/>
+          </p:nvPr>
+        </p:nvSpPr>
+        <p:spPr/>
+        <p:txBody>
+          <a:bodyPr/>
+          <a:lstStyle/>
+          <a:p>
+            <a:r>
+              <a:rPr lang="hu-HU" dirty="0"/>
+              <a:t>Adatbázis</a:t>
+            </a:r>
+          </a:p>
+        </p:txBody>
+      </p:sp>
+      <p:sp>
+        <p:nvSpPr>
+          <p:cNvPr id="8" name="Szöveg helye 7">
+            <a:extLst>
+              <a:ext uri="{FF2B5EF4-FFF2-40B4-BE49-F238E27FC236}">
+                <a16:creationId xmlns:a16="http://schemas.microsoft.com/office/drawing/2014/main" id="{D89B6E42-A0B4-41BD-BB61-8CFD8ACCA099}"/>
+              </a:ext>
+            </a:extLst>
+          </p:cNvPr>
+          <p:cNvSpPr>
+            <a:spLocks noGrp="1"/>
+          </p:cNvSpPr>
+          <p:nvPr>
+            <p:ph type="body" sz="half" idx="17"/>
+          </p:nvPr>
+        </p:nvSpPr>
+        <p:spPr>
+          <a:xfrm>
+            <a:off x="6823669" y="2665166"/>
+            <a:ext cx="3145536" cy="2847293"/>
+          </a:xfrm>
+        </p:spPr>
+        <p:txBody>
+          <a:bodyPr>
+            <a:normAutofit/>
+          </a:bodyPr>
+          <a:lstStyle/>
+          <a:p>
+            <a:pPr marL="628650" lvl="1" indent="-171450">
+              <a:buFont typeface="Courier New" panose="02070309020205020404" pitchFamily="49" charset="0"/>
+              <a:buChar char="o"/>
+            </a:pPr>
+            <a:r>
+              <a:rPr lang="hu-HU" sz="1800" dirty="0" err="1"/>
+              <a:t>MySQL</a:t>
+            </a:r>
+            <a:endParaRPr lang="hu-HU" sz="1800" dirty="0"/>
+          </a:p>
+        </p:txBody>
+      </p:sp>
+    </p:spTree>
+    <p:extLst>
+      <p:ext uri="{BB962C8B-B14F-4D97-AF65-F5344CB8AC3E}">
+        <p14:creationId xmlns:p14="http://schemas.microsoft.com/office/powerpoint/2010/main" val="3731094037"/>
+      </p:ext>
+    </p:extLst>
+  </p:cSld>
+  <p:clrMapOvr>
+    <a:masterClrMapping/>
+  </p:clrMapOvr>
+  <p:transition spd="slow">
+    <p:push dir="u"/>
+  </p:transition>
+  <p:timing>
+    <p:tnLst>
+      <p:par>
+        <p:cTn id="1" dur="indefinite" restart="never" nodeType="tmRoot">
+          <p:childTnLst>
+            <p:seq concurrent="1" nextAc="seek">
+              <p:cTn id="2" dur="indefinite" nodeType="mainSeq">
+                <p:childTnLst>
+                  <p:par>
+                    <p:cTn id="3" fill="hold">
+                      <p:stCondLst>
+                        <p:cond delay="indefinite"/>
+                      </p:stCondLst>
+                      <p:childTnLst>
+                        <p:par>
+                          <p:cTn id="4" fill="hold">
+                            <p:stCondLst>
+                              <p:cond delay="0"/>
+                            </p:stCondLst>
+                            <p:childTnLst>
+                              <p:par>
+                                <p:cTn id="5" presetID="42" presetClass="entr" presetSubtype="0" fill="hold" nodeType="clickEffect">
+                                  <p:stCondLst>
+                                    <p:cond delay="0"/>
+                                  </p:stCondLst>
+                                  <p:childTnLst>
+                                    <p:set>
+                                      <p:cBhvr>
+                                        <p:cTn id="6" dur="1" fill="hold">
+                                          <p:stCondLst>
+                                            <p:cond delay="0"/>
+                                          </p:stCondLst>
+                                        </p:cTn>
+                                        <p:tgtEl>
+                                          <p:spTgt spid="3">
+                                            <p:txEl>
+                                              <p:pRg st="0" end="0"/>
+                                            </p:txEl>
+                                          </p:spTgt>
+                                        </p:tgtEl>
+                                        <p:attrNameLst>
+                                          <p:attrName>style.visibility</p:attrName>
+                                        </p:attrNameLst>
+                                      </p:cBhvr>
+                                      <p:to>
+                                        <p:strVal val="visible"/>
+                                      </p:to>
+                                    </p:set>
+                                    <p:animEffect transition="in" filter="fade">
+                                      <p:cBhvr>
+                                        <p:cTn id="7" dur="1000"/>
+                                        <p:tgtEl>
+                                          <p:spTgt spid="3">
+                                            <p:txEl>
+                                              <p:pRg st="0" end="0"/>
+                                            </p:txEl>
+                                          </p:spTgt>
+                                        </p:tgtEl>
+                                      </p:cBhvr>
+                                    </p:animEffect>
+                                    <p:anim calcmode="lin" valueType="num">
+                                      <p:cBhvr>
+                                        <p:cTn id="8" dur="1000" fill="hold"/>
+                                        <p:tgtEl>
+                                          <p:spTgt spid="3">
+                                            <p:txEl>
+                                              <p:pRg st="0" end="0"/>
+                                            </p:txEl>
+                                          </p:spTgt>
+                                        </p:tgtEl>
+                                        <p:attrNameLst>
+                                          <p:attrName>ppt_x</p:attrName>
+                                        </p:attrNameLst>
+                                      </p:cBhvr>
+                                      <p:tavLst>
+                                        <p:tav tm="0">
+                                          <p:val>
+                                            <p:strVal val="#ppt_x"/>
+                                          </p:val>
+                                        </p:tav>
+                                        <p:tav tm="100000">
+                                          <p:val>
+                                            <p:strVal val="#ppt_x"/>
+                                          </p:val>
+                                        </p:tav>
+                                      </p:tavLst>
+                                    </p:anim>
+                                    <p:anim calcmode="lin" valueType="num">
+                                      <p:cBhvr>
+                                        <p:cTn id="9" dur="1000" fill="hold"/>
+                                        <p:tgtEl>
+                                          <p:spTgt spid="3">
+                                            <p:txEl>
+                                              <p:pRg st="0" end="0"/>
+                                            </p:txEl>
+                                          </p:spTgt>
+                                        </p:tgtEl>
+                                        <p:attrNameLst>
+                                          <p:attrName>ppt_y</p:attrName>
+                                        </p:attrNameLst>
+                                      </p:cBhvr>
+                                      <p:tavLst>
+                                        <p:tav tm="0">
+                                          <p:val>
+                                            <p:strVal val="#ppt_y+.1"/>
+                                          </p:val>
+                                        </p:tav>
+                                        <p:tav tm="100000">
+                                          <p:val>
+                                            <p:strVal val="#ppt_y"/>
+                                          </p:val>
+                                        </p:tav>
+                                      </p:tavLst>
+                                    </p:anim>
+                                  </p:childTnLst>
+                                </p:cTn>
+                              </p:par>
+                              <p:par>
+                                <p:cTn id="10" presetID="42" presetClass="entr" presetSubtype="0" fill="hold" nodeType="withEffect">
+                                  <p:stCondLst>
+                                    <p:cond delay="0"/>
+                                  </p:stCondLst>
+                                  <p:childTnLst>
+                                    <p:set>
+                                      <p:cBhvr>
+                                        <p:cTn id="11" dur="1" fill="hold">
+                                          <p:stCondLst>
+                                            <p:cond delay="0"/>
+                                          </p:stCondLst>
+                                        </p:cTn>
+                                        <p:tgtEl>
+                                          <p:spTgt spid="4">
+                                            <p:txEl>
+                                              <p:pRg st="0" end="0"/>
+                                            </p:txEl>
+                                          </p:spTgt>
+                                        </p:tgtEl>
+                                        <p:attrNameLst>
+                                          <p:attrName>style.visibility</p:attrName>
+                                        </p:attrNameLst>
+                                      </p:cBhvr>
+                                      <p:to>
+                                        <p:strVal val="visible"/>
+                                      </p:to>
+                                    </p:set>
+                                    <p:animEffect transition="in" filter="fade">
+                                      <p:cBhvr>
+                                        <p:cTn id="12" dur="1000"/>
+                                        <p:tgtEl>
+                                          <p:spTgt spid="4">
+                                            <p:txEl>
+                                              <p:pRg st="0" end="0"/>
+                                            </p:txEl>
+                                          </p:spTgt>
+                                        </p:tgtEl>
+                                      </p:cBhvr>
+                                    </p:animEffect>
+                                    <p:anim calcmode="lin" valueType="num">
+                                      <p:cBhvr>
+                                        <p:cTn id="13" dur="1000" fill="hold"/>
+                                        <p:tgtEl>
+                                          <p:spTgt spid="4">
+                                            <p:txEl>
+                                              <p:pRg st="0" end="0"/>
+                                            </p:txEl>
+                                          </p:spTgt>
+                                        </p:tgtEl>
+                                        <p:attrNameLst>
+                                          <p:attrName>ppt_x</p:attrName>
+                                        </p:attrNameLst>
+                                      </p:cBhvr>
+                                      <p:tavLst>
+                                        <p:tav tm="0">
+                                          <p:val>
+                                            <p:strVal val="#ppt_x"/>
+                                          </p:val>
+                                        </p:tav>
+                                        <p:tav tm="100000">
+                                          <p:val>
+                                            <p:strVal val="#ppt_x"/>
+                                          </p:val>
+                                        </p:tav>
+                                      </p:tavLst>
+                                    </p:anim>
+                                    <p:anim calcmode="lin" valueType="num">
+                                      <p:cBhvr>
+                                        <p:cTn id="14" dur="1000" fill="hold"/>
+                                        <p:tgtEl>
+                                          <p:spTgt spid="4">
+                                            <p:txEl>
+                                              <p:pRg st="0" end="0"/>
+                                            </p:txEl>
+                                          </p:spTgt>
+                                        </p:tgtEl>
+                                        <p:attrNameLst>
+                                          <p:attrName>ppt_y</p:attrName>
+                                        </p:attrNameLst>
+                                      </p:cBhvr>
+                                      <p:tavLst>
+                                        <p:tav tm="0">
+                                          <p:val>
+                                            <p:strVal val="#ppt_y+.1"/>
+                                          </p:val>
+                                        </p:tav>
+                                        <p:tav tm="100000">
+                                          <p:val>
+                                            <p:strVal val="#ppt_y"/>
+                                          </p:val>
+                                        </p:tav>
+                                      </p:tavLst>
+                                    </p:anim>
+                                  </p:childTnLst>
+                                </p:cTn>
+                              </p:par>
+                              <p:par>
+                                <p:cTn id="15" presetID="42" presetClass="entr" presetSubtype="0" fill="hold" nodeType="withEffect">
+                                  <p:stCondLst>
+                                    <p:cond delay="0"/>
+                                  </p:stCondLst>
+                                  <p:childTnLst>
+                                    <p:set>
+                                      <p:cBhvr>
+                                        <p:cTn id="16" dur="1" fill="hold">
+                                          <p:stCondLst>
+                                            <p:cond delay="0"/>
+                                          </p:stCondLst>
+                                        </p:cTn>
+                                        <p:tgtEl>
+                                          <p:spTgt spid="4">
+                                            <p:txEl>
+                                              <p:pRg st="1" end="1"/>
+                                            </p:txEl>
+                                          </p:spTgt>
+                                        </p:tgtEl>
+                                        <p:attrNameLst>
+                                          <p:attrName>style.visibility</p:attrName>
+                                        </p:attrNameLst>
+                                      </p:cBhvr>
+                                      <p:to>
+                                        <p:strVal val="visible"/>
+                                      </p:to>
+                                    </p:set>
+                                    <p:animEffect transition="in" filter="fade">
+                                      <p:cBhvr>
+                                        <p:cTn id="17" dur="1000"/>
+                                        <p:tgtEl>
+                                          <p:spTgt spid="4">
+                                            <p:txEl>
+                                              <p:pRg st="1" end="1"/>
+                                            </p:txEl>
+                                          </p:spTgt>
+                                        </p:tgtEl>
+                                      </p:cBhvr>
+                                    </p:animEffect>
+                                    <p:anim calcmode="lin" valueType="num">
+                                      <p:cBhvr>
+                                        <p:cTn id="18" dur="1000" fill="hold"/>
+                                        <p:tgtEl>
+                                          <p:spTgt spid="4">
+                                            <p:txEl>
+                                              <p:pRg st="1" end="1"/>
+                                            </p:txEl>
+                                          </p:spTgt>
+                                        </p:tgtEl>
+                                        <p:attrNameLst>
+                                          <p:attrName>ppt_x</p:attrName>
+                                        </p:attrNameLst>
+                                      </p:cBhvr>
+                                      <p:tavLst>
+                                        <p:tav tm="0">
+                                          <p:val>
+                                            <p:strVal val="#ppt_x"/>
+                                          </p:val>
+                                        </p:tav>
+                                        <p:tav tm="100000">
+                                          <p:val>
+                                            <p:strVal val="#ppt_x"/>
+                                          </p:val>
+                                        </p:tav>
+                                      </p:tavLst>
+                                    </p:anim>
+                                    <p:anim calcmode="lin" valueType="num">
+                                      <p:cBhvr>
+                                        <p:cTn id="19" dur="1000" fill="hold"/>
+                                        <p:tgtEl>
+                                          <p:spTgt spid="4">
+                                            <p:txEl>
+                                              <p:pRg st="1" end="1"/>
+                                            </p:txEl>
+                                          </p:spTgt>
+                                        </p:tgtEl>
+                                        <p:attrNameLst>
+                                          <p:attrName>ppt_y</p:attrName>
+                                        </p:attrNameLst>
+                                      </p:cBhvr>
+                                      <p:tavLst>
+                                        <p:tav tm="0">
+                                          <p:val>
+                                            <p:strVal val="#ppt_y+.1"/>
+                                          </p:val>
+                                        </p:tav>
+                                        <p:tav tm="100000">
+                                          <p:val>
+                                            <p:strVal val="#ppt_y"/>
+                                          </p:val>
+                                        </p:tav>
+                                      </p:tavLst>
+                                    </p:anim>
+                                  </p:childTnLst>
+                                </p:cTn>
+                              </p:par>
+                              <p:par>
+                                <p:cTn id="20" presetID="42" presetClass="entr" presetSubtype="0" fill="hold" nodeType="withEffect">
+                                  <p:stCondLst>
+                                    <p:cond delay="0"/>
+                                  </p:stCondLst>
+                                  <p:childTnLst>
+                                    <p:set>
+                                      <p:cBhvr>
+                                        <p:cTn id="21" dur="1" fill="hold">
+                                          <p:stCondLst>
+                                            <p:cond delay="0"/>
+                                          </p:stCondLst>
+                                        </p:cTn>
+                                        <p:tgtEl>
+                                          <p:spTgt spid="4">
+                                            <p:txEl>
+                                              <p:pRg st="2" end="2"/>
+                                            </p:txEl>
+                                          </p:spTgt>
+                                        </p:tgtEl>
+                                        <p:attrNameLst>
+                                          <p:attrName>style.visibility</p:attrName>
+                                        </p:attrNameLst>
+                                      </p:cBhvr>
+                                      <p:to>
+                                        <p:strVal val="visible"/>
+                                      </p:to>
+                                    </p:set>
+                                    <p:animEffect transition="in" filter="fade">
+                                      <p:cBhvr>
+                                        <p:cTn id="22" dur="1000"/>
+                                        <p:tgtEl>
+                                          <p:spTgt spid="4">
+                                            <p:txEl>
+                                              <p:pRg st="2" end="2"/>
+                                            </p:txEl>
+                                          </p:spTgt>
+                                        </p:tgtEl>
+                                      </p:cBhvr>
+                                    </p:animEffect>
+                                    <p:anim calcmode="lin" valueType="num">
+                                      <p:cBhvr>
+                                        <p:cTn id="23" dur="1000" fill="hold"/>
+                                        <p:tgtEl>
+                                          <p:spTgt spid="4">
+                                            <p:txEl>
+                                              <p:pRg st="2" end="2"/>
+                                            </p:txEl>
+                                          </p:spTgt>
+                                        </p:tgtEl>
+                                        <p:attrNameLst>
+                                          <p:attrName>ppt_x</p:attrName>
+                                        </p:attrNameLst>
+                                      </p:cBhvr>
+                                      <p:tavLst>
+                                        <p:tav tm="0">
+                                          <p:val>
+                                            <p:strVal val="#ppt_x"/>
+                                          </p:val>
+                                        </p:tav>
+                                        <p:tav tm="100000">
+                                          <p:val>
+                                            <p:strVal val="#ppt_x"/>
+                                          </p:val>
+                                        </p:tav>
+                                      </p:tavLst>
+                                    </p:anim>
+                                    <p:anim calcmode="lin" valueType="num">
+                                      <p:cBhvr>
+                                        <p:cTn id="24" dur="1000" fill="hold"/>
+                                        <p:tgtEl>
+                                          <p:spTgt spid="4">
+                                            <p:txEl>
+                                              <p:pRg st="2" end="2"/>
+                                            </p:txEl>
+                                          </p:spTgt>
+                                        </p:tgtEl>
+                                        <p:attrNameLst>
+                                          <p:attrName>ppt_y</p:attrName>
+                                        </p:attrNameLst>
+                                      </p:cBhvr>
+                                      <p:tavLst>
+                                        <p:tav tm="0">
+                                          <p:val>
+                                            <p:strVal val="#ppt_y+.1"/>
+                                          </p:val>
+                                        </p:tav>
+                                        <p:tav tm="100000">
+                                          <p:val>
+                                            <p:strVal val="#ppt_y"/>
+                                          </p:val>
+                                        </p:tav>
+                                      </p:tavLst>
+                                    </p:anim>
+                                  </p:childTnLst>
+                                </p:cTn>
+                              </p:par>
+                              <p:par>
+                                <p:cTn id="25" presetID="42" presetClass="entr" presetSubtype="0" fill="hold" nodeType="withEffect">
+                                  <p:stCondLst>
+                                    <p:cond delay="0"/>
+                                  </p:stCondLst>
+                                  <p:childTnLst>
+                                    <p:set>
+                                      <p:cBhvr>
+                                        <p:cTn id="26" dur="1" fill="hold">
+                                          <p:stCondLst>
+                                            <p:cond delay="0"/>
+                                          </p:stCondLst>
+                                        </p:cTn>
+                                        <p:tgtEl>
+                                          <p:spTgt spid="4">
+                                            <p:txEl>
+                                              <p:pRg st="3" end="3"/>
+                                            </p:txEl>
+                                          </p:spTgt>
+                                        </p:tgtEl>
+                                        <p:attrNameLst>
+                                          <p:attrName>style.visibility</p:attrName>
+                                        </p:attrNameLst>
+                                      </p:cBhvr>
+                                      <p:to>
+                                        <p:strVal val="visible"/>
+                                      </p:to>
+                                    </p:set>
+                                    <p:animEffect transition="in" filter="fade">
+                                      <p:cBhvr>
+                                        <p:cTn id="27" dur="1000"/>
+                                        <p:tgtEl>
+                                          <p:spTgt spid="4">
+                                            <p:txEl>
+                                              <p:pRg st="3" end="3"/>
+                                            </p:txEl>
+                                          </p:spTgt>
+                                        </p:tgtEl>
+                                      </p:cBhvr>
+                                    </p:animEffect>
+                                    <p:anim calcmode="lin" valueType="num">
+                                      <p:cBhvr>
+                                        <p:cTn id="28" dur="1000" fill="hold"/>
+                                        <p:tgtEl>
+                                          <p:spTgt spid="4">
+                                            <p:txEl>
+                                              <p:pRg st="3" end="3"/>
+                                            </p:txEl>
+                                          </p:spTgt>
+                                        </p:tgtEl>
+                                        <p:attrNameLst>
+                                          <p:attrName>ppt_x</p:attrName>
+                                        </p:attrNameLst>
+                                      </p:cBhvr>
+                                      <p:tavLst>
+                                        <p:tav tm="0">
+                                          <p:val>
+                                            <p:strVal val="#ppt_x"/>
+                                          </p:val>
+                                        </p:tav>
+                                        <p:tav tm="100000">
+                                          <p:val>
+                                            <p:strVal val="#ppt_x"/>
+                                          </p:val>
+                                        </p:tav>
+                                      </p:tavLst>
+                                    </p:anim>
+                                    <p:anim calcmode="lin" valueType="num">
+                                      <p:cBhvr>
+                                        <p:cTn id="29" dur="1000" fill="hold"/>
+                                        <p:tgtEl>
+                                          <p:spTgt spid="4">
+                                            <p:txEl>
+                                              <p:pRg st="3" end="3"/>
+                                            </p:txEl>
+                                          </p:spTgt>
+                                        </p:tgtEl>
+                                        <p:attrNameLst>
+                                          <p:attrName>ppt_y</p:attrName>
+                                        </p:attrNameLst>
+                                      </p:cBhvr>
+                                      <p:tavLst>
+                                        <p:tav tm="0">
+                                          <p:val>
+                                            <p:strVal val="#ppt_y+.1"/>
+                                          </p:val>
+                                        </p:tav>
+                                        <p:tav tm="100000">
+                                          <p:val>
+                                            <p:strVal val="#ppt_y"/>
+                                          </p:val>
+                                        </p:tav>
+                                      </p:tavLst>
+                                    </p:anim>
+                                  </p:childTnLst>
+                                </p:cTn>
+                              </p:par>
+                              <p:par>
+                                <p:cTn id="30" presetID="42" presetClass="entr" presetSubtype="0" fill="hold" nodeType="withEffect">
+                                  <p:stCondLst>
+                                    <p:cond delay="0"/>
+                                  </p:stCondLst>
+                                  <p:childTnLst>
+                                    <p:set>
+                                      <p:cBhvr>
+                                        <p:cTn id="31" dur="1" fill="hold">
+                                          <p:stCondLst>
+                                            <p:cond delay="0"/>
+                                          </p:stCondLst>
+                                        </p:cTn>
+                                        <p:tgtEl>
+                                          <p:spTgt spid="4">
+                                            <p:txEl>
+                                              <p:pRg st="4" end="4"/>
+                                            </p:txEl>
+                                          </p:spTgt>
+                                        </p:tgtEl>
+                                        <p:attrNameLst>
+                                          <p:attrName>style.visibility</p:attrName>
+                                        </p:attrNameLst>
+                                      </p:cBhvr>
+                                      <p:to>
+                                        <p:strVal val="visible"/>
+                                      </p:to>
+                                    </p:set>
+                                    <p:animEffect transition="in" filter="fade">
+                                      <p:cBhvr>
+                                        <p:cTn id="32" dur="1000"/>
+                                        <p:tgtEl>
+                                          <p:spTgt spid="4">
+                                            <p:txEl>
+                                              <p:pRg st="4" end="4"/>
+                                            </p:txEl>
+                                          </p:spTgt>
+                                        </p:tgtEl>
+                                      </p:cBhvr>
+                                    </p:animEffect>
+                                    <p:anim calcmode="lin" valueType="num">
+                                      <p:cBhvr>
+                                        <p:cTn id="33" dur="1000" fill="hold"/>
+                                        <p:tgtEl>
+                                          <p:spTgt spid="4">
+                                            <p:txEl>
+                                              <p:pRg st="4" end="4"/>
+                                            </p:txEl>
+                                          </p:spTgt>
+                                        </p:tgtEl>
+                                        <p:attrNameLst>
+                                          <p:attrName>ppt_x</p:attrName>
+                                        </p:attrNameLst>
+                                      </p:cBhvr>
+                                      <p:tavLst>
+                                        <p:tav tm="0">
+                                          <p:val>
+                                            <p:strVal val="#ppt_x"/>
+                                          </p:val>
+                                        </p:tav>
+                                        <p:tav tm="100000">
+                                          <p:val>
+                                            <p:strVal val="#ppt_x"/>
+                                          </p:val>
+                                        </p:tav>
+                                      </p:tavLst>
+                                    </p:anim>
+                                    <p:anim calcmode="lin" valueType="num">
+                                      <p:cBhvr>
+                                        <p:cTn id="34" dur="1000" fill="hold"/>
+                                        <p:tgtEl>
+                                          <p:spTgt spid="4">
+                                            <p:txEl>
+                                              <p:pRg st="4" end="4"/>
+                                            </p:txEl>
+                                          </p:spTgt>
+                                        </p:tgtEl>
+                                        <p:attrNameLst>
+                                          <p:attrName>ppt_y</p:attrName>
+                                        </p:attrNameLst>
+                                      </p:cBhvr>
+                                      <p:tavLst>
+                                        <p:tav tm="0">
+                                          <p:val>
+                                            <p:strVal val="#ppt_y+.1"/>
+                                          </p:val>
+                                        </p:tav>
+                                        <p:tav tm="100000">
+                                          <p:val>
+                                            <p:strVal val="#ppt_y"/>
+                                          </p:val>
+                                        </p:tav>
+                                      </p:tavLst>
+                                    </p:anim>
+                                  </p:childTnLst>
+                                </p:cTn>
+                              </p:par>
+                              <p:par>
+                                <p:cTn id="35" presetID="42" presetClass="entr" presetSubtype="0" fill="hold" nodeType="withEffect">
+                                  <p:stCondLst>
+                                    <p:cond delay="0"/>
+                                  </p:stCondLst>
+                                  <p:childTnLst>
+                                    <p:set>
+                                      <p:cBhvr>
+                                        <p:cTn id="36" dur="1" fill="hold">
+                                          <p:stCondLst>
+                                            <p:cond delay="0"/>
+                                          </p:stCondLst>
+                                        </p:cTn>
+                                        <p:tgtEl>
+                                          <p:spTgt spid="5">
+                                            <p:txEl>
+                                              <p:pRg st="0" end="0"/>
+                                            </p:txEl>
+                                          </p:spTgt>
+                                        </p:tgtEl>
+                                        <p:attrNameLst>
+                                          <p:attrName>style.visibility</p:attrName>
+                                        </p:attrNameLst>
+                                      </p:cBhvr>
+                                      <p:to>
+                                        <p:strVal val="visible"/>
+                                      </p:to>
+                                    </p:set>
+                                    <p:animEffect transition="in" filter="fade">
+                                      <p:cBhvr>
+                                        <p:cTn id="37" dur="1000"/>
+                                        <p:tgtEl>
+                                          <p:spTgt spid="5">
+                                            <p:txEl>
+                                              <p:pRg st="0" end="0"/>
+                                            </p:txEl>
+                                          </p:spTgt>
+                                        </p:tgtEl>
+                                      </p:cBhvr>
+                                    </p:animEffect>
+                                    <p:anim calcmode="lin" valueType="num">
+                                      <p:cBhvr>
+                                        <p:cTn id="38" dur="1000" fill="hold"/>
+                                        <p:tgtEl>
+                                          <p:spTgt spid="5">
+                                            <p:txEl>
+                                              <p:pRg st="0" end="0"/>
+                                            </p:txEl>
+                                          </p:spTgt>
+                                        </p:tgtEl>
+                                        <p:attrNameLst>
+                                          <p:attrName>ppt_x</p:attrName>
+                                        </p:attrNameLst>
+                                      </p:cBhvr>
+                                      <p:tavLst>
+                                        <p:tav tm="0">
+                                          <p:val>
+                                            <p:strVal val="#ppt_x"/>
+                                          </p:val>
+                                        </p:tav>
+                                        <p:tav tm="100000">
+                                          <p:val>
+                                            <p:strVal val="#ppt_x"/>
+                                          </p:val>
+                                        </p:tav>
+                                      </p:tavLst>
+                                    </p:anim>
+                                    <p:anim calcmode="lin" valueType="num">
+                                      <p:cBhvr>
+                                        <p:cTn id="39" dur="1000" fill="hold"/>
+                                        <p:tgtEl>
+                                          <p:spTgt spid="5">
+                                            <p:txEl>
+                                              <p:pRg st="0" end="0"/>
+                                            </p:txEl>
+                                          </p:spTgt>
+                                        </p:tgtEl>
+                                        <p:attrNameLst>
+                                          <p:attrName>ppt_y</p:attrName>
+                                        </p:attrNameLst>
+                                      </p:cBhvr>
+                                      <p:tavLst>
+                                        <p:tav tm="0">
+                                          <p:val>
+                                            <p:strVal val="#ppt_y+.1"/>
+                                          </p:val>
+                                        </p:tav>
+                                        <p:tav tm="100000">
+                                          <p:val>
+                                            <p:strVal val="#ppt_y"/>
+                                          </p:val>
+                                        </p:tav>
+                                      </p:tavLst>
+                                    </p:anim>
+                                  </p:childTnLst>
+                                </p:cTn>
+                              </p:par>
+                              <p:par>
+                                <p:cTn id="40" presetID="42" presetClass="entr" presetSubtype="0" fill="hold" nodeType="withEffect">
+                                  <p:stCondLst>
+                                    <p:cond delay="0"/>
+                                  </p:stCondLst>
+                                  <p:childTnLst>
+                                    <p:set>
+                                      <p:cBhvr>
+                                        <p:cTn id="41" dur="1" fill="hold">
+                                          <p:stCondLst>
+                                            <p:cond delay="0"/>
+                                          </p:stCondLst>
+                                        </p:cTn>
+                                        <p:tgtEl>
+                                          <p:spTgt spid="6">
+                                            <p:txEl>
+                                              <p:pRg st="0" end="0"/>
+                                            </p:txEl>
+                                          </p:spTgt>
+                                        </p:tgtEl>
+                                        <p:attrNameLst>
+                                          <p:attrName>style.visibility</p:attrName>
+                                        </p:attrNameLst>
+                                      </p:cBhvr>
+                                      <p:to>
+                                        <p:strVal val="visible"/>
+                                      </p:to>
+                                    </p:set>
+                                    <p:animEffect transition="in" filter="fade">
+                                      <p:cBhvr>
+                                        <p:cTn id="42" dur="1000"/>
+                                        <p:tgtEl>
+                                          <p:spTgt spid="6">
+                                            <p:txEl>
+                                              <p:pRg st="0" end="0"/>
+                                            </p:txEl>
+                                          </p:spTgt>
+                                        </p:tgtEl>
+                                      </p:cBhvr>
+                                    </p:animEffect>
+                                    <p:anim calcmode="lin" valueType="num">
+                                      <p:cBhvr>
+                                        <p:cTn id="43" dur="1000" fill="hold"/>
+                                        <p:tgtEl>
+                                          <p:spTgt spid="6">
+                                            <p:txEl>
+                                              <p:pRg st="0" end="0"/>
+                                            </p:txEl>
+                                          </p:spTgt>
+                                        </p:tgtEl>
+                                        <p:attrNameLst>
+                                          <p:attrName>ppt_x</p:attrName>
+                                        </p:attrNameLst>
+                                      </p:cBhvr>
+                                      <p:tavLst>
+                                        <p:tav tm="0">
+                                          <p:val>
+                                            <p:strVal val="#ppt_x"/>
+                                          </p:val>
+                                        </p:tav>
+                                        <p:tav tm="100000">
+                                          <p:val>
+                                            <p:strVal val="#ppt_x"/>
+                                          </p:val>
+                                        </p:tav>
+                                      </p:tavLst>
+                                    </p:anim>
+                                    <p:anim calcmode="lin" valueType="num">
+                                      <p:cBhvr>
+                                        <p:cTn id="44" dur="1000" fill="hold"/>
+                                        <p:tgtEl>
+                                          <p:spTgt spid="6">
+                                            <p:txEl>
+                                              <p:pRg st="0" end="0"/>
+                                            </p:txEl>
+                                          </p:spTgt>
+                                        </p:tgtEl>
+                                        <p:attrNameLst>
+                                          <p:attrName>ppt_y</p:attrName>
+                                        </p:attrNameLst>
+                                      </p:cBhvr>
+                                      <p:tavLst>
+                                        <p:tav tm="0">
+                                          <p:val>
+                                            <p:strVal val="#ppt_y+.1"/>
+                                          </p:val>
+                                        </p:tav>
+                                        <p:tav tm="100000">
+                                          <p:val>
+                                            <p:strVal val="#ppt_y"/>
+                                          </p:val>
+                                        </p:tav>
+                                      </p:tavLst>
+                                    </p:anim>
+                                  </p:childTnLst>
+                                </p:cTn>
+                              </p:par>
+                              <p:par>
+                                <p:cTn id="45" presetID="42" presetClass="entr" presetSubtype="0" fill="hold" nodeType="withEffect">
+                                  <p:stCondLst>
+                                    <p:cond delay="0"/>
+                                  </p:stCondLst>
+                                  <p:childTnLst>
+                                    <p:set>
+                                      <p:cBhvr>
+                                        <p:cTn id="46" dur="1" fill="hold">
+                                          <p:stCondLst>
+                                            <p:cond delay="0"/>
+                                          </p:stCondLst>
+                                        </p:cTn>
+                                        <p:tgtEl>
+                                          <p:spTgt spid="7">
+                                            <p:txEl>
+                                              <p:pRg st="0" end="0"/>
+                                            </p:txEl>
+                                          </p:spTgt>
+                                        </p:tgtEl>
+                                        <p:attrNameLst>
+                                          <p:attrName>style.visibility</p:attrName>
+                                        </p:attrNameLst>
+                                      </p:cBhvr>
+                                      <p:to>
+                                        <p:strVal val="visible"/>
+                                      </p:to>
+                                    </p:set>
+                                    <p:animEffect transition="in" filter="fade">
+                                      <p:cBhvr>
+                                        <p:cTn id="47" dur="1000"/>
+                                        <p:tgtEl>
+                                          <p:spTgt spid="7">
+                                            <p:txEl>
+                                              <p:pRg st="0" end="0"/>
+                                            </p:txEl>
+                                          </p:spTgt>
+                                        </p:tgtEl>
+                                      </p:cBhvr>
+                                    </p:animEffect>
+                                    <p:anim calcmode="lin" valueType="num">
+                                      <p:cBhvr>
+                                        <p:cTn id="48" dur="1000" fill="hold"/>
+                                        <p:tgtEl>
+                                          <p:spTgt spid="7">
+                                            <p:txEl>
+                                              <p:pRg st="0" end="0"/>
+                                            </p:txEl>
+                                          </p:spTgt>
+                                        </p:tgtEl>
+                                        <p:attrNameLst>
+                                          <p:attrName>ppt_x</p:attrName>
+                                        </p:attrNameLst>
+                                      </p:cBhvr>
+                                      <p:tavLst>
+                                        <p:tav tm="0">
+                                          <p:val>
+                                            <p:strVal val="#ppt_x"/>
+                                          </p:val>
+                                        </p:tav>
+                                        <p:tav tm="100000">
+                                          <p:val>
+                                            <p:strVal val="#ppt_x"/>
+                                          </p:val>
+                                        </p:tav>
+                                      </p:tavLst>
+                                    </p:anim>
+                                    <p:anim calcmode="lin" valueType="num">
+                                      <p:cBhvr>
+                                        <p:cTn id="49" dur="1000" fill="hold"/>
+                                        <p:tgtEl>
+                                          <p:spTgt spid="7">
+                                            <p:txEl>
+                                              <p:pRg st="0" end="0"/>
+                                            </p:txEl>
+                                          </p:spTgt>
+                                        </p:tgtEl>
+                                        <p:attrNameLst>
+                                          <p:attrName>ppt_y</p:attrName>
+                                        </p:attrNameLst>
+                                      </p:cBhvr>
+                                      <p:tavLst>
+                                        <p:tav tm="0">
+                                          <p:val>
+                                            <p:strVal val="#ppt_y+.1"/>
+                                          </p:val>
+                                        </p:tav>
+                                        <p:tav tm="100000">
+                                          <p:val>
+                                            <p:strVal val="#ppt_y"/>
+                                          </p:val>
+                                        </p:tav>
+                                      </p:tavLst>
+                                    </p:anim>
+                                  </p:childTnLst>
+                                </p:cTn>
+                              </p:par>
+                              <p:par>
+                                <p:cTn id="50" presetID="42" presetClass="entr" presetSubtype="0" fill="hold" nodeType="withEffect">
+                                  <p:stCondLst>
+                                    <p:cond delay="0"/>
+                                  </p:stCondLst>
+                                  <p:childTnLst>
+                                    <p:set>
+                                      <p:cBhvr>
+                                        <p:cTn id="51" dur="1" fill="hold">
+                                          <p:stCondLst>
+                                            <p:cond delay="0"/>
+                                          </p:stCondLst>
+                                        </p:cTn>
+                                        <p:tgtEl>
+                                          <p:spTgt spid="8">
+                                            <p:txEl>
+                                              <p:pRg st="0" end="0"/>
+                                            </p:txEl>
+                                          </p:spTgt>
+                                        </p:tgtEl>
+                                        <p:attrNameLst>
+                                          <p:attrName>style.visibility</p:attrName>
+                                        </p:attrNameLst>
+                                      </p:cBhvr>
+                                      <p:to>
+                                        <p:strVal val="visible"/>
+                                      </p:to>
+                                    </p:set>
+                                    <p:animEffect transition="in" filter="fade">
+                                      <p:cBhvr>
+                                        <p:cTn id="52" dur="1000"/>
+                                        <p:tgtEl>
+                                          <p:spTgt spid="8">
+                                            <p:txEl>
+                                              <p:pRg st="0" end="0"/>
+                                            </p:txEl>
+                                          </p:spTgt>
+                                        </p:tgtEl>
+                                      </p:cBhvr>
+                                    </p:animEffect>
+                                    <p:anim calcmode="lin" valueType="num">
+                                      <p:cBhvr>
+                                        <p:cTn id="53" dur="1000" fill="hold"/>
+                                        <p:tgtEl>
+                                          <p:spTgt spid="8">
+                                            <p:txEl>
+                                              <p:pRg st="0" end="0"/>
+                                            </p:txEl>
+                                          </p:spTgt>
+                                        </p:tgtEl>
+                                        <p:attrNameLst>
+                                          <p:attrName>ppt_x</p:attrName>
+                                        </p:attrNameLst>
+                                      </p:cBhvr>
+                                      <p:tavLst>
+                                        <p:tav tm="0">
+                                          <p:val>
+                                            <p:strVal val="#ppt_x"/>
+                                          </p:val>
+                                        </p:tav>
+                                        <p:tav tm="100000">
+                                          <p:val>
+                                            <p:strVal val="#ppt_x"/>
+                                          </p:val>
+                                        </p:tav>
+                                      </p:tavLst>
+                                    </p:anim>
+                                    <p:anim calcmode="lin" valueType="num">
+                                      <p:cBhvr>
+                                        <p:cTn id="54" dur="1000" fill="hold"/>
+                                        <p:tgtEl>
+                                          <p:spTgt spid="8">
+                                            <p:txEl>
+                                              <p:pRg st="0" end="0"/>
+                                            </p:txEl>
+                                          </p:spTgt>
+                                        </p:tgtEl>
+                                        <p:attrNameLst>
+                                          <p:attrName>ppt_y</p:attrName>
+                                        </p:attrNameLst>
+                                      </p:cBhvr>
+                                      <p:tavLst>
+                                        <p:tav tm="0">
+                                          <p:val>
+                                            <p:strVal val="#ppt_y+.1"/>
+                                          </p:val>
+                                        </p:tav>
+                                        <p:tav tm="100000">
+                                          <p:val>
+                                            <p:strVal val="#ppt_y"/>
+                                          </p:val>
+                                        </p:tav>
+                                      </p:tavLst>
+                                    </p:anim>
+                                  </p:childTnLst>
+                                </p:cTn>
+                              </p:par>
+                            </p:childTnLst>
+                          </p:cTn>
+                        </p:par>
+                      </p:childTnLst>
+                    </p:cTn>
+                  </p:par>
+                </p:childTnLst>
+              </p:cTn>
+              <p:prevCondLst>
+                <p:cond evt="onPrev" delay="0">
+                  <p:tgtEl>
+                    <p:sldTgt/>
+                  </p:tgtEl>
+                </p:cond>
+              </p:prevCondLst>
+              <p:nextCondLst>
+                <p:cond evt="onNext" delay="0">
+                  <p:tgtEl>
+                    <p:sldTgt/>
+                  </p:tgtEl>
+                </p:cond>
+              </p:nextCondLst>
+            </p:seq>
+          </p:childTnLst>
+        </p:cTn>
+      </p:par>
+    </p:tnLst>
+  </p:timing>
+</p:sld>
+</file>
+
+<file path=ppt/slides/slide11.xml><?xml version="1.0" encoding="utf-8"?>
 <p:sld xmlns:a="http://schemas.openxmlformats.org/drawingml/2006/main" xmlns:r="http://schemas.openxmlformats.org/officeDocument/2006/relationships" xmlns:p="http://schemas.openxmlformats.org/presentationml/2006/main">
   <p:cSld>
     <p:spTree>
@@ -6921,7 +8646,7 @@
 </p:sld>
 </file>
 
-<file path=ppt/slides/slide11.xml><?xml version="1.0" encoding="utf-8"?>
+<file path=ppt/slides/slide12.xml><?xml version="1.0" encoding="utf-8"?>
 <p:sld xmlns:a="http://schemas.openxmlformats.org/drawingml/2006/main" xmlns:r="http://schemas.openxmlformats.org/officeDocument/2006/relationships" xmlns:p="http://schemas.openxmlformats.org/presentationml/2006/main">
   <p:cSld>
     <p:spTree>
@@ -7863,7 +9588,7 @@
 </p:sld>
 </file>
 
-<file path=ppt/slides/slide12.xml><?xml version="1.0" encoding="utf-8"?>
+<file path=ppt/slides/slide13.xml><?xml version="1.0" encoding="utf-8"?>
 <p:sld xmlns:a="http://schemas.openxmlformats.org/drawingml/2006/main" xmlns:r="http://schemas.openxmlformats.org/officeDocument/2006/relationships" xmlns:p="http://schemas.openxmlformats.org/presentationml/2006/main">
   <p:cSld>
     <p:spTree>
@@ -8506,33 +10231,15 @@
                                   </p:childTnLst>
                                 </p:cTn>
                               </p:par>
-                            </p:childTnLst>
-                          </p:cTn>
-                        </p:par>
-                      </p:childTnLst>
-                    </p:cTn>
-                  </p:par>
-                  <p:par>
-                    <p:cTn id="10" fill="hold">
-                      <p:stCondLst>
-                        <p:cond delay="indefinite"/>
-                      </p:stCondLst>
-                      <p:childTnLst>
-                        <p:par>
-                          <p:cTn id="11" fill="hold">
-                            <p:stCondLst>
-                              <p:cond delay="0"/>
-                            </p:stCondLst>
-                            <p:childTnLst>
                               <p:par>
-                                <p:cTn id="12" presetID="42" presetClass="entr" presetSubtype="0" fill="hold" grpId="0" nodeType="clickEffect">
+                                <p:cTn id="10" presetID="42" presetClass="entr" presetSubtype="0" fill="hold" grpId="0" nodeType="withEffect">
                                   <p:stCondLst>
                                     <p:cond delay="0"/>
                                   </p:stCondLst>
                                   <p:childTnLst>
                                     <p:set>
                                       <p:cBhvr>
-                                        <p:cTn id="13" dur="1" fill="hold">
+                                        <p:cTn id="11" dur="1" fill="hold">
                                           <p:stCondLst>
                                             <p:cond delay="0"/>
                                           </p:stCondLst>
@@ -8550,7 +10257,7 @@
                                     </p:set>
                                     <p:animEffect transition="in" filter="fade">
                                       <p:cBhvr>
-                                        <p:cTn id="14" dur="1000"/>
+                                        <p:cTn id="12" dur="1000"/>
                                         <p:tgtEl>
                                           <p:spTgt spid="6"/>
                                         </p:tgtEl>
@@ -8558,7 +10265,7 @@
                                     </p:animEffect>
                                     <p:anim calcmode="lin" valueType="num">
                                       <p:cBhvr>
-                                        <p:cTn id="15" dur="1000" fill="hold"/>
+                                        <p:cTn id="13" dur="1000" fill="hold"/>
                                         <p:tgtEl>
                                           <p:spTgt spid="6"/>
                                         </p:tgtEl>
@@ -8581,7 +10288,7 @@
                                     </p:anim>
                                     <p:anim calcmode="lin" valueType="num">
                                       <p:cBhvr>
-                                        <p:cTn id="16" dur="1000" fill="hold"/>
+                                        <p:cTn id="14" dur="1000" fill="hold"/>
                                         <p:tgtEl>
                                           <p:spTgt spid="6"/>
                                         </p:tgtEl>
@@ -8605,33 +10312,15 @@
                                   </p:childTnLst>
                                 </p:cTn>
                               </p:par>
-                            </p:childTnLst>
-                          </p:cTn>
-                        </p:par>
-                      </p:childTnLst>
-                    </p:cTn>
-                  </p:par>
-                  <p:par>
-                    <p:cTn id="17" fill="hold">
-                      <p:stCondLst>
-                        <p:cond delay="indefinite"/>
-                      </p:stCondLst>
-                      <p:childTnLst>
-                        <p:par>
-                          <p:cTn id="18" fill="hold">
-                            <p:stCondLst>
-                              <p:cond delay="0"/>
-                            </p:stCondLst>
-                            <p:childTnLst>
                               <p:par>
-                                <p:cTn id="19" presetID="21" presetClass="entr" presetSubtype="1" fill="hold" nodeType="clickEffect">
+                                <p:cTn id="15" presetID="21" presetClass="entr" presetSubtype="1" fill="hold" nodeType="withEffect">
                                   <p:stCondLst>
                                     <p:cond delay="0"/>
                                   </p:stCondLst>
                                   <p:childTnLst>
                                     <p:set>
                                       <p:cBhvr>
-                                        <p:cTn id="20" dur="1" fill="hold">
+                                        <p:cTn id="16" dur="1" fill="hold">
                                           <p:stCondLst>
                                             <p:cond delay="0"/>
                                           </p:stCondLst>
@@ -8649,7 +10338,7 @@
                                     </p:set>
                                     <p:animEffect transition="in" filter="wheel(1)">
                                       <p:cBhvr>
-                                        <p:cTn id="21" dur="2000"/>
+                                        <p:cTn id="17" dur="2000"/>
                                         <p:tgtEl>
                                           <p:spTgt spid="5124"/>
                                         </p:tgtEl>
@@ -8659,14 +10348,14 @@
                                 </p:cTn>
                               </p:par>
                               <p:par>
-                                <p:cTn id="22" presetID="21" presetClass="entr" presetSubtype="1" fill="hold" nodeType="withEffect">
+                                <p:cTn id="18" presetID="21" presetClass="entr" presetSubtype="1" fill="hold" nodeType="withEffect">
                                   <p:stCondLst>
                                     <p:cond delay="0"/>
                                   </p:stCondLst>
                                   <p:childTnLst>
                                     <p:set>
                                       <p:cBhvr>
-                                        <p:cTn id="23" dur="1" fill="hold">
+                                        <p:cTn id="19" dur="1" fill="hold">
                                           <p:stCondLst>
                                             <p:cond delay="0"/>
                                           </p:stCondLst>
@@ -8684,7 +10373,7 @@
                                     </p:set>
                                     <p:animEffect transition="in" filter="wheel(1)">
                                       <p:cBhvr>
-                                        <p:cTn id="24" dur="2000"/>
+                                        <p:cTn id="20" dur="2000"/>
                                         <p:tgtEl>
                                           <p:spTgt spid="5122"/>
                                         </p:tgtEl>
@@ -8694,14 +10383,14 @@
                                 </p:cTn>
                               </p:par>
                               <p:par>
-                                <p:cTn id="25" presetID="42" presetClass="entr" presetSubtype="0" fill="hold" grpId="0" nodeType="withEffect">
+                                <p:cTn id="21" presetID="42" presetClass="entr" presetSubtype="0" fill="hold" grpId="0" nodeType="withEffect">
                                   <p:stCondLst>
                                     <p:cond delay="0"/>
                                   </p:stCondLst>
                                   <p:childTnLst>
                                     <p:set>
                                       <p:cBhvr>
-                                        <p:cTn id="26" dur="1" fill="hold">
+                                        <p:cTn id="22" dur="1" fill="hold">
                                           <p:stCondLst>
                                             <p:cond delay="0"/>
                                           </p:stCondLst>
@@ -8719,7 +10408,7 @@
                                     </p:set>
                                     <p:animEffect transition="in" filter="fade">
                                       <p:cBhvr>
-                                        <p:cTn id="27" dur="1000"/>
+                                        <p:cTn id="23" dur="1000"/>
                                         <p:tgtEl>
                                           <p:spTgt spid="4"/>
                                         </p:tgtEl>
@@ -8727,7 +10416,7 @@
                                     </p:animEffect>
                                     <p:anim calcmode="lin" valueType="num">
                                       <p:cBhvr>
-                                        <p:cTn id="28" dur="1000" fill="hold"/>
+                                        <p:cTn id="24" dur="1000" fill="hold"/>
                                         <p:tgtEl>
                                           <p:spTgt spid="4"/>
                                         </p:tgtEl>
@@ -8750,7 +10439,7 @@
                                     </p:anim>
                                     <p:anim calcmode="lin" valueType="num">
                                       <p:cBhvr>
-                                        <p:cTn id="29" dur="1000" fill="hold"/>
+                                        <p:cTn id="25" dur="1000" fill="hold"/>
                                         <p:tgtEl>
                                           <p:spTgt spid="4"/>
                                         </p:tgtEl>
@@ -8809,7 +10498,7 @@
 </p:sld>
 </file>
 
-<file path=ppt/slides/slide13.xml><?xml version="1.0" encoding="utf-8"?>
+<file path=ppt/slides/slide14.xml><?xml version="1.0" encoding="utf-8"?>
 <p:sld xmlns:a="http://schemas.openxmlformats.org/drawingml/2006/main" xmlns:r="http://schemas.openxmlformats.org/officeDocument/2006/relationships" xmlns:p="http://schemas.openxmlformats.org/presentationml/2006/main">
   <p:cSld>
     <p:spTree>
@@ -9261,33 +10950,15 @@
                                   </p:childTnLst>
                                 </p:cTn>
                               </p:par>
-                            </p:childTnLst>
-                          </p:cTn>
-                        </p:par>
-                      </p:childTnLst>
-                    </p:cTn>
-                  </p:par>
-                  <p:par>
-                    <p:cTn id="15" fill="hold">
-                      <p:stCondLst>
-                        <p:cond delay="indefinite"/>
-                      </p:stCondLst>
-                      <p:childTnLst>
-                        <p:par>
-                          <p:cTn id="16" fill="hold">
-                            <p:stCondLst>
-                              <p:cond delay="0"/>
-                            </p:stCondLst>
-                            <p:childTnLst>
                               <p:par>
-                                <p:cTn id="17" presetID="2" presetClass="entr" presetSubtype="4" fill="hold" nodeType="clickEffect">
+                                <p:cTn id="15" presetID="2" presetClass="entr" presetSubtype="4" fill="hold" nodeType="withEffect">
                                   <p:stCondLst>
                                     <p:cond delay="0"/>
                                   </p:stCondLst>
                                   <p:childTnLst>
                                     <p:set>
                                       <p:cBhvr>
-                                        <p:cTn id="18" dur="1" fill="hold">
+                                        <p:cTn id="16" dur="1" fill="hold">
                                           <p:stCondLst>
                                             <p:cond delay="0"/>
                                           </p:stCondLst>
@@ -9309,7 +10980,7 @@
                                     </p:set>
                                     <p:anim calcmode="lin" valueType="num">
                                       <p:cBhvr additive="base">
-                                        <p:cTn id="19" dur="500" fill="hold"/>
+                                        <p:cTn id="17" dur="500" fill="hold"/>
                                         <p:tgtEl>
                                           <p:spTgt spid="5">
                                             <p:txEl>
@@ -9336,7 +11007,7 @@
                                     </p:anim>
                                     <p:anim calcmode="lin" valueType="num">
                                       <p:cBhvr additive="base">
-                                        <p:cTn id="20" dur="500" fill="hold"/>
+                                        <p:cTn id="18" dur="500" fill="hold"/>
                                         <p:tgtEl>
                                           <p:spTgt spid="5">
                                             <p:txEl>
@@ -9365,14 +11036,14 @@
                                 </p:cTn>
                               </p:par>
                               <p:par>
-                                <p:cTn id="21" presetID="21" presetClass="entr" presetSubtype="1" fill="hold" nodeType="withEffect">
+                                <p:cTn id="19" presetID="21" presetClass="entr" presetSubtype="1" fill="hold" nodeType="withEffect">
                                   <p:stCondLst>
                                     <p:cond delay="0"/>
                                   </p:stCondLst>
                                   <p:childTnLst>
                                     <p:set>
                                       <p:cBhvr>
-                                        <p:cTn id="22" dur="1" fill="hold">
+                                        <p:cTn id="20" dur="1" fill="hold">
                                           <p:stCondLst>
                                             <p:cond delay="0"/>
                                           </p:stCondLst>
@@ -9390,7 +11061,7 @@
                                     </p:set>
                                     <p:animEffect transition="in" filter="wheel(1)">
                                       <p:cBhvr>
-                                        <p:cTn id="23" dur="2000"/>
+                                        <p:cTn id="21" dur="2000"/>
                                         <p:tgtEl>
                                           <p:spTgt spid="12"/>
                                         </p:tgtEl>
@@ -9430,7 +11101,7 @@
 </p:sld>
 </file>
 
-<file path=ppt/slides/slide14.xml><?xml version="1.0" encoding="utf-8"?>
+<file path=ppt/slides/slide15.xml><?xml version="1.0" encoding="utf-8"?>
 <p:sld xmlns:a="http://schemas.openxmlformats.org/drawingml/2006/main" xmlns:r="http://schemas.openxmlformats.org/officeDocument/2006/relationships" xmlns:p="http://schemas.openxmlformats.org/presentationml/2006/main">
   <p:cSld>
     <p:spTree>
@@ -9465,8 +11136,8 @@
         </p:nvSpPr>
         <p:spPr>
           <a:xfrm>
-            <a:off x="87716" y="1154627"/>
-            <a:ext cx="3401064" cy="1290918"/>
+            <a:off x="87716" y="1206113"/>
+            <a:ext cx="2772929" cy="1239432"/>
           </a:xfrm>
         </p:spPr>
         <p:txBody>
@@ -9475,7 +11146,7 @@
           <a:p>
             <a:r>
               <a:rPr lang="hu-HU" dirty="0"/>
-              <a:t>Csapatmunka</a:t>
+              <a:t>A projekt elkészítése</a:t>
             </a:r>
           </a:p>
         </p:txBody>
@@ -10057,8 +11728,8 @@
         </p:nvSpPr>
         <p:spPr>
           <a:xfrm>
-            <a:off x="98567" y="2672305"/>
-            <a:ext cx="2202846" cy="1754326"/>
+            <a:off x="88270" y="2703196"/>
+            <a:ext cx="2223440" cy="2031325"/>
           </a:xfrm>
           <a:prstGeom prst="rect">
             <a:avLst/>
@@ -10066,14 +11737,14 @@
           <a:noFill/>
         </p:spPr>
         <p:txBody>
-          <a:bodyPr wrap="square" rtlCol="0">
+          <a:bodyPr wrap="square" lIns="91440" tIns="45720" rIns="91440" bIns="45720" rtlCol="0" anchor="t">
             <a:spAutoFit/>
           </a:bodyPr>
           <a:lstStyle/>
           <a:p>
             <a:r>
               <a:rPr lang="hu-HU" dirty="0"/>
-              <a:t>Csapatmunkához 4 legfontosabb alkalmazást használtuk a webalkalmazás elkészítéséhez.</a:t>
+              <a:t>A projekt elkészítéséhez 4 legfontosabb alkalmazást használtuk a webalkalmazás elkészítéséhez.</a:t>
             </a:r>
           </a:p>
         </p:txBody>
@@ -10829,33 +12500,15 @@
                                   </p:childTnLst>
                                 </p:cTn>
                               </p:par>
-                            </p:childTnLst>
-                          </p:cTn>
-                        </p:par>
-                      </p:childTnLst>
-                    </p:cTn>
-                  </p:par>
-                  <p:par>
-                    <p:cTn id="34" fill="hold">
-                      <p:stCondLst>
-                        <p:cond delay="indefinite"/>
-                      </p:stCondLst>
-                      <p:childTnLst>
-                        <p:par>
-                          <p:cTn id="35" fill="hold">
-                            <p:stCondLst>
-                              <p:cond delay="0"/>
-                            </p:stCondLst>
-                            <p:childTnLst>
                               <p:par>
-                                <p:cTn id="36" presetID="42" presetClass="entr" presetSubtype="0" fill="hold" grpId="0" nodeType="clickEffect">
+                                <p:cTn id="34" presetID="42" presetClass="entr" presetSubtype="0" fill="hold" grpId="0" nodeType="withEffect">
                                   <p:stCondLst>
                                     <p:cond delay="0"/>
                                   </p:stCondLst>
                                   <p:childTnLst>
                                     <p:set>
                                       <p:cBhvr>
-                                        <p:cTn id="37" dur="1" fill="hold">
+                                        <p:cTn id="35" dur="1" fill="hold">
                                           <p:stCondLst>
                                             <p:cond delay="0"/>
                                           </p:stCondLst>
@@ -10873,7 +12526,7 @@
                                     </p:set>
                                     <p:animEffect transition="in" filter="fade">
                                       <p:cBhvr>
-                                        <p:cTn id="38" dur="1000"/>
+                                        <p:cTn id="36" dur="1000"/>
                                         <p:tgtEl>
                                           <p:spTgt spid="3"/>
                                         </p:tgtEl>
@@ -10881,7 +12534,7 @@
                                     </p:animEffect>
                                     <p:anim calcmode="lin" valueType="num">
                                       <p:cBhvr>
-                                        <p:cTn id="39" dur="1000" fill="hold"/>
+                                        <p:cTn id="37" dur="1000" fill="hold"/>
                                         <p:tgtEl>
                                           <p:spTgt spid="3"/>
                                         </p:tgtEl>
@@ -10904,7 +12557,7 @@
                                     </p:anim>
                                     <p:anim calcmode="lin" valueType="num">
                                       <p:cBhvr>
-                                        <p:cTn id="40" dur="1000" fill="hold"/>
+                                        <p:cTn id="38" dur="1000" fill="hold"/>
                                         <p:tgtEl>
                                           <p:spTgt spid="3"/>
                                         </p:tgtEl>
@@ -10929,14 +12582,14 @@
                                 </p:cTn>
                               </p:par>
                               <p:par>
-                                <p:cTn id="41" presetID="26" presetClass="entr" presetSubtype="0" fill="hold" nodeType="withEffect">
+                                <p:cTn id="39" presetID="26" presetClass="entr" presetSubtype="0" fill="hold" nodeType="withEffect">
                                   <p:stCondLst>
                                     <p:cond delay="0"/>
                                   </p:stCondLst>
                                   <p:childTnLst>
                                     <p:set>
                                       <p:cBhvr>
-                                        <p:cTn id="42" dur="1" fill="hold">
+                                        <p:cTn id="40" dur="1" fill="hold">
                                           <p:stCondLst>
                                             <p:cond delay="0"/>
                                           </p:stCondLst>
@@ -10954,7 +12607,7 @@
                                     </p:set>
                                     <p:animEffect transition="in" filter="wipe(down)">
                                       <p:cBhvr>
-                                        <p:cTn id="43" dur="580">
+                                        <p:cTn id="41" dur="580">
                                           <p:stCondLst>
                                             <p:cond delay="0"/>
                                           </p:stCondLst>
@@ -10966,7 +12619,7 @@
                                     </p:animEffect>
                                     <p:anim calcmode="lin" valueType="num">
                                       <p:cBhvr>
-                                        <p:cTn id="44" dur="1822" tmFilter="0,0; 0.14,0.36; 0.43,0.73; 0.71,0.91; 1.0,1.0">
+                                        <p:cTn id="42" dur="1822" tmFilter="0,0; 0.14,0.36; 0.43,0.73; 0.71,0.91; 1.0,1.0">
                                           <p:stCondLst>
                                             <p:cond delay="0"/>
                                           </p:stCondLst>
@@ -10993,7 +12646,7 @@
                                     </p:anim>
                                     <p:anim calcmode="lin" valueType="num">
                                       <p:cBhvr>
-                                        <p:cTn id="45" dur="664" tmFilter="0.0,0.0; 0.25,0.07; 0.50,0.2; 0.75,0.467; 1.0,1.0">
+                                        <p:cTn id="43" dur="664" tmFilter="0.0,0.0; 0.25,0.07; 0.50,0.2; 0.75,0.467; 1.0,1.0">
                                           <p:stCondLst>
                                             <p:cond delay="0"/>
                                           </p:stCondLst>
@@ -11020,7 +12673,7 @@
                                     </p:anim>
                                     <p:anim calcmode="lin" valueType="num">
                                       <p:cBhvr>
-                                        <p:cTn id="46" dur="664" tmFilter="0, 0; 0.125,0.2665; 0.25,0.4; 0.375,0.465; 0.5,0.5;  0.625,0.535; 0.75,0.6; 0.875,0.7335; 1,1">
+                                        <p:cTn id="44" dur="664" tmFilter="0, 0; 0.125,0.2665; 0.25,0.4; 0.375,0.465; 0.5,0.5;  0.625,0.535; 0.75,0.6; 0.875,0.7335; 1,1">
                                           <p:stCondLst>
                                             <p:cond delay="664"/>
                                           </p:stCondLst>
@@ -11047,7 +12700,7 @@
                                     </p:anim>
                                     <p:anim calcmode="lin" valueType="num">
                                       <p:cBhvr>
-                                        <p:cTn id="47" dur="332" tmFilter="0, 0; 0.125,0.2665; 0.25,0.4; 0.375,0.465; 0.5,0.5;  0.625,0.535; 0.75,0.6; 0.875,0.7335; 1,1">
+                                        <p:cTn id="45" dur="332" tmFilter="0, 0; 0.125,0.2665; 0.25,0.4; 0.375,0.465; 0.5,0.5;  0.625,0.535; 0.75,0.6; 0.875,0.7335; 1,1">
                                           <p:stCondLst>
                                             <p:cond delay="1324"/>
                                           </p:stCondLst>
@@ -11074,7 +12727,7 @@
                                     </p:anim>
                                     <p:anim calcmode="lin" valueType="num">
                                       <p:cBhvr>
-                                        <p:cTn id="48" dur="164" tmFilter="0, 0; 0.125,0.2665; 0.25,0.4; 0.375,0.465; 0.5,0.5;  0.625,0.535; 0.75,0.6; 0.875,0.7335; 1,1">
+                                        <p:cTn id="46" dur="164" tmFilter="0, 0; 0.125,0.2665; 0.25,0.4; 0.375,0.465; 0.5,0.5;  0.625,0.535; 0.75,0.6; 0.875,0.7335; 1,1">
                                           <p:stCondLst>
                                             <p:cond delay="1656"/>
                                           </p:stCondLst>
@@ -11101,7 +12754,7 @@
                                     </p:anim>
                                     <p:animScale>
                                       <p:cBhvr>
-                                        <p:cTn id="49" dur="26">
+                                        <p:cTn id="47" dur="26">
                                           <p:stCondLst>
                                             <p:cond delay="650"/>
                                           </p:stCondLst>
@@ -11114,7 +12767,7 @@
                                     </p:animScale>
                                     <p:animScale>
                                       <p:cBhvr>
-                                        <p:cTn id="50" dur="166" decel="50000">
+                                        <p:cTn id="48" dur="166" decel="50000">
                                           <p:stCondLst>
                                             <p:cond delay="676"/>
                                           </p:stCondLst>
@@ -11127,7 +12780,7 @@
                                     </p:animScale>
                                     <p:animScale>
                                       <p:cBhvr>
-                                        <p:cTn id="51" dur="26">
+                                        <p:cTn id="49" dur="26">
                                           <p:stCondLst>
                                             <p:cond delay="1312"/>
                                           </p:stCondLst>
@@ -11140,7 +12793,7 @@
                                     </p:animScale>
                                     <p:animScale>
                                       <p:cBhvr>
-                                        <p:cTn id="52" dur="166" decel="50000">
+                                        <p:cTn id="50" dur="166" decel="50000">
                                           <p:stCondLst>
                                             <p:cond delay="1338"/>
                                           </p:stCondLst>
@@ -11153,7 +12806,7 @@
                                     </p:animScale>
                                     <p:animScale>
                                       <p:cBhvr>
-                                        <p:cTn id="53" dur="26">
+                                        <p:cTn id="51" dur="26">
                                           <p:stCondLst>
                                             <p:cond delay="1642"/>
                                           </p:stCondLst>
@@ -11166,7 +12819,7 @@
                                     </p:animScale>
                                     <p:animScale>
                                       <p:cBhvr>
-                                        <p:cTn id="54" dur="166" decel="50000">
+                                        <p:cTn id="52" dur="166" decel="50000">
                                           <p:stCondLst>
                                             <p:cond delay="1668"/>
                                           </p:stCondLst>
@@ -11179,7 +12832,7 @@
                                     </p:animScale>
                                     <p:animScale>
                                       <p:cBhvr>
-                                        <p:cTn id="55" dur="26">
+                                        <p:cTn id="53" dur="26">
                                           <p:stCondLst>
                                             <p:cond delay="1808"/>
                                           </p:stCondLst>
@@ -11192,7 +12845,7 @@
                                     </p:animScale>
                                     <p:animScale>
                                       <p:cBhvr>
-                                        <p:cTn id="56" dur="166" decel="50000">
+                                        <p:cTn id="54" dur="166" decel="50000">
                                           <p:stCondLst>
                                             <p:cond delay="1834"/>
                                           </p:stCondLst>
@@ -11206,33 +12859,15 @@
                                   </p:childTnLst>
                                 </p:cTn>
                               </p:par>
-                            </p:childTnLst>
-                          </p:cTn>
-                        </p:par>
-                      </p:childTnLst>
-                    </p:cTn>
-                  </p:par>
-                  <p:par>
-                    <p:cTn id="57" fill="hold">
-                      <p:stCondLst>
-                        <p:cond delay="indefinite"/>
-                      </p:stCondLst>
-                      <p:childTnLst>
-                        <p:par>
-                          <p:cTn id="58" fill="hold">
-                            <p:stCondLst>
-                              <p:cond delay="0"/>
-                            </p:stCondLst>
-                            <p:childTnLst>
                               <p:par>
-                                <p:cTn id="59" presetID="42" presetClass="entr" presetSubtype="0" fill="hold" grpId="0" nodeType="clickEffect">
+                                <p:cTn id="55" presetID="42" presetClass="entr" presetSubtype="0" fill="hold" grpId="0" nodeType="withEffect">
                                   <p:stCondLst>
                                     <p:cond delay="0"/>
                                   </p:stCondLst>
                                   <p:childTnLst>
                                     <p:set>
                                       <p:cBhvr>
-                                        <p:cTn id="60" dur="1" fill="hold">
+                                        <p:cTn id="56" dur="1" fill="hold">
                                           <p:stCondLst>
                                             <p:cond delay="0"/>
                                           </p:stCondLst>
@@ -11250,7 +12885,7 @@
                                     </p:set>
                                     <p:animEffect transition="in" filter="fade">
                                       <p:cBhvr>
-                                        <p:cTn id="61" dur="1000"/>
+                                        <p:cTn id="57" dur="1000"/>
                                         <p:tgtEl>
                                           <p:spTgt spid="5"/>
                                         </p:tgtEl>
@@ -11258,7 +12893,7 @@
                                     </p:animEffect>
                                     <p:anim calcmode="lin" valueType="num">
                                       <p:cBhvr>
-                                        <p:cTn id="62" dur="1000" fill="hold"/>
+                                        <p:cTn id="58" dur="1000" fill="hold"/>
                                         <p:tgtEl>
                                           <p:spTgt spid="5"/>
                                         </p:tgtEl>
@@ -11281,7 +12916,7 @@
                                     </p:anim>
                                     <p:anim calcmode="lin" valueType="num">
                                       <p:cBhvr>
-                                        <p:cTn id="63" dur="1000" fill="hold"/>
+                                        <p:cTn id="59" dur="1000" fill="hold"/>
                                         <p:tgtEl>
                                           <p:spTgt spid="5"/>
                                         </p:tgtEl>
@@ -11306,14 +12941,14 @@
                                 </p:cTn>
                               </p:par>
                               <p:par>
-                                <p:cTn id="64" presetID="26" presetClass="entr" presetSubtype="0" fill="hold" nodeType="withEffect">
+                                <p:cTn id="60" presetID="26" presetClass="entr" presetSubtype="0" fill="hold" nodeType="withEffect">
                                   <p:stCondLst>
                                     <p:cond delay="0"/>
                                   </p:stCondLst>
                                   <p:childTnLst>
                                     <p:set>
                                       <p:cBhvr>
-                                        <p:cTn id="65" dur="1" fill="hold">
+                                        <p:cTn id="61" dur="1" fill="hold">
                                           <p:stCondLst>
                                             <p:cond delay="0"/>
                                           </p:stCondLst>
@@ -11331,7 +12966,7 @@
                                     </p:set>
                                     <p:animEffect transition="in" filter="wipe(down)">
                                       <p:cBhvr>
-                                        <p:cTn id="66" dur="580">
+                                        <p:cTn id="62" dur="580">
                                           <p:stCondLst>
                                             <p:cond delay="0"/>
                                           </p:stCondLst>
@@ -11343,7 +12978,7 @@
                                     </p:animEffect>
                                     <p:anim calcmode="lin" valueType="num">
                                       <p:cBhvr>
-                                        <p:cTn id="67" dur="1822" tmFilter="0,0; 0.14,0.36; 0.43,0.73; 0.71,0.91; 1.0,1.0">
+                                        <p:cTn id="63" dur="1822" tmFilter="0,0; 0.14,0.36; 0.43,0.73; 0.71,0.91; 1.0,1.0">
                                           <p:stCondLst>
                                             <p:cond delay="0"/>
                                           </p:stCondLst>
@@ -11370,7 +13005,7 @@
                                     </p:anim>
                                     <p:anim calcmode="lin" valueType="num">
                                       <p:cBhvr>
-                                        <p:cTn id="68" dur="664" tmFilter="0.0,0.0; 0.25,0.07; 0.50,0.2; 0.75,0.467; 1.0,1.0">
+                                        <p:cTn id="64" dur="664" tmFilter="0.0,0.0; 0.25,0.07; 0.50,0.2; 0.75,0.467; 1.0,1.0">
                                           <p:stCondLst>
                                             <p:cond delay="0"/>
                                           </p:stCondLst>
@@ -11397,7 +13032,7 @@
                                     </p:anim>
                                     <p:anim calcmode="lin" valueType="num">
                                       <p:cBhvr>
-                                        <p:cTn id="69" dur="664" tmFilter="0, 0; 0.125,0.2665; 0.25,0.4; 0.375,0.465; 0.5,0.5;  0.625,0.535; 0.75,0.6; 0.875,0.7335; 1,1">
+                                        <p:cTn id="65" dur="664" tmFilter="0, 0; 0.125,0.2665; 0.25,0.4; 0.375,0.465; 0.5,0.5;  0.625,0.535; 0.75,0.6; 0.875,0.7335; 1,1">
                                           <p:stCondLst>
                                             <p:cond delay="664"/>
                                           </p:stCondLst>
@@ -11424,7 +13059,7 @@
                                     </p:anim>
                                     <p:anim calcmode="lin" valueType="num">
                                       <p:cBhvr>
-                                        <p:cTn id="70" dur="332" tmFilter="0, 0; 0.125,0.2665; 0.25,0.4; 0.375,0.465; 0.5,0.5;  0.625,0.535; 0.75,0.6; 0.875,0.7335; 1,1">
+                                        <p:cTn id="66" dur="332" tmFilter="0, 0; 0.125,0.2665; 0.25,0.4; 0.375,0.465; 0.5,0.5;  0.625,0.535; 0.75,0.6; 0.875,0.7335; 1,1">
                                           <p:stCondLst>
                                             <p:cond delay="1324"/>
                                           </p:stCondLst>
@@ -11451,7 +13086,7 @@
                                     </p:anim>
                                     <p:anim calcmode="lin" valueType="num">
                                       <p:cBhvr>
-                                        <p:cTn id="71" dur="164" tmFilter="0, 0; 0.125,0.2665; 0.25,0.4; 0.375,0.465; 0.5,0.5;  0.625,0.535; 0.75,0.6; 0.875,0.7335; 1,1">
+                                        <p:cTn id="67" dur="164" tmFilter="0, 0; 0.125,0.2665; 0.25,0.4; 0.375,0.465; 0.5,0.5;  0.625,0.535; 0.75,0.6; 0.875,0.7335; 1,1">
                                           <p:stCondLst>
                                             <p:cond delay="1656"/>
                                           </p:stCondLst>
@@ -11478,7 +13113,7 @@
                                     </p:anim>
                                     <p:animScale>
                                       <p:cBhvr>
-                                        <p:cTn id="72" dur="26">
+                                        <p:cTn id="68" dur="26">
                                           <p:stCondLst>
                                             <p:cond delay="650"/>
                                           </p:stCondLst>
@@ -11491,7 +13126,7 @@
                                     </p:animScale>
                                     <p:animScale>
                                       <p:cBhvr>
-                                        <p:cTn id="73" dur="166" decel="50000">
+                                        <p:cTn id="69" dur="166" decel="50000">
                                           <p:stCondLst>
                                             <p:cond delay="676"/>
                                           </p:stCondLst>
@@ -11504,7 +13139,7 @@
                                     </p:animScale>
                                     <p:animScale>
                                       <p:cBhvr>
-                                        <p:cTn id="74" dur="26">
+                                        <p:cTn id="70" dur="26">
                                           <p:stCondLst>
                                             <p:cond delay="1312"/>
                                           </p:stCondLst>
@@ -11517,7 +13152,7 @@
                                     </p:animScale>
                                     <p:animScale>
                                       <p:cBhvr>
-                                        <p:cTn id="75" dur="166" decel="50000">
+                                        <p:cTn id="71" dur="166" decel="50000">
                                           <p:stCondLst>
                                             <p:cond delay="1338"/>
                                           </p:stCondLst>
@@ -11530,7 +13165,7 @@
                                     </p:animScale>
                                     <p:animScale>
                                       <p:cBhvr>
-                                        <p:cTn id="76" dur="26">
+                                        <p:cTn id="72" dur="26">
                                           <p:stCondLst>
                                             <p:cond delay="1642"/>
                                           </p:stCondLst>
@@ -11543,7 +13178,7 @@
                                     </p:animScale>
                                     <p:animScale>
                                       <p:cBhvr>
-                                        <p:cTn id="77" dur="166" decel="50000">
+                                        <p:cTn id="73" dur="166" decel="50000">
                                           <p:stCondLst>
                                             <p:cond delay="1668"/>
                                           </p:stCondLst>
@@ -11556,7 +13191,7 @@
                                     </p:animScale>
                                     <p:animScale>
                                       <p:cBhvr>
-                                        <p:cTn id="78" dur="26">
+                                        <p:cTn id="74" dur="26">
                                           <p:stCondLst>
                                             <p:cond delay="1808"/>
                                           </p:stCondLst>
@@ -11569,7 +13204,7 @@
                                     </p:animScale>
                                     <p:animScale>
                                       <p:cBhvr>
-                                        <p:cTn id="79" dur="166" decel="50000">
+                                        <p:cTn id="75" dur="166" decel="50000">
                                           <p:stCondLst>
                                             <p:cond delay="1834"/>
                                           </p:stCondLst>
@@ -11583,33 +13218,15 @@
                                   </p:childTnLst>
                                 </p:cTn>
                               </p:par>
-                            </p:childTnLst>
-                          </p:cTn>
-                        </p:par>
-                      </p:childTnLst>
-                    </p:cTn>
-                  </p:par>
-                  <p:par>
-                    <p:cTn id="80" fill="hold">
-                      <p:stCondLst>
-                        <p:cond delay="indefinite"/>
-                      </p:stCondLst>
-                      <p:childTnLst>
-                        <p:par>
-                          <p:cTn id="81" fill="hold">
-                            <p:stCondLst>
-                              <p:cond delay="0"/>
-                            </p:stCondLst>
-                            <p:childTnLst>
                               <p:par>
-                                <p:cTn id="82" presetID="42" presetClass="entr" presetSubtype="0" fill="hold" grpId="0" nodeType="clickEffect">
+                                <p:cTn id="76" presetID="42" presetClass="entr" presetSubtype="0" fill="hold" grpId="0" nodeType="withEffect">
                                   <p:stCondLst>
                                     <p:cond delay="0"/>
                                   </p:stCondLst>
                                   <p:childTnLst>
                                     <p:set>
                                       <p:cBhvr>
-                                        <p:cTn id="83" dur="1" fill="hold">
+                                        <p:cTn id="77" dur="1" fill="hold">
                                           <p:stCondLst>
                                             <p:cond delay="0"/>
                                           </p:stCondLst>
@@ -11627,7 +13244,7 @@
                                     </p:set>
                                     <p:animEffect transition="in" filter="fade">
                                       <p:cBhvr>
-                                        <p:cTn id="84" dur="1000"/>
+                                        <p:cTn id="78" dur="1000"/>
                                         <p:tgtEl>
                                           <p:spTgt spid="17"/>
                                         </p:tgtEl>
@@ -11635,7 +13252,7 @@
                                     </p:animEffect>
                                     <p:anim calcmode="lin" valueType="num">
                                       <p:cBhvr>
-                                        <p:cTn id="85" dur="1000" fill="hold"/>
+                                        <p:cTn id="79" dur="1000" fill="hold"/>
                                         <p:tgtEl>
                                           <p:spTgt spid="17"/>
                                         </p:tgtEl>
@@ -11658,7 +13275,7 @@
                                     </p:anim>
                                     <p:anim calcmode="lin" valueType="num">
                                       <p:cBhvr>
-                                        <p:cTn id="86" dur="1000" fill="hold"/>
+                                        <p:cTn id="80" dur="1000" fill="hold"/>
                                         <p:tgtEl>
                                           <p:spTgt spid="17"/>
                                         </p:tgtEl>
@@ -11683,14 +13300,14 @@
                                 </p:cTn>
                               </p:par>
                               <p:par>
-                                <p:cTn id="87" presetID="26" presetClass="entr" presetSubtype="0" fill="hold" nodeType="withEffect">
+                                <p:cTn id="81" presetID="26" presetClass="entr" presetSubtype="0" fill="hold" nodeType="withEffect">
                                   <p:stCondLst>
                                     <p:cond delay="0"/>
                                   </p:stCondLst>
                                   <p:childTnLst>
                                     <p:set>
                                       <p:cBhvr>
-                                        <p:cTn id="88" dur="1" fill="hold">
+                                        <p:cTn id="82" dur="1" fill="hold">
                                           <p:stCondLst>
                                             <p:cond delay="0"/>
                                           </p:stCondLst>
@@ -11708,7 +13325,7 @@
                                     </p:set>
                                     <p:animEffect transition="in" filter="wipe(down)">
                                       <p:cBhvr>
-                                        <p:cTn id="89" dur="580">
+                                        <p:cTn id="83" dur="580">
                                           <p:stCondLst>
                                             <p:cond delay="0"/>
                                           </p:stCondLst>
@@ -11720,7 +13337,7 @@
                                     </p:animEffect>
                                     <p:anim calcmode="lin" valueType="num">
                                       <p:cBhvr>
-                                        <p:cTn id="90" dur="1822" tmFilter="0,0; 0.14,0.36; 0.43,0.73; 0.71,0.91; 1.0,1.0">
+                                        <p:cTn id="84" dur="1822" tmFilter="0,0; 0.14,0.36; 0.43,0.73; 0.71,0.91; 1.0,1.0">
                                           <p:stCondLst>
                                             <p:cond delay="0"/>
                                           </p:stCondLst>
@@ -11747,7 +13364,7 @@
                                     </p:anim>
                                     <p:anim calcmode="lin" valueType="num">
                                       <p:cBhvr>
-                                        <p:cTn id="91" dur="664" tmFilter="0.0,0.0; 0.25,0.07; 0.50,0.2; 0.75,0.467; 1.0,1.0">
+                                        <p:cTn id="85" dur="664" tmFilter="0.0,0.0; 0.25,0.07; 0.50,0.2; 0.75,0.467; 1.0,1.0">
                                           <p:stCondLst>
                                             <p:cond delay="0"/>
                                           </p:stCondLst>
@@ -11774,7 +13391,7 @@
                                     </p:anim>
                                     <p:anim calcmode="lin" valueType="num">
                                       <p:cBhvr>
-                                        <p:cTn id="92" dur="664" tmFilter="0, 0; 0.125,0.2665; 0.25,0.4; 0.375,0.465; 0.5,0.5;  0.625,0.535; 0.75,0.6; 0.875,0.7335; 1,1">
+                                        <p:cTn id="86" dur="664" tmFilter="0, 0; 0.125,0.2665; 0.25,0.4; 0.375,0.465; 0.5,0.5;  0.625,0.535; 0.75,0.6; 0.875,0.7335; 1,1">
                                           <p:stCondLst>
                                             <p:cond delay="664"/>
                                           </p:stCondLst>
@@ -11801,7 +13418,7 @@
                                     </p:anim>
                                     <p:anim calcmode="lin" valueType="num">
                                       <p:cBhvr>
-                                        <p:cTn id="93" dur="332" tmFilter="0, 0; 0.125,0.2665; 0.25,0.4; 0.375,0.465; 0.5,0.5;  0.625,0.535; 0.75,0.6; 0.875,0.7335; 1,1">
+                                        <p:cTn id="87" dur="332" tmFilter="0, 0; 0.125,0.2665; 0.25,0.4; 0.375,0.465; 0.5,0.5;  0.625,0.535; 0.75,0.6; 0.875,0.7335; 1,1">
                                           <p:stCondLst>
                                             <p:cond delay="1324"/>
                                           </p:stCondLst>
@@ -11828,7 +13445,7 @@
                                     </p:anim>
                                     <p:anim calcmode="lin" valueType="num">
                                       <p:cBhvr>
-                                        <p:cTn id="94" dur="164" tmFilter="0, 0; 0.125,0.2665; 0.25,0.4; 0.375,0.465; 0.5,0.5;  0.625,0.535; 0.75,0.6; 0.875,0.7335; 1,1">
+                                        <p:cTn id="88" dur="164" tmFilter="0, 0; 0.125,0.2665; 0.25,0.4; 0.375,0.465; 0.5,0.5;  0.625,0.535; 0.75,0.6; 0.875,0.7335; 1,1">
                                           <p:stCondLst>
                                             <p:cond delay="1656"/>
                                           </p:stCondLst>
@@ -11855,7 +13472,7 @@
                                     </p:anim>
                                     <p:animScale>
                                       <p:cBhvr>
-                                        <p:cTn id="95" dur="26">
+                                        <p:cTn id="89" dur="26">
                                           <p:stCondLst>
                                             <p:cond delay="650"/>
                                           </p:stCondLst>
@@ -11868,7 +13485,7 @@
                                     </p:animScale>
                                     <p:animScale>
                                       <p:cBhvr>
-                                        <p:cTn id="96" dur="166" decel="50000">
+                                        <p:cTn id="90" dur="166" decel="50000">
                                           <p:stCondLst>
                                             <p:cond delay="676"/>
                                           </p:stCondLst>
@@ -11881,7 +13498,7 @@
                                     </p:animScale>
                                     <p:animScale>
                                       <p:cBhvr>
-                                        <p:cTn id="97" dur="26">
+                                        <p:cTn id="91" dur="26">
                                           <p:stCondLst>
                                             <p:cond delay="1312"/>
                                           </p:stCondLst>
@@ -11894,7 +13511,7 @@
                                     </p:animScale>
                                     <p:animScale>
                                       <p:cBhvr>
-                                        <p:cTn id="98" dur="166" decel="50000">
+                                        <p:cTn id="92" dur="166" decel="50000">
                                           <p:stCondLst>
                                             <p:cond delay="1338"/>
                                           </p:stCondLst>
@@ -11907,7 +13524,7 @@
                                     </p:animScale>
                                     <p:animScale>
                                       <p:cBhvr>
-                                        <p:cTn id="99" dur="26">
+                                        <p:cTn id="93" dur="26">
                                           <p:stCondLst>
                                             <p:cond delay="1642"/>
                                           </p:stCondLst>
@@ -11920,7 +13537,7 @@
                                     </p:animScale>
                                     <p:animScale>
                                       <p:cBhvr>
-                                        <p:cTn id="100" dur="166" decel="50000">
+                                        <p:cTn id="94" dur="166" decel="50000">
                                           <p:stCondLst>
                                             <p:cond delay="1668"/>
                                           </p:stCondLst>
@@ -11933,7 +13550,7 @@
                                     </p:animScale>
                                     <p:animScale>
                                       <p:cBhvr>
-                                        <p:cTn id="101" dur="26">
+                                        <p:cTn id="95" dur="26">
                                           <p:stCondLst>
                                             <p:cond delay="1808"/>
                                           </p:stCondLst>
@@ -11946,7 +13563,7 @@
                                     </p:animScale>
                                     <p:animScale>
                                       <p:cBhvr>
-                                        <p:cTn id="102" dur="166" decel="50000">
+                                        <p:cTn id="96" dur="166" decel="50000">
                                           <p:stCondLst>
                                             <p:cond delay="1834"/>
                                           </p:stCondLst>
@@ -11960,33 +13577,15 @@
                                   </p:childTnLst>
                                 </p:cTn>
                               </p:par>
-                            </p:childTnLst>
-                          </p:cTn>
-                        </p:par>
-                      </p:childTnLst>
-                    </p:cTn>
-                  </p:par>
-                  <p:par>
-                    <p:cTn id="103" fill="hold">
-                      <p:stCondLst>
-                        <p:cond delay="indefinite"/>
-                      </p:stCondLst>
-                      <p:childTnLst>
-                        <p:par>
-                          <p:cTn id="104" fill="hold">
-                            <p:stCondLst>
-                              <p:cond delay="0"/>
-                            </p:stCondLst>
-                            <p:childTnLst>
                               <p:par>
-                                <p:cTn id="105" presetID="42" presetClass="entr" presetSubtype="0" fill="hold" grpId="0" nodeType="clickEffect">
+                                <p:cTn id="97" presetID="42" presetClass="entr" presetSubtype="0" fill="hold" grpId="0" nodeType="withEffect">
                                   <p:stCondLst>
                                     <p:cond delay="0"/>
                                   </p:stCondLst>
                                   <p:childTnLst>
                                     <p:set>
                                       <p:cBhvr>
-                                        <p:cTn id="106" dur="1" fill="hold">
+                                        <p:cTn id="98" dur="1" fill="hold">
                                           <p:stCondLst>
                                             <p:cond delay="0"/>
                                           </p:stCondLst>
@@ -12004,7 +13603,7 @@
                                     </p:set>
                                     <p:animEffect transition="in" filter="fade">
                                       <p:cBhvr>
-                                        <p:cTn id="107" dur="1000"/>
+                                        <p:cTn id="99" dur="1000"/>
                                         <p:tgtEl>
                                           <p:spTgt spid="18"/>
                                         </p:tgtEl>
@@ -12012,7 +13611,7 @@
                                     </p:animEffect>
                                     <p:anim calcmode="lin" valueType="num">
                                       <p:cBhvr>
-                                        <p:cTn id="108" dur="1000" fill="hold"/>
+                                        <p:cTn id="100" dur="1000" fill="hold"/>
                                         <p:tgtEl>
                                           <p:spTgt spid="18"/>
                                         </p:tgtEl>
@@ -12035,7 +13634,7 @@
                                     </p:anim>
                                     <p:anim calcmode="lin" valueType="num">
                                       <p:cBhvr>
-                                        <p:cTn id="109" dur="1000" fill="hold"/>
+                                        <p:cTn id="101" dur="1000" fill="hold"/>
                                         <p:tgtEl>
                                           <p:spTgt spid="18"/>
                                         </p:tgtEl>
@@ -12060,14 +13659,14 @@
                                 </p:cTn>
                               </p:par>
                               <p:par>
-                                <p:cTn id="110" presetID="26" presetClass="entr" presetSubtype="0" fill="hold" nodeType="withEffect">
+                                <p:cTn id="102" presetID="26" presetClass="entr" presetSubtype="0" fill="hold" nodeType="withEffect">
                                   <p:stCondLst>
                                     <p:cond delay="0"/>
                                   </p:stCondLst>
                                   <p:childTnLst>
                                     <p:set>
                                       <p:cBhvr>
-                                        <p:cTn id="111" dur="1" fill="hold">
+                                        <p:cTn id="103" dur="1" fill="hold">
                                           <p:stCondLst>
                                             <p:cond delay="0"/>
                                           </p:stCondLst>
@@ -12085,7 +13684,7 @@
                                     </p:set>
                                     <p:animEffect transition="in" filter="wipe(down)">
                                       <p:cBhvr>
-                                        <p:cTn id="112" dur="580">
+                                        <p:cTn id="104" dur="580">
                                           <p:stCondLst>
                                             <p:cond delay="0"/>
                                           </p:stCondLst>
@@ -12097,7 +13696,7 @@
                                     </p:animEffect>
                                     <p:anim calcmode="lin" valueType="num">
                                       <p:cBhvr>
-                                        <p:cTn id="113" dur="1822" tmFilter="0,0; 0.14,0.36; 0.43,0.73; 0.71,0.91; 1.0,1.0">
+                                        <p:cTn id="105" dur="1822" tmFilter="0,0; 0.14,0.36; 0.43,0.73; 0.71,0.91; 1.0,1.0">
                                           <p:stCondLst>
                                             <p:cond delay="0"/>
                                           </p:stCondLst>
@@ -12124,7 +13723,7 @@
                                     </p:anim>
                                     <p:anim calcmode="lin" valueType="num">
                                       <p:cBhvr>
-                                        <p:cTn id="114" dur="664" tmFilter="0.0,0.0; 0.25,0.07; 0.50,0.2; 0.75,0.467; 1.0,1.0">
+                                        <p:cTn id="106" dur="664" tmFilter="0.0,0.0; 0.25,0.07; 0.50,0.2; 0.75,0.467; 1.0,1.0">
                                           <p:stCondLst>
                                             <p:cond delay="0"/>
                                           </p:stCondLst>
@@ -12151,7 +13750,7 @@
                                     </p:anim>
                                     <p:anim calcmode="lin" valueType="num">
                                       <p:cBhvr>
-                                        <p:cTn id="115" dur="664" tmFilter="0, 0; 0.125,0.2665; 0.25,0.4; 0.375,0.465; 0.5,0.5;  0.625,0.535; 0.75,0.6; 0.875,0.7335; 1,1">
+                                        <p:cTn id="107" dur="664" tmFilter="0, 0; 0.125,0.2665; 0.25,0.4; 0.375,0.465; 0.5,0.5;  0.625,0.535; 0.75,0.6; 0.875,0.7335; 1,1">
                                           <p:stCondLst>
                                             <p:cond delay="664"/>
                                           </p:stCondLst>
@@ -12178,7 +13777,7 @@
                                     </p:anim>
                                     <p:anim calcmode="lin" valueType="num">
                                       <p:cBhvr>
-                                        <p:cTn id="116" dur="332" tmFilter="0, 0; 0.125,0.2665; 0.25,0.4; 0.375,0.465; 0.5,0.5;  0.625,0.535; 0.75,0.6; 0.875,0.7335; 1,1">
+                                        <p:cTn id="108" dur="332" tmFilter="0, 0; 0.125,0.2665; 0.25,0.4; 0.375,0.465; 0.5,0.5;  0.625,0.535; 0.75,0.6; 0.875,0.7335; 1,1">
                                           <p:stCondLst>
                                             <p:cond delay="1324"/>
                                           </p:stCondLst>
@@ -12205,7 +13804,7 @@
                                     </p:anim>
                                     <p:anim calcmode="lin" valueType="num">
                                       <p:cBhvr>
-                                        <p:cTn id="117" dur="164" tmFilter="0, 0; 0.125,0.2665; 0.25,0.4; 0.375,0.465; 0.5,0.5;  0.625,0.535; 0.75,0.6; 0.875,0.7335; 1,1">
+                                        <p:cTn id="109" dur="164" tmFilter="0, 0; 0.125,0.2665; 0.25,0.4; 0.375,0.465; 0.5,0.5;  0.625,0.535; 0.75,0.6; 0.875,0.7335; 1,1">
                                           <p:stCondLst>
                                             <p:cond delay="1656"/>
                                           </p:stCondLst>
@@ -12232,7 +13831,7 @@
                                     </p:anim>
                                     <p:animScale>
                                       <p:cBhvr>
-                                        <p:cTn id="118" dur="26">
+                                        <p:cTn id="110" dur="26">
                                           <p:stCondLst>
                                             <p:cond delay="650"/>
                                           </p:stCondLst>
@@ -12245,7 +13844,7 @@
                                     </p:animScale>
                                     <p:animScale>
                                       <p:cBhvr>
-                                        <p:cTn id="119" dur="166" decel="50000">
+                                        <p:cTn id="111" dur="166" decel="50000">
                                           <p:stCondLst>
                                             <p:cond delay="676"/>
                                           </p:stCondLst>
@@ -12258,7 +13857,7 @@
                                     </p:animScale>
                                     <p:animScale>
                                       <p:cBhvr>
-                                        <p:cTn id="120" dur="26">
+                                        <p:cTn id="112" dur="26">
                                           <p:stCondLst>
                                             <p:cond delay="1312"/>
                                           </p:stCondLst>
@@ -12271,7 +13870,7 @@
                                     </p:animScale>
                                     <p:animScale>
                                       <p:cBhvr>
-                                        <p:cTn id="121" dur="166" decel="50000">
+                                        <p:cTn id="113" dur="166" decel="50000">
                                           <p:stCondLst>
                                             <p:cond delay="1338"/>
                                           </p:stCondLst>
@@ -12284,7 +13883,7 @@
                                     </p:animScale>
                                     <p:animScale>
                                       <p:cBhvr>
-                                        <p:cTn id="122" dur="26">
+                                        <p:cTn id="114" dur="26">
                                           <p:stCondLst>
                                             <p:cond delay="1642"/>
                                           </p:stCondLst>
@@ -12297,7 +13896,7 @@
                                     </p:animScale>
                                     <p:animScale>
                                       <p:cBhvr>
-                                        <p:cTn id="123" dur="166" decel="50000">
+                                        <p:cTn id="115" dur="166" decel="50000">
                                           <p:stCondLst>
                                             <p:cond delay="1668"/>
                                           </p:stCondLst>
@@ -12310,7 +13909,7 @@
                                     </p:animScale>
                                     <p:animScale>
                                       <p:cBhvr>
-                                        <p:cTn id="124" dur="26">
+                                        <p:cTn id="116" dur="26">
                                           <p:stCondLst>
                                             <p:cond delay="1808"/>
                                           </p:stCondLst>
@@ -12323,7 +13922,7 @@
                                     </p:animScale>
                                     <p:animScale>
                                       <p:cBhvr>
-                                        <p:cTn id="125" dur="166" decel="50000">
+                                        <p:cTn id="117" dur="166" decel="50000">
                                           <p:stCondLst>
                                             <p:cond delay="1834"/>
                                           </p:stCondLst>
@@ -12337,33 +13936,15 @@
                                   </p:childTnLst>
                                 </p:cTn>
                               </p:par>
-                            </p:childTnLst>
-                          </p:cTn>
-                        </p:par>
-                      </p:childTnLst>
-                    </p:cTn>
-                  </p:par>
-                  <p:par>
-                    <p:cTn id="126" fill="hold">
-                      <p:stCondLst>
-                        <p:cond delay="indefinite"/>
-                      </p:stCondLst>
-                      <p:childTnLst>
-                        <p:par>
-                          <p:cTn id="127" fill="hold">
-                            <p:stCondLst>
-                              <p:cond delay="0"/>
-                            </p:stCondLst>
-                            <p:childTnLst>
                               <p:par>
-                                <p:cTn id="128" presetID="42" presetClass="entr" presetSubtype="0" fill="hold" grpId="0" nodeType="clickEffect">
+                                <p:cTn id="118" presetID="42" presetClass="entr" presetSubtype="0" fill="hold" grpId="0" nodeType="withEffect">
                                   <p:stCondLst>
                                     <p:cond delay="0"/>
                                   </p:stCondLst>
                                   <p:childTnLst>
                                     <p:set>
                                       <p:cBhvr>
-                                        <p:cTn id="129" dur="1" fill="hold">
+                                        <p:cTn id="119" dur="1" fill="hold">
                                           <p:stCondLst>
                                             <p:cond delay="0"/>
                                           </p:stCondLst>
@@ -12381,7 +13962,7 @@
                                     </p:set>
                                     <p:animEffect transition="in" filter="fade">
                                       <p:cBhvr>
-                                        <p:cTn id="130" dur="1000"/>
+                                        <p:cTn id="120" dur="1000"/>
                                         <p:tgtEl>
                                           <p:spTgt spid="7"/>
                                         </p:tgtEl>
@@ -12389,7 +13970,7 @@
                                     </p:animEffect>
                                     <p:anim calcmode="lin" valueType="num">
                                       <p:cBhvr>
-                                        <p:cTn id="131" dur="1000" fill="hold"/>
+                                        <p:cTn id="121" dur="1000" fill="hold"/>
                                         <p:tgtEl>
                                           <p:spTgt spid="7"/>
                                         </p:tgtEl>
@@ -12412,7 +13993,7 @@
                                     </p:anim>
                                     <p:anim calcmode="lin" valueType="num">
                                       <p:cBhvr>
-                                        <p:cTn id="132" dur="1000" fill="hold"/>
+                                        <p:cTn id="122" dur="1000" fill="hold"/>
                                         <p:tgtEl>
                                           <p:spTgt spid="7"/>
                                         </p:tgtEl>
@@ -12437,14 +14018,14 @@
                                 </p:cTn>
                               </p:par>
                               <p:par>
-                                <p:cTn id="133" presetID="26" presetClass="entr" presetSubtype="0" fill="hold" nodeType="withEffect">
+                                <p:cTn id="123" presetID="26" presetClass="entr" presetSubtype="0" fill="hold" nodeType="withEffect">
                                   <p:stCondLst>
                                     <p:cond delay="0"/>
                                   </p:stCondLst>
                                   <p:childTnLst>
                                     <p:set>
                                       <p:cBhvr>
-                                        <p:cTn id="134" dur="1" fill="hold">
+                                        <p:cTn id="124" dur="1" fill="hold">
                                           <p:stCondLst>
                                             <p:cond delay="0"/>
                                           </p:stCondLst>
@@ -12462,7 +14043,7 @@
                                     </p:set>
                                     <p:animEffect transition="in" filter="wipe(down)">
                                       <p:cBhvr>
-                                        <p:cTn id="135" dur="580">
+                                        <p:cTn id="125" dur="580">
                                           <p:stCondLst>
                                             <p:cond delay="0"/>
                                           </p:stCondLst>
@@ -12474,7 +14055,7 @@
                                     </p:animEffect>
                                     <p:anim calcmode="lin" valueType="num">
                                       <p:cBhvr>
-                                        <p:cTn id="136" dur="1822" tmFilter="0,0; 0.14,0.36; 0.43,0.73; 0.71,0.91; 1.0,1.0">
+                                        <p:cTn id="126" dur="1822" tmFilter="0,0; 0.14,0.36; 0.43,0.73; 0.71,0.91; 1.0,1.0">
                                           <p:stCondLst>
                                             <p:cond delay="0"/>
                                           </p:stCondLst>
@@ -12501,7 +14082,7 @@
                                     </p:anim>
                                     <p:anim calcmode="lin" valueType="num">
                                       <p:cBhvr>
-                                        <p:cTn id="137" dur="664" tmFilter="0.0,0.0; 0.25,0.07; 0.50,0.2; 0.75,0.467; 1.0,1.0">
+                                        <p:cTn id="127" dur="664" tmFilter="0.0,0.0; 0.25,0.07; 0.50,0.2; 0.75,0.467; 1.0,1.0">
                                           <p:stCondLst>
                                             <p:cond delay="0"/>
                                           </p:stCondLst>
@@ -12528,7 +14109,7 @@
                                     </p:anim>
                                     <p:anim calcmode="lin" valueType="num">
                                       <p:cBhvr>
-                                        <p:cTn id="138" dur="664" tmFilter="0, 0; 0.125,0.2665; 0.25,0.4; 0.375,0.465; 0.5,0.5;  0.625,0.535; 0.75,0.6; 0.875,0.7335; 1,1">
+                                        <p:cTn id="128" dur="664" tmFilter="0, 0; 0.125,0.2665; 0.25,0.4; 0.375,0.465; 0.5,0.5;  0.625,0.535; 0.75,0.6; 0.875,0.7335; 1,1">
                                           <p:stCondLst>
                                             <p:cond delay="664"/>
                                           </p:stCondLst>
@@ -12555,7 +14136,7 @@
                                     </p:anim>
                                     <p:anim calcmode="lin" valueType="num">
                                       <p:cBhvr>
-                                        <p:cTn id="139" dur="332" tmFilter="0, 0; 0.125,0.2665; 0.25,0.4; 0.375,0.465; 0.5,0.5;  0.625,0.535; 0.75,0.6; 0.875,0.7335; 1,1">
+                                        <p:cTn id="129" dur="332" tmFilter="0, 0; 0.125,0.2665; 0.25,0.4; 0.375,0.465; 0.5,0.5;  0.625,0.535; 0.75,0.6; 0.875,0.7335; 1,1">
                                           <p:stCondLst>
                                             <p:cond delay="1324"/>
                                           </p:stCondLst>
@@ -12582,7 +14163,7 @@
                                     </p:anim>
                                     <p:anim calcmode="lin" valueType="num">
                                       <p:cBhvr>
-                                        <p:cTn id="140" dur="164" tmFilter="0, 0; 0.125,0.2665; 0.25,0.4; 0.375,0.465; 0.5,0.5;  0.625,0.535; 0.75,0.6; 0.875,0.7335; 1,1">
+                                        <p:cTn id="130" dur="164" tmFilter="0, 0; 0.125,0.2665; 0.25,0.4; 0.375,0.465; 0.5,0.5;  0.625,0.535; 0.75,0.6; 0.875,0.7335; 1,1">
                                           <p:stCondLst>
                                             <p:cond delay="1656"/>
                                           </p:stCondLst>
@@ -12609,7 +14190,7 @@
                                     </p:anim>
                                     <p:animScale>
                                       <p:cBhvr>
-                                        <p:cTn id="141" dur="26">
+                                        <p:cTn id="131" dur="26">
                                           <p:stCondLst>
                                             <p:cond delay="650"/>
                                           </p:stCondLst>
@@ -12622,7 +14203,7 @@
                                     </p:animScale>
                                     <p:animScale>
                                       <p:cBhvr>
-                                        <p:cTn id="142" dur="166" decel="50000">
+                                        <p:cTn id="132" dur="166" decel="50000">
                                           <p:stCondLst>
                                             <p:cond delay="676"/>
                                           </p:stCondLst>
@@ -12635,7 +14216,7 @@
                                     </p:animScale>
                                     <p:animScale>
                                       <p:cBhvr>
-                                        <p:cTn id="143" dur="26">
+                                        <p:cTn id="133" dur="26">
                                           <p:stCondLst>
                                             <p:cond delay="1312"/>
                                           </p:stCondLst>
@@ -12648,7 +14229,7 @@
                                     </p:animScale>
                                     <p:animScale>
                                       <p:cBhvr>
-                                        <p:cTn id="144" dur="166" decel="50000">
+                                        <p:cTn id="134" dur="166" decel="50000">
                                           <p:stCondLst>
                                             <p:cond delay="1338"/>
                                           </p:stCondLst>
@@ -12661,7 +14242,7 @@
                                     </p:animScale>
                                     <p:animScale>
                                       <p:cBhvr>
-                                        <p:cTn id="145" dur="26">
+                                        <p:cTn id="135" dur="26">
                                           <p:stCondLst>
                                             <p:cond delay="1642"/>
                                           </p:stCondLst>
@@ -12674,7 +14255,7 @@
                                     </p:animScale>
                                     <p:animScale>
                                       <p:cBhvr>
-                                        <p:cTn id="146" dur="166" decel="50000">
+                                        <p:cTn id="136" dur="166" decel="50000">
                                           <p:stCondLst>
                                             <p:cond delay="1668"/>
                                           </p:stCondLst>
@@ -12687,7 +14268,7 @@
                                     </p:animScale>
                                     <p:animScale>
                                       <p:cBhvr>
-                                        <p:cTn id="147" dur="26">
+                                        <p:cTn id="137" dur="26">
                                           <p:stCondLst>
                                             <p:cond delay="1808"/>
                                           </p:stCondLst>
@@ -12700,7 +14281,7 @@
                                     </p:animScale>
                                     <p:animScale>
                                       <p:cBhvr>
-                                        <p:cTn id="148" dur="166" decel="50000">
+                                        <p:cTn id="138" dur="166" decel="50000">
                                           <p:stCondLst>
                                             <p:cond delay="1834"/>
                                           </p:stCondLst>
@@ -12753,7 +14334,7 @@
 </p:sld>
 </file>
 
-<file path=ppt/slides/slide15.xml><?xml version="1.0" encoding="utf-8"?>
+<file path=ppt/slides/slide16.xml><?xml version="1.0" encoding="utf-8"?>
 <p:sld xmlns:a="http://schemas.openxmlformats.org/drawingml/2006/main" xmlns:r="http://schemas.openxmlformats.org/officeDocument/2006/relationships" xmlns:p="http://schemas.openxmlformats.org/presentationml/2006/main">
   <p:cSld>
     <p:spTree>
@@ -12816,7 +14397,9 @@
         </p:nvSpPr>
         <p:spPr/>
         <p:txBody>
-          <a:bodyPr/>
+          <a:bodyPr vert="horz" lIns="91440" tIns="45720" rIns="91440" bIns="45720" rtlCol="0" anchor="t">
+            <a:normAutofit/>
+          </a:bodyPr>
           <a:lstStyle/>
           <a:p>
             <a:pPr marL="0" indent="0">
@@ -12832,38 +14415,8 @@
               <a:buNone/>
             </a:pPr>
             <a:r>
-              <a:rPr lang="hu-HU" dirty="0" err="1"/>
-              <a:t>Push</a:t>
-            </a:r>
-            <a:r>
-              <a:rPr lang="hu-HU" dirty="0"/>
-              <a:t> értesítés új eseményeknél</a:t>
-            </a:r>
-          </a:p>
-          <a:p>
-            <a:pPr marL="0" indent="0">
-              <a:buNone/>
-            </a:pPr>
-            <a:r>
               <a:rPr lang="hu-HU" dirty="0"/>
               <a:t>Telefonos applikáció létrehozása</a:t>
-            </a:r>
-          </a:p>
-          <a:p>
-            <a:pPr marL="0" indent="0">
-              <a:buNone/>
-            </a:pPr>
-            <a:r>
-              <a:rPr lang="hu-HU" dirty="0"/>
-              <a:t>Asztali </a:t>
-            </a:r>
-            <a:r>
-              <a:rPr lang="hu-HU" dirty="0" err="1"/>
-              <a:t>alkamazás</a:t>
-            </a:r>
-            <a:r>
-              <a:rPr lang="hu-HU" dirty="0"/>
-              <a:t> létrehozása</a:t>
             </a:r>
           </a:p>
           <a:p>
@@ -13054,33 +14607,15 @@
                                   </p:childTnLst>
                                 </p:cTn>
                               </p:par>
-                            </p:childTnLst>
-                          </p:cTn>
-                        </p:par>
-                      </p:childTnLst>
-                    </p:cTn>
-                  </p:par>
-                  <p:par>
-                    <p:cTn id="10" fill="hold">
-                      <p:stCondLst>
-                        <p:cond delay="indefinite"/>
-                      </p:stCondLst>
-                      <p:childTnLst>
-                        <p:par>
-                          <p:cTn id="11" fill="hold">
-                            <p:stCondLst>
-                              <p:cond delay="0"/>
-                            </p:stCondLst>
-                            <p:childTnLst>
                               <p:par>
-                                <p:cTn id="12" presetID="53" presetClass="entr" presetSubtype="16" fill="hold" grpId="0" nodeType="clickEffect">
+                                <p:cTn id="10" presetID="53" presetClass="entr" presetSubtype="16" fill="hold" grpId="0" nodeType="withEffect">
                                   <p:stCondLst>
                                     <p:cond delay="0"/>
                                   </p:stCondLst>
                                   <p:childTnLst>
                                     <p:set>
                                       <p:cBhvr>
-                                        <p:cTn id="13" dur="1" fill="hold">
+                                        <p:cTn id="11" dur="1" fill="hold">
                                           <p:stCondLst>
                                             <p:cond delay="0"/>
                                           </p:stCondLst>
@@ -13102,7 +14637,7 @@
                                     </p:set>
                                     <p:anim calcmode="lin" valueType="num">
                                       <p:cBhvr>
-                                        <p:cTn id="14" dur="500" fill="hold"/>
+                                        <p:cTn id="12" dur="500" fill="hold"/>
                                         <p:tgtEl>
                                           <p:spTgt spid="3">
                                             <p:txEl>
@@ -13129,7 +14664,7 @@
                                     </p:anim>
                                     <p:anim calcmode="lin" valueType="num">
                                       <p:cBhvr>
-                                        <p:cTn id="15" dur="500" fill="hold"/>
+                                        <p:cTn id="13" dur="500" fill="hold"/>
                                         <p:tgtEl>
                                           <p:spTgt spid="3">
                                             <p:txEl>
@@ -13156,7 +14691,7 @@
                                     </p:anim>
                                     <p:animEffect transition="in" filter="fade">
                                       <p:cBhvr>
-                                        <p:cTn id="16" dur="500"/>
+                                        <p:cTn id="14" dur="500"/>
                                         <p:tgtEl>
                                           <p:spTgt spid="3">
                                             <p:txEl>
@@ -13169,33 +14704,15 @@
                                   </p:childTnLst>
                                 </p:cTn>
                               </p:par>
-                            </p:childTnLst>
-                          </p:cTn>
-                        </p:par>
-                      </p:childTnLst>
-                    </p:cTn>
-                  </p:par>
-                  <p:par>
-                    <p:cTn id="17" fill="hold">
-                      <p:stCondLst>
-                        <p:cond delay="indefinite"/>
-                      </p:stCondLst>
-                      <p:childTnLst>
-                        <p:par>
-                          <p:cTn id="18" fill="hold">
-                            <p:stCondLst>
-                              <p:cond delay="0"/>
-                            </p:stCondLst>
-                            <p:childTnLst>
                               <p:par>
-                                <p:cTn id="19" presetID="53" presetClass="entr" presetSubtype="16" fill="hold" grpId="0" nodeType="clickEffect">
+                                <p:cTn id="15" presetID="53" presetClass="entr" presetSubtype="16" fill="hold" grpId="0" nodeType="withEffect">
                                   <p:stCondLst>
                                     <p:cond delay="0"/>
                                   </p:stCondLst>
                                   <p:childTnLst>
                                     <p:set>
                                       <p:cBhvr>
-                                        <p:cTn id="20" dur="1" fill="hold">
+                                        <p:cTn id="16" dur="1" fill="hold">
                                           <p:stCondLst>
                                             <p:cond delay="0"/>
                                           </p:stCondLst>
@@ -13217,7 +14734,7 @@
                                     </p:set>
                                     <p:anim calcmode="lin" valueType="num">
                                       <p:cBhvr>
-                                        <p:cTn id="21" dur="500" fill="hold"/>
+                                        <p:cTn id="17" dur="500" fill="hold"/>
                                         <p:tgtEl>
                                           <p:spTgt spid="3">
                                             <p:txEl>
@@ -13244,7 +14761,7 @@
                                     </p:anim>
                                     <p:anim calcmode="lin" valueType="num">
                                       <p:cBhvr>
-                                        <p:cTn id="22" dur="500" fill="hold"/>
+                                        <p:cTn id="18" dur="500" fill="hold"/>
                                         <p:tgtEl>
                                           <p:spTgt spid="3">
                                             <p:txEl>
@@ -13271,7 +14788,7 @@
                                     </p:anim>
                                     <p:animEffect transition="in" filter="fade">
                                       <p:cBhvr>
-                                        <p:cTn id="23" dur="500"/>
+                                        <p:cTn id="19" dur="500"/>
                                         <p:tgtEl>
                                           <p:spTgt spid="3">
                                             <p:txEl>
@@ -13284,33 +14801,15 @@
                                   </p:childTnLst>
                                 </p:cTn>
                               </p:par>
-                            </p:childTnLst>
-                          </p:cTn>
-                        </p:par>
-                      </p:childTnLst>
-                    </p:cTn>
-                  </p:par>
-                  <p:par>
-                    <p:cTn id="24" fill="hold">
-                      <p:stCondLst>
-                        <p:cond delay="indefinite"/>
-                      </p:stCondLst>
-                      <p:childTnLst>
-                        <p:par>
-                          <p:cTn id="25" fill="hold">
-                            <p:stCondLst>
-                              <p:cond delay="0"/>
-                            </p:stCondLst>
-                            <p:childTnLst>
                               <p:par>
-                                <p:cTn id="26" presetID="53" presetClass="entr" presetSubtype="16" fill="hold" grpId="0" nodeType="clickEffect">
+                                <p:cTn id="20" presetID="53" presetClass="entr" presetSubtype="16" fill="hold" grpId="0" nodeType="withEffect">
                                   <p:stCondLst>
                                     <p:cond delay="0"/>
                                   </p:stCondLst>
                                   <p:childTnLst>
                                     <p:set>
                                       <p:cBhvr>
-                                        <p:cTn id="27" dur="1" fill="hold">
+                                        <p:cTn id="21" dur="1" fill="hold">
                                           <p:stCondLst>
                                             <p:cond delay="0"/>
                                           </p:stCondLst>
@@ -13332,7 +14831,7 @@
                                     </p:set>
                                     <p:anim calcmode="lin" valueType="num">
                                       <p:cBhvr>
-                                        <p:cTn id="28" dur="500" fill="hold"/>
+                                        <p:cTn id="22" dur="500" fill="hold"/>
                                         <p:tgtEl>
                                           <p:spTgt spid="3">
                                             <p:txEl>
@@ -13359,7 +14858,7 @@
                                     </p:anim>
                                     <p:anim calcmode="lin" valueType="num">
                                       <p:cBhvr>
-                                        <p:cTn id="29" dur="500" fill="hold"/>
+                                        <p:cTn id="23" dur="500" fill="hold"/>
                                         <p:tgtEl>
                                           <p:spTgt spid="3">
                                             <p:txEl>
@@ -13386,7 +14885,7 @@
                                     </p:anim>
                                     <p:animEffect transition="in" filter="fade">
                                       <p:cBhvr>
-                                        <p:cTn id="30" dur="500"/>
+                                        <p:cTn id="24" dur="500"/>
                                         <p:tgtEl>
                                           <p:spTgt spid="3">
                                             <p:txEl>
@@ -13399,33 +14898,15 @@
                                   </p:childTnLst>
                                 </p:cTn>
                               </p:par>
-                            </p:childTnLst>
-                          </p:cTn>
-                        </p:par>
-                      </p:childTnLst>
-                    </p:cTn>
-                  </p:par>
-                  <p:par>
-                    <p:cTn id="31" fill="hold">
-                      <p:stCondLst>
-                        <p:cond delay="indefinite"/>
-                      </p:stCondLst>
-                      <p:childTnLst>
-                        <p:par>
-                          <p:cTn id="32" fill="hold">
-                            <p:stCondLst>
-                              <p:cond delay="0"/>
-                            </p:stCondLst>
-                            <p:childTnLst>
                               <p:par>
-                                <p:cTn id="33" presetID="53" presetClass="entr" presetSubtype="16" fill="hold" grpId="0" nodeType="clickEffect">
+                                <p:cTn id="25" presetID="53" presetClass="entr" presetSubtype="16" fill="hold" grpId="0" nodeType="withEffect">
                                   <p:stCondLst>
                                     <p:cond delay="0"/>
                                   </p:stCondLst>
                                   <p:childTnLst>
                                     <p:set>
                                       <p:cBhvr>
-                                        <p:cTn id="34" dur="1" fill="hold">
+                                        <p:cTn id="26" dur="1" fill="hold">
                                           <p:stCondLst>
                                             <p:cond delay="0"/>
                                           </p:stCondLst>
@@ -13447,7 +14928,7 @@
                                     </p:set>
                                     <p:anim calcmode="lin" valueType="num">
                                       <p:cBhvr>
-                                        <p:cTn id="35" dur="500" fill="hold"/>
+                                        <p:cTn id="27" dur="500" fill="hold"/>
                                         <p:tgtEl>
                                           <p:spTgt spid="3">
                                             <p:txEl>
@@ -13474,7 +14955,7 @@
                                     </p:anim>
                                     <p:anim calcmode="lin" valueType="num">
                                       <p:cBhvr>
-                                        <p:cTn id="36" dur="500" fill="hold"/>
+                                        <p:cTn id="28" dur="500" fill="hold"/>
                                         <p:tgtEl>
                                           <p:spTgt spid="3">
                                             <p:txEl>
@@ -13501,7 +14982,7 @@
                                     </p:anim>
                                     <p:animEffect transition="in" filter="fade">
                                       <p:cBhvr>
-                                        <p:cTn id="37" dur="500"/>
+                                        <p:cTn id="29" dur="500"/>
                                         <p:tgtEl>
                                           <p:spTgt spid="3">
                                             <p:txEl>
@@ -13514,33 +14995,15 @@
                                   </p:childTnLst>
                                 </p:cTn>
                               </p:par>
-                            </p:childTnLst>
-                          </p:cTn>
-                        </p:par>
-                      </p:childTnLst>
-                    </p:cTn>
-                  </p:par>
-                  <p:par>
-                    <p:cTn id="38" fill="hold">
-                      <p:stCondLst>
-                        <p:cond delay="indefinite"/>
-                      </p:stCondLst>
-                      <p:childTnLst>
-                        <p:par>
-                          <p:cTn id="39" fill="hold">
-                            <p:stCondLst>
-                              <p:cond delay="0"/>
-                            </p:stCondLst>
-                            <p:childTnLst>
                               <p:par>
-                                <p:cTn id="40" presetID="53" presetClass="entr" presetSubtype="16" fill="hold" grpId="0" nodeType="clickEffect">
+                                <p:cTn id="30" presetID="53" presetClass="entr" presetSubtype="16" fill="hold" grpId="0" nodeType="withEffect">
                                   <p:stCondLst>
                                     <p:cond delay="0"/>
                                   </p:stCondLst>
                                   <p:childTnLst>
                                     <p:set>
                                       <p:cBhvr>
-                                        <p:cTn id="41" dur="1" fill="hold">
+                                        <p:cTn id="31" dur="1" fill="hold">
                                           <p:stCondLst>
                                             <p:cond delay="0"/>
                                           </p:stCondLst>
@@ -13562,7 +15025,7 @@
                                     </p:set>
                                     <p:anim calcmode="lin" valueType="num">
                                       <p:cBhvr>
-                                        <p:cTn id="42" dur="500" fill="hold"/>
+                                        <p:cTn id="32" dur="500" fill="hold"/>
                                         <p:tgtEl>
                                           <p:spTgt spid="3">
                                             <p:txEl>
@@ -13589,7 +15052,7 @@
                                     </p:anim>
                                     <p:anim calcmode="lin" valueType="num">
                                       <p:cBhvr>
-                                        <p:cTn id="43" dur="500" fill="hold"/>
+                                        <p:cTn id="33" dur="500" fill="hold"/>
                                         <p:tgtEl>
                                           <p:spTgt spid="3">
                                             <p:txEl>
@@ -13616,7 +15079,7 @@
                                     </p:anim>
                                     <p:animEffect transition="in" filter="fade">
                                       <p:cBhvr>
-                                        <p:cTn id="44" dur="500"/>
+                                        <p:cTn id="34" dur="500"/>
                                         <p:tgtEl>
                                           <p:spTgt spid="3">
                                             <p:txEl>
@@ -13626,883 +15089,6 @@
                                         </p:tgtEl>
                                       </p:cBhvr>
                                     </p:animEffect>
-                                  </p:childTnLst>
-                                </p:cTn>
-                              </p:par>
-                            </p:childTnLst>
-                          </p:cTn>
-                        </p:par>
-                      </p:childTnLst>
-                    </p:cTn>
-                  </p:par>
-                  <p:par>
-                    <p:cTn id="45" fill="hold">
-                      <p:stCondLst>
-                        <p:cond delay="indefinite"/>
-                      </p:stCondLst>
-                      <p:childTnLst>
-                        <p:par>
-                          <p:cTn id="46" fill="hold">
-                            <p:stCondLst>
-                              <p:cond delay="0"/>
-                            </p:stCondLst>
-                            <p:childTnLst>
-                              <p:par>
-                                <p:cTn id="47" presetID="53" presetClass="entr" presetSubtype="16" fill="hold" grpId="0" nodeType="clickEffect">
-                                  <p:stCondLst>
-                                    <p:cond delay="0"/>
-                                  </p:stCondLst>
-                                  <p:childTnLst>
-                                    <p:set>
-                                      <p:cBhvr>
-                                        <p:cTn id="48" dur="1" fill="hold">
-                                          <p:stCondLst>
-                                            <p:cond delay="0"/>
-                                          </p:stCondLst>
-                                        </p:cTn>
-                                        <p:tgtEl>
-                                          <p:spTgt spid="3">
-                                            <p:txEl>
-                                              <p:pRg st="6" end="6"/>
-                                            </p:txEl>
-                                          </p:spTgt>
-                                        </p:tgtEl>
-                                        <p:attrNameLst>
-                                          <p:attrName>style.visibility</p:attrName>
-                                        </p:attrNameLst>
-                                      </p:cBhvr>
-                                      <p:to>
-                                        <p:strVal val="visible"/>
-                                      </p:to>
-                                    </p:set>
-                                    <p:anim calcmode="lin" valueType="num">
-                                      <p:cBhvr>
-                                        <p:cTn id="49" dur="500" fill="hold"/>
-                                        <p:tgtEl>
-                                          <p:spTgt spid="3">
-                                            <p:txEl>
-                                              <p:pRg st="6" end="6"/>
-                                            </p:txEl>
-                                          </p:spTgt>
-                                        </p:tgtEl>
-                                        <p:attrNameLst>
-                                          <p:attrName>ppt_w</p:attrName>
-                                        </p:attrNameLst>
-                                      </p:cBhvr>
-                                      <p:tavLst>
-                                        <p:tav tm="0">
-                                          <p:val>
-                                            <p:fltVal val="0"/>
-                                          </p:val>
-                                        </p:tav>
-                                        <p:tav tm="100000">
-                                          <p:val>
-                                            <p:strVal val="#ppt_w"/>
-                                          </p:val>
-                                        </p:tav>
-                                      </p:tavLst>
-                                    </p:anim>
-                                    <p:anim calcmode="lin" valueType="num">
-                                      <p:cBhvr>
-                                        <p:cTn id="50" dur="500" fill="hold"/>
-                                        <p:tgtEl>
-                                          <p:spTgt spid="3">
-                                            <p:txEl>
-                                              <p:pRg st="6" end="6"/>
-                                            </p:txEl>
-                                          </p:spTgt>
-                                        </p:tgtEl>
-                                        <p:attrNameLst>
-                                          <p:attrName>ppt_h</p:attrName>
-                                        </p:attrNameLst>
-                                      </p:cBhvr>
-                                      <p:tavLst>
-                                        <p:tav tm="0">
-                                          <p:val>
-                                            <p:fltVal val="0"/>
-                                          </p:val>
-                                        </p:tav>
-                                        <p:tav tm="100000">
-                                          <p:val>
-                                            <p:strVal val="#ppt_h"/>
-                                          </p:val>
-                                        </p:tav>
-                                      </p:tavLst>
-                                    </p:anim>
-                                    <p:animEffect transition="in" filter="fade">
-                                      <p:cBhvr>
-                                        <p:cTn id="51" dur="500"/>
-                                        <p:tgtEl>
-                                          <p:spTgt spid="3">
-                                            <p:txEl>
-                                              <p:pRg st="6" end="6"/>
-                                            </p:txEl>
-                                          </p:spTgt>
-                                        </p:tgtEl>
-                                      </p:cBhvr>
-                                    </p:animEffect>
-                                  </p:childTnLst>
-                                </p:cTn>
-                              </p:par>
-                            </p:childTnLst>
-                          </p:cTn>
-                        </p:par>
-                      </p:childTnLst>
-                    </p:cTn>
-                  </p:par>
-                  <p:par>
-                    <p:cTn id="52" fill="hold">
-                      <p:stCondLst>
-                        <p:cond delay="indefinite"/>
-                      </p:stCondLst>
-                      <p:childTnLst>
-                        <p:par>
-                          <p:cTn id="53" fill="hold">
-                            <p:stCondLst>
-                              <p:cond delay="0"/>
-                            </p:stCondLst>
-                            <p:childTnLst>
-                              <p:par>
-                                <p:cTn id="54" presetID="53" presetClass="entr" presetSubtype="16" fill="hold" grpId="0" nodeType="clickEffect">
-                                  <p:stCondLst>
-                                    <p:cond delay="0"/>
-                                  </p:stCondLst>
-                                  <p:childTnLst>
-                                    <p:set>
-                                      <p:cBhvr>
-                                        <p:cTn id="55" dur="1" fill="hold">
-                                          <p:stCondLst>
-                                            <p:cond delay="0"/>
-                                          </p:stCondLst>
-                                        </p:cTn>
-                                        <p:tgtEl>
-                                          <p:spTgt spid="3">
-                                            <p:txEl>
-                                              <p:pRg st="7" end="7"/>
-                                            </p:txEl>
-                                          </p:spTgt>
-                                        </p:tgtEl>
-                                        <p:attrNameLst>
-                                          <p:attrName>style.visibility</p:attrName>
-                                        </p:attrNameLst>
-                                      </p:cBhvr>
-                                      <p:to>
-                                        <p:strVal val="visible"/>
-                                      </p:to>
-                                    </p:set>
-                                    <p:anim calcmode="lin" valueType="num">
-                                      <p:cBhvr>
-                                        <p:cTn id="56" dur="500" fill="hold"/>
-                                        <p:tgtEl>
-                                          <p:spTgt spid="3">
-                                            <p:txEl>
-                                              <p:pRg st="7" end="7"/>
-                                            </p:txEl>
-                                          </p:spTgt>
-                                        </p:tgtEl>
-                                        <p:attrNameLst>
-                                          <p:attrName>ppt_w</p:attrName>
-                                        </p:attrNameLst>
-                                      </p:cBhvr>
-                                      <p:tavLst>
-                                        <p:tav tm="0">
-                                          <p:val>
-                                            <p:fltVal val="0"/>
-                                          </p:val>
-                                        </p:tav>
-                                        <p:tav tm="100000">
-                                          <p:val>
-                                            <p:strVal val="#ppt_w"/>
-                                          </p:val>
-                                        </p:tav>
-                                      </p:tavLst>
-                                    </p:anim>
-                                    <p:anim calcmode="lin" valueType="num">
-                                      <p:cBhvr>
-                                        <p:cTn id="57" dur="500" fill="hold"/>
-                                        <p:tgtEl>
-                                          <p:spTgt spid="3">
-                                            <p:txEl>
-                                              <p:pRg st="7" end="7"/>
-                                            </p:txEl>
-                                          </p:spTgt>
-                                        </p:tgtEl>
-                                        <p:attrNameLst>
-                                          <p:attrName>ppt_h</p:attrName>
-                                        </p:attrNameLst>
-                                      </p:cBhvr>
-                                      <p:tavLst>
-                                        <p:tav tm="0">
-                                          <p:val>
-                                            <p:fltVal val="0"/>
-                                          </p:val>
-                                        </p:tav>
-                                        <p:tav tm="100000">
-                                          <p:val>
-                                            <p:strVal val="#ppt_h"/>
-                                          </p:val>
-                                        </p:tav>
-                                      </p:tavLst>
-                                    </p:anim>
-                                    <p:animEffect transition="in" filter="fade">
-                                      <p:cBhvr>
-                                        <p:cTn id="58" dur="500"/>
-                                        <p:tgtEl>
-                                          <p:spTgt spid="3">
-                                            <p:txEl>
-                                              <p:pRg st="7" end="7"/>
-                                            </p:txEl>
-                                          </p:spTgt>
-                                        </p:tgtEl>
-                                      </p:cBhvr>
-                                    </p:animEffect>
-                                  </p:childTnLst>
-                                </p:cTn>
-                              </p:par>
-                            </p:childTnLst>
-                          </p:cTn>
-                        </p:par>
-                      </p:childTnLst>
-                    </p:cTn>
-                  </p:par>
-                </p:childTnLst>
-              </p:cTn>
-              <p:prevCondLst>
-                <p:cond evt="onPrev" delay="0">
-                  <p:tgtEl>
-                    <p:sldTgt/>
-                  </p:tgtEl>
-                </p:cond>
-              </p:prevCondLst>
-              <p:nextCondLst>
-                <p:cond evt="onNext" delay="0">
-                  <p:tgtEl>
-                    <p:sldTgt/>
-                  </p:tgtEl>
-                </p:cond>
-              </p:nextCondLst>
-            </p:seq>
-          </p:childTnLst>
-        </p:cTn>
-      </p:par>
-    </p:tnLst>
-    <p:bldLst>
-      <p:bldP spid="3" grpId="0" build="p"/>
-    </p:bldLst>
-  </p:timing>
-</p:sld>
-</file>
-
-<file path=ppt/slides/slide16.xml><?xml version="1.0" encoding="utf-8"?>
-<p:sld xmlns:a="http://schemas.openxmlformats.org/drawingml/2006/main" xmlns:r="http://schemas.openxmlformats.org/officeDocument/2006/relationships" xmlns:p="http://schemas.openxmlformats.org/presentationml/2006/main">
-  <p:cSld>
-    <p:spTree>
-      <p:nvGrpSpPr>
-        <p:cNvPr id="1" name=""/>
-        <p:cNvGrpSpPr/>
-        <p:nvPr/>
-      </p:nvGrpSpPr>
-      <p:grpSpPr>
-        <a:xfrm>
-          <a:off x="0" y="0"/>
-          <a:ext cx="0" cy="0"/>
-          <a:chOff x="0" y="0"/>
-          <a:chExt cx="0" cy="0"/>
-        </a:xfrm>
-      </p:grpSpPr>
-      <p:sp>
-        <p:nvSpPr>
-          <p:cNvPr id="2" name="Cím 1">
-            <a:extLst>
-              <a:ext uri="{FF2B5EF4-FFF2-40B4-BE49-F238E27FC236}">
-                <a16:creationId xmlns:a16="http://schemas.microsoft.com/office/drawing/2014/main" id="{75CCACA6-5FEF-4865-9875-3037C61DF825}"/>
-              </a:ext>
-            </a:extLst>
-          </p:cNvPr>
-          <p:cNvSpPr>
-            <a:spLocks noGrp="1"/>
-          </p:cNvSpPr>
-          <p:nvPr>
-            <p:ph type="title"/>
-          </p:nvPr>
-        </p:nvSpPr>
-        <p:spPr/>
-        <p:txBody>
-          <a:bodyPr/>
-          <a:lstStyle/>
-          <a:p>
-            <a:r>
-              <a:rPr lang="hu-HU" dirty="0" err="1"/>
-              <a:t>Task</a:t>
-            </a:r>
-            <a:r>
-              <a:rPr lang="hu-HU" dirty="0"/>
-              <a:t> </a:t>
-            </a:r>
-            <a:r>
-              <a:rPr lang="hu-HU" dirty="0" err="1"/>
-              <a:t>assignment</a:t>
-            </a:r>
-            <a:endParaRPr lang="hu-HU" dirty="0"/>
-          </a:p>
-        </p:txBody>
-      </p:sp>
-      <p:sp>
-        <p:nvSpPr>
-          <p:cNvPr id="3" name="Tartalom helye 2">
-            <a:extLst>
-              <a:ext uri="{FF2B5EF4-FFF2-40B4-BE49-F238E27FC236}">
-                <a16:creationId xmlns:a16="http://schemas.microsoft.com/office/drawing/2014/main" id="{79E21700-416A-4A84-ADE4-6416935D5EB2}"/>
-              </a:ext>
-            </a:extLst>
-          </p:cNvPr>
-          <p:cNvSpPr>
-            <a:spLocks noGrp="1"/>
-          </p:cNvSpPr>
-          <p:nvPr>
-            <p:ph idx="1"/>
-          </p:nvPr>
-        </p:nvSpPr>
-        <p:spPr/>
-        <p:txBody>
-          <a:bodyPr/>
-          <a:lstStyle/>
-          <a:p>
-            <a:endParaRPr lang="en-US" dirty="0"/>
-          </a:p>
-          <a:p>
-            <a:r>
-              <a:rPr lang="en-US" dirty="0"/>
-              <a:t>Ric</a:t>
-            </a:r>
-            <a:r>
-              <a:rPr lang="hu-HU" dirty="0"/>
-              <a:t>h</a:t>
-            </a:r>
-            <a:r>
-              <a:rPr lang="en-US" dirty="0" err="1"/>
-              <a:t>árd</a:t>
-            </a:r>
-            <a:r>
-              <a:rPr lang="en-US" dirty="0"/>
-              <a:t> </a:t>
-            </a:r>
-            <a:r>
-              <a:rPr lang="en-US" dirty="0" err="1"/>
-              <a:t>Mózer</a:t>
-            </a:r>
-            <a:r>
-              <a:rPr lang="en-US" dirty="0"/>
-              <a:t> was responsible for the frontend and API integration.</a:t>
-            </a:r>
-          </a:p>
-          <a:p>
-            <a:endParaRPr lang="en-US" dirty="0"/>
-          </a:p>
-          <a:p>
-            <a:r>
-              <a:rPr lang="en-US" dirty="0"/>
-              <a:t>Márk Pekny was responsible for the design, frontend design, finding images and texts, and preparing the PPT.</a:t>
-            </a:r>
-          </a:p>
-          <a:p>
-            <a:endParaRPr lang="en-US" dirty="0"/>
-          </a:p>
-          <a:p>
-            <a:r>
-              <a:rPr lang="en-US" dirty="0"/>
-              <a:t>Marcell </a:t>
-            </a:r>
-            <a:r>
-              <a:rPr lang="en-US" dirty="0" err="1"/>
-              <a:t>Rapcsák</a:t>
-            </a:r>
-            <a:r>
-              <a:rPr lang="en-US" dirty="0"/>
-              <a:t> was responsible for the backend and the database.</a:t>
-            </a:r>
-          </a:p>
-          <a:p>
-            <a:endParaRPr lang="en-US" dirty="0"/>
-          </a:p>
-          <a:p>
-            <a:r>
-              <a:rPr lang="en-US" dirty="0"/>
-              <a:t>We divided the documentation equally among ourselves.</a:t>
-            </a:r>
-            <a:endParaRPr lang="hu-HU" dirty="0"/>
-          </a:p>
-        </p:txBody>
-      </p:sp>
-    </p:spTree>
-    <p:extLst>
-      <p:ext uri="{BB962C8B-B14F-4D97-AF65-F5344CB8AC3E}">
-        <p14:creationId xmlns:p14="http://schemas.microsoft.com/office/powerpoint/2010/main" val="2170988426"/>
-      </p:ext>
-    </p:extLst>
-  </p:cSld>
-  <p:clrMapOvr>
-    <a:masterClrMapping/>
-  </p:clrMapOvr>
-  <p:timing>
-    <p:tnLst>
-      <p:par>
-        <p:cTn id="1" dur="indefinite" restart="never" nodeType="tmRoot">
-          <p:childTnLst>
-            <p:seq concurrent="1" nextAc="seek">
-              <p:cTn id="2" dur="indefinite" nodeType="mainSeq">
-                <p:childTnLst>
-                  <p:par>
-                    <p:cTn id="3" fill="hold">
-                      <p:stCondLst>
-                        <p:cond delay="indefinite"/>
-                      </p:stCondLst>
-                      <p:childTnLst>
-                        <p:par>
-                          <p:cTn id="4" fill="hold">
-                            <p:stCondLst>
-                              <p:cond delay="0"/>
-                            </p:stCondLst>
-                            <p:childTnLst>
-                              <p:par>
-                                <p:cTn id="5" presetID="42" presetClass="entr" presetSubtype="0" fill="hold" grpId="0" nodeType="clickEffect">
-                                  <p:stCondLst>
-                                    <p:cond delay="0"/>
-                                  </p:stCondLst>
-                                  <p:childTnLst>
-                                    <p:set>
-                                      <p:cBhvr>
-                                        <p:cTn id="6" dur="1" fill="hold">
-                                          <p:stCondLst>
-                                            <p:cond delay="0"/>
-                                          </p:stCondLst>
-                                        </p:cTn>
-                                        <p:tgtEl>
-                                          <p:spTgt spid="3">
-                                            <p:txEl>
-                                              <p:pRg st="1" end="1"/>
-                                            </p:txEl>
-                                          </p:spTgt>
-                                        </p:tgtEl>
-                                        <p:attrNameLst>
-                                          <p:attrName>style.visibility</p:attrName>
-                                        </p:attrNameLst>
-                                      </p:cBhvr>
-                                      <p:to>
-                                        <p:strVal val="visible"/>
-                                      </p:to>
-                                    </p:set>
-                                    <p:animEffect transition="in" filter="fade">
-                                      <p:cBhvr>
-                                        <p:cTn id="7" dur="1000"/>
-                                        <p:tgtEl>
-                                          <p:spTgt spid="3">
-                                            <p:txEl>
-                                              <p:pRg st="1" end="1"/>
-                                            </p:txEl>
-                                          </p:spTgt>
-                                        </p:tgtEl>
-                                      </p:cBhvr>
-                                    </p:animEffect>
-                                    <p:anim calcmode="lin" valueType="num">
-                                      <p:cBhvr>
-                                        <p:cTn id="8" dur="1000" fill="hold"/>
-                                        <p:tgtEl>
-                                          <p:spTgt spid="3">
-                                            <p:txEl>
-                                              <p:pRg st="1" end="1"/>
-                                            </p:txEl>
-                                          </p:spTgt>
-                                        </p:tgtEl>
-                                        <p:attrNameLst>
-                                          <p:attrName>ppt_x</p:attrName>
-                                        </p:attrNameLst>
-                                      </p:cBhvr>
-                                      <p:tavLst>
-                                        <p:tav tm="0">
-                                          <p:val>
-                                            <p:strVal val="#ppt_x"/>
-                                          </p:val>
-                                        </p:tav>
-                                        <p:tav tm="100000">
-                                          <p:val>
-                                            <p:strVal val="#ppt_x"/>
-                                          </p:val>
-                                        </p:tav>
-                                      </p:tavLst>
-                                    </p:anim>
-                                    <p:anim calcmode="lin" valueType="num">
-                                      <p:cBhvr>
-                                        <p:cTn id="9" dur="1000" fill="hold"/>
-                                        <p:tgtEl>
-                                          <p:spTgt spid="3">
-                                            <p:txEl>
-                                              <p:pRg st="1" end="1"/>
-                                            </p:txEl>
-                                          </p:spTgt>
-                                        </p:tgtEl>
-                                        <p:attrNameLst>
-                                          <p:attrName>ppt_y</p:attrName>
-                                        </p:attrNameLst>
-                                      </p:cBhvr>
-                                      <p:tavLst>
-                                        <p:tav tm="0">
-                                          <p:val>
-                                            <p:strVal val="#ppt_y+.1"/>
-                                          </p:val>
-                                        </p:tav>
-                                        <p:tav tm="100000">
-                                          <p:val>
-                                            <p:strVal val="#ppt_y"/>
-                                          </p:val>
-                                        </p:tav>
-                                      </p:tavLst>
-                                    </p:anim>
-                                  </p:childTnLst>
-                                </p:cTn>
-                              </p:par>
-                            </p:childTnLst>
-                          </p:cTn>
-                        </p:par>
-                      </p:childTnLst>
-                    </p:cTn>
-                  </p:par>
-                  <p:par>
-                    <p:cTn id="10" fill="hold">
-                      <p:stCondLst>
-                        <p:cond delay="indefinite"/>
-                      </p:stCondLst>
-                      <p:childTnLst>
-                        <p:par>
-                          <p:cTn id="11" fill="hold">
-                            <p:stCondLst>
-                              <p:cond delay="0"/>
-                            </p:stCondLst>
-                            <p:childTnLst>
-                              <p:par>
-                                <p:cTn id="12" presetID="42" presetClass="entr" presetSubtype="0" fill="hold" grpId="0" nodeType="clickEffect">
-                                  <p:stCondLst>
-                                    <p:cond delay="0"/>
-                                  </p:stCondLst>
-                                  <p:childTnLst>
-                                    <p:set>
-                                      <p:cBhvr>
-                                        <p:cTn id="13" dur="1" fill="hold">
-                                          <p:stCondLst>
-                                            <p:cond delay="0"/>
-                                          </p:stCondLst>
-                                        </p:cTn>
-                                        <p:tgtEl>
-                                          <p:spTgt spid="3">
-                                            <p:txEl>
-                                              <p:pRg st="3" end="3"/>
-                                            </p:txEl>
-                                          </p:spTgt>
-                                        </p:tgtEl>
-                                        <p:attrNameLst>
-                                          <p:attrName>style.visibility</p:attrName>
-                                        </p:attrNameLst>
-                                      </p:cBhvr>
-                                      <p:to>
-                                        <p:strVal val="visible"/>
-                                      </p:to>
-                                    </p:set>
-                                    <p:animEffect transition="in" filter="fade">
-                                      <p:cBhvr>
-                                        <p:cTn id="14" dur="1000"/>
-                                        <p:tgtEl>
-                                          <p:spTgt spid="3">
-                                            <p:txEl>
-                                              <p:pRg st="3" end="3"/>
-                                            </p:txEl>
-                                          </p:spTgt>
-                                        </p:tgtEl>
-                                      </p:cBhvr>
-                                    </p:animEffect>
-                                    <p:anim calcmode="lin" valueType="num">
-                                      <p:cBhvr>
-                                        <p:cTn id="15" dur="1000" fill="hold"/>
-                                        <p:tgtEl>
-                                          <p:spTgt spid="3">
-                                            <p:txEl>
-                                              <p:pRg st="3" end="3"/>
-                                            </p:txEl>
-                                          </p:spTgt>
-                                        </p:tgtEl>
-                                        <p:attrNameLst>
-                                          <p:attrName>ppt_x</p:attrName>
-                                        </p:attrNameLst>
-                                      </p:cBhvr>
-                                      <p:tavLst>
-                                        <p:tav tm="0">
-                                          <p:val>
-                                            <p:strVal val="#ppt_x"/>
-                                          </p:val>
-                                        </p:tav>
-                                        <p:tav tm="100000">
-                                          <p:val>
-                                            <p:strVal val="#ppt_x"/>
-                                          </p:val>
-                                        </p:tav>
-                                      </p:tavLst>
-                                    </p:anim>
-                                    <p:anim calcmode="lin" valueType="num">
-                                      <p:cBhvr>
-                                        <p:cTn id="16" dur="1000" fill="hold"/>
-                                        <p:tgtEl>
-                                          <p:spTgt spid="3">
-                                            <p:txEl>
-                                              <p:pRg st="3" end="3"/>
-                                            </p:txEl>
-                                          </p:spTgt>
-                                        </p:tgtEl>
-                                        <p:attrNameLst>
-                                          <p:attrName>ppt_y</p:attrName>
-                                        </p:attrNameLst>
-                                      </p:cBhvr>
-                                      <p:tavLst>
-                                        <p:tav tm="0">
-                                          <p:val>
-                                            <p:strVal val="#ppt_y+.1"/>
-                                          </p:val>
-                                        </p:tav>
-                                        <p:tav tm="100000">
-                                          <p:val>
-                                            <p:strVal val="#ppt_y"/>
-                                          </p:val>
-                                        </p:tav>
-                                      </p:tavLst>
-                                    </p:anim>
-                                  </p:childTnLst>
-                                </p:cTn>
-                              </p:par>
-                            </p:childTnLst>
-                          </p:cTn>
-                        </p:par>
-                      </p:childTnLst>
-                    </p:cTn>
-                  </p:par>
-                  <p:par>
-                    <p:cTn id="17" fill="hold">
-                      <p:stCondLst>
-                        <p:cond delay="indefinite"/>
-                      </p:stCondLst>
-                      <p:childTnLst>
-                        <p:par>
-                          <p:cTn id="18" fill="hold">
-                            <p:stCondLst>
-                              <p:cond delay="0"/>
-                            </p:stCondLst>
-                            <p:childTnLst>
-                              <p:par>
-                                <p:cTn id="19" presetID="42" presetClass="entr" presetSubtype="0" fill="hold" grpId="0" nodeType="clickEffect">
-                                  <p:stCondLst>
-                                    <p:cond delay="0"/>
-                                  </p:stCondLst>
-                                  <p:childTnLst>
-                                    <p:set>
-                                      <p:cBhvr>
-                                        <p:cTn id="20" dur="1" fill="hold">
-                                          <p:stCondLst>
-                                            <p:cond delay="0"/>
-                                          </p:stCondLst>
-                                        </p:cTn>
-                                        <p:tgtEl>
-                                          <p:spTgt spid="3">
-                                            <p:txEl>
-                                              <p:pRg st="5" end="5"/>
-                                            </p:txEl>
-                                          </p:spTgt>
-                                        </p:tgtEl>
-                                        <p:attrNameLst>
-                                          <p:attrName>style.visibility</p:attrName>
-                                        </p:attrNameLst>
-                                      </p:cBhvr>
-                                      <p:to>
-                                        <p:strVal val="visible"/>
-                                      </p:to>
-                                    </p:set>
-                                    <p:animEffect transition="in" filter="fade">
-                                      <p:cBhvr>
-                                        <p:cTn id="21" dur="1000"/>
-                                        <p:tgtEl>
-                                          <p:spTgt spid="3">
-                                            <p:txEl>
-                                              <p:pRg st="5" end="5"/>
-                                            </p:txEl>
-                                          </p:spTgt>
-                                        </p:tgtEl>
-                                      </p:cBhvr>
-                                    </p:animEffect>
-                                    <p:anim calcmode="lin" valueType="num">
-                                      <p:cBhvr>
-                                        <p:cTn id="22" dur="1000" fill="hold"/>
-                                        <p:tgtEl>
-                                          <p:spTgt spid="3">
-                                            <p:txEl>
-                                              <p:pRg st="5" end="5"/>
-                                            </p:txEl>
-                                          </p:spTgt>
-                                        </p:tgtEl>
-                                        <p:attrNameLst>
-                                          <p:attrName>ppt_x</p:attrName>
-                                        </p:attrNameLst>
-                                      </p:cBhvr>
-                                      <p:tavLst>
-                                        <p:tav tm="0">
-                                          <p:val>
-                                            <p:strVal val="#ppt_x"/>
-                                          </p:val>
-                                        </p:tav>
-                                        <p:tav tm="100000">
-                                          <p:val>
-                                            <p:strVal val="#ppt_x"/>
-                                          </p:val>
-                                        </p:tav>
-                                      </p:tavLst>
-                                    </p:anim>
-                                    <p:anim calcmode="lin" valueType="num">
-                                      <p:cBhvr>
-                                        <p:cTn id="23" dur="1000" fill="hold"/>
-                                        <p:tgtEl>
-                                          <p:spTgt spid="3">
-                                            <p:txEl>
-                                              <p:pRg st="5" end="5"/>
-                                            </p:txEl>
-                                          </p:spTgt>
-                                        </p:tgtEl>
-                                        <p:attrNameLst>
-                                          <p:attrName>ppt_y</p:attrName>
-                                        </p:attrNameLst>
-                                      </p:cBhvr>
-                                      <p:tavLst>
-                                        <p:tav tm="0">
-                                          <p:val>
-                                            <p:strVal val="#ppt_y+.1"/>
-                                          </p:val>
-                                        </p:tav>
-                                        <p:tav tm="100000">
-                                          <p:val>
-                                            <p:strVal val="#ppt_y"/>
-                                          </p:val>
-                                        </p:tav>
-                                      </p:tavLst>
-                                    </p:anim>
-                                  </p:childTnLst>
-                                </p:cTn>
-                              </p:par>
-                            </p:childTnLst>
-                          </p:cTn>
-                        </p:par>
-                      </p:childTnLst>
-                    </p:cTn>
-                  </p:par>
-                  <p:par>
-                    <p:cTn id="24" fill="hold">
-                      <p:stCondLst>
-                        <p:cond delay="indefinite"/>
-                      </p:stCondLst>
-                      <p:childTnLst>
-                        <p:par>
-                          <p:cTn id="25" fill="hold">
-                            <p:stCondLst>
-                              <p:cond delay="0"/>
-                            </p:stCondLst>
-                            <p:childTnLst>
-                              <p:par>
-                                <p:cTn id="26" presetID="42" presetClass="entr" presetSubtype="0" fill="hold" grpId="0" nodeType="clickEffect">
-                                  <p:stCondLst>
-                                    <p:cond delay="0"/>
-                                  </p:stCondLst>
-                                  <p:childTnLst>
-                                    <p:set>
-                                      <p:cBhvr>
-                                        <p:cTn id="27" dur="1" fill="hold">
-                                          <p:stCondLst>
-                                            <p:cond delay="0"/>
-                                          </p:stCondLst>
-                                        </p:cTn>
-                                        <p:tgtEl>
-                                          <p:spTgt spid="3">
-                                            <p:txEl>
-                                              <p:pRg st="7" end="7"/>
-                                            </p:txEl>
-                                          </p:spTgt>
-                                        </p:tgtEl>
-                                        <p:attrNameLst>
-                                          <p:attrName>style.visibility</p:attrName>
-                                        </p:attrNameLst>
-                                      </p:cBhvr>
-                                      <p:to>
-                                        <p:strVal val="visible"/>
-                                      </p:to>
-                                    </p:set>
-                                    <p:animEffect transition="in" filter="fade">
-                                      <p:cBhvr>
-                                        <p:cTn id="28" dur="1000"/>
-                                        <p:tgtEl>
-                                          <p:spTgt spid="3">
-                                            <p:txEl>
-                                              <p:pRg st="7" end="7"/>
-                                            </p:txEl>
-                                          </p:spTgt>
-                                        </p:tgtEl>
-                                      </p:cBhvr>
-                                    </p:animEffect>
-                                    <p:anim calcmode="lin" valueType="num">
-                                      <p:cBhvr>
-                                        <p:cTn id="29" dur="1000" fill="hold"/>
-                                        <p:tgtEl>
-                                          <p:spTgt spid="3">
-                                            <p:txEl>
-                                              <p:pRg st="7" end="7"/>
-                                            </p:txEl>
-                                          </p:spTgt>
-                                        </p:tgtEl>
-                                        <p:attrNameLst>
-                                          <p:attrName>ppt_x</p:attrName>
-                                        </p:attrNameLst>
-                                      </p:cBhvr>
-                                      <p:tavLst>
-                                        <p:tav tm="0">
-                                          <p:val>
-                                            <p:strVal val="#ppt_x"/>
-                                          </p:val>
-                                        </p:tav>
-                                        <p:tav tm="100000">
-                                          <p:val>
-                                            <p:strVal val="#ppt_x"/>
-                                          </p:val>
-                                        </p:tav>
-                                      </p:tavLst>
-                                    </p:anim>
-                                    <p:anim calcmode="lin" valueType="num">
-                                      <p:cBhvr>
-                                        <p:cTn id="30" dur="1000" fill="hold"/>
-                                        <p:tgtEl>
-                                          <p:spTgt spid="3">
-                                            <p:txEl>
-                                              <p:pRg st="7" end="7"/>
-                                            </p:txEl>
-                                          </p:spTgt>
-                                        </p:tgtEl>
-                                        <p:attrNameLst>
-                                          <p:attrName>ppt_y</p:attrName>
-                                        </p:attrNameLst>
-                                      </p:cBhvr>
-                                      <p:tavLst>
-                                        <p:tav tm="0">
-                                          <p:val>
-                                            <p:strVal val="#ppt_y+.1"/>
-                                          </p:val>
-                                        </p:tav>
-                                        <p:tav tm="100000">
-                                          <p:val>
-                                            <p:strVal val="#ppt_y"/>
-                                          </p:val>
-                                        </p:tav>
-                                      </p:tavLst>
-                                    </p:anim>
                                   </p:childTnLst>
                                 </p:cTn>
                               </p:par>
@@ -15681,6 +16267,580 @@
 </file>
 
 <file path=ppt/slides/slide3.xml><?xml version="1.0" encoding="utf-8"?>
+<p:sld xmlns:a="http://schemas.openxmlformats.org/drawingml/2006/main" xmlns:r="http://schemas.openxmlformats.org/officeDocument/2006/relationships" xmlns:p="http://schemas.openxmlformats.org/presentationml/2006/main">
+  <p:cSld>
+    <p:spTree>
+      <p:nvGrpSpPr>
+        <p:cNvPr id="1" name=""/>
+        <p:cNvGrpSpPr/>
+        <p:nvPr/>
+      </p:nvGrpSpPr>
+      <p:grpSpPr>
+        <a:xfrm>
+          <a:off x="0" y="0"/>
+          <a:ext cx="0" cy="0"/>
+          <a:chOff x="0" y="0"/>
+          <a:chExt cx="0" cy="0"/>
+        </a:xfrm>
+      </p:grpSpPr>
+      <p:sp>
+        <p:nvSpPr>
+          <p:cNvPr id="2" name="Cím 1">
+            <a:extLst>
+              <a:ext uri="{FF2B5EF4-FFF2-40B4-BE49-F238E27FC236}">
+                <a16:creationId xmlns:a16="http://schemas.microsoft.com/office/drawing/2014/main" id="{75CCACA6-5FEF-4865-9875-3037C61DF825}"/>
+              </a:ext>
+            </a:extLst>
+          </p:cNvPr>
+          <p:cNvSpPr>
+            <a:spLocks noGrp="1"/>
+          </p:cNvSpPr>
+          <p:nvPr>
+            <p:ph type="title"/>
+          </p:nvPr>
+        </p:nvSpPr>
+        <p:spPr/>
+        <p:txBody>
+          <a:bodyPr/>
+          <a:lstStyle/>
+          <a:p>
+            <a:r>
+              <a:rPr lang="hu-HU" dirty="0"/>
+              <a:t>Feladat felosztás</a:t>
+            </a:r>
+          </a:p>
+        </p:txBody>
+      </p:sp>
+      <p:sp>
+        <p:nvSpPr>
+          <p:cNvPr id="3" name="Tartalom helye 2">
+            <a:extLst>
+              <a:ext uri="{FF2B5EF4-FFF2-40B4-BE49-F238E27FC236}">
+                <a16:creationId xmlns:a16="http://schemas.microsoft.com/office/drawing/2014/main" id="{79E21700-416A-4A84-ADE4-6416935D5EB2}"/>
+              </a:ext>
+            </a:extLst>
+          </p:cNvPr>
+          <p:cNvSpPr>
+            <a:spLocks noGrp="1"/>
+          </p:cNvSpPr>
+          <p:nvPr>
+            <p:ph idx="1"/>
+          </p:nvPr>
+        </p:nvSpPr>
+        <p:spPr/>
+        <p:txBody>
+          <a:bodyPr vert="horz" lIns="91440" tIns="45720" rIns="91440" bIns="45720" rtlCol="0" anchor="t">
+            <a:normAutofit/>
+          </a:bodyPr>
+          <a:lstStyle/>
+          <a:p>
+            <a:endParaRPr lang="en-US" dirty="0"/>
+          </a:p>
+          <a:p>
+            <a:pPr>
+              <a:buClr>
+                <a:srgbClr val="1E5155">
+                  <a:lumMod val="40000"/>
+                  <a:lumOff val="60000"/>
+                </a:srgbClr>
+              </a:buClr>
+            </a:pPr>
+            <a:r>
+              <a:rPr lang="en-US" dirty="0"/>
+              <a:t>Pekny Márk volt </a:t>
+            </a:r>
+            <a:r>
+              <a:rPr lang="en-US" dirty="0" err="1"/>
+              <a:t>felelős</a:t>
+            </a:r>
+            <a:r>
+              <a:rPr lang="en-US" dirty="0"/>
+              <a:t> a </a:t>
+            </a:r>
+            <a:r>
+              <a:rPr lang="en-US" dirty="0" err="1"/>
+              <a:t>dizájn</a:t>
+            </a:r>
+            <a:r>
+              <a:rPr lang="en-US" dirty="0"/>
+              <a:t>, frontend </a:t>
+            </a:r>
+            <a:r>
+              <a:rPr lang="en-US" dirty="0" err="1"/>
+              <a:t>dizájn</a:t>
+            </a:r>
+            <a:r>
+              <a:rPr lang="en-US" dirty="0"/>
+              <a:t>, </a:t>
+            </a:r>
+            <a:r>
+              <a:rPr lang="en-US" dirty="0" err="1"/>
+              <a:t>képek</a:t>
+            </a:r>
+            <a:r>
+              <a:rPr lang="en-US" dirty="0"/>
+              <a:t> </a:t>
+            </a:r>
+            <a:r>
+              <a:rPr lang="en-US" dirty="0" err="1"/>
+              <a:t>és</a:t>
+            </a:r>
+            <a:r>
+              <a:rPr lang="en-US" dirty="0"/>
+              <a:t> </a:t>
+            </a:r>
+            <a:r>
+              <a:rPr lang="en-US" dirty="0" err="1"/>
+              <a:t>szövegek</a:t>
+            </a:r>
+            <a:r>
+              <a:rPr lang="en-US" dirty="0"/>
+              <a:t> </a:t>
+            </a:r>
+            <a:r>
+              <a:rPr lang="en-US" dirty="0" err="1"/>
+              <a:t>keresése</a:t>
+            </a:r>
+            <a:r>
+              <a:rPr lang="en-US" dirty="0"/>
+              <a:t> </a:t>
+            </a:r>
+            <a:r>
+              <a:rPr lang="en-US" dirty="0" err="1"/>
+              <a:t>illetve</a:t>
+            </a:r>
+            <a:r>
+              <a:rPr lang="en-US" dirty="0"/>
+              <a:t> a ppt </a:t>
+            </a:r>
+            <a:r>
+              <a:rPr lang="en-US" dirty="0" err="1"/>
+              <a:t>előkészítéséért</a:t>
+            </a:r>
+            <a:r>
+              <a:rPr lang="en-US" dirty="0"/>
+              <a:t>.</a:t>
+            </a:r>
+          </a:p>
+          <a:p>
+            <a:pPr>
+              <a:buClr>
+                <a:srgbClr val="8AD0D6"/>
+              </a:buClr>
+            </a:pPr>
+            <a:endParaRPr lang="en-US" dirty="0"/>
+          </a:p>
+          <a:p>
+            <a:pPr>
+              <a:buClr>
+                <a:srgbClr val="8AD0D6"/>
+              </a:buClr>
+            </a:pPr>
+            <a:r>
+              <a:rPr lang="en-US" dirty="0"/>
+              <a:t>Mózer Ric</a:t>
+            </a:r>
+            <a:r>
+              <a:rPr lang="hu-HU" dirty="0"/>
+              <a:t>h</a:t>
+            </a:r>
+            <a:r>
+              <a:rPr lang="en-US" dirty="0" err="1"/>
+              <a:t>árd</a:t>
+            </a:r>
+            <a:r>
+              <a:rPr lang="en-US" dirty="0"/>
+              <a:t> volt </a:t>
+            </a:r>
+            <a:r>
+              <a:rPr lang="en-US" dirty="0" err="1"/>
+              <a:t>felelős</a:t>
+            </a:r>
+            <a:r>
+              <a:rPr lang="en-US" dirty="0"/>
+              <a:t> a frontend </a:t>
+            </a:r>
+            <a:r>
+              <a:rPr lang="en-US" dirty="0" err="1"/>
+              <a:t>és</a:t>
+            </a:r>
+            <a:r>
+              <a:rPr lang="en-US" dirty="0"/>
+              <a:t> a </a:t>
+            </a:r>
+            <a:r>
+              <a:rPr lang="en-US" dirty="0" err="1"/>
+              <a:t>külső</a:t>
+            </a:r>
+            <a:r>
+              <a:rPr lang="en-US" dirty="0"/>
+              <a:t> </a:t>
+            </a:r>
+            <a:r>
+              <a:rPr lang="en-US" dirty="0" err="1"/>
+              <a:t>api</a:t>
+            </a:r>
+            <a:r>
+              <a:rPr lang="en-US" dirty="0"/>
+              <a:t> </a:t>
+            </a:r>
+            <a:r>
+              <a:rPr lang="en-US" dirty="0" err="1"/>
+              <a:t>intergrációkért</a:t>
+            </a:r>
+            <a:r>
+              <a:rPr lang="en-US" dirty="0"/>
+              <a:t>.</a:t>
+            </a:r>
+            <a:endParaRPr lang="en-US"/>
+          </a:p>
+          <a:p>
+            <a:endParaRPr lang="en-US" dirty="0"/>
+          </a:p>
+          <a:p>
+            <a:r>
+              <a:rPr lang="en-US" dirty="0" err="1"/>
+              <a:t>Rapcsák</a:t>
+            </a:r>
+            <a:r>
+              <a:rPr lang="en-US" dirty="0"/>
+              <a:t> Marcell volt </a:t>
+            </a:r>
+            <a:r>
+              <a:rPr lang="en-US" dirty="0" err="1"/>
+              <a:t>felelős</a:t>
+            </a:r>
+            <a:r>
+              <a:rPr lang="en-US" dirty="0"/>
+              <a:t> a backend </a:t>
+            </a:r>
+            <a:r>
+              <a:rPr lang="en-US" dirty="0" err="1"/>
+              <a:t>és</a:t>
+            </a:r>
+            <a:r>
+              <a:rPr lang="en-US" dirty="0"/>
+              <a:t> </a:t>
+            </a:r>
+            <a:r>
+              <a:rPr lang="en-US" dirty="0" err="1"/>
+              <a:t>az</a:t>
+            </a:r>
+            <a:r>
+              <a:rPr lang="en-US" dirty="0"/>
+              <a:t> </a:t>
+            </a:r>
+            <a:r>
+              <a:rPr lang="en-US" dirty="0" err="1"/>
+              <a:t>adatbázisért</a:t>
+            </a:r>
+            <a:r>
+              <a:rPr lang="en-US" dirty="0"/>
+              <a:t>.</a:t>
+            </a:r>
+          </a:p>
+          <a:p>
+            <a:pPr>
+              <a:buClr>
+                <a:srgbClr val="8AD0D6"/>
+              </a:buClr>
+            </a:pPr>
+            <a:endParaRPr lang="en-US" dirty="0"/>
+          </a:p>
+          <a:p>
+            <a:r>
+              <a:rPr lang="en-US" dirty="0"/>
+              <a:t>A </a:t>
+            </a:r>
+            <a:r>
+              <a:rPr lang="en-US" dirty="0" err="1"/>
+              <a:t>dokumentációt</a:t>
+            </a:r>
+            <a:r>
+              <a:rPr lang="en-US" dirty="0"/>
+              <a:t> </a:t>
+            </a:r>
+            <a:r>
+              <a:rPr lang="en-US" dirty="0" err="1"/>
+              <a:t>egymás</a:t>
+            </a:r>
+            <a:r>
+              <a:rPr lang="en-US" dirty="0"/>
+              <a:t> </a:t>
+            </a:r>
+            <a:r>
+              <a:rPr lang="en-US" dirty="0" err="1"/>
+              <a:t>között</a:t>
+            </a:r>
+            <a:r>
+              <a:rPr lang="en-US" dirty="0"/>
+              <a:t> </a:t>
+            </a:r>
+            <a:r>
+              <a:rPr lang="en-US" dirty="0" err="1"/>
+              <a:t>egyenlően</a:t>
+            </a:r>
+            <a:r>
+              <a:rPr lang="en-US" dirty="0"/>
+              <a:t> </a:t>
+            </a:r>
+            <a:r>
+              <a:rPr lang="en-US" dirty="0" err="1"/>
+              <a:t>osztottuk</a:t>
+            </a:r>
+            <a:r>
+              <a:rPr lang="en-US" dirty="0"/>
+              <a:t> </a:t>
+            </a:r>
+            <a:r>
+              <a:rPr lang="en-US" dirty="0" err="1"/>
+              <a:t>fel</a:t>
+            </a:r>
+            <a:r>
+              <a:rPr lang="en-US" dirty="0"/>
+              <a:t>.</a:t>
+            </a:r>
+            <a:endParaRPr lang="hu-HU" dirty="0"/>
+          </a:p>
+        </p:txBody>
+      </p:sp>
+    </p:spTree>
+    <p:extLst>
+      <p:ext uri="{BB962C8B-B14F-4D97-AF65-F5344CB8AC3E}">
+        <p14:creationId xmlns:p14="http://schemas.microsoft.com/office/powerpoint/2010/main" val="2170988426"/>
+      </p:ext>
+    </p:extLst>
+  </p:cSld>
+  <p:clrMapOvr>
+    <a:masterClrMapping/>
+  </p:clrMapOvr>
+  <p:timing>
+    <p:tnLst>
+      <p:par>
+        <p:cTn id="1" dur="indefinite" restart="never" nodeType="tmRoot">
+          <p:childTnLst>
+            <p:seq concurrent="1" nextAc="seek">
+              <p:cTn id="2" dur="indefinite" nodeType="mainSeq">
+                <p:childTnLst>
+                  <p:par>
+                    <p:cTn id="3" fill="hold">
+                      <p:stCondLst>
+                        <p:cond delay="indefinite"/>
+                      </p:stCondLst>
+                      <p:childTnLst>
+                        <p:par>
+                          <p:cTn id="4" fill="hold">
+                            <p:stCondLst>
+                              <p:cond delay="0"/>
+                            </p:stCondLst>
+                            <p:childTnLst>
+                              <p:par>
+                                <p:cTn id="5" presetID="10" presetClass="entr" presetSubtype="0" fill="hold" grpId="0" nodeType="clickEffect">
+                                  <p:stCondLst>
+                                    <p:cond delay="0"/>
+                                  </p:stCondLst>
+                                  <p:childTnLst>
+                                    <p:set>
+                                      <p:cBhvr>
+                                        <p:cTn id="6" dur="1" fill="hold">
+                                          <p:stCondLst>
+                                            <p:cond delay="0"/>
+                                          </p:stCondLst>
+                                        </p:cTn>
+                                        <p:tgtEl>
+                                          <p:spTgt spid="3">
+                                            <p:txEl>
+                                              <p:pRg st="1" end="1"/>
+                                            </p:txEl>
+                                          </p:spTgt>
+                                        </p:tgtEl>
+                                        <p:attrNameLst>
+                                          <p:attrName>style.visibility</p:attrName>
+                                        </p:attrNameLst>
+                                      </p:cBhvr>
+                                      <p:to>
+                                        <p:strVal val="visible"/>
+                                      </p:to>
+                                    </p:set>
+                                    <p:animEffect transition="in" filter="fade">
+                                      <p:cBhvr>
+                                        <p:cTn id="7" dur="500"/>
+                                        <p:tgtEl>
+                                          <p:spTgt spid="3">
+                                            <p:txEl>
+                                              <p:pRg st="1" end="1"/>
+                                            </p:txEl>
+                                          </p:spTgt>
+                                        </p:tgtEl>
+                                      </p:cBhvr>
+                                    </p:animEffect>
+                                  </p:childTnLst>
+                                </p:cTn>
+                              </p:par>
+                              <p:par>
+                                <p:cTn id="8" presetID="10" presetClass="entr" presetSubtype="0" fill="hold" grpId="0" nodeType="withEffect">
+                                  <p:stCondLst>
+                                    <p:cond delay="0"/>
+                                  </p:stCondLst>
+                                  <p:childTnLst>
+                                    <p:set>
+                                      <p:cBhvr>
+                                        <p:cTn id="9" dur="1" fill="hold">
+                                          <p:stCondLst>
+                                            <p:cond delay="0"/>
+                                          </p:stCondLst>
+                                        </p:cTn>
+                                        <p:tgtEl>
+                                          <p:spTgt spid="3">
+                                            <p:txEl>
+                                              <p:pRg st="3" end="3"/>
+                                            </p:txEl>
+                                          </p:spTgt>
+                                        </p:tgtEl>
+                                        <p:attrNameLst>
+                                          <p:attrName>style.visibility</p:attrName>
+                                        </p:attrNameLst>
+                                      </p:cBhvr>
+                                      <p:to>
+                                        <p:strVal val="visible"/>
+                                      </p:to>
+                                    </p:set>
+                                    <p:animEffect transition="in" filter="fade">
+                                      <p:cBhvr>
+                                        <p:cTn id="10" dur="500"/>
+                                        <p:tgtEl>
+                                          <p:spTgt spid="3">
+                                            <p:txEl>
+                                              <p:pRg st="3" end="3"/>
+                                            </p:txEl>
+                                          </p:spTgt>
+                                        </p:tgtEl>
+                                      </p:cBhvr>
+                                    </p:animEffect>
+                                  </p:childTnLst>
+                                </p:cTn>
+                              </p:par>
+                              <p:par>
+                                <p:cTn id="11" presetID="10" presetClass="entr" presetSubtype="0" fill="hold" grpId="0" nodeType="withEffect">
+                                  <p:stCondLst>
+                                    <p:cond delay="0"/>
+                                  </p:stCondLst>
+                                  <p:childTnLst>
+                                    <p:set>
+                                      <p:cBhvr>
+                                        <p:cTn id="12" dur="1" fill="hold">
+                                          <p:stCondLst>
+                                            <p:cond delay="0"/>
+                                          </p:stCondLst>
+                                        </p:cTn>
+                                        <p:tgtEl>
+                                          <p:spTgt spid="3">
+                                            <p:txEl>
+                                              <p:pRg st="5" end="5"/>
+                                            </p:txEl>
+                                          </p:spTgt>
+                                        </p:tgtEl>
+                                        <p:attrNameLst>
+                                          <p:attrName>style.visibility</p:attrName>
+                                        </p:attrNameLst>
+                                      </p:cBhvr>
+                                      <p:to>
+                                        <p:strVal val="visible"/>
+                                      </p:to>
+                                    </p:set>
+                                    <p:animEffect transition="in" filter="fade">
+                                      <p:cBhvr>
+                                        <p:cTn id="13" dur="500"/>
+                                        <p:tgtEl>
+                                          <p:spTgt spid="3">
+                                            <p:txEl>
+                                              <p:pRg st="5" end="5"/>
+                                            </p:txEl>
+                                          </p:spTgt>
+                                        </p:tgtEl>
+                                      </p:cBhvr>
+                                    </p:animEffect>
+                                  </p:childTnLst>
+                                </p:cTn>
+                              </p:par>
+                              <p:par>
+                                <p:cTn id="14" presetID="10" presetClass="entr" presetSubtype="0" fill="hold" grpId="0" nodeType="withEffect">
+                                  <p:stCondLst>
+                                    <p:cond delay="0"/>
+                                  </p:stCondLst>
+                                  <p:childTnLst>
+                                    <p:set>
+                                      <p:cBhvr>
+                                        <p:cTn id="15" dur="1" fill="hold">
+                                          <p:stCondLst>
+                                            <p:cond delay="0"/>
+                                          </p:stCondLst>
+                                        </p:cTn>
+                                        <p:tgtEl>
+                                          <p:spTgt spid="3">
+                                            <p:txEl>
+                                              <p:pRg st="7" end="7"/>
+                                            </p:txEl>
+                                          </p:spTgt>
+                                        </p:tgtEl>
+                                        <p:attrNameLst>
+                                          <p:attrName>style.visibility</p:attrName>
+                                        </p:attrNameLst>
+                                      </p:cBhvr>
+                                      <p:to>
+                                        <p:strVal val="visible"/>
+                                      </p:to>
+                                    </p:set>
+                                    <p:animEffect transition="in" filter="fade">
+                                      <p:cBhvr>
+                                        <p:cTn id="16" dur="500"/>
+                                        <p:tgtEl>
+                                          <p:spTgt spid="3">
+                                            <p:txEl>
+                                              <p:pRg st="7" end="7"/>
+                                            </p:txEl>
+                                          </p:spTgt>
+                                        </p:tgtEl>
+                                      </p:cBhvr>
+                                    </p:animEffect>
+                                  </p:childTnLst>
+                                </p:cTn>
+                              </p:par>
+                            </p:childTnLst>
+                          </p:cTn>
+                        </p:par>
+                      </p:childTnLst>
+                    </p:cTn>
+                  </p:par>
+                </p:childTnLst>
+              </p:cTn>
+              <p:prevCondLst>
+                <p:cond evt="onPrev" delay="0">
+                  <p:tgtEl>
+                    <p:sldTgt/>
+                  </p:tgtEl>
+                </p:cond>
+              </p:prevCondLst>
+              <p:nextCondLst>
+                <p:cond evt="onNext" delay="0">
+                  <p:tgtEl>
+                    <p:sldTgt/>
+                  </p:tgtEl>
+                </p:cond>
+              </p:nextCondLst>
+            </p:seq>
+          </p:childTnLst>
+        </p:cTn>
+      </p:par>
+    </p:tnLst>
+    <p:bldLst>
+      <p:bldP spid="3" grpId="0" build="p"/>
+    </p:bldLst>
+  </p:timing>
+</p:sld>
+</file>
+
+<file path=ppt/slides/slide4.xml><?xml version="1.0" encoding="utf-8"?>
 <p:sld xmlns:a="http://schemas.openxmlformats.org/drawingml/2006/main" xmlns:r="http://schemas.openxmlformats.org/officeDocument/2006/relationships" xmlns:p="http://schemas.openxmlformats.org/presentationml/2006/main">
   <p:cSld>
     <p:spTree>
@@ -16080,33 +17240,15 @@
                                   </p:childTnLst>
                                 </p:cTn>
                               </p:par>
-                            </p:childTnLst>
-                          </p:cTn>
-                        </p:par>
-                      </p:childTnLst>
-                    </p:cTn>
-                  </p:par>
-                  <p:par>
-                    <p:cTn id="10" fill="hold">
-                      <p:stCondLst>
-                        <p:cond delay="indefinite"/>
-                      </p:stCondLst>
-                      <p:childTnLst>
-                        <p:par>
-                          <p:cTn id="11" fill="hold">
-                            <p:stCondLst>
-                              <p:cond delay="0"/>
-                            </p:stCondLst>
-                            <p:childTnLst>
                               <p:par>
-                                <p:cTn id="12" presetID="42" presetClass="entr" presetSubtype="0" fill="hold" nodeType="clickEffect">
+                                <p:cTn id="10" presetID="42" presetClass="entr" presetSubtype="0" fill="hold" nodeType="withEffect">
                                   <p:stCondLst>
                                     <p:cond delay="0"/>
                                   </p:stCondLst>
                                   <p:childTnLst>
                                     <p:set>
                                       <p:cBhvr>
-                                        <p:cTn id="13" dur="1" fill="hold">
+                                        <p:cTn id="11" dur="1" fill="hold">
                                           <p:stCondLst>
                                             <p:cond delay="0"/>
                                           </p:stCondLst>
@@ -16128,7 +17270,7 @@
                                     </p:set>
                                     <p:animEffect transition="in" filter="fade">
                                       <p:cBhvr>
-                                        <p:cTn id="14" dur="1000"/>
+                                        <p:cTn id="12" dur="1000"/>
                                         <p:tgtEl>
                                           <p:spTgt spid="4">
                                             <p:txEl>
@@ -16140,7 +17282,7 @@
                                     </p:animEffect>
                                     <p:anim calcmode="lin" valueType="num">
                                       <p:cBhvr>
-                                        <p:cTn id="15" dur="1000" fill="hold"/>
+                                        <p:cTn id="13" dur="1000" fill="hold"/>
                                         <p:tgtEl>
                                           <p:spTgt spid="4">
                                             <p:txEl>
@@ -16167,7 +17309,7 @@
                                     </p:anim>
                                     <p:anim calcmode="lin" valueType="num">
                                       <p:cBhvr>
-                                        <p:cTn id="16" dur="1000" fill="hold"/>
+                                        <p:cTn id="14" dur="1000" fill="hold"/>
                                         <p:tgtEl>
                                           <p:spTgt spid="4">
                                             <p:txEl>
@@ -16196,14 +17338,14 @@
                                 </p:cTn>
                               </p:par>
                               <p:par>
-                                <p:cTn id="17" presetID="21" presetClass="entr" presetSubtype="1" fill="hold" nodeType="withEffect">
+                                <p:cTn id="15" presetID="21" presetClass="entr" presetSubtype="1" fill="hold" nodeType="withEffect">
                                   <p:stCondLst>
                                     <p:cond delay="0"/>
                                   </p:stCondLst>
                                   <p:childTnLst>
                                     <p:set>
                                       <p:cBhvr>
-                                        <p:cTn id="18" dur="1" fill="hold">
+                                        <p:cTn id="16" dur="1" fill="hold">
                                           <p:stCondLst>
                                             <p:cond delay="0"/>
                                           </p:stCondLst>
@@ -16221,7 +17363,7 @@
                                     </p:set>
                                     <p:animEffect transition="in" filter="wheel(1)">
                                       <p:cBhvr>
-                                        <p:cTn id="19" dur="2000"/>
+                                        <p:cTn id="17" dur="2000"/>
                                         <p:tgtEl>
                                           <p:spTgt spid="1030"/>
                                         </p:tgtEl>
@@ -16237,26 +17379,26 @@
                     </p:cTn>
                   </p:par>
                   <p:par>
-                    <p:cTn id="20" fill="hold">
+                    <p:cTn id="18" fill="hold">
                       <p:stCondLst>
                         <p:cond delay="indefinite"/>
                       </p:stCondLst>
                       <p:childTnLst>
                         <p:par>
-                          <p:cTn id="21" fill="hold">
+                          <p:cTn id="19" fill="hold">
                             <p:stCondLst>
                               <p:cond delay="0"/>
                             </p:stCondLst>
                             <p:childTnLst>
                               <p:par>
-                                <p:cTn id="22" presetID="42" presetClass="entr" presetSubtype="0" fill="hold" nodeType="clickEffect">
+                                <p:cTn id="20" presetID="42" presetClass="entr" presetSubtype="0" fill="hold" nodeType="clickEffect">
                                   <p:stCondLst>
                                     <p:cond delay="0"/>
                                   </p:stCondLst>
                                   <p:childTnLst>
                                     <p:set>
                                       <p:cBhvr>
-                                        <p:cTn id="23" dur="1" fill="hold">
+                                        <p:cTn id="21" dur="1" fill="hold">
                                           <p:stCondLst>
                                             <p:cond delay="0"/>
                                           </p:stCondLst>
@@ -16278,7 +17420,7 @@
                                     </p:set>
                                     <p:animEffect transition="in" filter="fade">
                                       <p:cBhvr>
-                                        <p:cTn id="24" dur="1000"/>
+                                        <p:cTn id="22" dur="1000"/>
                                         <p:tgtEl>
                                           <p:spTgt spid="10">
                                             <p:txEl>
@@ -16290,7 +17432,7 @@
                                     </p:animEffect>
                                     <p:anim calcmode="lin" valueType="num">
                                       <p:cBhvr>
-                                        <p:cTn id="25" dur="1000" fill="hold"/>
+                                        <p:cTn id="23" dur="1000" fill="hold"/>
                                         <p:tgtEl>
                                           <p:spTgt spid="10">
                                             <p:txEl>
@@ -16317,124 +17459,9 @@
                                     </p:anim>
                                     <p:anim calcmode="lin" valueType="num">
                                       <p:cBhvr>
-                                        <p:cTn id="26" dur="1000" fill="hold"/>
+                                        <p:cTn id="24" dur="1000" fill="hold"/>
                                         <p:tgtEl>
                                           <p:spTgt spid="10">
-                                            <p:txEl>
-                                              <p:pRg st="0" end="0"/>
-                                            </p:txEl>
-                                          </p:spTgt>
-                                        </p:tgtEl>
-                                        <p:attrNameLst>
-                                          <p:attrName>ppt_y</p:attrName>
-                                        </p:attrNameLst>
-                                      </p:cBhvr>
-                                      <p:tavLst>
-                                        <p:tav tm="0">
-                                          <p:val>
-                                            <p:strVal val="#ppt_y+.1"/>
-                                          </p:val>
-                                        </p:tav>
-                                        <p:tav tm="100000">
-                                          <p:val>
-                                            <p:strVal val="#ppt_y"/>
-                                          </p:val>
-                                        </p:tav>
-                                      </p:tavLst>
-                                    </p:anim>
-                                  </p:childTnLst>
-                                </p:cTn>
-                              </p:par>
-                            </p:childTnLst>
-                          </p:cTn>
-                        </p:par>
-                      </p:childTnLst>
-                    </p:cTn>
-                  </p:par>
-                  <p:par>
-                    <p:cTn id="27" fill="hold">
-                      <p:stCondLst>
-                        <p:cond delay="indefinite"/>
-                      </p:stCondLst>
-                      <p:childTnLst>
-                        <p:par>
-                          <p:cTn id="28" fill="hold">
-                            <p:stCondLst>
-                              <p:cond delay="0"/>
-                            </p:stCondLst>
-                            <p:childTnLst>
-                              <p:par>
-                                <p:cTn id="29" presetID="42" presetClass="entr" presetSubtype="0" fill="hold" nodeType="clickEffect">
-                                  <p:stCondLst>
-                                    <p:cond delay="0"/>
-                                  </p:stCondLst>
-                                  <p:childTnLst>
-                                    <p:set>
-                                      <p:cBhvr>
-                                        <p:cTn id="30" dur="1" fill="hold">
-                                          <p:stCondLst>
-                                            <p:cond delay="0"/>
-                                          </p:stCondLst>
-                                        </p:cTn>
-                                        <p:tgtEl>
-                                          <p:spTgt spid="6">
-                                            <p:txEl>
-                                              <p:pRg st="0" end="0"/>
-                                            </p:txEl>
-                                          </p:spTgt>
-                                        </p:tgtEl>
-                                        <p:attrNameLst>
-                                          <p:attrName>style.visibility</p:attrName>
-                                        </p:attrNameLst>
-                                      </p:cBhvr>
-                                      <p:to>
-                                        <p:strVal val="visible"/>
-                                      </p:to>
-                                    </p:set>
-                                    <p:animEffect transition="in" filter="fade">
-                                      <p:cBhvr>
-                                        <p:cTn id="31" dur="1000"/>
-                                        <p:tgtEl>
-                                          <p:spTgt spid="6">
-                                            <p:txEl>
-                                              <p:pRg st="0" end="0"/>
-                                            </p:txEl>
-                                          </p:spTgt>
-                                        </p:tgtEl>
-                                      </p:cBhvr>
-                                    </p:animEffect>
-                                    <p:anim calcmode="lin" valueType="num">
-                                      <p:cBhvr>
-                                        <p:cTn id="32" dur="1000" fill="hold"/>
-                                        <p:tgtEl>
-                                          <p:spTgt spid="6">
-                                            <p:txEl>
-                                              <p:pRg st="0" end="0"/>
-                                            </p:txEl>
-                                          </p:spTgt>
-                                        </p:tgtEl>
-                                        <p:attrNameLst>
-                                          <p:attrName>ppt_x</p:attrName>
-                                        </p:attrNameLst>
-                                      </p:cBhvr>
-                                      <p:tavLst>
-                                        <p:tav tm="0">
-                                          <p:val>
-                                            <p:strVal val="#ppt_x"/>
-                                          </p:val>
-                                        </p:tav>
-                                        <p:tav tm="100000">
-                                          <p:val>
-                                            <p:strVal val="#ppt_x"/>
-                                          </p:val>
-                                        </p:tav>
-                                      </p:tavLst>
-                                    </p:anim>
-                                    <p:anim calcmode="lin" valueType="num">
-                                      <p:cBhvr>
-                                        <p:cTn id="33" dur="1000" fill="hold"/>
-                                        <p:tgtEl>
-                                          <p:spTgt spid="6">
                                             <p:txEl>
                                               <p:pRg st="0" end="0"/>
                                             </p:txEl>
@@ -16461,14 +17488,111 @@
                                 </p:cTn>
                               </p:par>
                               <p:par>
-                                <p:cTn id="34" presetID="21" presetClass="entr" presetSubtype="1" fill="hold" nodeType="withEffect">
+                                <p:cTn id="25" presetID="42" presetClass="entr" presetSubtype="0" fill="hold" nodeType="withEffect">
                                   <p:stCondLst>
                                     <p:cond delay="0"/>
                                   </p:stCondLst>
                                   <p:childTnLst>
                                     <p:set>
                                       <p:cBhvr>
-                                        <p:cTn id="35" dur="1" fill="hold">
+                                        <p:cTn id="26" dur="1" fill="hold">
+                                          <p:stCondLst>
+                                            <p:cond delay="0"/>
+                                          </p:stCondLst>
+                                        </p:cTn>
+                                        <p:tgtEl>
+                                          <p:spTgt spid="6">
+                                            <p:txEl>
+                                              <p:pRg st="0" end="0"/>
+                                            </p:txEl>
+                                          </p:spTgt>
+                                        </p:tgtEl>
+                                        <p:attrNameLst>
+                                          <p:attrName>style.visibility</p:attrName>
+                                        </p:attrNameLst>
+                                      </p:cBhvr>
+                                      <p:to>
+                                        <p:strVal val="visible"/>
+                                      </p:to>
+                                    </p:set>
+                                    <p:animEffect transition="in" filter="fade">
+                                      <p:cBhvr>
+                                        <p:cTn id="27" dur="1000"/>
+                                        <p:tgtEl>
+                                          <p:spTgt spid="6">
+                                            <p:txEl>
+                                              <p:pRg st="0" end="0"/>
+                                            </p:txEl>
+                                          </p:spTgt>
+                                        </p:tgtEl>
+                                      </p:cBhvr>
+                                    </p:animEffect>
+                                    <p:anim calcmode="lin" valueType="num">
+                                      <p:cBhvr>
+                                        <p:cTn id="28" dur="1000" fill="hold"/>
+                                        <p:tgtEl>
+                                          <p:spTgt spid="6">
+                                            <p:txEl>
+                                              <p:pRg st="0" end="0"/>
+                                            </p:txEl>
+                                          </p:spTgt>
+                                        </p:tgtEl>
+                                        <p:attrNameLst>
+                                          <p:attrName>ppt_x</p:attrName>
+                                        </p:attrNameLst>
+                                      </p:cBhvr>
+                                      <p:tavLst>
+                                        <p:tav tm="0">
+                                          <p:val>
+                                            <p:strVal val="#ppt_x"/>
+                                          </p:val>
+                                        </p:tav>
+                                        <p:tav tm="100000">
+                                          <p:val>
+                                            <p:strVal val="#ppt_x"/>
+                                          </p:val>
+                                        </p:tav>
+                                      </p:tavLst>
+                                    </p:anim>
+                                    <p:anim calcmode="lin" valueType="num">
+                                      <p:cBhvr>
+                                        <p:cTn id="29" dur="1000" fill="hold"/>
+                                        <p:tgtEl>
+                                          <p:spTgt spid="6">
+                                            <p:txEl>
+                                              <p:pRg st="0" end="0"/>
+                                            </p:txEl>
+                                          </p:spTgt>
+                                        </p:tgtEl>
+                                        <p:attrNameLst>
+                                          <p:attrName>ppt_y</p:attrName>
+                                        </p:attrNameLst>
+                                      </p:cBhvr>
+                                      <p:tavLst>
+                                        <p:tav tm="0">
+                                          <p:val>
+                                            <p:strVal val="#ppt_y+.1"/>
+                                          </p:val>
+                                        </p:tav>
+                                        <p:tav tm="100000">
+                                          <p:val>
+                                            <p:strVal val="#ppt_y"/>
+                                          </p:val>
+                                        </p:tav>
+                                      </p:tavLst>
+                                    </p:anim>
+                                  </p:childTnLst>
+                                </p:cTn>
+                              </p:par>
+                              <p:par>
+                                <p:cTn id="30" presetID="21" presetClass="entr" presetSubtype="1" fill="hold" nodeType="withEffect">
+                                  <p:stCondLst>
+                                    <p:cond delay="0"/>
+                                  </p:stCondLst>
+                                  <p:childTnLst>
+                                    <p:set>
+                                      <p:cBhvr>
+                                        <p:cTn id="31" dur="1" fill="hold">
                                           <p:stCondLst>
                                             <p:cond delay="0"/>
                                           </p:stCondLst>
@@ -16486,7 +17610,7 @@
                                     </p:set>
                                     <p:animEffect transition="in" filter="wheel(1)">
                                       <p:cBhvr>
-                                        <p:cTn id="36" dur="2000"/>
+                                        <p:cTn id="32" dur="2000"/>
                                         <p:tgtEl>
                                           <p:spTgt spid="1032"/>
                                         </p:tgtEl>
@@ -16526,7 +17650,7 @@
 </p:sld>
 </file>
 
-<file path=ppt/slides/slide4.xml><?xml version="1.0" encoding="utf-8"?>
+<file path=ppt/slides/slide5.xml><?xml version="1.0" encoding="utf-8"?>
 <p:sld xmlns:a="http://schemas.openxmlformats.org/drawingml/2006/main" xmlns:r="http://schemas.openxmlformats.org/officeDocument/2006/relationships" xmlns:p="http://schemas.openxmlformats.org/presentationml/2006/main">
   <p:cSld>
     <p:spTree>
@@ -16817,33 +17941,15 @@
                                   </p:childTnLst>
                                 </p:cTn>
                               </p:par>
-                            </p:childTnLst>
-                          </p:cTn>
-                        </p:par>
-                      </p:childTnLst>
-                    </p:cTn>
-                  </p:par>
-                  <p:par>
-                    <p:cTn id="10" fill="hold">
-                      <p:stCondLst>
-                        <p:cond delay="indefinite"/>
-                      </p:stCondLst>
-                      <p:childTnLst>
-                        <p:par>
-                          <p:cTn id="11" fill="hold">
-                            <p:stCondLst>
-                              <p:cond delay="0"/>
-                            </p:stCondLst>
-                            <p:childTnLst>
                               <p:par>
-                                <p:cTn id="12" presetID="2" presetClass="entr" presetSubtype="4" fill="hold" grpId="0" nodeType="clickEffect">
+                                <p:cTn id="10" presetID="2" presetClass="entr" presetSubtype="4" fill="hold" grpId="0" nodeType="withEffect">
                                   <p:stCondLst>
                                     <p:cond delay="0"/>
                                   </p:stCondLst>
                                   <p:childTnLst>
                                     <p:set>
                                       <p:cBhvr>
-                                        <p:cTn id="13" dur="1" fill="hold">
+                                        <p:cTn id="11" dur="1" fill="hold">
                                           <p:stCondLst>
                                             <p:cond delay="0"/>
                                           </p:stCondLst>
@@ -16865,7 +17971,7 @@
                                     </p:set>
                                     <p:anim calcmode="lin" valueType="num">
                                       <p:cBhvr additive="base">
-                                        <p:cTn id="14" dur="500" fill="hold"/>
+                                        <p:cTn id="12" dur="500" fill="hold"/>
                                         <p:tgtEl>
                                           <p:spTgt spid="4">
                                             <p:txEl>
@@ -16892,7 +17998,7 @@
                                     </p:anim>
                                     <p:anim calcmode="lin" valueType="num">
                                       <p:cBhvr additive="base">
-                                        <p:cTn id="15" dur="500" fill="hold"/>
+                                        <p:cTn id="13" dur="500" fill="hold"/>
                                         <p:tgtEl>
                                           <p:spTgt spid="4">
                                             <p:txEl>
@@ -16921,14 +18027,14 @@
                                 </p:cTn>
                               </p:par>
                               <p:par>
-                                <p:cTn id="16" presetID="21" presetClass="entr" presetSubtype="1" fill="hold" nodeType="withEffect">
+                                <p:cTn id="14" presetID="21" presetClass="entr" presetSubtype="1" fill="hold" nodeType="withEffect">
                                   <p:stCondLst>
                                     <p:cond delay="0"/>
                                   </p:stCondLst>
                                   <p:childTnLst>
                                     <p:set>
                                       <p:cBhvr>
-                                        <p:cTn id="17" dur="1" fill="hold">
+                                        <p:cTn id="15" dur="1" fill="hold">
                                           <p:stCondLst>
                                             <p:cond delay="0"/>
                                           </p:stCondLst>
@@ -16946,7 +18052,7 @@
                                     </p:set>
                                     <p:animEffect transition="in" filter="wheel(1)">
                                       <p:cBhvr>
-                                        <p:cTn id="18" dur="2000"/>
+                                        <p:cTn id="16" dur="2000"/>
                                         <p:tgtEl>
                                           <p:spTgt spid="2050"/>
                                         </p:tgtEl>
@@ -16989,7 +18095,7 @@
 </p:sld>
 </file>
 
-<file path=ppt/slides/slide5.xml><?xml version="1.0" encoding="utf-8"?>
+<file path=ppt/slides/slide6.xml><?xml version="1.0" encoding="utf-8"?>
 <p:sld xmlns:a="http://schemas.openxmlformats.org/drawingml/2006/main" xmlns:r="http://schemas.openxmlformats.org/officeDocument/2006/relationships" xmlns:p="http://schemas.openxmlformats.org/presentationml/2006/main">
   <p:cSld>
     <p:spTree>
@@ -17324,33 +18430,15 @@
                                   </p:childTnLst>
                                 </p:cTn>
                               </p:par>
-                            </p:childTnLst>
-                          </p:cTn>
-                        </p:par>
-                      </p:childTnLst>
-                    </p:cTn>
-                  </p:par>
-                  <p:par>
-                    <p:cTn id="10" fill="hold">
-                      <p:stCondLst>
-                        <p:cond delay="indefinite"/>
-                      </p:stCondLst>
-                      <p:childTnLst>
-                        <p:par>
-                          <p:cTn id="11" fill="hold">
-                            <p:stCondLst>
-                              <p:cond delay="0"/>
-                            </p:stCondLst>
-                            <p:childTnLst>
                               <p:par>
-                                <p:cTn id="12" presetID="42" presetClass="entr" presetSubtype="0" fill="hold" grpId="0" nodeType="clickEffect">
+                                <p:cTn id="10" presetID="42" presetClass="entr" presetSubtype="0" fill="hold" grpId="0" nodeType="withEffect">
                                   <p:stCondLst>
                                     <p:cond delay="0"/>
                                   </p:stCondLst>
                                   <p:childTnLst>
                                     <p:set>
                                       <p:cBhvr>
-                                        <p:cTn id="13" dur="1" fill="hold">
+                                        <p:cTn id="11" dur="1" fill="hold">
                                           <p:stCondLst>
                                             <p:cond delay="0"/>
                                           </p:stCondLst>
@@ -17372,7 +18460,7 @@
                                     </p:set>
                                     <p:animEffect transition="in" filter="fade">
                                       <p:cBhvr>
-                                        <p:cTn id="14" dur="1000"/>
+                                        <p:cTn id="12" dur="1000"/>
                                         <p:tgtEl>
                                           <p:spTgt spid="4">
                                             <p:txEl>
@@ -17384,7 +18472,7 @@
                                     </p:animEffect>
                                     <p:anim calcmode="lin" valueType="num">
                                       <p:cBhvr>
-                                        <p:cTn id="15" dur="1000" fill="hold"/>
+                                        <p:cTn id="13" dur="1000" fill="hold"/>
                                         <p:tgtEl>
                                           <p:spTgt spid="4">
                                             <p:txEl>
@@ -17411,7 +18499,7 @@
                                     </p:anim>
                                     <p:anim calcmode="lin" valueType="num">
                                       <p:cBhvr>
-                                        <p:cTn id="16" dur="1000" fill="hold"/>
+                                        <p:cTn id="14" dur="1000" fill="hold"/>
                                         <p:tgtEl>
                                           <p:spTgt spid="4">
                                             <p:txEl>
@@ -17439,33 +18527,15 @@
                                   </p:childTnLst>
                                 </p:cTn>
                               </p:par>
-                            </p:childTnLst>
-                          </p:cTn>
-                        </p:par>
-                      </p:childTnLst>
-                    </p:cTn>
-                  </p:par>
-                  <p:par>
-                    <p:cTn id="17" fill="hold">
-                      <p:stCondLst>
-                        <p:cond delay="indefinite"/>
-                      </p:stCondLst>
-                      <p:childTnLst>
-                        <p:par>
-                          <p:cTn id="18" fill="hold">
-                            <p:stCondLst>
-                              <p:cond delay="0"/>
-                            </p:stCondLst>
-                            <p:childTnLst>
                               <p:par>
-                                <p:cTn id="19" presetID="21" presetClass="entr" presetSubtype="1" fill="hold" nodeType="clickEffect">
+                                <p:cTn id="15" presetID="21" presetClass="entr" presetSubtype="1" fill="hold" nodeType="withEffect">
                                   <p:stCondLst>
                                     <p:cond delay="0"/>
                                   </p:stCondLst>
                                   <p:childTnLst>
                                     <p:set>
                                       <p:cBhvr>
-                                        <p:cTn id="20" dur="1" fill="hold">
+                                        <p:cTn id="16" dur="1" fill="hold">
                                           <p:stCondLst>
                                             <p:cond delay="0"/>
                                           </p:stCondLst>
@@ -17483,7 +18553,7 @@
                                     </p:set>
                                     <p:animEffect transition="in" filter="wheel(1)">
                                       <p:cBhvr>
-                                        <p:cTn id="21" dur="2000"/>
+                                        <p:cTn id="17" dur="2000"/>
                                         <p:tgtEl>
                                           <p:spTgt spid="3076"/>
                                         </p:tgtEl>
@@ -17493,14 +18563,14 @@
                                 </p:cTn>
                               </p:par>
                               <p:par>
-                                <p:cTn id="22" presetID="21" presetClass="entr" presetSubtype="1" fill="hold" nodeType="withEffect">
+                                <p:cTn id="18" presetID="21" presetClass="entr" presetSubtype="1" fill="hold" nodeType="withEffect">
                                   <p:stCondLst>
                                     <p:cond delay="0"/>
                                   </p:stCondLst>
                                   <p:childTnLst>
                                     <p:set>
                                       <p:cBhvr>
-                                        <p:cTn id="23" dur="1" fill="hold">
+                                        <p:cTn id="19" dur="1" fill="hold">
                                           <p:stCondLst>
                                             <p:cond delay="0"/>
                                           </p:stCondLst>
@@ -17518,7 +18588,7 @@
                                     </p:set>
                                     <p:animEffect transition="in" filter="wheel(1)">
                                       <p:cBhvr>
-                                        <p:cTn id="24" dur="2000"/>
+                                        <p:cTn id="20" dur="2000"/>
                                         <p:tgtEl>
                                           <p:spTgt spid="3074"/>
                                         </p:tgtEl>
@@ -17561,7 +18631,7 @@
 </p:sld>
 </file>
 
-<file path=ppt/slides/slide6.xml><?xml version="1.0" encoding="utf-8"?>
+<file path=ppt/slides/slide7.xml><?xml version="1.0" encoding="utf-8"?>
 <p:sld xmlns:a="http://schemas.openxmlformats.org/drawingml/2006/main" xmlns:r="http://schemas.openxmlformats.org/officeDocument/2006/relationships" xmlns:p="http://schemas.openxmlformats.org/presentationml/2006/main">
   <p:cSld>
     <p:spTree>
@@ -17844,33 +18914,15 @@
                                   </p:childTnLst>
                                 </p:cTn>
                               </p:par>
-                            </p:childTnLst>
-                          </p:cTn>
-                        </p:par>
-                      </p:childTnLst>
-                    </p:cTn>
-                  </p:par>
-                  <p:par>
-                    <p:cTn id="10" fill="hold">
-                      <p:stCondLst>
-                        <p:cond delay="indefinite"/>
-                      </p:stCondLst>
-                      <p:childTnLst>
-                        <p:par>
-                          <p:cTn id="11" fill="hold">
-                            <p:stCondLst>
-                              <p:cond delay="0"/>
-                            </p:stCondLst>
-                            <p:childTnLst>
                               <p:par>
-                                <p:cTn id="12" presetID="42" presetClass="entr" presetSubtype="0" fill="hold" grpId="0" nodeType="clickEffect">
+                                <p:cTn id="10" presetID="42" presetClass="entr" presetSubtype="0" fill="hold" grpId="0" nodeType="withEffect">
                                   <p:stCondLst>
                                     <p:cond delay="0"/>
                                   </p:stCondLst>
                                   <p:childTnLst>
                                     <p:set>
                                       <p:cBhvr>
-                                        <p:cTn id="13" dur="1" fill="hold">
+                                        <p:cTn id="11" dur="1" fill="hold">
                                           <p:stCondLst>
                                             <p:cond delay="0"/>
                                           </p:stCondLst>
@@ -17892,7 +18944,7 @@
                                     </p:set>
                                     <p:animEffect transition="in" filter="fade">
                                       <p:cBhvr>
-                                        <p:cTn id="14" dur="1000"/>
+                                        <p:cTn id="12" dur="1000"/>
                                         <p:tgtEl>
                                           <p:spTgt spid="4">
                                             <p:txEl>
@@ -17904,7 +18956,7 @@
                                     </p:animEffect>
                                     <p:anim calcmode="lin" valueType="num">
                                       <p:cBhvr>
-                                        <p:cTn id="15" dur="1000" fill="hold"/>
+                                        <p:cTn id="13" dur="1000" fill="hold"/>
                                         <p:tgtEl>
                                           <p:spTgt spid="4">
                                             <p:txEl>
@@ -17931,7 +18983,7 @@
                                     </p:anim>
                                     <p:anim calcmode="lin" valueType="num">
                                       <p:cBhvr>
-                                        <p:cTn id="16" dur="1000" fill="hold"/>
+                                        <p:cTn id="14" dur="1000" fill="hold"/>
                                         <p:tgtEl>
                                           <p:spTgt spid="4">
                                             <p:txEl>
@@ -17960,14 +19012,14 @@
                                 </p:cTn>
                               </p:par>
                               <p:par>
-                                <p:cTn id="17" presetID="21" presetClass="entr" presetSubtype="1" fill="hold" nodeType="withEffect">
+                                <p:cTn id="15" presetID="21" presetClass="entr" presetSubtype="1" fill="hold" nodeType="withEffect">
                                   <p:stCondLst>
                                     <p:cond delay="0"/>
                                   </p:stCondLst>
                                   <p:childTnLst>
                                     <p:set>
                                       <p:cBhvr>
-                                        <p:cTn id="18" dur="1" fill="hold">
+                                        <p:cTn id="16" dur="1" fill="hold">
                                           <p:stCondLst>
                                             <p:cond delay="0"/>
                                           </p:stCondLst>
@@ -17985,7 +19037,7 @@
                                     </p:set>
                                     <p:animEffect transition="in" filter="wheel(1)">
                                       <p:cBhvr>
-                                        <p:cTn id="19" dur="2000"/>
+                                        <p:cTn id="17" dur="2000"/>
                                         <p:tgtEl>
                                           <p:spTgt spid="1026"/>
                                         </p:tgtEl>
@@ -18029,7 +19081,7 @@
 </p:sld>
 </file>
 
-<file path=ppt/slides/slide7.xml><?xml version="1.0" encoding="utf-8"?>
+<file path=ppt/slides/slide8.xml><?xml version="1.0" encoding="utf-8"?>
 <p:sld xmlns:a="http://schemas.openxmlformats.org/drawingml/2006/main" xmlns:r="http://schemas.openxmlformats.org/officeDocument/2006/relationships" xmlns:p="http://schemas.openxmlformats.org/presentationml/2006/main">
   <p:cSld>
     <p:spTree>
@@ -18118,14 +19170,26 @@
             <p:ph sz="half" idx="2"/>
           </p:nvPr>
         </p:nvSpPr>
-        <p:spPr/>
+        <p:spPr>
+          <a:xfrm>
+            <a:off x="1103312" y="2484912"/>
+            <a:ext cx="4396339" cy="1673452"/>
+          </a:xfrm>
+        </p:spPr>
         <p:txBody>
-          <a:bodyPr/>
+          <a:bodyPr vert="horz" lIns="91440" tIns="45720" rIns="91440" bIns="45720" rtlCol="0" anchor="t">
+            <a:normAutofit lnSpcReduction="10000"/>
+          </a:bodyPr>
           <a:lstStyle/>
           <a:p>
+            <a:pPr>
+              <a:buClr>
+                <a:srgbClr val="8AD0D6"/>
+              </a:buClr>
+            </a:pPr>
             <a:r>
               <a:rPr lang="hu-HU" dirty="0"/>
-              <a:t>Versenyezhetnek az edzők, hogy melyikük tart több edzést, valamint a látogatók is, hogy melyikük vesz részt több edzésen.</a:t>
+              <a:t>A ranglista egy visszajelzést ad az edzők és a látogatóknak, hogy  ki tart legtöbb edzést és a látogatóknál ki vesz a legtöbb edzésen részt, ez alapján állítunk egy sorrendet az oldalon.</a:t>
             </a:r>
           </a:p>
         </p:txBody>
@@ -18176,7 +19240,9 @@
         </p:nvSpPr>
         <p:spPr/>
         <p:txBody>
-          <a:bodyPr/>
+          <a:bodyPr>
+            <a:normAutofit lnSpcReduction="10000"/>
+          </a:bodyPr>
           <a:lstStyle/>
           <a:p>
             <a:r>
@@ -18407,33 +19473,15 @@
                                   </p:childTnLst>
                                 </p:cTn>
                               </p:par>
-                            </p:childTnLst>
-                          </p:cTn>
-                        </p:par>
-                      </p:childTnLst>
-                    </p:cTn>
-                  </p:par>
-                  <p:par>
-                    <p:cTn id="10" fill="hold">
-                      <p:stCondLst>
-                        <p:cond delay="indefinite"/>
-                      </p:stCondLst>
-                      <p:childTnLst>
-                        <p:par>
-                          <p:cTn id="11" fill="hold">
-                            <p:stCondLst>
-                              <p:cond delay="0"/>
-                            </p:stCondLst>
-                            <p:childTnLst>
                               <p:par>
-                                <p:cTn id="12" presetID="42" presetClass="entr" presetSubtype="0" fill="hold" nodeType="clickEffect">
+                                <p:cTn id="10" presetID="42" presetClass="entr" presetSubtype="0" fill="hold" nodeType="withEffect">
                                   <p:stCondLst>
                                     <p:cond delay="0"/>
                                   </p:stCondLst>
                                   <p:childTnLst>
                                     <p:set>
                                       <p:cBhvr>
-                                        <p:cTn id="13" dur="1" fill="hold">
+                                        <p:cTn id="11" dur="1" fill="hold">
                                           <p:stCondLst>
                                             <p:cond delay="0"/>
                                           </p:stCondLst>
@@ -18455,7 +19503,7 @@
                                     </p:set>
                                     <p:animEffect transition="in" filter="fade">
                                       <p:cBhvr>
-                                        <p:cTn id="14" dur="1000"/>
+                                        <p:cTn id="12" dur="1000"/>
                                         <p:tgtEl>
                                           <p:spTgt spid="4">
                                             <p:txEl>
@@ -18467,7 +19515,7 @@
                                     </p:animEffect>
                                     <p:anim calcmode="lin" valueType="num">
                                       <p:cBhvr>
-                                        <p:cTn id="15" dur="1000" fill="hold"/>
+                                        <p:cTn id="13" dur="1000" fill="hold"/>
                                         <p:tgtEl>
                                           <p:spTgt spid="4">
                                             <p:txEl>
@@ -18494,7 +19542,7 @@
                                     </p:anim>
                                     <p:anim calcmode="lin" valueType="num">
                                       <p:cBhvr>
-                                        <p:cTn id="16" dur="1000" fill="hold"/>
+                                        <p:cTn id="14" dur="1000" fill="hold"/>
                                         <p:tgtEl>
                                           <p:spTgt spid="4">
                                             <p:txEl>
@@ -18523,14 +19571,14 @@
                                 </p:cTn>
                               </p:par>
                               <p:par>
-                                <p:cTn id="17" presetID="21" presetClass="entr" presetSubtype="1" fill="hold" nodeType="withEffect">
+                                <p:cTn id="15" presetID="21" presetClass="entr" presetSubtype="1" fill="hold" nodeType="withEffect">
                                   <p:stCondLst>
                                     <p:cond delay="0"/>
                                   </p:stCondLst>
                                   <p:childTnLst>
                                     <p:set>
                                       <p:cBhvr>
-                                        <p:cTn id="18" dur="1" fill="hold">
+                                        <p:cTn id="16" dur="1" fill="hold">
                                           <p:stCondLst>
                                             <p:cond delay="0"/>
                                           </p:stCondLst>
@@ -18548,7 +19596,7 @@
                                     </p:set>
                                     <p:animEffect transition="in" filter="wheel(1)">
                                       <p:cBhvr>
-                                        <p:cTn id="19" dur="2000"/>
+                                        <p:cTn id="17" dur="2000"/>
                                         <p:tgtEl>
                                           <p:spTgt spid="2052"/>
                                         </p:tgtEl>
@@ -18564,26 +19612,26 @@
                     </p:cTn>
                   </p:par>
                   <p:par>
-                    <p:cTn id="20" fill="hold">
+                    <p:cTn id="18" fill="hold">
                       <p:stCondLst>
                         <p:cond delay="indefinite"/>
                       </p:stCondLst>
                       <p:childTnLst>
                         <p:par>
-                          <p:cTn id="21" fill="hold">
+                          <p:cTn id="19" fill="hold">
                             <p:stCondLst>
                               <p:cond delay="0"/>
                             </p:stCondLst>
                             <p:childTnLst>
                               <p:par>
-                                <p:cTn id="22" presetID="42" presetClass="entr" presetSubtype="0" fill="hold" grpId="0" nodeType="clickEffect">
+                                <p:cTn id="20" presetID="42" presetClass="entr" presetSubtype="0" fill="hold" grpId="0" nodeType="clickEffect">
                                   <p:stCondLst>
                                     <p:cond delay="0"/>
                                   </p:stCondLst>
                                   <p:childTnLst>
                                     <p:set>
                                       <p:cBhvr>
-                                        <p:cTn id="23" dur="1" fill="hold">
+                                        <p:cTn id="21" dur="1" fill="hold">
                                           <p:stCondLst>
                                             <p:cond delay="0"/>
                                           </p:stCondLst>
@@ -18605,7 +19653,7 @@
                                     </p:set>
                                     <p:animEffect transition="in" filter="fade">
                                       <p:cBhvr>
-                                        <p:cTn id="24" dur="1000"/>
+                                        <p:cTn id="22" dur="1000"/>
                                         <p:tgtEl>
                                           <p:spTgt spid="5">
                                             <p:txEl>
@@ -18617,7 +19665,7 @@
                                     </p:animEffect>
                                     <p:anim calcmode="lin" valueType="num">
                                       <p:cBhvr>
-                                        <p:cTn id="25" dur="1000" fill="hold"/>
+                                        <p:cTn id="23" dur="1000" fill="hold"/>
                                         <p:tgtEl>
                                           <p:spTgt spid="5">
                                             <p:txEl>
@@ -18644,124 +19692,9 @@
                                     </p:anim>
                                     <p:anim calcmode="lin" valueType="num">
                                       <p:cBhvr>
-                                        <p:cTn id="26" dur="1000" fill="hold"/>
+                                        <p:cTn id="24" dur="1000" fill="hold"/>
                                         <p:tgtEl>
                                           <p:spTgt spid="5">
-                                            <p:txEl>
-                                              <p:pRg st="0" end="0"/>
-                                            </p:txEl>
-                                          </p:spTgt>
-                                        </p:tgtEl>
-                                        <p:attrNameLst>
-                                          <p:attrName>ppt_y</p:attrName>
-                                        </p:attrNameLst>
-                                      </p:cBhvr>
-                                      <p:tavLst>
-                                        <p:tav tm="0">
-                                          <p:val>
-                                            <p:strVal val="#ppt_y+.1"/>
-                                          </p:val>
-                                        </p:tav>
-                                        <p:tav tm="100000">
-                                          <p:val>
-                                            <p:strVal val="#ppt_y"/>
-                                          </p:val>
-                                        </p:tav>
-                                      </p:tavLst>
-                                    </p:anim>
-                                  </p:childTnLst>
-                                </p:cTn>
-                              </p:par>
-                            </p:childTnLst>
-                          </p:cTn>
-                        </p:par>
-                      </p:childTnLst>
-                    </p:cTn>
-                  </p:par>
-                  <p:par>
-                    <p:cTn id="27" fill="hold">
-                      <p:stCondLst>
-                        <p:cond delay="indefinite"/>
-                      </p:stCondLst>
-                      <p:childTnLst>
-                        <p:par>
-                          <p:cTn id="28" fill="hold">
-                            <p:stCondLst>
-                              <p:cond delay="0"/>
-                            </p:stCondLst>
-                            <p:childTnLst>
-                              <p:par>
-                                <p:cTn id="29" presetID="42" presetClass="entr" presetSubtype="0" fill="hold" grpId="0" nodeType="clickEffect">
-                                  <p:stCondLst>
-                                    <p:cond delay="0"/>
-                                  </p:stCondLst>
-                                  <p:childTnLst>
-                                    <p:set>
-                                      <p:cBhvr>
-                                        <p:cTn id="30" dur="1" fill="hold">
-                                          <p:stCondLst>
-                                            <p:cond delay="0"/>
-                                          </p:stCondLst>
-                                        </p:cTn>
-                                        <p:tgtEl>
-                                          <p:spTgt spid="6">
-                                            <p:txEl>
-                                              <p:pRg st="0" end="0"/>
-                                            </p:txEl>
-                                          </p:spTgt>
-                                        </p:tgtEl>
-                                        <p:attrNameLst>
-                                          <p:attrName>style.visibility</p:attrName>
-                                        </p:attrNameLst>
-                                      </p:cBhvr>
-                                      <p:to>
-                                        <p:strVal val="visible"/>
-                                      </p:to>
-                                    </p:set>
-                                    <p:animEffect transition="in" filter="fade">
-                                      <p:cBhvr>
-                                        <p:cTn id="31" dur="1000"/>
-                                        <p:tgtEl>
-                                          <p:spTgt spid="6">
-                                            <p:txEl>
-                                              <p:pRg st="0" end="0"/>
-                                            </p:txEl>
-                                          </p:spTgt>
-                                        </p:tgtEl>
-                                      </p:cBhvr>
-                                    </p:animEffect>
-                                    <p:anim calcmode="lin" valueType="num">
-                                      <p:cBhvr>
-                                        <p:cTn id="32" dur="1000" fill="hold"/>
-                                        <p:tgtEl>
-                                          <p:spTgt spid="6">
-                                            <p:txEl>
-                                              <p:pRg st="0" end="0"/>
-                                            </p:txEl>
-                                          </p:spTgt>
-                                        </p:tgtEl>
-                                        <p:attrNameLst>
-                                          <p:attrName>ppt_x</p:attrName>
-                                        </p:attrNameLst>
-                                      </p:cBhvr>
-                                      <p:tavLst>
-                                        <p:tav tm="0">
-                                          <p:val>
-                                            <p:strVal val="#ppt_x"/>
-                                          </p:val>
-                                        </p:tav>
-                                        <p:tav tm="100000">
-                                          <p:val>
-                                            <p:strVal val="#ppt_x"/>
-                                          </p:val>
-                                        </p:tav>
-                                      </p:tavLst>
-                                    </p:anim>
-                                    <p:anim calcmode="lin" valueType="num">
-                                      <p:cBhvr>
-                                        <p:cTn id="33" dur="1000" fill="hold"/>
-                                        <p:tgtEl>
-                                          <p:spTgt spid="6">
                                             <p:txEl>
                                               <p:pRg st="0" end="0"/>
                                             </p:txEl>
@@ -18788,14 +19721,111 @@
                                 </p:cTn>
                               </p:par>
                               <p:par>
-                                <p:cTn id="34" presetID="21" presetClass="entr" presetSubtype="1" fill="hold" nodeType="withEffect">
+                                <p:cTn id="25" presetID="42" presetClass="entr" presetSubtype="0" fill="hold" grpId="0" nodeType="withEffect">
                                   <p:stCondLst>
                                     <p:cond delay="0"/>
                                   </p:stCondLst>
                                   <p:childTnLst>
                                     <p:set>
                                       <p:cBhvr>
-                                        <p:cTn id="35" dur="1" fill="hold">
+                                        <p:cTn id="26" dur="1" fill="hold">
+                                          <p:stCondLst>
+                                            <p:cond delay="0"/>
+                                          </p:stCondLst>
+                                        </p:cTn>
+                                        <p:tgtEl>
+                                          <p:spTgt spid="6">
+                                            <p:txEl>
+                                              <p:pRg st="0" end="0"/>
+                                            </p:txEl>
+                                          </p:spTgt>
+                                        </p:tgtEl>
+                                        <p:attrNameLst>
+                                          <p:attrName>style.visibility</p:attrName>
+                                        </p:attrNameLst>
+                                      </p:cBhvr>
+                                      <p:to>
+                                        <p:strVal val="visible"/>
+                                      </p:to>
+                                    </p:set>
+                                    <p:animEffect transition="in" filter="fade">
+                                      <p:cBhvr>
+                                        <p:cTn id="27" dur="1000"/>
+                                        <p:tgtEl>
+                                          <p:spTgt spid="6">
+                                            <p:txEl>
+                                              <p:pRg st="0" end="0"/>
+                                            </p:txEl>
+                                          </p:spTgt>
+                                        </p:tgtEl>
+                                      </p:cBhvr>
+                                    </p:animEffect>
+                                    <p:anim calcmode="lin" valueType="num">
+                                      <p:cBhvr>
+                                        <p:cTn id="28" dur="1000" fill="hold"/>
+                                        <p:tgtEl>
+                                          <p:spTgt spid="6">
+                                            <p:txEl>
+                                              <p:pRg st="0" end="0"/>
+                                            </p:txEl>
+                                          </p:spTgt>
+                                        </p:tgtEl>
+                                        <p:attrNameLst>
+                                          <p:attrName>ppt_x</p:attrName>
+                                        </p:attrNameLst>
+                                      </p:cBhvr>
+                                      <p:tavLst>
+                                        <p:tav tm="0">
+                                          <p:val>
+                                            <p:strVal val="#ppt_x"/>
+                                          </p:val>
+                                        </p:tav>
+                                        <p:tav tm="100000">
+                                          <p:val>
+                                            <p:strVal val="#ppt_x"/>
+                                          </p:val>
+                                        </p:tav>
+                                      </p:tavLst>
+                                    </p:anim>
+                                    <p:anim calcmode="lin" valueType="num">
+                                      <p:cBhvr>
+                                        <p:cTn id="29" dur="1000" fill="hold"/>
+                                        <p:tgtEl>
+                                          <p:spTgt spid="6">
+                                            <p:txEl>
+                                              <p:pRg st="0" end="0"/>
+                                            </p:txEl>
+                                          </p:spTgt>
+                                        </p:tgtEl>
+                                        <p:attrNameLst>
+                                          <p:attrName>ppt_y</p:attrName>
+                                        </p:attrNameLst>
+                                      </p:cBhvr>
+                                      <p:tavLst>
+                                        <p:tav tm="0">
+                                          <p:val>
+                                            <p:strVal val="#ppt_y+.1"/>
+                                          </p:val>
+                                        </p:tav>
+                                        <p:tav tm="100000">
+                                          <p:val>
+                                            <p:strVal val="#ppt_y"/>
+                                          </p:val>
+                                        </p:tav>
+                                      </p:tavLst>
+                                    </p:anim>
+                                  </p:childTnLst>
+                                </p:cTn>
+                              </p:par>
+                              <p:par>
+                                <p:cTn id="30" presetID="21" presetClass="entr" presetSubtype="1" fill="hold" nodeType="withEffect">
+                                  <p:stCondLst>
+                                    <p:cond delay="0"/>
+                                  </p:stCondLst>
+                                  <p:childTnLst>
+                                    <p:set>
+                                      <p:cBhvr>
+                                        <p:cTn id="31" dur="1" fill="hold">
                                           <p:stCondLst>
                                             <p:cond delay="0"/>
                                           </p:stCondLst>
@@ -18813,7 +19843,7 @@
                                     </p:set>
                                     <p:animEffect transition="in" filter="wheel(1)">
                                       <p:cBhvr>
-                                        <p:cTn id="36" dur="2000"/>
+                                        <p:cTn id="32" dur="2000"/>
                                         <p:tgtEl>
                                           <p:spTgt spid="2050"/>
                                         </p:tgtEl>
@@ -18857,7 +19887,7 @@
 </p:sld>
 </file>
 
-<file path=ppt/slides/slide8.xml><?xml version="1.0" encoding="utf-8"?>
+<file path=ppt/slides/slide9.xml><?xml version="1.0" encoding="utf-8"?>
 <p:sld xmlns:a="http://schemas.openxmlformats.org/drawingml/2006/main" xmlns:r="http://schemas.openxmlformats.org/officeDocument/2006/relationships" xmlns:p="http://schemas.openxmlformats.org/presentationml/2006/main">
   <p:cSld>
     <p:spTree>
@@ -18948,12 +19978,14 @@
         </p:nvSpPr>
         <p:spPr>
           <a:xfrm>
-            <a:off x="1103312" y="2514600"/>
-            <a:ext cx="4396339" cy="1526177"/>
+            <a:off x="1103312" y="2484912"/>
+            <a:ext cx="4396339" cy="1724098"/>
           </a:xfrm>
         </p:spPr>
         <p:txBody>
-          <a:bodyPr/>
+          <a:bodyPr vert="horz" lIns="91440" tIns="45720" rIns="91440" bIns="45720" rtlCol="0" anchor="t">
+            <a:normAutofit lnSpcReduction="10000"/>
+          </a:bodyPr>
           <a:lstStyle/>
           <a:p>
             <a:r>
@@ -18966,7 +19998,7 @@
             </a:r>
             <a:r>
               <a:rPr lang="hu-HU" dirty="0"/>
-              <a:t> tudnak hozzá adni amikre a látogatók jelentkezni tudnak és értékelni tudják őket csillagokkal és szöveges formában egyaránt.</a:t>
+              <a:t> tudnak hozzá adni amikre a látogatók jelentkezni tudnak és értékelni tudják őket csillagokkal és szöveges formában egyaránt a sportleírás fülön.</a:t>
             </a:r>
           </a:p>
         </p:txBody>
@@ -19017,12 +20049,14 @@
         </p:nvSpPr>
         <p:spPr/>
         <p:txBody>
-          <a:bodyPr/>
+          <a:bodyPr vert="horz" lIns="91440" tIns="45720" rIns="91440" bIns="45720" rtlCol="0" anchor="t">
+            <a:normAutofit lnSpcReduction="10000"/>
+          </a:bodyPr>
           <a:lstStyle/>
           <a:p>
             <a:r>
               <a:rPr lang="hu-HU" dirty="0"/>
-              <a:t>A látogató itt láthatja az edzéseit amikre jelentkezett, láthat egy skálát is magáról valamint a </a:t>
+              <a:t>A látogató és edző itt láthatja az edzéseit amikre jelentkezett, láthat egy skálát is magáról valamint a </a:t>
             </a:r>
             <a:r>
               <a:rPr lang="hu-HU" dirty="0" err="1"/>
@@ -19157,7 +20191,7 @@
         <p:spPr>
           <a:xfrm>
             <a:off x="1103312" y="5399314"/>
-            <a:ext cx="4208917" cy="923330"/>
+            <a:ext cx="4208917" cy="1200329"/>
           </a:xfrm>
           <a:prstGeom prst="rect">
             <a:avLst/>
@@ -19165,7 +20199,7 @@
           <a:noFill/>
         </p:spPr>
         <p:txBody>
-          <a:bodyPr wrap="square" rtlCol="0">
+          <a:bodyPr wrap="square" lIns="91440" tIns="45720" rIns="91440" bIns="45720" rtlCol="0" anchor="t">
             <a:spAutoFit/>
           </a:bodyPr>
           <a:lstStyle/>
@@ -19180,7 +20214,7 @@
             </a:r>
             <a:r>
               <a:rPr lang="hu-HU" dirty="0"/>
-              <a:t> menüben</a:t>
+              <a:t> menüben amit az edzői oldalon tud működtetni.</a:t>
             </a:r>
           </a:p>
         </p:txBody>
@@ -19453,33 +20487,15 @@
                                   </p:childTnLst>
                                 </p:cTn>
                               </p:par>
-                            </p:childTnLst>
-                          </p:cTn>
-                        </p:par>
-                      </p:childTnLst>
-                    </p:cTn>
-                  </p:par>
-                  <p:par>
-                    <p:cTn id="10" fill="hold">
-                      <p:stCondLst>
-                        <p:cond delay="indefinite"/>
-                      </p:stCondLst>
-                      <p:childTnLst>
-                        <p:par>
-                          <p:cTn id="11" fill="hold">
-                            <p:stCondLst>
-                              <p:cond delay="0"/>
-                            </p:stCondLst>
-                            <p:childTnLst>
                               <p:par>
-                                <p:cTn id="12" presetID="53" presetClass="entr" presetSubtype="16" fill="hold" nodeType="clickEffect">
+                                <p:cTn id="10" presetID="53" presetClass="entr" presetSubtype="16" fill="hold" nodeType="withEffect">
                                   <p:stCondLst>
                                     <p:cond delay="0"/>
                                   </p:stCondLst>
                                   <p:childTnLst>
                                     <p:set>
                                       <p:cBhvr>
-                                        <p:cTn id="13" dur="1" fill="hold">
+                                        <p:cTn id="11" dur="1" fill="hold">
                                           <p:stCondLst>
                                             <p:cond delay="0"/>
                                           </p:stCondLst>
@@ -19501,7 +20517,7 @@
                                     </p:set>
                                     <p:anim calcmode="lin" valueType="num">
                                       <p:cBhvr>
-                                        <p:cTn id="14" dur="500" fill="hold"/>
+                                        <p:cTn id="12" dur="500" fill="hold"/>
                                         <p:tgtEl>
                                           <p:spTgt spid="4">
                                             <p:txEl>
@@ -19528,7 +20544,7 @@
                                     </p:anim>
                                     <p:anim calcmode="lin" valueType="num">
                                       <p:cBhvr>
-                                        <p:cTn id="15" dur="500" fill="hold"/>
+                                        <p:cTn id="13" dur="500" fill="hold"/>
                                         <p:tgtEl>
                                           <p:spTgt spid="4">
                                             <p:txEl>
@@ -19555,7 +20571,7 @@
                                     </p:anim>
                                     <p:animEffect transition="in" filter="fade">
                                       <p:cBhvr>
-                                        <p:cTn id="16" dur="500"/>
+                                        <p:cTn id="14" dur="500"/>
                                         <p:tgtEl>
                                           <p:spTgt spid="4">
                                             <p:txEl>
@@ -19569,14 +20585,14 @@
                                 </p:cTn>
                               </p:par>
                               <p:par>
-                                <p:cTn id="17" presetID="21" presetClass="entr" presetSubtype="1" fill="hold" nodeType="withEffect">
+                                <p:cTn id="15" presetID="21" presetClass="entr" presetSubtype="1" fill="hold" nodeType="withEffect">
                                   <p:stCondLst>
                                     <p:cond delay="0"/>
                                   </p:stCondLst>
                                   <p:childTnLst>
                                     <p:set>
                                       <p:cBhvr>
-                                        <p:cTn id="18" dur="1" fill="hold">
+                                        <p:cTn id="16" dur="1" fill="hold">
                                           <p:stCondLst>
                                             <p:cond delay="0"/>
                                           </p:stCondLst>
@@ -19594,7 +20610,7 @@
                                     </p:set>
                                     <p:animEffect transition="in" filter="wheel(1)">
                                       <p:cBhvr>
-                                        <p:cTn id="19" dur="2000"/>
+                                        <p:cTn id="17" dur="2000"/>
                                         <p:tgtEl>
                                           <p:spTgt spid="2058"/>
                                         </p:tgtEl>
@@ -19604,14 +20620,14 @@
                                 </p:cTn>
                               </p:par>
                               <p:par>
-                                <p:cTn id="20" presetID="21" presetClass="entr" presetSubtype="1" fill="hold" nodeType="withEffect">
+                                <p:cTn id="18" presetID="21" presetClass="entr" presetSubtype="1" fill="hold" nodeType="withEffect">
                                   <p:stCondLst>
                                     <p:cond delay="0"/>
                                   </p:stCondLst>
                                   <p:childTnLst>
                                     <p:set>
                                       <p:cBhvr>
-                                        <p:cTn id="21" dur="1" fill="hold">
+                                        <p:cTn id="19" dur="1" fill="hold">
                                           <p:stCondLst>
                                             <p:cond delay="0"/>
                                           </p:stCondLst>
@@ -19629,7 +20645,7 @@
                                     </p:set>
                                     <p:animEffect transition="in" filter="wheel(1)">
                                       <p:cBhvr>
-                                        <p:cTn id="22" dur="2000"/>
+                                        <p:cTn id="20" dur="2000"/>
                                         <p:tgtEl>
                                           <p:spTgt spid="2060"/>
                                         </p:tgtEl>
@@ -19645,26 +20661,26 @@
                     </p:cTn>
                   </p:par>
                   <p:par>
-                    <p:cTn id="23" fill="hold">
+                    <p:cTn id="21" fill="hold">
                       <p:stCondLst>
                         <p:cond delay="indefinite"/>
                       </p:stCondLst>
                       <p:childTnLst>
                         <p:par>
-                          <p:cTn id="24" fill="hold">
+                          <p:cTn id="22" fill="hold">
                             <p:stCondLst>
                               <p:cond delay="0"/>
                             </p:stCondLst>
                             <p:childTnLst>
                               <p:par>
-                                <p:cTn id="25" presetID="2" presetClass="entr" presetSubtype="4" fill="hold" grpId="0" nodeType="clickEffect">
+                                <p:cTn id="23" presetID="2" presetClass="entr" presetSubtype="4" fill="hold" grpId="0" nodeType="clickEffect">
                                   <p:stCondLst>
                                     <p:cond delay="0"/>
                                   </p:stCondLst>
                                   <p:childTnLst>
                                     <p:set>
                                       <p:cBhvr>
-                                        <p:cTn id="26" dur="1" fill="hold">
+                                        <p:cTn id="24" dur="1" fill="hold">
                                           <p:stCondLst>
                                             <p:cond delay="0"/>
                                           </p:stCondLst>
@@ -19682,7 +20698,7 @@
                                     </p:set>
                                     <p:anim calcmode="lin" valueType="num">
                                       <p:cBhvr additive="base">
-                                        <p:cTn id="27" dur="500" fill="hold"/>
+                                        <p:cTn id="25" dur="500" fill="hold"/>
                                         <p:tgtEl>
                                           <p:spTgt spid="7"/>
                                         </p:tgtEl>
@@ -19705,7 +20721,7 @@
                                     </p:anim>
                                     <p:anim calcmode="lin" valueType="num">
                                       <p:cBhvr additive="base">
-                                        <p:cTn id="28" dur="500" fill="hold"/>
+                                        <p:cTn id="26" dur="500" fill="hold"/>
                                         <p:tgtEl>
                                           <p:spTgt spid="7"/>
                                         </p:tgtEl>
@@ -19730,14 +20746,14 @@
                                 </p:cTn>
                               </p:par>
                               <p:par>
-                                <p:cTn id="29" presetID="42" presetClass="entr" presetSubtype="0" fill="hold" nodeType="withEffect">
+                                <p:cTn id="27" presetID="42" presetClass="entr" presetSubtype="0" fill="hold" nodeType="withEffect">
                                   <p:stCondLst>
                                     <p:cond delay="0"/>
                                   </p:stCondLst>
                                   <p:childTnLst>
                                     <p:set>
                                       <p:cBhvr>
-                                        <p:cTn id="30" dur="1" fill="hold">
+                                        <p:cTn id="28" dur="1" fill="hold">
                                           <p:stCondLst>
                                             <p:cond delay="0"/>
                                           </p:stCondLst>
@@ -19759,7 +20775,7 @@
                                     </p:set>
                                     <p:animEffect transition="in" filter="fade">
                                       <p:cBhvr>
-                                        <p:cTn id="31" dur="1000"/>
+                                        <p:cTn id="29" dur="1000"/>
                                         <p:tgtEl>
                                           <p:spTgt spid="8">
                                             <p:txEl>
@@ -19771,7 +20787,7 @@
                                     </p:animEffect>
                                     <p:anim calcmode="lin" valueType="num">
                                       <p:cBhvr>
-                                        <p:cTn id="32" dur="1000" fill="hold"/>
+                                        <p:cTn id="30" dur="1000" fill="hold"/>
                                         <p:tgtEl>
                                           <p:spTgt spid="8">
                                             <p:txEl>
@@ -19798,7 +20814,7 @@
                                     </p:anim>
                                     <p:anim calcmode="lin" valueType="num">
                                       <p:cBhvr>
-                                        <p:cTn id="33" dur="1000" fill="hold"/>
+                                        <p:cTn id="31" dur="1000" fill="hold"/>
                                         <p:tgtEl>
                                           <p:spTgt spid="8">
                                             <p:txEl>
@@ -19827,14 +20843,14 @@
                                 </p:cTn>
                               </p:par>
                               <p:par>
-                                <p:cTn id="34" presetID="42" presetClass="entr" presetSubtype="0" fill="hold" nodeType="withEffect">
+                                <p:cTn id="32" presetID="42" presetClass="entr" presetSubtype="0" fill="hold" nodeType="withEffect">
                                   <p:stCondLst>
                                     <p:cond delay="0"/>
                                   </p:stCondLst>
                                   <p:childTnLst>
                                     <p:set>
                                       <p:cBhvr>
-                                        <p:cTn id="35" dur="1" fill="hold">
+                                        <p:cTn id="33" dur="1" fill="hold">
                                           <p:stCondLst>
                                             <p:cond delay="0"/>
                                           </p:stCondLst>
@@ -19856,7 +20872,7 @@
                                     </p:set>
                                     <p:animEffect transition="in" filter="fade">
                                       <p:cBhvr>
-                                        <p:cTn id="36" dur="1000"/>
+                                        <p:cTn id="34" dur="1000"/>
                                         <p:tgtEl>
                                           <p:spTgt spid="9">
                                             <p:txEl>
@@ -19868,7 +20884,7 @@
                                     </p:animEffect>
                                     <p:anim calcmode="lin" valueType="num">
                                       <p:cBhvr>
-                                        <p:cTn id="37" dur="1000" fill="hold"/>
+                                        <p:cTn id="35" dur="1000" fill="hold"/>
                                         <p:tgtEl>
                                           <p:spTgt spid="9">
                                             <p:txEl>
@@ -19895,7 +20911,7 @@
                                     </p:anim>
                                     <p:anim calcmode="lin" valueType="num">
                                       <p:cBhvr>
-                                        <p:cTn id="38" dur="1000" fill="hold"/>
+                                        <p:cTn id="36" dur="1000" fill="hold"/>
                                         <p:tgtEl>
                                           <p:spTgt spid="9">
                                             <p:txEl>
@@ -19930,26 +20946,26 @@
                     </p:cTn>
                   </p:par>
                   <p:par>
-                    <p:cTn id="39" fill="hold">
+                    <p:cTn id="37" fill="hold">
                       <p:stCondLst>
                         <p:cond delay="indefinite"/>
                       </p:stCondLst>
                       <p:childTnLst>
                         <p:par>
-                          <p:cTn id="40" fill="hold">
+                          <p:cTn id="38" fill="hold">
                             <p:stCondLst>
                               <p:cond delay="0"/>
                             </p:stCondLst>
                             <p:childTnLst>
                               <p:par>
-                                <p:cTn id="41" presetID="42" presetClass="entr" presetSubtype="0" fill="hold" nodeType="clickEffect">
+                                <p:cTn id="39" presetID="42" presetClass="entr" presetSubtype="0" fill="hold" nodeType="clickEffect">
                                   <p:stCondLst>
                                     <p:cond delay="0"/>
                                   </p:stCondLst>
                                   <p:childTnLst>
                                     <p:set>
                                       <p:cBhvr>
-                                        <p:cTn id="42" dur="1" fill="hold">
+                                        <p:cTn id="40" dur="1" fill="hold">
                                           <p:stCondLst>
                                             <p:cond delay="0"/>
                                           </p:stCondLst>
@@ -19971,7 +20987,7 @@
                                     </p:set>
                                     <p:animEffect transition="in" filter="fade">
                                       <p:cBhvr>
-                                        <p:cTn id="43" dur="1000"/>
+                                        <p:cTn id="41" dur="1000"/>
                                         <p:tgtEl>
                                           <p:spTgt spid="5">
                                             <p:txEl>
@@ -19983,7 +20999,7 @@
                                     </p:animEffect>
                                     <p:anim calcmode="lin" valueType="num">
                                       <p:cBhvr>
-                                        <p:cTn id="44" dur="1000" fill="hold"/>
+                                        <p:cTn id="42" dur="1000" fill="hold"/>
                                         <p:tgtEl>
                                           <p:spTgt spid="5">
                                             <p:txEl>
@@ -20010,7 +21026,7 @@
                                     </p:anim>
                                     <p:anim calcmode="lin" valueType="num">
                                       <p:cBhvr>
-                                        <p:cTn id="45" dur="1000" fill="hold"/>
+                                        <p:cTn id="43" dur="1000" fill="hold"/>
                                         <p:tgtEl>
                                           <p:spTgt spid="5">
                                             <p:txEl>
@@ -20039,14 +21055,14 @@
                                 </p:cTn>
                               </p:par>
                               <p:par>
-                                <p:cTn id="46" presetID="42" presetClass="entr" presetSubtype="0" fill="hold" nodeType="withEffect">
+                                <p:cTn id="44" presetID="42" presetClass="entr" presetSubtype="0" fill="hold" nodeType="withEffect">
                                   <p:stCondLst>
                                     <p:cond delay="0"/>
                                   </p:stCondLst>
                                   <p:childTnLst>
                                     <p:set>
                                       <p:cBhvr>
-                                        <p:cTn id="47" dur="1" fill="hold">
+                                        <p:cTn id="45" dur="1" fill="hold">
                                           <p:stCondLst>
                                             <p:cond delay="0"/>
                                           </p:stCondLst>
@@ -20068,7 +21084,7 @@
                                     </p:set>
                                     <p:animEffect transition="in" filter="fade">
                                       <p:cBhvr>
-                                        <p:cTn id="48" dur="1000"/>
+                                        <p:cTn id="46" dur="1000"/>
                                         <p:tgtEl>
                                           <p:spTgt spid="6">
                                             <p:txEl>
@@ -20080,7 +21096,7 @@
                                     </p:animEffect>
                                     <p:anim calcmode="lin" valueType="num">
                                       <p:cBhvr>
-                                        <p:cTn id="49" dur="1000" fill="hold"/>
+                                        <p:cTn id="47" dur="1000" fill="hold"/>
                                         <p:tgtEl>
                                           <p:spTgt spid="6">
                                             <p:txEl>
@@ -20107,7 +21123,7 @@
                                     </p:anim>
                                     <p:anim calcmode="lin" valueType="num">
                                       <p:cBhvr>
-                                        <p:cTn id="50" dur="1000" fill="hold"/>
+                                        <p:cTn id="48" dur="1000" fill="hold"/>
                                         <p:tgtEl>
                                           <p:spTgt spid="6">
                                             <p:txEl>
@@ -20136,14 +21152,14 @@
                                 </p:cTn>
                               </p:par>
                               <p:par>
-                                <p:cTn id="51" presetID="21" presetClass="entr" presetSubtype="1" fill="hold" nodeType="withEffect">
+                                <p:cTn id="49" presetID="21" presetClass="entr" presetSubtype="1" fill="hold" nodeType="withEffect">
                                   <p:stCondLst>
                                     <p:cond delay="0"/>
                                   </p:stCondLst>
                                   <p:childTnLst>
                                     <p:set>
                                       <p:cBhvr>
-                                        <p:cTn id="52" dur="1" fill="hold">
+                                        <p:cTn id="50" dur="1" fill="hold">
                                           <p:stCondLst>
                                             <p:cond delay="0"/>
                                           </p:stCondLst>
@@ -20161,7 +21177,7 @@
                                     </p:set>
                                     <p:animEffect transition="in" filter="wheel(1)">
                                       <p:cBhvr>
-                                        <p:cTn id="53" dur="2000"/>
+                                        <p:cTn id="51" dur="2000"/>
                                         <p:tgtEl>
                                           <p:spTgt spid="2062"/>
                                         </p:tgtEl>
@@ -20200,1350 +21216,6 @@
     <p:bldLst>
       <p:bldP spid="7" grpId="0" animBg="1"/>
     </p:bldLst>
-  </p:timing>
-</p:sld>
-</file>
-
-<file path=ppt/slides/slide9.xml><?xml version="1.0" encoding="utf-8"?>
-<p:sld xmlns:a="http://schemas.openxmlformats.org/drawingml/2006/main" xmlns:r="http://schemas.openxmlformats.org/officeDocument/2006/relationships" xmlns:p="http://schemas.openxmlformats.org/presentationml/2006/main">
-  <p:cSld>
-    <p:spTree>
-      <p:nvGrpSpPr>
-        <p:cNvPr id="1" name=""/>
-        <p:cNvGrpSpPr/>
-        <p:nvPr/>
-      </p:nvGrpSpPr>
-      <p:grpSpPr>
-        <a:xfrm>
-          <a:off x="0" y="0"/>
-          <a:ext cx="0" cy="0"/>
-          <a:chOff x="0" y="0"/>
-          <a:chExt cx="0" cy="0"/>
-        </a:xfrm>
-      </p:grpSpPr>
-      <p:sp>
-        <p:nvSpPr>
-          <p:cNvPr id="2" name="Cím 1">
-            <a:extLst>
-              <a:ext uri="{FF2B5EF4-FFF2-40B4-BE49-F238E27FC236}">
-                <a16:creationId xmlns:a16="http://schemas.microsoft.com/office/drawing/2014/main" id="{0B9594A9-144C-4D96-AEFB-EFC6801290E7}"/>
-              </a:ext>
-            </a:extLst>
-          </p:cNvPr>
-          <p:cNvSpPr>
-            <a:spLocks noGrp="1"/>
-          </p:cNvSpPr>
-          <p:nvPr>
-            <p:ph type="title"/>
-          </p:nvPr>
-        </p:nvSpPr>
-        <p:spPr/>
-        <p:txBody>
-          <a:bodyPr/>
-          <a:lstStyle/>
-          <a:p>
-            <a:r>
-              <a:rPr lang="hu-HU" dirty="0"/>
-              <a:t>Program</a:t>
-            </a:r>
-          </a:p>
-        </p:txBody>
-      </p:sp>
-      <p:sp>
-        <p:nvSpPr>
-          <p:cNvPr id="3" name="Szöveg helye 2">
-            <a:extLst>
-              <a:ext uri="{FF2B5EF4-FFF2-40B4-BE49-F238E27FC236}">
-                <a16:creationId xmlns:a16="http://schemas.microsoft.com/office/drawing/2014/main" id="{C7A3523B-1183-4AD3-8109-0E480C80C90A}"/>
-              </a:ext>
-            </a:extLst>
-          </p:cNvPr>
-          <p:cNvSpPr>
-            <a:spLocks noGrp="1"/>
-          </p:cNvSpPr>
-          <p:nvPr>
-            <p:ph type="body" idx="1"/>
-          </p:nvPr>
-        </p:nvSpPr>
-        <p:spPr/>
-        <p:txBody>
-          <a:bodyPr/>
-          <a:lstStyle/>
-          <a:p>
-            <a:r>
-              <a:rPr lang="hu-HU" dirty="0"/>
-              <a:t>Frontend</a:t>
-            </a:r>
-          </a:p>
-        </p:txBody>
-      </p:sp>
-      <p:sp>
-        <p:nvSpPr>
-          <p:cNvPr id="4" name="Szöveg helye 3">
-            <a:extLst>
-              <a:ext uri="{FF2B5EF4-FFF2-40B4-BE49-F238E27FC236}">
-                <a16:creationId xmlns:a16="http://schemas.microsoft.com/office/drawing/2014/main" id="{E7A8C4F0-2934-4DBD-AEC6-4E28DACD80DE}"/>
-              </a:ext>
-            </a:extLst>
-          </p:cNvPr>
-          <p:cNvSpPr>
-            <a:spLocks noGrp="1"/>
-          </p:cNvSpPr>
-          <p:nvPr>
-            <p:ph type="body" sz="half" idx="15"/>
-          </p:nvPr>
-        </p:nvSpPr>
-        <p:spPr/>
-        <p:txBody>
-          <a:bodyPr/>
-          <a:lstStyle/>
-          <a:p>
-            <a:pPr marL="628650" lvl="1" indent="-171450">
-              <a:buFont typeface="Wingdings" panose="05000000000000000000" pitchFamily="2" charset="2"/>
-              <a:buChar char="Ø"/>
-            </a:pPr>
-            <a:r>
-              <a:rPr lang="hu-HU" dirty="0"/>
-              <a:t>HTML</a:t>
-            </a:r>
-          </a:p>
-          <a:p>
-            <a:pPr marL="628650" lvl="1" indent="-171450">
-              <a:buFont typeface="Wingdings" panose="05000000000000000000" pitchFamily="2" charset="2"/>
-              <a:buChar char="Ø"/>
-            </a:pPr>
-            <a:r>
-              <a:rPr lang="hu-HU" dirty="0"/>
-              <a:t>CSS</a:t>
-            </a:r>
-          </a:p>
-          <a:p>
-            <a:pPr marL="628650" lvl="1" indent="-171450">
-              <a:buFont typeface="Wingdings" panose="05000000000000000000" pitchFamily="2" charset="2"/>
-              <a:buChar char="Ø"/>
-            </a:pPr>
-            <a:r>
-              <a:rPr lang="hu-HU" dirty="0"/>
-              <a:t>JS</a:t>
-            </a:r>
-          </a:p>
-          <a:p>
-            <a:pPr marL="628650" lvl="1" indent="-171450">
-              <a:buFont typeface="Wingdings" panose="05000000000000000000" pitchFamily="2" charset="2"/>
-              <a:buChar char="Ø"/>
-            </a:pPr>
-            <a:r>
-              <a:rPr lang="hu-HU" dirty="0" err="1"/>
-              <a:t>Bootstrap</a:t>
-            </a:r>
-            <a:endParaRPr lang="hu-HU" dirty="0"/>
-          </a:p>
-          <a:p>
-            <a:pPr marL="628650" lvl="1" indent="-171450">
-              <a:buFont typeface="Wingdings" panose="05000000000000000000" pitchFamily="2" charset="2"/>
-              <a:buChar char="Ø"/>
-            </a:pPr>
-            <a:r>
-              <a:rPr lang="hu-HU" dirty="0" err="1"/>
-              <a:t>React</a:t>
-            </a:r>
-            <a:endParaRPr lang="hu-HU" dirty="0"/>
-          </a:p>
-        </p:txBody>
-      </p:sp>
-      <p:sp>
-        <p:nvSpPr>
-          <p:cNvPr id="5" name="Szöveg helye 4">
-            <a:extLst>
-              <a:ext uri="{FF2B5EF4-FFF2-40B4-BE49-F238E27FC236}">
-                <a16:creationId xmlns:a16="http://schemas.microsoft.com/office/drawing/2014/main" id="{9871830C-852A-415B-992A-048766F7D175}"/>
-              </a:ext>
-            </a:extLst>
-          </p:cNvPr>
-          <p:cNvSpPr>
-            <a:spLocks noGrp="1"/>
-          </p:cNvSpPr>
-          <p:nvPr>
-            <p:ph type="body" sz="quarter" idx="3"/>
-          </p:nvPr>
-        </p:nvSpPr>
-        <p:spPr/>
-        <p:txBody>
-          <a:bodyPr/>
-          <a:lstStyle/>
-          <a:p>
-            <a:r>
-              <a:rPr lang="hu-HU" dirty="0"/>
-              <a:t>Backend</a:t>
-            </a:r>
-          </a:p>
-        </p:txBody>
-      </p:sp>
-      <p:sp>
-        <p:nvSpPr>
-          <p:cNvPr id="6" name="Szöveg helye 5">
-            <a:extLst>
-              <a:ext uri="{FF2B5EF4-FFF2-40B4-BE49-F238E27FC236}">
-                <a16:creationId xmlns:a16="http://schemas.microsoft.com/office/drawing/2014/main" id="{FE708D95-5C72-41E9-8D51-7EB303656641}"/>
-              </a:ext>
-            </a:extLst>
-          </p:cNvPr>
-          <p:cNvSpPr>
-            <a:spLocks noGrp="1"/>
-          </p:cNvSpPr>
-          <p:nvPr>
-            <p:ph type="body" sz="half" idx="16"/>
-          </p:nvPr>
-        </p:nvSpPr>
-        <p:spPr/>
-        <p:txBody>
-          <a:bodyPr>
-            <a:normAutofit/>
-          </a:bodyPr>
-          <a:lstStyle/>
-          <a:p>
-            <a:pPr lvl="1"/>
-            <a:r>
-              <a:rPr lang="hu-HU" sz="1600" dirty="0"/>
-              <a:t>Node.js</a:t>
-            </a:r>
-          </a:p>
-        </p:txBody>
-      </p:sp>
-      <p:sp>
-        <p:nvSpPr>
-          <p:cNvPr id="7" name="Szöveg helye 6">
-            <a:extLst>
-              <a:ext uri="{FF2B5EF4-FFF2-40B4-BE49-F238E27FC236}">
-                <a16:creationId xmlns:a16="http://schemas.microsoft.com/office/drawing/2014/main" id="{D7272FC0-5FA8-41BB-8DCC-98A96C7DC104}"/>
-              </a:ext>
-            </a:extLst>
-          </p:cNvPr>
-          <p:cNvSpPr>
-            <a:spLocks noGrp="1"/>
-          </p:cNvSpPr>
-          <p:nvPr>
-            <p:ph type="body" sz="quarter" idx="13"/>
-          </p:nvPr>
-        </p:nvSpPr>
-        <p:spPr/>
-        <p:txBody>
-          <a:bodyPr/>
-          <a:lstStyle/>
-          <a:p>
-            <a:r>
-              <a:rPr lang="hu-HU" dirty="0"/>
-              <a:t>Adatbázis</a:t>
-            </a:r>
-          </a:p>
-        </p:txBody>
-      </p:sp>
-      <p:sp>
-        <p:nvSpPr>
-          <p:cNvPr id="8" name="Szöveg helye 7">
-            <a:extLst>
-              <a:ext uri="{FF2B5EF4-FFF2-40B4-BE49-F238E27FC236}">
-                <a16:creationId xmlns:a16="http://schemas.microsoft.com/office/drawing/2014/main" id="{D89B6E42-A0B4-41BD-BB61-8CFD8ACCA099}"/>
-              </a:ext>
-            </a:extLst>
-          </p:cNvPr>
-          <p:cNvSpPr>
-            <a:spLocks noGrp="1"/>
-          </p:cNvSpPr>
-          <p:nvPr>
-            <p:ph type="body" sz="half" idx="17"/>
-          </p:nvPr>
-        </p:nvSpPr>
-        <p:spPr>
-          <a:xfrm>
-            <a:off x="7852864" y="3179763"/>
-            <a:ext cx="3145536" cy="2847293"/>
-          </a:xfrm>
-        </p:spPr>
-        <p:txBody>
-          <a:bodyPr>
-            <a:normAutofit/>
-          </a:bodyPr>
-          <a:lstStyle/>
-          <a:p>
-            <a:pPr marL="628650" lvl="1" indent="-171450">
-              <a:buFont typeface="Courier New" panose="02070309020205020404" pitchFamily="49" charset="0"/>
-              <a:buChar char="o"/>
-            </a:pPr>
-            <a:r>
-              <a:rPr lang="hu-HU" sz="1800" dirty="0" err="1"/>
-              <a:t>MySQL</a:t>
-            </a:r>
-            <a:endParaRPr lang="hu-HU" sz="1800" dirty="0"/>
-          </a:p>
-        </p:txBody>
-      </p:sp>
-    </p:spTree>
-    <p:extLst>
-      <p:ext uri="{BB962C8B-B14F-4D97-AF65-F5344CB8AC3E}">
-        <p14:creationId xmlns:p14="http://schemas.microsoft.com/office/powerpoint/2010/main" val="3731094037"/>
-      </p:ext>
-    </p:extLst>
-  </p:cSld>
-  <p:clrMapOvr>
-    <a:masterClrMapping/>
-  </p:clrMapOvr>
-  <p:transition spd="slow">
-    <p:push dir="u"/>
-  </p:transition>
-  <p:timing>
-    <p:tnLst>
-      <p:par>
-        <p:cTn id="1" dur="indefinite" restart="never" nodeType="tmRoot">
-          <p:childTnLst>
-            <p:seq concurrent="1" nextAc="seek">
-              <p:cTn id="2" dur="indefinite" nodeType="mainSeq">
-                <p:childTnLst>
-                  <p:par>
-                    <p:cTn id="3" fill="hold">
-                      <p:stCondLst>
-                        <p:cond delay="indefinite"/>
-                      </p:stCondLst>
-                      <p:childTnLst>
-                        <p:par>
-                          <p:cTn id="4" fill="hold">
-                            <p:stCondLst>
-                              <p:cond delay="0"/>
-                            </p:stCondLst>
-                            <p:childTnLst>
-                              <p:par>
-                                <p:cTn id="5" presetID="42" presetClass="entr" presetSubtype="0" fill="hold" nodeType="clickEffect">
-                                  <p:stCondLst>
-                                    <p:cond delay="0"/>
-                                  </p:stCondLst>
-                                  <p:childTnLst>
-                                    <p:set>
-                                      <p:cBhvr>
-                                        <p:cTn id="6" dur="1" fill="hold">
-                                          <p:stCondLst>
-                                            <p:cond delay="0"/>
-                                          </p:stCondLst>
-                                        </p:cTn>
-                                        <p:tgtEl>
-                                          <p:spTgt spid="3">
-                                            <p:txEl>
-                                              <p:pRg st="0" end="0"/>
-                                            </p:txEl>
-                                          </p:spTgt>
-                                        </p:tgtEl>
-                                        <p:attrNameLst>
-                                          <p:attrName>style.visibility</p:attrName>
-                                        </p:attrNameLst>
-                                      </p:cBhvr>
-                                      <p:to>
-                                        <p:strVal val="visible"/>
-                                      </p:to>
-                                    </p:set>
-                                    <p:animEffect transition="in" filter="fade">
-                                      <p:cBhvr>
-                                        <p:cTn id="7" dur="1000"/>
-                                        <p:tgtEl>
-                                          <p:spTgt spid="3">
-                                            <p:txEl>
-                                              <p:pRg st="0" end="0"/>
-                                            </p:txEl>
-                                          </p:spTgt>
-                                        </p:tgtEl>
-                                      </p:cBhvr>
-                                    </p:animEffect>
-                                    <p:anim calcmode="lin" valueType="num">
-                                      <p:cBhvr>
-                                        <p:cTn id="8" dur="1000" fill="hold"/>
-                                        <p:tgtEl>
-                                          <p:spTgt spid="3">
-                                            <p:txEl>
-                                              <p:pRg st="0" end="0"/>
-                                            </p:txEl>
-                                          </p:spTgt>
-                                        </p:tgtEl>
-                                        <p:attrNameLst>
-                                          <p:attrName>ppt_x</p:attrName>
-                                        </p:attrNameLst>
-                                      </p:cBhvr>
-                                      <p:tavLst>
-                                        <p:tav tm="0">
-                                          <p:val>
-                                            <p:strVal val="#ppt_x"/>
-                                          </p:val>
-                                        </p:tav>
-                                        <p:tav tm="100000">
-                                          <p:val>
-                                            <p:strVal val="#ppt_x"/>
-                                          </p:val>
-                                        </p:tav>
-                                      </p:tavLst>
-                                    </p:anim>
-                                    <p:anim calcmode="lin" valueType="num">
-                                      <p:cBhvr>
-                                        <p:cTn id="9" dur="1000" fill="hold"/>
-                                        <p:tgtEl>
-                                          <p:spTgt spid="3">
-                                            <p:txEl>
-                                              <p:pRg st="0" end="0"/>
-                                            </p:txEl>
-                                          </p:spTgt>
-                                        </p:tgtEl>
-                                        <p:attrNameLst>
-                                          <p:attrName>ppt_y</p:attrName>
-                                        </p:attrNameLst>
-                                      </p:cBhvr>
-                                      <p:tavLst>
-                                        <p:tav tm="0">
-                                          <p:val>
-                                            <p:strVal val="#ppt_y+.1"/>
-                                          </p:val>
-                                        </p:tav>
-                                        <p:tav tm="100000">
-                                          <p:val>
-                                            <p:strVal val="#ppt_y"/>
-                                          </p:val>
-                                        </p:tav>
-                                      </p:tavLst>
-                                    </p:anim>
-                                  </p:childTnLst>
-                                </p:cTn>
-                              </p:par>
-                              <p:par>
-                                <p:cTn id="10" presetID="42" presetClass="entr" presetSubtype="0" fill="hold" nodeType="withEffect">
-                                  <p:stCondLst>
-                                    <p:cond delay="0"/>
-                                  </p:stCondLst>
-                                  <p:childTnLst>
-                                    <p:set>
-                                      <p:cBhvr>
-                                        <p:cTn id="11" dur="1" fill="hold">
-                                          <p:stCondLst>
-                                            <p:cond delay="0"/>
-                                          </p:stCondLst>
-                                        </p:cTn>
-                                        <p:tgtEl>
-                                          <p:spTgt spid="4">
-                                            <p:txEl>
-                                              <p:pRg st="0" end="0"/>
-                                            </p:txEl>
-                                          </p:spTgt>
-                                        </p:tgtEl>
-                                        <p:attrNameLst>
-                                          <p:attrName>style.visibility</p:attrName>
-                                        </p:attrNameLst>
-                                      </p:cBhvr>
-                                      <p:to>
-                                        <p:strVal val="visible"/>
-                                      </p:to>
-                                    </p:set>
-                                    <p:animEffect transition="in" filter="fade">
-                                      <p:cBhvr>
-                                        <p:cTn id="12" dur="1000"/>
-                                        <p:tgtEl>
-                                          <p:spTgt spid="4">
-                                            <p:txEl>
-                                              <p:pRg st="0" end="0"/>
-                                            </p:txEl>
-                                          </p:spTgt>
-                                        </p:tgtEl>
-                                      </p:cBhvr>
-                                    </p:animEffect>
-                                    <p:anim calcmode="lin" valueType="num">
-                                      <p:cBhvr>
-                                        <p:cTn id="13" dur="1000" fill="hold"/>
-                                        <p:tgtEl>
-                                          <p:spTgt spid="4">
-                                            <p:txEl>
-                                              <p:pRg st="0" end="0"/>
-                                            </p:txEl>
-                                          </p:spTgt>
-                                        </p:tgtEl>
-                                        <p:attrNameLst>
-                                          <p:attrName>ppt_x</p:attrName>
-                                        </p:attrNameLst>
-                                      </p:cBhvr>
-                                      <p:tavLst>
-                                        <p:tav tm="0">
-                                          <p:val>
-                                            <p:strVal val="#ppt_x"/>
-                                          </p:val>
-                                        </p:tav>
-                                        <p:tav tm="100000">
-                                          <p:val>
-                                            <p:strVal val="#ppt_x"/>
-                                          </p:val>
-                                        </p:tav>
-                                      </p:tavLst>
-                                    </p:anim>
-                                    <p:anim calcmode="lin" valueType="num">
-                                      <p:cBhvr>
-                                        <p:cTn id="14" dur="1000" fill="hold"/>
-                                        <p:tgtEl>
-                                          <p:spTgt spid="4">
-                                            <p:txEl>
-                                              <p:pRg st="0" end="0"/>
-                                            </p:txEl>
-                                          </p:spTgt>
-                                        </p:tgtEl>
-                                        <p:attrNameLst>
-                                          <p:attrName>ppt_y</p:attrName>
-                                        </p:attrNameLst>
-                                      </p:cBhvr>
-                                      <p:tavLst>
-                                        <p:tav tm="0">
-                                          <p:val>
-                                            <p:strVal val="#ppt_y+.1"/>
-                                          </p:val>
-                                        </p:tav>
-                                        <p:tav tm="100000">
-                                          <p:val>
-                                            <p:strVal val="#ppt_y"/>
-                                          </p:val>
-                                        </p:tav>
-                                      </p:tavLst>
-                                    </p:anim>
-                                  </p:childTnLst>
-                                </p:cTn>
-                              </p:par>
-                              <p:par>
-                                <p:cTn id="15" presetID="42" presetClass="entr" presetSubtype="0" fill="hold" nodeType="withEffect">
-                                  <p:stCondLst>
-                                    <p:cond delay="0"/>
-                                  </p:stCondLst>
-                                  <p:childTnLst>
-                                    <p:set>
-                                      <p:cBhvr>
-                                        <p:cTn id="16" dur="1" fill="hold">
-                                          <p:stCondLst>
-                                            <p:cond delay="0"/>
-                                          </p:stCondLst>
-                                        </p:cTn>
-                                        <p:tgtEl>
-                                          <p:spTgt spid="4">
-                                            <p:txEl>
-                                              <p:pRg st="1" end="1"/>
-                                            </p:txEl>
-                                          </p:spTgt>
-                                        </p:tgtEl>
-                                        <p:attrNameLst>
-                                          <p:attrName>style.visibility</p:attrName>
-                                        </p:attrNameLst>
-                                      </p:cBhvr>
-                                      <p:to>
-                                        <p:strVal val="visible"/>
-                                      </p:to>
-                                    </p:set>
-                                    <p:animEffect transition="in" filter="fade">
-                                      <p:cBhvr>
-                                        <p:cTn id="17" dur="1000"/>
-                                        <p:tgtEl>
-                                          <p:spTgt spid="4">
-                                            <p:txEl>
-                                              <p:pRg st="1" end="1"/>
-                                            </p:txEl>
-                                          </p:spTgt>
-                                        </p:tgtEl>
-                                      </p:cBhvr>
-                                    </p:animEffect>
-                                    <p:anim calcmode="lin" valueType="num">
-                                      <p:cBhvr>
-                                        <p:cTn id="18" dur="1000" fill="hold"/>
-                                        <p:tgtEl>
-                                          <p:spTgt spid="4">
-                                            <p:txEl>
-                                              <p:pRg st="1" end="1"/>
-                                            </p:txEl>
-                                          </p:spTgt>
-                                        </p:tgtEl>
-                                        <p:attrNameLst>
-                                          <p:attrName>ppt_x</p:attrName>
-                                        </p:attrNameLst>
-                                      </p:cBhvr>
-                                      <p:tavLst>
-                                        <p:tav tm="0">
-                                          <p:val>
-                                            <p:strVal val="#ppt_x"/>
-                                          </p:val>
-                                        </p:tav>
-                                        <p:tav tm="100000">
-                                          <p:val>
-                                            <p:strVal val="#ppt_x"/>
-                                          </p:val>
-                                        </p:tav>
-                                      </p:tavLst>
-                                    </p:anim>
-                                    <p:anim calcmode="lin" valueType="num">
-                                      <p:cBhvr>
-                                        <p:cTn id="19" dur="1000" fill="hold"/>
-                                        <p:tgtEl>
-                                          <p:spTgt spid="4">
-                                            <p:txEl>
-                                              <p:pRg st="1" end="1"/>
-                                            </p:txEl>
-                                          </p:spTgt>
-                                        </p:tgtEl>
-                                        <p:attrNameLst>
-                                          <p:attrName>ppt_y</p:attrName>
-                                        </p:attrNameLst>
-                                      </p:cBhvr>
-                                      <p:tavLst>
-                                        <p:tav tm="0">
-                                          <p:val>
-                                            <p:strVal val="#ppt_y+.1"/>
-                                          </p:val>
-                                        </p:tav>
-                                        <p:tav tm="100000">
-                                          <p:val>
-                                            <p:strVal val="#ppt_y"/>
-                                          </p:val>
-                                        </p:tav>
-                                      </p:tavLst>
-                                    </p:anim>
-                                  </p:childTnLst>
-                                </p:cTn>
-                              </p:par>
-                              <p:par>
-                                <p:cTn id="20" presetID="42" presetClass="entr" presetSubtype="0" fill="hold" nodeType="withEffect">
-                                  <p:stCondLst>
-                                    <p:cond delay="0"/>
-                                  </p:stCondLst>
-                                  <p:childTnLst>
-                                    <p:set>
-                                      <p:cBhvr>
-                                        <p:cTn id="21" dur="1" fill="hold">
-                                          <p:stCondLst>
-                                            <p:cond delay="0"/>
-                                          </p:stCondLst>
-                                        </p:cTn>
-                                        <p:tgtEl>
-                                          <p:spTgt spid="4">
-                                            <p:txEl>
-                                              <p:pRg st="2" end="2"/>
-                                            </p:txEl>
-                                          </p:spTgt>
-                                        </p:tgtEl>
-                                        <p:attrNameLst>
-                                          <p:attrName>style.visibility</p:attrName>
-                                        </p:attrNameLst>
-                                      </p:cBhvr>
-                                      <p:to>
-                                        <p:strVal val="visible"/>
-                                      </p:to>
-                                    </p:set>
-                                    <p:animEffect transition="in" filter="fade">
-                                      <p:cBhvr>
-                                        <p:cTn id="22" dur="1000"/>
-                                        <p:tgtEl>
-                                          <p:spTgt spid="4">
-                                            <p:txEl>
-                                              <p:pRg st="2" end="2"/>
-                                            </p:txEl>
-                                          </p:spTgt>
-                                        </p:tgtEl>
-                                      </p:cBhvr>
-                                    </p:animEffect>
-                                    <p:anim calcmode="lin" valueType="num">
-                                      <p:cBhvr>
-                                        <p:cTn id="23" dur="1000" fill="hold"/>
-                                        <p:tgtEl>
-                                          <p:spTgt spid="4">
-                                            <p:txEl>
-                                              <p:pRg st="2" end="2"/>
-                                            </p:txEl>
-                                          </p:spTgt>
-                                        </p:tgtEl>
-                                        <p:attrNameLst>
-                                          <p:attrName>ppt_x</p:attrName>
-                                        </p:attrNameLst>
-                                      </p:cBhvr>
-                                      <p:tavLst>
-                                        <p:tav tm="0">
-                                          <p:val>
-                                            <p:strVal val="#ppt_x"/>
-                                          </p:val>
-                                        </p:tav>
-                                        <p:tav tm="100000">
-                                          <p:val>
-                                            <p:strVal val="#ppt_x"/>
-                                          </p:val>
-                                        </p:tav>
-                                      </p:tavLst>
-                                    </p:anim>
-                                    <p:anim calcmode="lin" valueType="num">
-                                      <p:cBhvr>
-                                        <p:cTn id="24" dur="1000" fill="hold"/>
-                                        <p:tgtEl>
-                                          <p:spTgt spid="4">
-                                            <p:txEl>
-                                              <p:pRg st="2" end="2"/>
-                                            </p:txEl>
-                                          </p:spTgt>
-                                        </p:tgtEl>
-                                        <p:attrNameLst>
-                                          <p:attrName>ppt_y</p:attrName>
-                                        </p:attrNameLst>
-                                      </p:cBhvr>
-                                      <p:tavLst>
-                                        <p:tav tm="0">
-                                          <p:val>
-                                            <p:strVal val="#ppt_y+.1"/>
-                                          </p:val>
-                                        </p:tav>
-                                        <p:tav tm="100000">
-                                          <p:val>
-                                            <p:strVal val="#ppt_y"/>
-                                          </p:val>
-                                        </p:tav>
-                                      </p:tavLst>
-                                    </p:anim>
-                                  </p:childTnLst>
-                                </p:cTn>
-                              </p:par>
-                              <p:par>
-                                <p:cTn id="25" presetID="42" presetClass="entr" presetSubtype="0" fill="hold" nodeType="withEffect">
-                                  <p:stCondLst>
-                                    <p:cond delay="0"/>
-                                  </p:stCondLst>
-                                  <p:childTnLst>
-                                    <p:set>
-                                      <p:cBhvr>
-                                        <p:cTn id="26" dur="1" fill="hold">
-                                          <p:stCondLst>
-                                            <p:cond delay="0"/>
-                                          </p:stCondLst>
-                                        </p:cTn>
-                                        <p:tgtEl>
-                                          <p:spTgt spid="4">
-                                            <p:txEl>
-                                              <p:pRg st="3" end="3"/>
-                                            </p:txEl>
-                                          </p:spTgt>
-                                        </p:tgtEl>
-                                        <p:attrNameLst>
-                                          <p:attrName>style.visibility</p:attrName>
-                                        </p:attrNameLst>
-                                      </p:cBhvr>
-                                      <p:to>
-                                        <p:strVal val="visible"/>
-                                      </p:to>
-                                    </p:set>
-                                    <p:animEffect transition="in" filter="fade">
-                                      <p:cBhvr>
-                                        <p:cTn id="27" dur="1000"/>
-                                        <p:tgtEl>
-                                          <p:spTgt spid="4">
-                                            <p:txEl>
-                                              <p:pRg st="3" end="3"/>
-                                            </p:txEl>
-                                          </p:spTgt>
-                                        </p:tgtEl>
-                                      </p:cBhvr>
-                                    </p:animEffect>
-                                    <p:anim calcmode="lin" valueType="num">
-                                      <p:cBhvr>
-                                        <p:cTn id="28" dur="1000" fill="hold"/>
-                                        <p:tgtEl>
-                                          <p:spTgt spid="4">
-                                            <p:txEl>
-                                              <p:pRg st="3" end="3"/>
-                                            </p:txEl>
-                                          </p:spTgt>
-                                        </p:tgtEl>
-                                        <p:attrNameLst>
-                                          <p:attrName>ppt_x</p:attrName>
-                                        </p:attrNameLst>
-                                      </p:cBhvr>
-                                      <p:tavLst>
-                                        <p:tav tm="0">
-                                          <p:val>
-                                            <p:strVal val="#ppt_x"/>
-                                          </p:val>
-                                        </p:tav>
-                                        <p:tav tm="100000">
-                                          <p:val>
-                                            <p:strVal val="#ppt_x"/>
-                                          </p:val>
-                                        </p:tav>
-                                      </p:tavLst>
-                                    </p:anim>
-                                    <p:anim calcmode="lin" valueType="num">
-                                      <p:cBhvr>
-                                        <p:cTn id="29" dur="1000" fill="hold"/>
-                                        <p:tgtEl>
-                                          <p:spTgt spid="4">
-                                            <p:txEl>
-                                              <p:pRg st="3" end="3"/>
-                                            </p:txEl>
-                                          </p:spTgt>
-                                        </p:tgtEl>
-                                        <p:attrNameLst>
-                                          <p:attrName>ppt_y</p:attrName>
-                                        </p:attrNameLst>
-                                      </p:cBhvr>
-                                      <p:tavLst>
-                                        <p:tav tm="0">
-                                          <p:val>
-                                            <p:strVal val="#ppt_y+.1"/>
-                                          </p:val>
-                                        </p:tav>
-                                        <p:tav tm="100000">
-                                          <p:val>
-                                            <p:strVal val="#ppt_y"/>
-                                          </p:val>
-                                        </p:tav>
-                                      </p:tavLst>
-                                    </p:anim>
-                                  </p:childTnLst>
-                                </p:cTn>
-                              </p:par>
-                              <p:par>
-                                <p:cTn id="30" presetID="42" presetClass="entr" presetSubtype="0" fill="hold" nodeType="withEffect">
-                                  <p:stCondLst>
-                                    <p:cond delay="0"/>
-                                  </p:stCondLst>
-                                  <p:childTnLst>
-                                    <p:set>
-                                      <p:cBhvr>
-                                        <p:cTn id="31" dur="1" fill="hold">
-                                          <p:stCondLst>
-                                            <p:cond delay="0"/>
-                                          </p:stCondLst>
-                                        </p:cTn>
-                                        <p:tgtEl>
-                                          <p:spTgt spid="4">
-                                            <p:txEl>
-                                              <p:pRg st="4" end="4"/>
-                                            </p:txEl>
-                                          </p:spTgt>
-                                        </p:tgtEl>
-                                        <p:attrNameLst>
-                                          <p:attrName>style.visibility</p:attrName>
-                                        </p:attrNameLst>
-                                      </p:cBhvr>
-                                      <p:to>
-                                        <p:strVal val="visible"/>
-                                      </p:to>
-                                    </p:set>
-                                    <p:animEffect transition="in" filter="fade">
-                                      <p:cBhvr>
-                                        <p:cTn id="32" dur="1000"/>
-                                        <p:tgtEl>
-                                          <p:spTgt spid="4">
-                                            <p:txEl>
-                                              <p:pRg st="4" end="4"/>
-                                            </p:txEl>
-                                          </p:spTgt>
-                                        </p:tgtEl>
-                                      </p:cBhvr>
-                                    </p:animEffect>
-                                    <p:anim calcmode="lin" valueType="num">
-                                      <p:cBhvr>
-                                        <p:cTn id="33" dur="1000" fill="hold"/>
-                                        <p:tgtEl>
-                                          <p:spTgt spid="4">
-                                            <p:txEl>
-                                              <p:pRg st="4" end="4"/>
-                                            </p:txEl>
-                                          </p:spTgt>
-                                        </p:tgtEl>
-                                        <p:attrNameLst>
-                                          <p:attrName>ppt_x</p:attrName>
-                                        </p:attrNameLst>
-                                      </p:cBhvr>
-                                      <p:tavLst>
-                                        <p:tav tm="0">
-                                          <p:val>
-                                            <p:strVal val="#ppt_x"/>
-                                          </p:val>
-                                        </p:tav>
-                                        <p:tav tm="100000">
-                                          <p:val>
-                                            <p:strVal val="#ppt_x"/>
-                                          </p:val>
-                                        </p:tav>
-                                      </p:tavLst>
-                                    </p:anim>
-                                    <p:anim calcmode="lin" valueType="num">
-                                      <p:cBhvr>
-                                        <p:cTn id="34" dur="1000" fill="hold"/>
-                                        <p:tgtEl>
-                                          <p:spTgt spid="4">
-                                            <p:txEl>
-                                              <p:pRg st="4" end="4"/>
-                                            </p:txEl>
-                                          </p:spTgt>
-                                        </p:tgtEl>
-                                        <p:attrNameLst>
-                                          <p:attrName>ppt_y</p:attrName>
-                                        </p:attrNameLst>
-                                      </p:cBhvr>
-                                      <p:tavLst>
-                                        <p:tav tm="0">
-                                          <p:val>
-                                            <p:strVal val="#ppt_y+.1"/>
-                                          </p:val>
-                                        </p:tav>
-                                        <p:tav tm="100000">
-                                          <p:val>
-                                            <p:strVal val="#ppt_y"/>
-                                          </p:val>
-                                        </p:tav>
-                                      </p:tavLst>
-                                    </p:anim>
-                                  </p:childTnLst>
-                                </p:cTn>
-                              </p:par>
-                            </p:childTnLst>
-                          </p:cTn>
-                        </p:par>
-                      </p:childTnLst>
-                    </p:cTn>
-                  </p:par>
-                  <p:par>
-                    <p:cTn id="35" fill="hold">
-                      <p:stCondLst>
-                        <p:cond delay="indefinite"/>
-                      </p:stCondLst>
-                      <p:childTnLst>
-                        <p:par>
-                          <p:cTn id="36" fill="hold">
-                            <p:stCondLst>
-                              <p:cond delay="0"/>
-                            </p:stCondLst>
-                            <p:childTnLst>
-                              <p:par>
-                                <p:cTn id="37" presetID="42" presetClass="entr" presetSubtype="0" fill="hold" nodeType="clickEffect">
-                                  <p:stCondLst>
-                                    <p:cond delay="0"/>
-                                  </p:stCondLst>
-                                  <p:childTnLst>
-                                    <p:set>
-                                      <p:cBhvr>
-                                        <p:cTn id="38" dur="1" fill="hold">
-                                          <p:stCondLst>
-                                            <p:cond delay="0"/>
-                                          </p:stCondLst>
-                                        </p:cTn>
-                                        <p:tgtEl>
-                                          <p:spTgt spid="5">
-                                            <p:txEl>
-                                              <p:pRg st="0" end="0"/>
-                                            </p:txEl>
-                                          </p:spTgt>
-                                        </p:tgtEl>
-                                        <p:attrNameLst>
-                                          <p:attrName>style.visibility</p:attrName>
-                                        </p:attrNameLst>
-                                      </p:cBhvr>
-                                      <p:to>
-                                        <p:strVal val="visible"/>
-                                      </p:to>
-                                    </p:set>
-                                    <p:animEffect transition="in" filter="fade">
-                                      <p:cBhvr>
-                                        <p:cTn id="39" dur="1000"/>
-                                        <p:tgtEl>
-                                          <p:spTgt spid="5">
-                                            <p:txEl>
-                                              <p:pRg st="0" end="0"/>
-                                            </p:txEl>
-                                          </p:spTgt>
-                                        </p:tgtEl>
-                                      </p:cBhvr>
-                                    </p:animEffect>
-                                    <p:anim calcmode="lin" valueType="num">
-                                      <p:cBhvr>
-                                        <p:cTn id="40" dur="1000" fill="hold"/>
-                                        <p:tgtEl>
-                                          <p:spTgt spid="5">
-                                            <p:txEl>
-                                              <p:pRg st="0" end="0"/>
-                                            </p:txEl>
-                                          </p:spTgt>
-                                        </p:tgtEl>
-                                        <p:attrNameLst>
-                                          <p:attrName>ppt_x</p:attrName>
-                                        </p:attrNameLst>
-                                      </p:cBhvr>
-                                      <p:tavLst>
-                                        <p:tav tm="0">
-                                          <p:val>
-                                            <p:strVal val="#ppt_x"/>
-                                          </p:val>
-                                        </p:tav>
-                                        <p:tav tm="100000">
-                                          <p:val>
-                                            <p:strVal val="#ppt_x"/>
-                                          </p:val>
-                                        </p:tav>
-                                      </p:tavLst>
-                                    </p:anim>
-                                    <p:anim calcmode="lin" valueType="num">
-                                      <p:cBhvr>
-                                        <p:cTn id="41" dur="1000" fill="hold"/>
-                                        <p:tgtEl>
-                                          <p:spTgt spid="5">
-                                            <p:txEl>
-                                              <p:pRg st="0" end="0"/>
-                                            </p:txEl>
-                                          </p:spTgt>
-                                        </p:tgtEl>
-                                        <p:attrNameLst>
-                                          <p:attrName>ppt_y</p:attrName>
-                                        </p:attrNameLst>
-                                      </p:cBhvr>
-                                      <p:tavLst>
-                                        <p:tav tm="0">
-                                          <p:val>
-                                            <p:strVal val="#ppt_y+.1"/>
-                                          </p:val>
-                                        </p:tav>
-                                        <p:tav tm="100000">
-                                          <p:val>
-                                            <p:strVal val="#ppt_y"/>
-                                          </p:val>
-                                        </p:tav>
-                                      </p:tavLst>
-                                    </p:anim>
-                                  </p:childTnLst>
-                                </p:cTn>
-                              </p:par>
-                              <p:par>
-                                <p:cTn id="42" presetID="42" presetClass="entr" presetSubtype="0" fill="hold" nodeType="withEffect">
-                                  <p:stCondLst>
-                                    <p:cond delay="0"/>
-                                  </p:stCondLst>
-                                  <p:childTnLst>
-                                    <p:set>
-                                      <p:cBhvr>
-                                        <p:cTn id="43" dur="1" fill="hold">
-                                          <p:stCondLst>
-                                            <p:cond delay="0"/>
-                                          </p:stCondLst>
-                                        </p:cTn>
-                                        <p:tgtEl>
-                                          <p:spTgt spid="6">
-                                            <p:txEl>
-                                              <p:pRg st="0" end="0"/>
-                                            </p:txEl>
-                                          </p:spTgt>
-                                        </p:tgtEl>
-                                        <p:attrNameLst>
-                                          <p:attrName>style.visibility</p:attrName>
-                                        </p:attrNameLst>
-                                      </p:cBhvr>
-                                      <p:to>
-                                        <p:strVal val="visible"/>
-                                      </p:to>
-                                    </p:set>
-                                    <p:animEffect transition="in" filter="fade">
-                                      <p:cBhvr>
-                                        <p:cTn id="44" dur="1000"/>
-                                        <p:tgtEl>
-                                          <p:spTgt spid="6">
-                                            <p:txEl>
-                                              <p:pRg st="0" end="0"/>
-                                            </p:txEl>
-                                          </p:spTgt>
-                                        </p:tgtEl>
-                                      </p:cBhvr>
-                                    </p:animEffect>
-                                    <p:anim calcmode="lin" valueType="num">
-                                      <p:cBhvr>
-                                        <p:cTn id="45" dur="1000" fill="hold"/>
-                                        <p:tgtEl>
-                                          <p:spTgt spid="6">
-                                            <p:txEl>
-                                              <p:pRg st="0" end="0"/>
-                                            </p:txEl>
-                                          </p:spTgt>
-                                        </p:tgtEl>
-                                        <p:attrNameLst>
-                                          <p:attrName>ppt_x</p:attrName>
-                                        </p:attrNameLst>
-                                      </p:cBhvr>
-                                      <p:tavLst>
-                                        <p:tav tm="0">
-                                          <p:val>
-                                            <p:strVal val="#ppt_x"/>
-                                          </p:val>
-                                        </p:tav>
-                                        <p:tav tm="100000">
-                                          <p:val>
-                                            <p:strVal val="#ppt_x"/>
-                                          </p:val>
-                                        </p:tav>
-                                      </p:tavLst>
-                                    </p:anim>
-                                    <p:anim calcmode="lin" valueType="num">
-                                      <p:cBhvr>
-                                        <p:cTn id="46" dur="1000" fill="hold"/>
-                                        <p:tgtEl>
-                                          <p:spTgt spid="6">
-                                            <p:txEl>
-                                              <p:pRg st="0" end="0"/>
-                                            </p:txEl>
-                                          </p:spTgt>
-                                        </p:tgtEl>
-                                        <p:attrNameLst>
-                                          <p:attrName>ppt_y</p:attrName>
-                                        </p:attrNameLst>
-                                      </p:cBhvr>
-                                      <p:tavLst>
-                                        <p:tav tm="0">
-                                          <p:val>
-                                            <p:strVal val="#ppt_y+.1"/>
-                                          </p:val>
-                                        </p:tav>
-                                        <p:tav tm="100000">
-                                          <p:val>
-                                            <p:strVal val="#ppt_y"/>
-                                          </p:val>
-                                        </p:tav>
-                                      </p:tavLst>
-                                    </p:anim>
-                                  </p:childTnLst>
-                                </p:cTn>
-                              </p:par>
-                            </p:childTnLst>
-                          </p:cTn>
-                        </p:par>
-                      </p:childTnLst>
-                    </p:cTn>
-                  </p:par>
-                  <p:par>
-                    <p:cTn id="47" fill="hold">
-                      <p:stCondLst>
-                        <p:cond delay="indefinite"/>
-                      </p:stCondLst>
-                      <p:childTnLst>
-                        <p:par>
-                          <p:cTn id="48" fill="hold">
-                            <p:stCondLst>
-                              <p:cond delay="0"/>
-                            </p:stCondLst>
-                            <p:childTnLst>
-                              <p:par>
-                                <p:cTn id="49" presetID="42" presetClass="entr" presetSubtype="0" fill="hold" nodeType="clickEffect">
-                                  <p:stCondLst>
-                                    <p:cond delay="0"/>
-                                  </p:stCondLst>
-                                  <p:childTnLst>
-                                    <p:set>
-                                      <p:cBhvr>
-                                        <p:cTn id="50" dur="1" fill="hold">
-                                          <p:stCondLst>
-                                            <p:cond delay="0"/>
-                                          </p:stCondLst>
-                                        </p:cTn>
-                                        <p:tgtEl>
-                                          <p:spTgt spid="7">
-                                            <p:txEl>
-                                              <p:pRg st="0" end="0"/>
-                                            </p:txEl>
-                                          </p:spTgt>
-                                        </p:tgtEl>
-                                        <p:attrNameLst>
-                                          <p:attrName>style.visibility</p:attrName>
-                                        </p:attrNameLst>
-                                      </p:cBhvr>
-                                      <p:to>
-                                        <p:strVal val="visible"/>
-                                      </p:to>
-                                    </p:set>
-                                    <p:animEffect transition="in" filter="fade">
-                                      <p:cBhvr>
-                                        <p:cTn id="51" dur="1000"/>
-                                        <p:tgtEl>
-                                          <p:spTgt spid="7">
-                                            <p:txEl>
-                                              <p:pRg st="0" end="0"/>
-                                            </p:txEl>
-                                          </p:spTgt>
-                                        </p:tgtEl>
-                                      </p:cBhvr>
-                                    </p:animEffect>
-                                    <p:anim calcmode="lin" valueType="num">
-                                      <p:cBhvr>
-                                        <p:cTn id="52" dur="1000" fill="hold"/>
-                                        <p:tgtEl>
-                                          <p:spTgt spid="7">
-                                            <p:txEl>
-                                              <p:pRg st="0" end="0"/>
-                                            </p:txEl>
-                                          </p:spTgt>
-                                        </p:tgtEl>
-                                        <p:attrNameLst>
-                                          <p:attrName>ppt_x</p:attrName>
-                                        </p:attrNameLst>
-                                      </p:cBhvr>
-                                      <p:tavLst>
-                                        <p:tav tm="0">
-                                          <p:val>
-                                            <p:strVal val="#ppt_x"/>
-                                          </p:val>
-                                        </p:tav>
-                                        <p:tav tm="100000">
-                                          <p:val>
-                                            <p:strVal val="#ppt_x"/>
-                                          </p:val>
-                                        </p:tav>
-                                      </p:tavLst>
-                                    </p:anim>
-                                    <p:anim calcmode="lin" valueType="num">
-                                      <p:cBhvr>
-                                        <p:cTn id="53" dur="1000" fill="hold"/>
-                                        <p:tgtEl>
-                                          <p:spTgt spid="7">
-                                            <p:txEl>
-                                              <p:pRg st="0" end="0"/>
-                                            </p:txEl>
-                                          </p:spTgt>
-                                        </p:tgtEl>
-                                        <p:attrNameLst>
-                                          <p:attrName>ppt_y</p:attrName>
-                                        </p:attrNameLst>
-                                      </p:cBhvr>
-                                      <p:tavLst>
-                                        <p:tav tm="0">
-                                          <p:val>
-                                            <p:strVal val="#ppt_y+.1"/>
-                                          </p:val>
-                                        </p:tav>
-                                        <p:tav tm="100000">
-                                          <p:val>
-                                            <p:strVal val="#ppt_y"/>
-                                          </p:val>
-                                        </p:tav>
-                                      </p:tavLst>
-                                    </p:anim>
-                                  </p:childTnLst>
-                                </p:cTn>
-                              </p:par>
-                              <p:par>
-                                <p:cTn id="54" presetID="42" presetClass="entr" presetSubtype="0" fill="hold" nodeType="withEffect">
-                                  <p:stCondLst>
-                                    <p:cond delay="0"/>
-                                  </p:stCondLst>
-                                  <p:childTnLst>
-                                    <p:set>
-                                      <p:cBhvr>
-                                        <p:cTn id="55" dur="1" fill="hold">
-                                          <p:stCondLst>
-                                            <p:cond delay="0"/>
-                                          </p:stCondLst>
-                                        </p:cTn>
-                                        <p:tgtEl>
-                                          <p:spTgt spid="8">
-                                            <p:txEl>
-                                              <p:pRg st="0" end="0"/>
-                                            </p:txEl>
-                                          </p:spTgt>
-                                        </p:tgtEl>
-                                        <p:attrNameLst>
-                                          <p:attrName>style.visibility</p:attrName>
-                                        </p:attrNameLst>
-                                      </p:cBhvr>
-                                      <p:to>
-                                        <p:strVal val="visible"/>
-                                      </p:to>
-                                    </p:set>
-                                    <p:animEffect transition="in" filter="fade">
-                                      <p:cBhvr>
-                                        <p:cTn id="56" dur="1000"/>
-                                        <p:tgtEl>
-                                          <p:spTgt spid="8">
-                                            <p:txEl>
-                                              <p:pRg st="0" end="0"/>
-                                            </p:txEl>
-                                          </p:spTgt>
-                                        </p:tgtEl>
-                                      </p:cBhvr>
-                                    </p:animEffect>
-                                    <p:anim calcmode="lin" valueType="num">
-                                      <p:cBhvr>
-                                        <p:cTn id="57" dur="1000" fill="hold"/>
-                                        <p:tgtEl>
-                                          <p:spTgt spid="8">
-                                            <p:txEl>
-                                              <p:pRg st="0" end="0"/>
-                                            </p:txEl>
-                                          </p:spTgt>
-                                        </p:tgtEl>
-                                        <p:attrNameLst>
-                                          <p:attrName>ppt_x</p:attrName>
-                                        </p:attrNameLst>
-                                      </p:cBhvr>
-                                      <p:tavLst>
-                                        <p:tav tm="0">
-                                          <p:val>
-                                            <p:strVal val="#ppt_x"/>
-                                          </p:val>
-                                        </p:tav>
-                                        <p:tav tm="100000">
-                                          <p:val>
-                                            <p:strVal val="#ppt_x"/>
-                                          </p:val>
-                                        </p:tav>
-                                      </p:tavLst>
-                                    </p:anim>
-                                    <p:anim calcmode="lin" valueType="num">
-                                      <p:cBhvr>
-                                        <p:cTn id="58" dur="1000" fill="hold"/>
-                                        <p:tgtEl>
-                                          <p:spTgt spid="8">
-                                            <p:txEl>
-                                              <p:pRg st="0" end="0"/>
-                                            </p:txEl>
-                                          </p:spTgt>
-                                        </p:tgtEl>
-                                        <p:attrNameLst>
-                                          <p:attrName>ppt_y</p:attrName>
-                                        </p:attrNameLst>
-                                      </p:cBhvr>
-                                      <p:tavLst>
-                                        <p:tav tm="0">
-                                          <p:val>
-                                            <p:strVal val="#ppt_y+.1"/>
-                                          </p:val>
-                                        </p:tav>
-                                        <p:tav tm="100000">
-                                          <p:val>
-                                            <p:strVal val="#ppt_y"/>
-                                          </p:val>
-                                        </p:tav>
-                                      </p:tavLst>
-                                    </p:anim>
-                                  </p:childTnLst>
-                                </p:cTn>
-                              </p:par>
-                            </p:childTnLst>
-                          </p:cTn>
-                        </p:par>
-                      </p:childTnLst>
-                    </p:cTn>
-                  </p:par>
-                </p:childTnLst>
-              </p:cTn>
-              <p:prevCondLst>
-                <p:cond evt="onPrev" delay="0">
-                  <p:tgtEl>
-                    <p:sldTgt/>
-                  </p:tgtEl>
-                </p:cond>
-              </p:prevCondLst>
-              <p:nextCondLst>
-                <p:cond evt="onNext" delay="0">
-                  <p:tgtEl>
-                    <p:sldTgt/>
-                  </p:tgtEl>
-                </p:cond>
-              </p:nextCondLst>
-            </p:seq>
-          </p:childTnLst>
-        </p:cTn>
-      </p:par>
-    </p:tnLst>
   </p:timing>
 </p:sld>
 </file>

--- a/KüzdőKert.pptx
+++ b/KüzdőKert.pptx
@@ -4,6 +4,9 @@
   <p:sldMasterIdLst>
     <p:sldMasterId id="2147483731" r:id="rId1"/>
   </p:sldMasterIdLst>
+  <p:notesMasterIdLst>
+    <p:notesMasterId r:id="rId19"/>
+  </p:notesMasterIdLst>
   <p:sldIdLst>
     <p:sldId id="256" r:id="rId2"/>
     <p:sldId id="257" r:id="rId3"/>
@@ -144,7 +147,7 @@
       </p:ext>
     </p:extLst>
   </p:cmAuthor>
-  <p:cmAuthor id="3" name="Rapcsák Marcell 248" initials="R2" lastIdx="16" clrIdx="2">
+  <p:cmAuthor id="3" name="Rapcsák Marcell 248" initials="R2" lastIdx="25" clrIdx="2">
     <p:extLst>
       <p:ext uri="{19B8F6BF-5375-455C-9EA6-DF929625EA0E}">
         <p15:presenceInfo xmlns:p15="http://schemas.microsoft.com/office/powerpoint/2012/main" userId="S::rapmar248@hengersor.hu::892558b1-fecd-4fb6-9fa6-95c031bc3524" providerId="AD"/>
@@ -348,266 +351,2170 @@
 </pc:chgInfo>
 </file>
 
-<file path=ppt/comments/comment1.xml><?xml version="1.0" encoding="utf-8"?>
-<p:cmLst xmlns:a="http://schemas.openxmlformats.org/drawingml/2006/main" xmlns:r="http://schemas.openxmlformats.org/officeDocument/2006/relationships" xmlns:p="http://schemas.openxmlformats.org/presentationml/2006/main">
-  <p:cm authorId="3" dt="2025-05-26T12:16:04.306" idx="1">
-    <p:pos x="10" y="10"/>
-    <p:text>pekny
-</p:text>
+<file path=ppt/notesMasters/notesMaster1.xml><?xml version="1.0" encoding="utf-8"?>
+<p:notesMaster xmlns:a="http://schemas.openxmlformats.org/drawingml/2006/main" xmlns:r="http://schemas.openxmlformats.org/officeDocument/2006/relationships" xmlns:p="http://schemas.openxmlformats.org/presentationml/2006/main">
+  <p:cSld>
+    <p:bg>
+      <p:bgRef idx="1001">
+        <a:schemeClr val="bg1"/>
+      </p:bgRef>
+    </p:bg>
+    <p:spTree>
+      <p:nvGrpSpPr>
+        <p:cNvPr id="1" name=""/>
+        <p:cNvGrpSpPr/>
+        <p:nvPr/>
+      </p:nvGrpSpPr>
+      <p:grpSpPr>
+        <a:xfrm>
+          <a:off x="0" y="0"/>
+          <a:ext cx="0" cy="0"/>
+          <a:chOff x="0" y="0"/>
+          <a:chExt cx="0" cy="0"/>
+        </a:xfrm>
+      </p:grpSpPr>
+      <p:sp>
+        <p:nvSpPr>
+          <p:cNvPr id="2" name="Header Placeholder 1"/>
+          <p:cNvSpPr>
+            <a:spLocks noGrp="1"/>
+          </p:cNvSpPr>
+          <p:nvPr>
+            <p:ph type="hdr" sz="quarter"/>
+          </p:nvPr>
+        </p:nvSpPr>
+        <p:spPr>
+          <a:xfrm>
+            <a:off x="0" y="0"/>
+            <a:ext cx="2971800" cy="458788"/>
+          </a:xfrm>
+          <a:prstGeom prst="rect">
+            <a:avLst/>
+          </a:prstGeom>
+        </p:spPr>
+        <p:txBody>
+          <a:bodyPr vert="horz" lIns="91440" tIns="45720" rIns="91440" bIns="45720" rtlCol="0"/>
+          <a:lstStyle>
+            <a:lvl1pPr algn="l">
+              <a:defRPr sz="1200"/>
+            </a:lvl1pPr>
+          </a:lstStyle>
+          <a:p>
+            <a:endParaRPr lang="hu-HU"/>
+          </a:p>
+        </p:txBody>
+      </p:sp>
+      <p:sp>
+        <p:nvSpPr>
+          <p:cNvPr id="3" name="Date Placeholder 2"/>
+          <p:cNvSpPr>
+            <a:spLocks noGrp="1"/>
+          </p:cNvSpPr>
+          <p:nvPr>
+            <p:ph type="dt" idx="1"/>
+          </p:nvPr>
+        </p:nvSpPr>
+        <p:spPr>
+          <a:xfrm>
+            <a:off x="3884613" y="0"/>
+            <a:ext cx="2971800" cy="458788"/>
+          </a:xfrm>
+          <a:prstGeom prst="rect">
+            <a:avLst/>
+          </a:prstGeom>
+        </p:spPr>
+        <p:txBody>
+          <a:bodyPr vert="horz" lIns="91440" tIns="45720" rIns="91440" bIns="45720" rtlCol="0"/>
+          <a:lstStyle>
+            <a:lvl1pPr algn="r">
+              <a:defRPr sz="1200"/>
+            </a:lvl1pPr>
+          </a:lstStyle>
+          <a:p>
+            <a:fld id="{FD6EDCB3-CB9D-42B3-B474-8D5851F7368F}" type="datetimeFigureOut">
+              <a:rPr lang="hu-HU" smtClean="0"/>
+              <a:t>2025. 05. 27.</a:t>
+            </a:fld>
+            <a:endParaRPr lang="hu-HU"/>
+          </a:p>
+        </p:txBody>
+      </p:sp>
+      <p:sp>
+        <p:nvSpPr>
+          <p:cNvPr id="4" name="Slide Image Placeholder 3"/>
+          <p:cNvSpPr>
+            <a:spLocks noGrp="1" noRot="1" noChangeAspect="1"/>
+          </p:cNvSpPr>
+          <p:nvPr>
+            <p:ph type="sldImg" idx="2"/>
+          </p:nvPr>
+        </p:nvSpPr>
+        <p:spPr>
+          <a:xfrm>
+            <a:off x="685800" y="1143000"/>
+            <a:ext cx="5486400" cy="3086100"/>
+          </a:xfrm>
+          <a:prstGeom prst="rect">
+            <a:avLst/>
+          </a:prstGeom>
+          <a:noFill/>
+          <a:ln w="12700">
+            <a:solidFill>
+              <a:prstClr val="black"/>
+            </a:solidFill>
+          </a:ln>
+        </p:spPr>
+        <p:txBody>
+          <a:bodyPr vert="horz" lIns="91440" tIns="45720" rIns="91440" bIns="45720" rtlCol="0" anchor="ctr"/>
+          <a:lstStyle/>
+          <a:p>
+            <a:endParaRPr lang="hu-HU"/>
+          </a:p>
+        </p:txBody>
+      </p:sp>
+      <p:sp>
+        <p:nvSpPr>
+          <p:cNvPr id="5" name="Notes Placeholder 4"/>
+          <p:cNvSpPr>
+            <a:spLocks noGrp="1"/>
+          </p:cNvSpPr>
+          <p:nvPr>
+            <p:ph type="body" sz="quarter" idx="3"/>
+          </p:nvPr>
+        </p:nvSpPr>
+        <p:spPr>
+          <a:xfrm>
+            <a:off x="685800" y="4400550"/>
+            <a:ext cx="5486400" cy="3600450"/>
+          </a:xfrm>
+          <a:prstGeom prst="rect">
+            <a:avLst/>
+          </a:prstGeom>
+        </p:spPr>
+        <p:txBody>
+          <a:bodyPr vert="horz" lIns="91440" tIns="45720" rIns="91440" bIns="45720" rtlCol="0"/>
+          <a:lstStyle/>
+          <a:p>
+            <a:pPr lvl="0"/>
+            <a:r>
+              <a:rPr lang="en-US"/>
+              <a:t>Click to edit Master text styles</a:t>
+            </a:r>
+          </a:p>
+          <a:p>
+            <a:pPr lvl="1"/>
+            <a:r>
+              <a:rPr lang="en-US"/>
+              <a:t>Second level</a:t>
+            </a:r>
+          </a:p>
+          <a:p>
+            <a:pPr lvl="2"/>
+            <a:r>
+              <a:rPr lang="en-US"/>
+              <a:t>Third level</a:t>
+            </a:r>
+          </a:p>
+          <a:p>
+            <a:pPr lvl="3"/>
+            <a:r>
+              <a:rPr lang="en-US"/>
+              <a:t>Fourth level</a:t>
+            </a:r>
+          </a:p>
+          <a:p>
+            <a:pPr lvl="4"/>
+            <a:r>
+              <a:rPr lang="en-US"/>
+              <a:t>Fifth level</a:t>
+            </a:r>
+            <a:endParaRPr lang="hu-HU"/>
+          </a:p>
+        </p:txBody>
+      </p:sp>
+      <p:sp>
+        <p:nvSpPr>
+          <p:cNvPr id="6" name="Footer Placeholder 5"/>
+          <p:cNvSpPr>
+            <a:spLocks noGrp="1"/>
+          </p:cNvSpPr>
+          <p:nvPr>
+            <p:ph type="ftr" sz="quarter" idx="4"/>
+          </p:nvPr>
+        </p:nvSpPr>
+        <p:spPr>
+          <a:xfrm>
+            <a:off x="0" y="8685213"/>
+            <a:ext cx="2971800" cy="458787"/>
+          </a:xfrm>
+          <a:prstGeom prst="rect">
+            <a:avLst/>
+          </a:prstGeom>
+        </p:spPr>
+        <p:txBody>
+          <a:bodyPr vert="horz" lIns="91440" tIns="45720" rIns="91440" bIns="45720" rtlCol="0" anchor="b"/>
+          <a:lstStyle>
+            <a:lvl1pPr algn="l">
+              <a:defRPr sz="1200"/>
+            </a:lvl1pPr>
+          </a:lstStyle>
+          <a:p>
+            <a:endParaRPr lang="hu-HU"/>
+          </a:p>
+        </p:txBody>
+      </p:sp>
+      <p:sp>
+        <p:nvSpPr>
+          <p:cNvPr id="7" name="Slide Number Placeholder 6"/>
+          <p:cNvSpPr>
+            <a:spLocks noGrp="1"/>
+          </p:cNvSpPr>
+          <p:nvPr>
+            <p:ph type="sldNum" sz="quarter" idx="5"/>
+          </p:nvPr>
+        </p:nvSpPr>
+        <p:spPr>
+          <a:xfrm>
+            <a:off x="3884613" y="8685213"/>
+            <a:ext cx="2971800" cy="458787"/>
+          </a:xfrm>
+          <a:prstGeom prst="rect">
+            <a:avLst/>
+          </a:prstGeom>
+        </p:spPr>
+        <p:txBody>
+          <a:bodyPr vert="horz" lIns="91440" tIns="45720" rIns="91440" bIns="45720" rtlCol="0" anchor="b"/>
+          <a:lstStyle>
+            <a:lvl1pPr algn="r">
+              <a:defRPr sz="1200"/>
+            </a:lvl1pPr>
+          </a:lstStyle>
+          <a:p>
+            <a:fld id="{613DC4E4-106B-4EF5-B004-42C963B69C35}" type="slidenum">
+              <a:rPr lang="hu-HU" smtClean="0"/>
+              <a:t>‹#›</a:t>
+            </a:fld>
+            <a:endParaRPr lang="hu-HU"/>
+          </a:p>
+        </p:txBody>
+      </p:sp>
+    </p:spTree>
     <p:extLst>
-      <p:ext uri="{C676402C-5697-4E1C-873F-D02D1690AC5C}">
-        <p15:threadingInfo xmlns:p15="http://schemas.microsoft.com/office/powerpoint/2012/main" timeZoneBias="420"/>
+      <p:ext uri="{BB962C8B-B14F-4D97-AF65-F5344CB8AC3E}">
+        <p14:creationId xmlns:p14="http://schemas.microsoft.com/office/powerpoint/2010/main" val="4170415167"/>
       </p:ext>
     </p:extLst>
-  </p:cm>
-</p:cmLst>
+  </p:cSld>
+  <p:clrMap bg1="lt1" tx1="dk1" bg2="lt2" tx2="dk2" accent1="accent1" accent2="accent2" accent3="accent3" accent4="accent4" accent5="accent5" accent6="accent6" hlink="hlink" folHlink="folHlink"/>
+  <p:notesStyle>
+    <a:lvl1pPr marL="0" algn="l" defTabSz="914400" rtl="0" eaLnBrk="1" latinLnBrk="0" hangingPunct="1">
+      <a:defRPr sz="1200" kern="1200">
+        <a:solidFill>
+          <a:schemeClr val="tx1"/>
+        </a:solidFill>
+        <a:latin typeface="+mn-lt"/>
+        <a:ea typeface="+mn-ea"/>
+        <a:cs typeface="+mn-cs"/>
+      </a:defRPr>
+    </a:lvl1pPr>
+    <a:lvl2pPr marL="457200" algn="l" defTabSz="914400" rtl="0" eaLnBrk="1" latinLnBrk="0" hangingPunct="1">
+      <a:defRPr sz="1200" kern="1200">
+        <a:solidFill>
+          <a:schemeClr val="tx1"/>
+        </a:solidFill>
+        <a:latin typeface="+mn-lt"/>
+        <a:ea typeface="+mn-ea"/>
+        <a:cs typeface="+mn-cs"/>
+      </a:defRPr>
+    </a:lvl2pPr>
+    <a:lvl3pPr marL="914400" algn="l" defTabSz="914400" rtl="0" eaLnBrk="1" latinLnBrk="0" hangingPunct="1">
+      <a:defRPr sz="1200" kern="1200">
+        <a:solidFill>
+          <a:schemeClr val="tx1"/>
+        </a:solidFill>
+        <a:latin typeface="+mn-lt"/>
+        <a:ea typeface="+mn-ea"/>
+        <a:cs typeface="+mn-cs"/>
+      </a:defRPr>
+    </a:lvl3pPr>
+    <a:lvl4pPr marL="1371600" algn="l" defTabSz="914400" rtl="0" eaLnBrk="1" latinLnBrk="0" hangingPunct="1">
+      <a:defRPr sz="1200" kern="1200">
+        <a:solidFill>
+          <a:schemeClr val="tx1"/>
+        </a:solidFill>
+        <a:latin typeface="+mn-lt"/>
+        <a:ea typeface="+mn-ea"/>
+        <a:cs typeface="+mn-cs"/>
+      </a:defRPr>
+    </a:lvl4pPr>
+    <a:lvl5pPr marL="1828800" algn="l" defTabSz="914400" rtl="0" eaLnBrk="1" latinLnBrk="0" hangingPunct="1">
+      <a:defRPr sz="1200" kern="1200">
+        <a:solidFill>
+          <a:schemeClr val="tx1"/>
+        </a:solidFill>
+        <a:latin typeface="+mn-lt"/>
+        <a:ea typeface="+mn-ea"/>
+        <a:cs typeface="+mn-cs"/>
+      </a:defRPr>
+    </a:lvl5pPr>
+    <a:lvl6pPr marL="2286000" algn="l" defTabSz="914400" rtl="0" eaLnBrk="1" latinLnBrk="0" hangingPunct="1">
+      <a:defRPr sz="1200" kern="1200">
+        <a:solidFill>
+          <a:schemeClr val="tx1"/>
+        </a:solidFill>
+        <a:latin typeface="+mn-lt"/>
+        <a:ea typeface="+mn-ea"/>
+        <a:cs typeface="+mn-cs"/>
+      </a:defRPr>
+    </a:lvl6pPr>
+    <a:lvl7pPr marL="2743200" algn="l" defTabSz="914400" rtl="0" eaLnBrk="1" latinLnBrk="0" hangingPunct="1">
+      <a:defRPr sz="1200" kern="1200">
+        <a:solidFill>
+          <a:schemeClr val="tx1"/>
+        </a:solidFill>
+        <a:latin typeface="+mn-lt"/>
+        <a:ea typeface="+mn-ea"/>
+        <a:cs typeface="+mn-cs"/>
+      </a:defRPr>
+    </a:lvl7pPr>
+    <a:lvl8pPr marL="3200400" algn="l" defTabSz="914400" rtl="0" eaLnBrk="1" latinLnBrk="0" hangingPunct="1">
+      <a:defRPr sz="1200" kern="1200">
+        <a:solidFill>
+          <a:schemeClr val="tx1"/>
+        </a:solidFill>
+        <a:latin typeface="+mn-lt"/>
+        <a:ea typeface="+mn-ea"/>
+        <a:cs typeface="+mn-cs"/>
+      </a:defRPr>
+    </a:lvl8pPr>
+    <a:lvl9pPr marL="3657600" algn="l" defTabSz="914400" rtl="0" eaLnBrk="1" latinLnBrk="0" hangingPunct="1">
+      <a:defRPr sz="1200" kern="1200">
+        <a:solidFill>
+          <a:schemeClr val="tx1"/>
+        </a:solidFill>
+        <a:latin typeface="+mn-lt"/>
+        <a:ea typeface="+mn-ea"/>
+        <a:cs typeface="+mn-cs"/>
+      </a:defRPr>
+    </a:lvl9pPr>
+  </p:notesStyle>
+</p:notesMaster>
 </file>
 
-<file path=ppt/comments/comment10.xml><?xml version="1.0" encoding="utf-8"?>
-<p:cmLst xmlns:a="http://schemas.openxmlformats.org/drawingml/2006/main" xmlns:r="http://schemas.openxmlformats.org/officeDocument/2006/relationships" xmlns:p="http://schemas.openxmlformats.org/presentationml/2006/main">
-  <p:cm authorId="3" dt="2025-05-26T12:18:11.044" idx="10">
-    <p:pos x="10" y="10"/>
-    <p:text>rapi
-</p:text>
+<file path=ppt/notesSlides/notesSlide1.xml><?xml version="1.0" encoding="utf-8"?>
+<p:notes xmlns:a="http://schemas.openxmlformats.org/drawingml/2006/main" xmlns:r="http://schemas.openxmlformats.org/officeDocument/2006/relationships" xmlns:p="http://schemas.openxmlformats.org/presentationml/2006/main">
+  <p:cSld>
+    <p:spTree>
+      <p:nvGrpSpPr>
+        <p:cNvPr id="1" name=""/>
+        <p:cNvGrpSpPr/>
+        <p:nvPr/>
+      </p:nvGrpSpPr>
+      <p:grpSpPr>
+        <a:xfrm>
+          <a:off x="0" y="0"/>
+          <a:ext cx="0" cy="0"/>
+          <a:chOff x="0" y="0"/>
+          <a:chExt cx="0" cy="0"/>
+        </a:xfrm>
+      </p:grpSpPr>
+      <p:sp>
+        <p:nvSpPr>
+          <p:cNvPr id="2" name="Slide Image Placeholder 1"/>
+          <p:cNvSpPr>
+            <a:spLocks noGrp="1" noRot="1" noChangeAspect="1"/>
+          </p:cNvSpPr>
+          <p:nvPr>
+            <p:ph type="sldImg"/>
+          </p:nvPr>
+        </p:nvSpPr>
+        <p:spPr/>
+      </p:sp>
+      <p:sp>
+        <p:nvSpPr>
+          <p:cNvPr id="3" name="Notes Placeholder 2"/>
+          <p:cNvSpPr>
+            <a:spLocks noGrp="1"/>
+          </p:cNvSpPr>
+          <p:nvPr>
+            <p:ph type="body" idx="1"/>
+          </p:nvPr>
+        </p:nvSpPr>
+        <p:spPr/>
+        <p:txBody>
+          <a:bodyPr/>
+          <a:lstStyle/>
+          <a:p>
+            <a:r>
+              <a:rPr lang="hu-HU" sz="1800" dirty="0" err="1">
+                <a:effectLst/>
+                <a:latin typeface="Segoe UI" panose="020B0502040204020203" pitchFamily="34" charset="0"/>
+              </a:rPr>
+              <a:t>pekny</a:t>
+            </a:r>
+            <a:endParaRPr lang="hu-HU" dirty="0"/>
+          </a:p>
+        </p:txBody>
+      </p:sp>
+      <p:sp>
+        <p:nvSpPr>
+          <p:cNvPr id="4" name="Slide Number Placeholder 3"/>
+          <p:cNvSpPr>
+            <a:spLocks noGrp="1"/>
+          </p:cNvSpPr>
+          <p:nvPr>
+            <p:ph type="sldNum" sz="quarter" idx="5"/>
+          </p:nvPr>
+        </p:nvSpPr>
+        <p:spPr/>
+        <p:txBody>
+          <a:bodyPr/>
+          <a:lstStyle/>
+          <a:p>
+            <a:fld id="{613DC4E4-106B-4EF5-B004-42C963B69C35}" type="slidenum">
+              <a:rPr lang="hu-HU" smtClean="0"/>
+              <a:t>2</a:t>
+            </a:fld>
+            <a:endParaRPr lang="hu-HU"/>
+          </a:p>
+        </p:txBody>
+      </p:sp>
+    </p:spTree>
     <p:extLst>
-      <p:ext uri="{C676402C-5697-4E1C-873F-D02D1690AC5C}">
-        <p15:threadingInfo xmlns:p15="http://schemas.microsoft.com/office/powerpoint/2012/main" timeZoneBias="420"/>
+      <p:ext uri="{BB962C8B-B14F-4D97-AF65-F5344CB8AC3E}">
+        <p14:creationId xmlns:p14="http://schemas.microsoft.com/office/powerpoint/2010/main" val="757097523"/>
       </p:ext>
     </p:extLst>
-  </p:cm>
-</p:cmLst>
+  </p:cSld>
+  <p:clrMapOvr>
+    <a:masterClrMapping/>
+  </p:clrMapOvr>
+</p:notes>
 </file>
 
-<file path=ppt/comments/comment11.xml><?xml version="1.0" encoding="utf-8"?>
-<p:cmLst xmlns:a="http://schemas.openxmlformats.org/drawingml/2006/main" xmlns:r="http://schemas.openxmlformats.org/officeDocument/2006/relationships" xmlns:p="http://schemas.openxmlformats.org/presentationml/2006/main">
-  <p:cm authorId="2" dt="2025-04-19T21:47:51.294" idx="1">
-    <p:pos x="10" y="10"/>
-    <p:text/>
+<file path=ppt/notesSlides/notesSlide10.xml><?xml version="1.0" encoding="utf-8"?>
+<p:notes xmlns:a="http://schemas.openxmlformats.org/drawingml/2006/main" xmlns:r="http://schemas.openxmlformats.org/officeDocument/2006/relationships" xmlns:p="http://schemas.openxmlformats.org/presentationml/2006/main">
+  <p:cSld>
+    <p:spTree>
+      <p:nvGrpSpPr>
+        <p:cNvPr id="1" name=""/>
+        <p:cNvGrpSpPr/>
+        <p:nvPr/>
+      </p:nvGrpSpPr>
+      <p:grpSpPr>
+        <a:xfrm>
+          <a:off x="0" y="0"/>
+          <a:ext cx="0" cy="0"/>
+          <a:chOff x="0" y="0"/>
+          <a:chExt cx="0" cy="0"/>
+        </a:xfrm>
+      </p:grpSpPr>
+      <p:sp>
+        <p:nvSpPr>
+          <p:cNvPr id="2" name="Slide Image Placeholder 1"/>
+          <p:cNvSpPr>
+            <a:spLocks noGrp="1" noRot="1" noChangeAspect="1"/>
+          </p:cNvSpPr>
+          <p:nvPr>
+            <p:ph type="sldImg"/>
+          </p:nvPr>
+        </p:nvSpPr>
+        <p:spPr/>
+      </p:sp>
+      <p:sp>
+        <p:nvSpPr>
+          <p:cNvPr id="3" name="Notes Placeholder 2"/>
+          <p:cNvSpPr>
+            <a:spLocks noGrp="1"/>
+          </p:cNvSpPr>
+          <p:nvPr>
+            <p:ph type="body" idx="1"/>
+          </p:nvPr>
+        </p:nvSpPr>
+        <p:spPr/>
+        <p:txBody>
+          <a:bodyPr/>
+          <a:lstStyle/>
+          <a:p>
+            <a:pPr marL="0" marR="0" lvl="0" indent="0" algn="l" defTabSz="914400" rtl="0" eaLnBrk="1" fontAlgn="auto" latinLnBrk="0" hangingPunct="1">
+              <a:lnSpc>
+                <a:spcPct val="100000"/>
+              </a:lnSpc>
+              <a:spcBef>
+                <a:spcPts val="0"/>
+              </a:spcBef>
+              <a:spcAft>
+                <a:spcPts val="0"/>
+              </a:spcAft>
+              <a:buClrTx/>
+              <a:buSzTx/>
+              <a:buFontTx/>
+              <a:buNone/>
+              <a:tabLst/>
+              <a:defRPr/>
+            </a:pPr>
+            <a:r>
+              <a:rPr lang="hu-HU" sz="1800" dirty="0" err="1">
+                <a:effectLst/>
+                <a:latin typeface="Segoe UI" panose="020B0502040204020203" pitchFamily="34" charset="0"/>
+              </a:rPr>
+              <a:t>Pekny</a:t>
+            </a:r>
+            <a:endParaRPr lang="hu-HU" sz="1800" dirty="0">
+              <a:effectLst/>
+              <a:latin typeface="Arial" panose="020B0604020202020204" pitchFamily="34" charset="0"/>
+            </a:endParaRPr>
+          </a:p>
+        </p:txBody>
+      </p:sp>
+      <p:sp>
+        <p:nvSpPr>
+          <p:cNvPr id="4" name="Slide Number Placeholder 3"/>
+          <p:cNvSpPr>
+            <a:spLocks noGrp="1"/>
+          </p:cNvSpPr>
+          <p:nvPr>
+            <p:ph type="sldNum" sz="quarter" idx="5"/>
+          </p:nvPr>
+        </p:nvSpPr>
+        <p:spPr/>
+        <p:txBody>
+          <a:bodyPr/>
+          <a:lstStyle/>
+          <a:p>
+            <a:fld id="{613DC4E4-106B-4EF5-B004-42C963B69C35}" type="slidenum">
+              <a:rPr lang="hu-HU" smtClean="0"/>
+              <a:t>12</a:t>
+            </a:fld>
+            <a:endParaRPr lang="hu-HU"/>
+          </a:p>
+        </p:txBody>
+      </p:sp>
+    </p:spTree>
     <p:extLst>
-      <p:ext uri="{C676402C-5697-4E1C-873F-D02D1690AC5C}">
-        <p15:threadingInfo xmlns:p15="http://schemas.microsoft.com/office/powerpoint/2012/main" timeZoneBias="-120"/>
+      <p:ext uri="{BB962C8B-B14F-4D97-AF65-F5344CB8AC3E}">
+        <p14:creationId xmlns:p14="http://schemas.microsoft.com/office/powerpoint/2010/main" val="2575615765"/>
       </p:ext>
     </p:extLst>
-  </p:cm>
-  <p:cm authorId="3" dt="2025-05-26T12:18:27.435" idx="11">
-    <p:pos x="10" y="146"/>
-    <p:text>pekny
-</p:text>
+  </p:cSld>
+  <p:clrMapOvr>
+    <a:masterClrMapping/>
+  </p:clrMapOvr>
+</p:notes>
+</file>
+
+<file path=ppt/notesSlides/notesSlide11.xml><?xml version="1.0" encoding="utf-8"?>
+<p:notes xmlns:a="http://schemas.openxmlformats.org/drawingml/2006/main" xmlns:r="http://schemas.openxmlformats.org/officeDocument/2006/relationships" xmlns:p="http://schemas.openxmlformats.org/presentationml/2006/main">
+  <p:cSld>
+    <p:spTree>
+      <p:nvGrpSpPr>
+        <p:cNvPr id="1" name=""/>
+        <p:cNvGrpSpPr/>
+        <p:nvPr/>
+      </p:nvGrpSpPr>
+      <p:grpSpPr>
+        <a:xfrm>
+          <a:off x="0" y="0"/>
+          <a:ext cx="0" cy="0"/>
+          <a:chOff x="0" y="0"/>
+          <a:chExt cx="0" cy="0"/>
+        </a:xfrm>
+      </p:grpSpPr>
+      <p:sp>
+        <p:nvSpPr>
+          <p:cNvPr id="2" name="Slide Image Placeholder 1"/>
+          <p:cNvSpPr>
+            <a:spLocks noGrp="1" noRot="1" noChangeAspect="1"/>
+          </p:cNvSpPr>
+          <p:nvPr>
+            <p:ph type="sldImg"/>
+          </p:nvPr>
+        </p:nvSpPr>
+        <p:spPr/>
+      </p:sp>
+      <p:sp>
+        <p:nvSpPr>
+          <p:cNvPr id="3" name="Notes Placeholder 2"/>
+          <p:cNvSpPr>
+            <a:spLocks noGrp="1"/>
+          </p:cNvSpPr>
+          <p:nvPr>
+            <p:ph type="body" idx="1"/>
+          </p:nvPr>
+        </p:nvSpPr>
+        <p:spPr/>
+        <p:txBody>
+          <a:bodyPr/>
+          <a:lstStyle/>
+          <a:p>
+            <a:pPr marL="0" marR="0" lvl="0" indent="0" algn="l" defTabSz="914400" rtl="0" eaLnBrk="1" fontAlgn="auto" latinLnBrk="0" hangingPunct="1">
+              <a:lnSpc>
+                <a:spcPct val="100000"/>
+              </a:lnSpc>
+              <a:spcBef>
+                <a:spcPts val="0"/>
+              </a:spcBef>
+              <a:spcAft>
+                <a:spcPts val="0"/>
+              </a:spcAft>
+              <a:buClrTx/>
+              <a:buSzTx/>
+              <a:buFontTx/>
+              <a:buNone/>
+              <a:tabLst/>
+              <a:defRPr/>
+            </a:pPr>
+            <a:r>
+              <a:rPr lang="hu-HU" sz="1800" dirty="0" err="1">
+                <a:effectLst/>
+                <a:latin typeface="Segoe UI" panose="020B0502040204020203" pitchFamily="34" charset="0"/>
+              </a:rPr>
+              <a:t>mozer</a:t>
+            </a:r>
+            <a:endParaRPr lang="hu-HU" sz="1800" dirty="0">
+              <a:effectLst/>
+              <a:latin typeface="Arial" panose="020B0604020202020204" pitchFamily="34" charset="0"/>
+            </a:endParaRPr>
+          </a:p>
+          <a:p>
+            <a:endParaRPr lang="hu-HU" dirty="0"/>
+          </a:p>
+        </p:txBody>
+      </p:sp>
+      <p:sp>
+        <p:nvSpPr>
+          <p:cNvPr id="4" name="Slide Number Placeholder 3"/>
+          <p:cNvSpPr>
+            <a:spLocks noGrp="1"/>
+          </p:cNvSpPr>
+          <p:nvPr>
+            <p:ph type="sldNum" sz="quarter" idx="5"/>
+          </p:nvPr>
+        </p:nvSpPr>
+        <p:spPr/>
+        <p:txBody>
+          <a:bodyPr/>
+          <a:lstStyle/>
+          <a:p>
+            <a:fld id="{613DC4E4-106B-4EF5-B004-42C963B69C35}" type="slidenum">
+              <a:rPr lang="hu-HU" smtClean="0"/>
+              <a:t>13</a:t>
+            </a:fld>
+            <a:endParaRPr lang="hu-HU"/>
+          </a:p>
+        </p:txBody>
+      </p:sp>
+    </p:spTree>
     <p:extLst>
-      <p:ext uri="{C676402C-5697-4E1C-873F-D02D1690AC5C}">
-        <p15:threadingInfo xmlns:p15="http://schemas.microsoft.com/office/powerpoint/2012/main" timeZoneBias="420">
-          <p15:parentCm authorId="2" idx="1"/>
-        </p15:threadingInfo>
+      <p:ext uri="{BB962C8B-B14F-4D97-AF65-F5344CB8AC3E}">
+        <p14:creationId xmlns:p14="http://schemas.microsoft.com/office/powerpoint/2010/main" val="2200410799"/>
       </p:ext>
     </p:extLst>
-  </p:cm>
-</p:cmLst>
+  </p:cSld>
+  <p:clrMapOvr>
+    <a:masterClrMapping/>
+  </p:clrMapOvr>
+</p:notes>
 </file>
 
-<file path=ppt/comments/comment12.xml><?xml version="1.0" encoding="utf-8"?>
-<p:cmLst xmlns:a="http://schemas.openxmlformats.org/drawingml/2006/main" xmlns:r="http://schemas.openxmlformats.org/officeDocument/2006/relationships" xmlns:p="http://schemas.openxmlformats.org/presentationml/2006/main">
-  <p:cm authorId="3" dt="2025-05-26T12:18:41.404" idx="12">
-    <p:pos x="10" y="10"/>
-    <p:text>mozer
-</p:text>
+<file path=ppt/notesSlides/notesSlide12.xml><?xml version="1.0" encoding="utf-8"?>
+<p:notes xmlns:a="http://schemas.openxmlformats.org/drawingml/2006/main" xmlns:r="http://schemas.openxmlformats.org/officeDocument/2006/relationships" xmlns:p="http://schemas.openxmlformats.org/presentationml/2006/main">
+  <p:cSld>
+    <p:spTree>
+      <p:nvGrpSpPr>
+        <p:cNvPr id="1" name=""/>
+        <p:cNvGrpSpPr/>
+        <p:nvPr/>
+      </p:nvGrpSpPr>
+      <p:grpSpPr>
+        <a:xfrm>
+          <a:off x="0" y="0"/>
+          <a:ext cx="0" cy="0"/>
+          <a:chOff x="0" y="0"/>
+          <a:chExt cx="0" cy="0"/>
+        </a:xfrm>
+      </p:grpSpPr>
+      <p:sp>
+        <p:nvSpPr>
+          <p:cNvPr id="2" name="Slide Image Placeholder 1"/>
+          <p:cNvSpPr>
+            <a:spLocks noGrp="1" noRot="1" noChangeAspect="1"/>
+          </p:cNvSpPr>
+          <p:nvPr>
+            <p:ph type="sldImg"/>
+          </p:nvPr>
+        </p:nvSpPr>
+        <p:spPr/>
+      </p:sp>
+      <p:sp>
+        <p:nvSpPr>
+          <p:cNvPr id="3" name="Notes Placeholder 2"/>
+          <p:cNvSpPr>
+            <a:spLocks noGrp="1"/>
+          </p:cNvSpPr>
+          <p:nvPr>
+            <p:ph type="body" idx="1"/>
+          </p:nvPr>
+        </p:nvSpPr>
+        <p:spPr/>
+        <p:txBody>
+          <a:bodyPr/>
+          <a:lstStyle/>
+          <a:p>
+            <a:r>
+              <a:rPr lang="hu-HU" dirty="0"/>
+              <a:t>Rapi</a:t>
+            </a:r>
+          </a:p>
+          <a:p>
+            <a:endParaRPr lang="hu-HU" dirty="0"/>
+          </a:p>
+          <a:p>
+            <a:pPr>
+              <a:buNone/>
+            </a:pPr>
+            <a:r>
+              <a:rPr lang="hu-HU" sz="1800" dirty="0">
+                <a:effectLst/>
+                <a:latin typeface="Segoe UI" panose="020B0502040204020203" pitchFamily="34" charset="0"/>
+              </a:rPr>
+              <a:t>Az oldal telefonon és tableten is tökéletesen reszponzív.</a:t>
+            </a:r>
+          </a:p>
+          <a:p>
+            <a:pPr>
+              <a:buNone/>
+            </a:pPr>
+            <a:endParaRPr lang="hu-HU" sz="1800" dirty="0">
+              <a:effectLst/>
+              <a:latin typeface="Arial" panose="020B0604020202020204" pitchFamily="34" charset="0"/>
+            </a:endParaRPr>
+          </a:p>
+          <a:p>
+            <a:r>
+              <a:rPr lang="hu-HU" sz="1800" dirty="0">
+                <a:effectLst/>
+                <a:latin typeface="Segoe UI" panose="020B0502040204020203" pitchFamily="34" charset="0"/>
+              </a:rPr>
+              <a:t>A Főoldal ikon mindig látszik, viszont a menü többi része egy hamburgermenüben van </a:t>
+            </a:r>
+            <a:r>
+              <a:rPr lang="hu-HU" sz="1800" dirty="0" err="1">
+                <a:effectLst/>
+                <a:latin typeface="Segoe UI" panose="020B0502040204020203" pitchFamily="34" charset="0"/>
+              </a:rPr>
+              <a:t>elrejte</a:t>
+            </a:r>
+            <a:r>
+              <a:rPr lang="hu-HU" sz="1800" dirty="0">
+                <a:effectLst/>
+                <a:latin typeface="Segoe UI" panose="020B0502040204020203" pitchFamily="34" charset="0"/>
+              </a:rPr>
+              <a:t> ami kattintás esetén legördül.</a:t>
+            </a:r>
+            <a:endParaRPr lang="hu-HU" sz="1800" dirty="0">
+              <a:effectLst/>
+              <a:latin typeface="Arial" panose="020B0604020202020204" pitchFamily="34" charset="0"/>
+            </a:endParaRPr>
+          </a:p>
+          <a:p>
+            <a:endParaRPr lang="hu-HU" dirty="0"/>
+          </a:p>
+        </p:txBody>
+      </p:sp>
+      <p:sp>
+        <p:nvSpPr>
+          <p:cNvPr id="4" name="Slide Number Placeholder 3"/>
+          <p:cNvSpPr>
+            <a:spLocks noGrp="1"/>
+          </p:cNvSpPr>
+          <p:nvPr>
+            <p:ph type="sldNum" sz="quarter" idx="5"/>
+          </p:nvPr>
+        </p:nvSpPr>
+        <p:spPr/>
+        <p:txBody>
+          <a:bodyPr/>
+          <a:lstStyle/>
+          <a:p>
+            <a:fld id="{613DC4E4-106B-4EF5-B004-42C963B69C35}" type="slidenum">
+              <a:rPr lang="hu-HU" smtClean="0"/>
+              <a:t>14</a:t>
+            </a:fld>
+            <a:endParaRPr lang="hu-HU"/>
+          </a:p>
+        </p:txBody>
+      </p:sp>
+    </p:spTree>
     <p:extLst>
-      <p:ext uri="{C676402C-5697-4E1C-873F-D02D1690AC5C}">
-        <p15:threadingInfo xmlns:p15="http://schemas.microsoft.com/office/powerpoint/2012/main" timeZoneBias="420"/>
+      <p:ext uri="{BB962C8B-B14F-4D97-AF65-F5344CB8AC3E}">
+        <p14:creationId xmlns:p14="http://schemas.microsoft.com/office/powerpoint/2010/main" val="3032922202"/>
       </p:ext>
     </p:extLst>
-  </p:cm>
-</p:cmLst>
+  </p:cSld>
+  <p:clrMapOvr>
+    <a:masterClrMapping/>
+  </p:clrMapOvr>
+</p:notes>
 </file>
 
-<file path=ppt/comments/comment13.xml><?xml version="1.0" encoding="utf-8"?>
-<p:cmLst xmlns:a="http://schemas.openxmlformats.org/drawingml/2006/main" xmlns:r="http://schemas.openxmlformats.org/officeDocument/2006/relationships" xmlns:p="http://schemas.openxmlformats.org/presentationml/2006/main">
-  <p:cm authorId="3" dt="2025-05-26T12:19:01.108" idx="13">
-    <p:pos x="10" y="10"/>
-    <p:text>rapi
-</p:text>
+<file path=ppt/notesSlides/notesSlide13.xml><?xml version="1.0" encoding="utf-8"?>
+<p:notes xmlns:a="http://schemas.openxmlformats.org/drawingml/2006/main" xmlns:r="http://schemas.openxmlformats.org/officeDocument/2006/relationships" xmlns:p="http://schemas.openxmlformats.org/presentationml/2006/main">
+  <p:cSld>
+    <p:spTree>
+      <p:nvGrpSpPr>
+        <p:cNvPr id="1" name=""/>
+        <p:cNvGrpSpPr/>
+        <p:nvPr/>
+      </p:nvGrpSpPr>
+      <p:grpSpPr>
+        <a:xfrm>
+          <a:off x="0" y="0"/>
+          <a:ext cx="0" cy="0"/>
+          <a:chOff x="0" y="0"/>
+          <a:chExt cx="0" cy="0"/>
+        </a:xfrm>
+      </p:grpSpPr>
+      <p:sp>
+        <p:nvSpPr>
+          <p:cNvPr id="2" name="Slide Image Placeholder 1"/>
+          <p:cNvSpPr>
+            <a:spLocks noGrp="1" noRot="1" noChangeAspect="1"/>
+          </p:cNvSpPr>
+          <p:nvPr>
+            <p:ph type="sldImg"/>
+          </p:nvPr>
+        </p:nvSpPr>
+        <p:spPr/>
+      </p:sp>
+      <p:sp>
+        <p:nvSpPr>
+          <p:cNvPr id="3" name="Notes Placeholder 2"/>
+          <p:cNvSpPr>
+            <a:spLocks noGrp="1"/>
+          </p:cNvSpPr>
+          <p:nvPr>
+            <p:ph type="body" idx="1"/>
+          </p:nvPr>
+        </p:nvSpPr>
+        <p:spPr/>
+        <p:txBody>
+          <a:bodyPr/>
+          <a:lstStyle/>
+          <a:p>
+            <a:pPr marL="0" marR="0" lvl="0" indent="0" algn="l" defTabSz="914400" rtl="0" eaLnBrk="1" fontAlgn="auto" latinLnBrk="0" hangingPunct="1">
+              <a:lnSpc>
+                <a:spcPct val="100000"/>
+              </a:lnSpc>
+              <a:spcBef>
+                <a:spcPts val="0"/>
+              </a:spcBef>
+              <a:spcAft>
+                <a:spcPts val="0"/>
+              </a:spcAft>
+              <a:buClrTx/>
+              <a:buSzTx/>
+              <a:buFontTx/>
+              <a:buNone/>
+              <a:tabLst/>
+              <a:defRPr/>
+            </a:pPr>
+            <a:r>
+              <a:rPr lang="hu-HU" sz="1800" dirty="0" err="1">
+                <a:effectLst/>
+                <a:latin typeface="Segoe UI" panose="020B0502040204020203" pitchFamily="34" charset="0"/>
+              </a:rPr>
+              <a:t>pekny</a:t>
+            </a:r>
+            <a:endParaRPr lang="hu-HU" sz="1800" dirty="0">
+              <a:effectLst/>
+              <a:latin typeface="Arial" panose="020B0604020202020204" pitchFamily="34" charset="0"/>
+            </a:endParaRPr>
+          </a:p>
+          <a:p>
+            <a:endParaRPr lang="hu-HU" dirty="0"/>
+          </a:p>
+        </p:txBody>
+      </p:sp>
+      <p:sp>
+        <p:nvSpPr>
+          <p:cNvPr id="4" name="Slide Number Placeholder 3"/>
+          <p:cNvSpPr>
+            <a:spLocks noGrp="1"/>
+          </p:cNvSpPr>
+          <p:nvPr>
+            <p:ph type="sldNum" sz="quarter" idx="5"/>
+          </p:nvPr>
+        </p:nvSpPr>
+        <p:spPr/>
+        <p:txBody>
+          <a:bodyPr/>
+          <a:lstStyle/>
+          <a:p>
+            <a:fld id="{613DC4E4-106B-4EF5-B004-42C963B69C35}" type="slidenum">
+              <a:rPr lang="hu-HU" smtClean="0"/>
+              <a:t>15</a:t>
+            </a:fld>
+            <a:endParaRPr lang="hu-HU"/>
+          </a:p>
+        </p:txBody>
+      </p:sp>
+    </p:spTree>
     <p:extLst>
-      <p:ext uri="{C676402C-5697-4E1C-873F-D02D1690AC5C}">
-        <p15:threadingInfo xmlns:p15="http://schemas.microsoft.com/office/powerpoint/2012/main" timeZoneBias="420"/>
+      <p:ext uri="{BB962C8B-B14F-4D97-AF65-F5344CB8AC3E}">
+        <p14:creationId xmlns:p14="http://schemas.microsoft.com/office/powerpoint/2010/main" val="3427230758"/>
       </p:ext>
     </p:extLst>
-  </p:cm>
-</p:cmLst>
+  </p:cSld>
+  <p:clrMapOvr>
+    <a:masterClrMapping/>
+  </p:clrMapOvr>
+</p:notes>
 </file>
 
-<file path=ppt/comments/comment14.xml><?xml version="1.0" encoding="utf-8"?>
-<p:cmLst xmlns:a="http://schemas.openxmlformats.org/drawingml/2006/main" xmlns:r="http://schemas.openxmlformats.org/officeDocument/2006/relationships" xmlns:p="http://schemas.openxmlformats.org/presentationml/2006/main">
-  <p:cm authorId="1" dt="2025-04-03T11:06:39.836" idx="1">
-    <p:pos x="10" y="10"/>
-    <p:text/>
+<file path=ppt/notesSlides/notesSlide14.xml><?xml version="1.0" encoding="utf-8"?>
+<p:notes xmlns:a="http://schemas.openxmlformats.org/drawingml/2006/main" xmlns:r="http://schemas.openxmlformats.org/officeDocument/2006/relationships" xmlns:p="http://schemas.openxmlformats.org/presentationml/2006/main">
+  <p:cSld>
+    <p:spTree>
+      <p:nvGrpSpPr>
+        <p:cNvPr id="1" name=""/>
+        <p:cNvGrpSpPr/>
+        <p:nvPr/>
+      </p:nvGrpSpPr>
+      <p:grpSpPr>
+        <a:xfrm>
+          <a:off x="0" y="0"/>
+          <a:ext cx="0" cy="0"/>
+          <a:chOff x="0" y="0"/>
+          <a:chExt cx="0" cy="0"/>
+        </a:xfrm>
+      </p:grpSpPr>
+      <p:sp>
+        <p:nvSpPr>
+          <p:cNvPr id="2" name="Slide Image Placeholder 1"/>
+          <p:cNvSpPr>
+            <a:spLocks noGrp="1" noRot="1" noChangeAspect="1"/>
+          </p:cNvSpPr>
+          <p:nvPr>
+            <p:ph type="sldImg"/>
+          </p:nvPr>
+        </p:nvSpPr>
+        <p:spPr/>
+      </p:sp>
+      <p:sp>
+        <p:nvSpPr>
+          <p:cNvPr id="3" name="Notes Placeholder 2"/>
+          <p:cNvSpPr>
+            <a:spLocks noGrp="1"/>
+          </p:cNvSpPr>
+          <p:nvPr>
+            <p:ph type="body" idx="1"/>
+          </p:nvPr>
+        </p:nvSpPr>
+        <p:spPr/>
+        <p:txBody>
+          <a:bodyPr/>
+          <a:lstStyle/>
+          <a:p>
+            <a:pPr marL="0" marR="0" lvl="0" indent="0" algn="l" defTabSz="914400" rtl="0" eaLnBrk="1" fontAlgn="auto" latinLnBrk="0" hangingPunct="1">
+              <a:lnSpc>
+                <a:spcPct val="100000"/>
+              </a:lnSpc>
+              <a:spcBef>
+                <a:spcPts val="0"/>
+              </a:spcBef>
+              <a:spcAft>
+                <a:spcPts val="0"/>
+              </a:spcAft>
+              <a:buClrTx/>
+              <a:buSzTx/>
+              <a:buFontTx/>
+              <a:buNone/>
+              <a:tabLst/>
+              <a:defRPr/>
+            </a:pPr>
+            <a:r>
+              <a:rPr lang="hu-HU" sz="1800" dirty="0" err="1">
+                <a:effectLst/>
+                <a:latin typeface="Segoe UI" panose="020B0502040204020203" pitchFamily="34" charset="0"/>
+              </a:rPr>
+              <a:t>mozer</a:t>
+            </a:r>
+            <a:endParaRPr lang="hu-HU" sz="1800" dirty="0">
+              <a:effectLst/>
+              <a:latin typeface="Arial" panose="020B0604020202020204" pitchFamily="34" charset="0"/>
+            </a:endParaRPr>
+          </a:p>
+        </p:txBody>
+      </p:sp>
+      <p:sp>
+        <p:nvSpPr>
+          <p:cNvPr id="4" name="Slide Number Placeholder 3"/>
+          <p:cNvSpPr>
+            <a:spLocks noGrp="1"/>
+          </p:cNvSpPr>
+          <p:nvPr>
+            <p:ph type="sldNum" sz="quarter" idx="5"/>
+          </p:nvPr>
+        </p:nvSpPr>
+        <p:spPr/>
+        <p:txBody>
+          <a:bodyPr/>
+          <a:lstStyle/>
+          <a:p>
+            <a:fld id="{613DC4E4-106B-4EF5-B004-42C963B69C35}" type="slidenum">
+              <a:rPr lang="hu-HU" smtClean="0"/>
+              <a:t>16</a:t>
+            </a:fld>
+            <a:endParaRPr lang="hu-HU"/>
+          </a:p>
+        </p:txBody>
+      </p:sp>
+    </p:spTree>
     <p:extLst>
-      <p:ext uri="{C676402C-5697-4E1C-873F-D02D1690AC5C}">
-        <p15:threadingInfo xmlns:p15="http://schemas.microsoft.com/office/powerpoint/2012/main" timeZoneBias="-120"/>
+      <p:ext uri="{BB962C8B-B14F-4D97-AF65-F5344CB8AC3E}">
+        <p14:creationId xmlns:p14="http://schemas.microsoft.com/office/powerpoint/2010/main" val="3846895324"/>
       </p:ext>
     </p:extLst>
-  </p:cm>
-  <p:cm authorId="3" dt="2025-05-26T12:19:07.123" idx="14">
-    <p:pos x="10" y="146"/>
-    <p:text>pekny
-</p:text>
+  </p:cSld>
+  <p:clrMapOvr>
+    <a:masterClrMapping/>
+  </p:clrMapOvr>
+</p:notes>
+</file>
+
+<file path=ppt/notesSlides/notesSlide15.xml><?xml version="1.0" encoding="utf-8"?>
+<p:notes xmlns:a="http://schemas.openxmlformats.org/drawingml/2006/main" xmlns:r="http://schemas.openxmlformats.org/officeDocument/2006/relationships" xmlns:p="http://schemas.openxmlformats.org/presentationml/2006/main">
+  <p:cSld>
+    <p:spTree>
+      <p:nvGrpSpPr>
+        <p:cNvPr id="1" name=""/>
+        <p:cNvGrpSpPr/>
+        <p:nvPr/>
+      </p:nvGrpSpPr>
+      <p:grpSpPr>
+        <a:xfrm>
+          <a:off x="0" y="0"/>
+          <a:ext cx="0" cy="0"/>
+          <a:chOff x="0" y="0"/>
+          <a:chExt cx="0" cy="0"/>
+        </a:xfrm>
+      </p:grpSpPr>
+      <p:sp>
+        <p:nvSpPr>
+          <p:cNvPr id="2" name="Slide Image Placeholder 1"/>
+          <p:cNvSpPr>
+            <a:spLocks noGrp="1" noRot="1" noChangeAspect="1"/>
+          </p:cNvSpPr>
+          <p:nvPr>
+            <p:ph type="sldImg"/>
+          </p:nvPr>
+        </p:nvSpPr>
+        <p:spPr/>
+      </p:sp>
+      <p:sp>
+        <p:nvSpPr>
+          <p:cNvPr id="3" name="Notes Placeholder 2"/>
+          <p:cNvSpPr>
+            <a:spLocks noGrp="1"/>
+          </p:cNvSpPr>
+          <p:nvPr>
+            <p:ph type="body" idx="1"/>
+          </p:nvPr>
+        </p:nvSpPr>
+        <p:spPr/>
+        <p:txBody>
+          <a:bodyPr/>
+          <a:lstStyle/>
+          <a:p>
+            <a:pPr marL="0" marR="0" lvl="0" indent="0" algn="l" defTabSz="914400" rtl="0" eaLnBrk="1" fontAlgn="auto" latinLnBrk="0" hangingPunct="1">
+              <a:lnSpc>
+                <a:spcPct val="100000"/>
+              </a:lnSpc>
+              <a:spcBef>
+                <a:spcPts val="0"/>
+              </a:spcBef>
+              <a:spcAft>
+                <a:spcPts val="0"/>
+              </a:spcAft>
+              <a:buClrTx/>
+              <a:buSzTx/>
+              <a:buFontTx/>
+              <a:buNone/>
+              <a:tabLst/>
+              <a:defRPr/>
+            </a:pPr>
+            <a:r>
+              <a:rPr lang="hu-HU" sz="1800" dirty="0" err="1">
+                <a:effectLst/>
+                <a:latin typeface="Segoe UI" panose="020B0502040204020203" pitchFamily="34" charset="0"/>
+              </a:rPr>
+              <a:t>pekny</a:t>
+            </a:r>
+            <a:endParaRPr lang="hu-HU" sz="1800" dirty="0">
+              <a:effectLst/>
+              <a:latin typeface="Arial" panose="020B0604020202020204" pitchFamily="34" charset="0"/>
+            </a:endParaRPr>
+          </a:p>
+          <a:p>
+            <a:endParaRPr lang="hu-HU" dirty="0"/>
+          </a:p>
+        </p:txBody>
+      </p:sp>
+      <p:sp>
+        <p:nvSpPr>
+          <p:cNvPr id="4" name="Slide Number Placeholder 3"/>
+          <p:cNvSpPr>
+            <a:spLocks noGrp="1"/>
+          </p:cNvSpPr>
+          <p:nvPr>
+            <p:ph type="sldNum" sz="quarter" idx="5"/>
+          </p:nvPr>
+        </p:nvSpPr>
+        <p:spPr/>
+        <p:txBody>
+          <a:bodyPr/>
+          <a:lstStyle/>
+          <a:p>
+            <a:fld id="{613DC4E4-106B-4EF5-B004-42C963B69C35}" type="slidenum">
+              <a:rPr lang="hu-HU" smtClean="0"/>
+              <a:t>17</a:t>
+            </a:fld>
+            <a:endParaRPr lang="hu-HU"/>
+          </a:p>
+        </p:txBody>
+      </p:sp>
+    </p:spTree>
     <p:extLst>
-      <p:ext uri="{C676402C-5697-4E1C-873F-D02D1690AC5C}">
-        <p15:threadingInfo xmlns:p15="http://schemas.microsoft.com/office/powerpoint/2012/main" timeZoneBias="420">
-          <p15:parentCm authorId="1" idx="1"/>
-        </p15:threadingInfo>
+      <p:ext uri="{BB962C8B-B14F-4D97-AF65-F5344CB8AC3E}">
+        <p14:creationId xmlns:p14="http://schemas.microsoft.com/office/powerpoint/2010/main" val="396864018"/>
       </p:ext>
     </p:extLst>
-  </p:cm>
-</p:cmLst>
+  </p:cSld>
+  <p:clrMapOvr>
+    <a:masterClrMapping/>
+  </p:clrMapOvr>
+</p:notes>
 </file>
 
-<file path=ppt/comments/comment15.xml><?xml version="1.0" encoding="utf-8"?>
-<p:cmLst xmlns:a="http://schemas.openxmlformats.org/drawingml/2006/main" xmlns:r="http://schemas.openxmlformats.org/officeDocument/2006/relationships" xmlns:p="http://schemas.openxmlformats.org/presentationml/2006/main">
-  <p:cm authorId="3" dt="2025-05-26T12:19:12.170" idx="15">
-    <p:pos x="10" y="10"/>
-    <p:text>mozer
-</p:text>
+<file path=ppt/notesSlides/notesSlide2.xml><?xml version="1.0" encoding="utf-8"?>
+<p:notes xmlns:a="http://schemas.openxmlformats.org/drawingml/2006/main" xmlns:r="http://schemas.openxmlformats.org/officeDocument/2006/relationships" xmlns:p="http://schemas.openxmlformats.org/presentationml/2006/main">
+  <p:cSld>
+    <p:spTree>
+      <p:nvGrpSpPr>
+        <p:cNvPr id="1" name=""/>
+        <p:cNvGrpSpPr/>
+        <p:nvPr/>
+      </p:nvGrpSpPr>
+      <p:grpSpPr>
+        <a:xfrm>
+          <a:off x="0" y="0"/>
+          <a:ext cx="0" cy="0"/>
+          <a:chOff x="0" y="0"/>
+          <a:chExt cx="0" cy="0"/>
+        </a:xfrm>
+      </p:grpSpPr>
+      <p:sp>
+        <p:nvSpPr>
+          <p:cNvPr id="2" name="Slide Image Placeholder 1"/>
+          <p:cNvSpPr>
+            <a:spLocks noGrp="1" noRot="1" noChangeAspect="1"/>
+          </p:cNvSpPr>
+          <p:nvPr>
+            <p:ph type="sldImg"/>
+          </p:nvPr>
+        </p:nvSpPr>
+        <p:spPr/>
+      </p:sp>
+      <p:sp>
+        <p:nvSpPr>
+          <p:cNvPr id="3" name="Notes Placeholder 2"/>
+          <p:cNvSpPr>
+            <a:spLocks noGrp="1"/>
+          </p:cNvSpPr>
+          <p:nvPr>
+            <p:ph type="body" idx="1"/>
+          </p:nvPr>
+        </p:nvSpPr>
+        <p:spPr/>
+        <p:txBody>
+          <a:bodyPr/>
+          <a:lstStyle/>
+          <a:p>
+            <a:r>
+              <a:rPr lang="hu-HU" dirty="0"/>
+              <a:t>Rapi</a:t>
+            </a:r>
+          </a:p>
+          <a:p>
+            <a:endParaRPr lang="hu-HU" dirty="0"/>
+          </a:p>
+          <a:p>
+            <a:pPr marL="0" marR="0" lvl="0" indent="0" algn="l" defTabSz="914400" rtl="0" eaLnBrk="1" fontAlgn="auto" latinLnBrk="0" hangingPunct="1">
+              <a:lnSpc>
+                <a:spcPct val="100000"/>
+              </a:lnSpc>
+              <a:spcBef>
+                <a:spcPts val="0"/>
+              </a:spcBef>
+              <a:spcAft>
+                <a:spcPts val="0"/>
+              </a:spcAft>
+              <a:buClrTx/>
+              <a:buSzTx/>
+              <a:buFontTx/>
+              <a:buNone/>
+              <a:tabLst/>
+              <a:defRPr/>
+            </a:pPr>
+            <a:r>
+              <a:rPr lang="hu-HU" sz="1800" dirty="0">
+                <a:effectLst/>
+                <a:latin typeface="Segoe UI" panose="020B0502040204020203" pitchFamily="34" charset="0"/>
+              </a:rPr>
+              <a:t>Az itt látható funkciókat az oldal bemutatása közben bővebben kifejtjük.</a:t>
+            </a:r>
+            <a:endParaRPr lang="hu-HU" sz="1800" dirty="0">
+              <a:effectLst/>
+              <a:latin typeface="Arial" panose="020B0604020202020204" pitchFamily="34" charset="0"/>
+            </a:endParaRPr>
+          </a:p>
+          <a:p>
+            <a:endParaRPr lang="hu-HU" dirty="0"/>
+          </a:p>
+          <a:p>
+            <a:pPr>
+              <a:buNone/>
+            </a:pPr>
+            <a:r>
+              <a:rPr lang="hu-HU" sz="1800" dirty="0">
+                <a:effectLst/>
+                <a:latin typeface="Segoe UI" panose="020B0502040204020203" pitchFamily="34" charset="0"/>
+              </a:rPr>
+              <a:t>Ahhoz, hogy valaki használhassa az oldal összes funkcióját, először regisztrálnia kell.</a:t>
+            </a:r>
+          </a:p>
+          <a:p>
+            <a:pPr>
+              <a:buNone/>
+            </a:pPr>
+            <a:endParaRPr lang="hu-HU" sz="1800" dirty="0">
+              <a:effectLst/>
+              <a:latin typeface="Arial" panose="020B0604020202020204" pitchFamily="34" charset="0"/>
+            </a:endParaRPr>
+          </a:p>
+          <a:p>
+            <a:r>
+              <a:rPr lang="hu-HU" sz="1800" dirty="0">
+                <a:effectLst/>
+                <a:latin typeface="Segoe UI" panose="020B0502040204020203" pitchFamily="34" charset="0"/>
+              </a:rPr>
+              <a:t>Ezután következhet a bejelentkezés, ami minden felhasználónak szükséges, függetlenül attól, milyen szerepben van jelen az oldalon.</a:t>
+            </a:r>
+            <a:endParaRPr lang="hu-HU" sz="1800" dirty="0">
+              <a:effectLst/>
+              <a:latin typeface="Arial" panose="020B0604020202020204" pitchFamily="34" charset="0"/>
+            </a:endParaRPr>
+          </a:p>
+          <a:p>
+            <a:endParaRPr lang="hu-HU" dirty="0"/>
+          </a:p>
+        </p:txBody>
+      </p:sp>
+      <p:sp>
+        <p:nvSpPr>
+          <p:cNvPr id="4" name="Slide Number Placeholder 3"/>
+          <p:cNvSpPr>
+            <a:spLocks noGrp="1"/>
+          </p:cNvSpPr>
+          <p:nvPr>
+            <p:ph type="sldNum" sz="quarter" idx="5"/>
+          </p:nvPr>
+        </p:nvSpPr>
+        <p:spPr/>
+        <p:txBody>
+          <a:bodyPr/>
+          <a:lstStyle/>
+          <a:p>
+            <a:fld id="{613DC4E4-106B-4EF5-B004-42C963B69C35}" type="slidenum">
+              <a:rPr lang="hu-HU" smtClean="0"/>
+              <a:t>4</a:t>
+            </a:fld>
+            <a:endParaRPr lang="hu-HU"/>
+          </a:p>
+        </p:txBody>
+      </p:sp>
+    </p:spTree>
     <p:extLst>
-      <p:ext uri="{C676402C-5697-4E1C-873F-D02D1690AC5C}">
-        <p15:threadingInfo xmlns:p15="http://schemas.microsoft.com/office/powerpoint/2012/main" timeZoneBias="420"/>
+      <p:ext uri="{BB962C8B-B14F-4D97-AF65-F5344CB8AC3E}">
+        <p14:creationId xmlns:p14="http://schemas.microsoft.com/office/powerpoint/2010/main" val="733037007"/>
       </p:ext>
     </p:extLst>
-  </p:cm>
-</p:cmLst>
+  </p:cSld>
+  <p:clrMapOvr>
+    <a:masterClrMapping/>
+  </p:clrMapOvr>
+</p:notes>
 </file>
 
-<file path=ppt/comments/comment16.xml><?xml version="1.0" encoding="utf-8"?>
-<p:cmLst xmlns:a="http://schemas.openxmlformats.org/drawingml/2006/main" xmlns:r="http://schemas.openxmlformats.org/officeDocument/2006/relationships" xmlns:p="http://schemas.openxmlformats.org/presentationml/2006/main">
-  <p:cm authorId="3" dt="2025-05-26T12:19:46.203" idx="16">
-    <p:pos x="10" y="10"/>
-    <p:text>pekny
-</p:text>
+<file path=ppt/notesSlides/notesSlide3.xml><?xml version="1.0" encoding="utf-8"?>
+<p:notes xmlns:a="http://schemas.openxmlformats.org/drawingml/2006/main" xmlns:r="http://schemas.openxmlformats.org/officeDocument/2006/relationships" xmlns:p="http://schemas.openxmlformats.org/presentationml/2006/main">
+  <p:cSld>
+    <p:spTree>
+      <p:nvGrpSpPr>
+        <p:cNvPr id="1" name=""/>
+        <p:cNvGrpSpPr/>
+        <p:nvPr/>
+      </p:nvGrpSpPr>
+      <p:grpSpPr>
+        <a:xfrm>
+          <a:off x="0" y="0"/>
+          <a:ext cx="0" cy="0"/>
+          <a:chOff x="0" y="0"/>
+          <a:chExt cx="0" cy="0"/>
+        </a:xfrm>
+      </p:grpSpPr>
+      <p:sp>
+        <p:nvSpPr>
+          <p:cNvPr id="2" name="Slide Image Placeholder 1"/>
+          <p:cNvSpPr>
+            <a:spLocks noGrp="1" noRot="1" noChangeAspect="1"/>
+          </p:cNvSpPr>
+          <p:nvPr>
+            <p:ph type="sldImg"/>
+          </p:nvPr>
+        </p:nvSpPr>
+        <p:spPr/>
+      </p:sp>
+      <p:sp>
+        <p:nvSpPr>
+          <p:cNvPr id="3" name="Notes Placeholder 2"/>
+          <p:cNvSpPr>
+            <a:spLocks noGrp="1"/>
+          </p:cNvSpPr>
+          <p:nvPr>
+            <p:ph type="body" idx="1"/>
+          </p:nvPr>
+        </p:nvSpPr>
+        <p:spPr/>
+        <p:txBody>
+          <a:bodyPr/>
+          <a:lstStyle/>
+          <a:p>
+            <a:r>
+              <a:rPr lang="hu-HU" dirty="0"/>
+              <a:t>Rapi </a:t>
+            </a:r>
+          </a:p>
+          <a:p>
+            <a:endParaRPr lang="hu-HU" dirty="0"/>
+          </a:p>
+          <a:p>
+            <a:pPr>
+              <a:buNone/>
+            </a:pPr>
+            <a:r>
+              <a:rPr lang="hu-HU" sz="1800" dirty="0">
+                <a:effectLst/>
+                <a:latin typeface="Segoe UI" panose="020B0502040204020203" pitchFamily="34" charset="0"/>
+              </a:rPr>
+              <a:t>A főoldalon egy üdvözlő rész fogadja a látogatót, ezután elérhetők a weboldal fő funkciói.</a:t>
+            </a:r>
+          </a:p>
+          <a:p>
+            <a:pPr>
+              <a:buNone/>
+            </a:pPr>
+            <a:endParaRPr lang="hu-HU" sz="1800" dirty="0">
+              <a:effectLst/>
+              <a:latin typeface="Segoe UI" panose="020B0502040204020203" pitchFamily="34" charset="0"/>
+            </a:endParaRPr>
+          </a:p>
+          <a:p>
+            <a:pPr>
+              <a:buNone/>
+            </a:pPr>
+            <a:r>
+              <a:rPr lang="hu-HU" sz="1800" dirty="0">
+                <a:effectLst/>
+                <a:latin typeface="Segoe UI" panose="020B0502040204020203" pitchFamily="34" charset="0"/>
+              </a:rPr>
+              <a:t>Egy rövid ismertetőt láthatunk majd az oldalról és funkcióiról.</a:t>
+            </a:r>
+          </a:p>
+          <a:p>
+            <a:pPr>
+              <a:buNone/>
+            </a:pPr>
+            <a:endParaRPr lang="hu-HU" sz="1800" dirty="0">
+              <a:effectLst/>
+              <a:latin typeface="Arial" panose="020B0604020202020204" pitchFamily="34" charset="0"/>
+            </a:endParaRPr>
+          </a:p>
+          <a:p>
+            <a:r>
+              <a:rPr lang="hu-HU" sz="1800" dirty="0">
+                <a:effectLst/>
+                <a:latin typeface="Segoe UI" panose="020B0502040204020203" pitchFamily="34" charset="0"/>
+              </a:rPr>
+              <a:t>Lentebb friss hírek olvashatók a küzdősportokról, illetve van egy 'Rólunk' rész is, ahol bemutatjuk a csapatunkat, céljainkat és az elérhetőségeinket.</a:t>
+            </a:r>
+            <a:endParaRPr lang="hu-HU" sz="1800" dirty="0">
+              <a:effectLst/>
+              <a:latin typeface="Arial" panose="020B0604020202020204" pitchFamily="34" charset="0"/>
+            </a:endParaRPr>
+          </a:p>
+          <a:p>
+            <a:endParaRPr lang="hu-HU" dirty="0"/>
+          </a:p>
+        </p:txBody>
+      </p:sp>
+      <p:sp>
+        <p:nvSpPr>
+          <p:cNvPr id="4" name="Slide Number Placeholder 3"/>
+          <p:cNvSpPr>
+            <a:spLocks noGrp="1"/>
+          </p:cNvSpPr>
+          <p:nvPr>
+            <p:ph type="sldNum" sz="quarter" idx="5"/>
+          </p:nvPr>
+        </p:nvSpPr>
+        <p:spPr/>
+        <p:txBody>
+          <a:bodyPr/>
+          <a:lstStyle/>
+          <a:p>
+            <a:fld id="{613DC4E4-106B-4EF5-B004-42C963B69C35}" type="slidenum">
+              <a:rPr lang="hu-HU" smtClean="0"/>
+              <a:t>5</a:t>
+            </a:fld>
+            <a:endParaRPr lang="hu-HU"/>
+          </a:p>
+        </p:txBody>
+      </p:sp>
+    </p:spTree>
     <p:extLst>
-      <p:ext uri="{C676402C-5697-4E1C-873F-D02D1690AC5C}">
-        <p15:threadingInfo xmlns:p15="http://schemas.microsoft.com/office/powerpoint/2012/main" timeZoneBias="420"/>
+      <p:ext uri="{BB962C8B-B14F-4D97-AF65-F5344CB8AC3E}">
+        <p14:creationId xmlns:p14="http://schemas.microsoft.com/office/powerpoint/2010/main" val="1432709505"/>
       </p:ext>
     </p:extLst>
-  </p:cm>
-</p:cmLst>
+  </p:cSld>
+  <p:clrMapOvr>
+    <a:masterClrMapping/>
+  </p:clrMapOvr>
+</p:notes>
 </file>
 
-<file path=ppt/comments/comment2.xml><?xml version="1.0" encoding="utf-8"?>
-<p:cmLst xmlns:a="http://schemas.openxmlformats.org/drawingml/2006/main" xmlns:r="http://schemas.openxmlformats.org/officeDocument/2006/relationships" xmlns:p="http://schemas.openxmlformats.org/presentationml/2006/main">
-  <p:cm authorId="3" dt="2025-05-26T12:17:20.636" idx="2">
-    <p:pos x="10" y="10"/>
-    <p:text>pekny
-</p:text>
+<file path=ppt/notesSlides/notesSlide4.xml><?xml version="1.0" encoding="utf-8"?>
+<p:notes xmlns:a="http://schemas.openxmlformats.org/drawingml/2006/main" xmlns:r="http://schemas.openxmlformats.org/officeDocument/2006/relationships" xmlns:p="http://schemas.openxmlformats.org/presentationml/2006/main">
+  <p:cSld>
+    <p:spTree>
+      <p:nvGrpSpPr>
+        <p:cNvPr id="1" name=""/>
+        <p:cNvGrpSpPr/>
+        <p:nvPr/>
+      </p:nvGrpSpPr>
+      <p:grpSpPr>
+        <a:xfrm>
+          <a:off x="0" y="0"/>
+          <a:ext cx="0" cy="0"/>
+          <a:chOff x="0" y="0"/>
+          <a:chExt cx="0" cy="0"/>
+        </a:xfrm>
+      </p:grpSpPr>
+      <p:sp>
+        <p:nvSpPr>
+          <p:cNvPr id="2" name="Slide Image Placeholder 1"/>
+          <p:cNvSpPr>
+            <a:spLocks noGrp="1" noRot="1" noChangeAspect="1"/>
+          </p:cNvSpPr>
+          <p:nvPr>
+            <p:ph type="sldImg"/>
+          </p:nvPr>
+        </p:nvSpPr>
+        <p:spPr/>
+      </p:sp>
+      <p:sp>
+        <p:nvSpPr>
+          <p:cNvPr id="3" name="Notes Placeholder 2"/>
+          <p:cNvSpPr>
+            <a:spLocks noGrp="1"/>
+          </p:cNvSpPr>
+          <p:nvPr>
+            <p:ph type="body" idx="1"/>
+          </p:nvPr>
+        </p:nvSpPr>
+        <p:spPr/>
+        <p:txBody>
+          <a:bodyPr/>
+          <a:lstStyle/>
+          <a:p>
+            <a:r>
+              <a:rPr lang="hu-HU" dirty="0"/>
+              <a:t>Mózer</a:t>
+            </a:r>
+          </a:p>
+        </p:txBody>
+      </p:sp>
+      <p:sp>
+        <p:nvSpPr>
+          <p:cNvPr id="4" name="Slide Number Placeholder 3"/>
+          <p:cNvSpPr>
+            <a:spLocks noGrp="1"/>
+          </p:cNvSpPr>
+          <p:nvPr>
+            <p:ph type="sldNum" sz="quarter" idx="5"/>
+          </p:nvPr>
+        </p:nvSpPr>
+        <p:spPr/>
+        <p:txBody>
+          <a:bodyPr/>
+          <a:lstStyle/>
+          <a:p>
+            <a:fld id="{613DC4E4-106B-4EF5-B004-42C963B69C35}" type="slidenum">
+              <a:rPr lang="hu-HU" smtClean="0"/>
+              <a:t>6</a:t>
+            </a:fld>
+            <a:endParaRPr lang="hu-HU"/>
+          </a:p>
+        </p:txBody>
+      </p:sp>
+    </p:spTree>
     <p:extLst>
-      <p:ext uri="{C676402C-5697-4E1C-873F-D02D1690AC5C}">
-        <p15:threadingInfo xmlns:p15="http://schemas.microsoft.com/office/powerpoint/2012/main" timeZoneBias="420"/>
+      <p:ext uri="{BB962C8B-B14F-4D97-AF65-F5344CB8AC3E}">
+        <p14:creationId xmlns:p14="http://schemas.microsoft.com/office/powerpoint/2010/main" val="1902418249"/>
       </p:ext>
     </p:extLst>
-  </p:cm>
-</p:cmLst>
+  </p:cSld>
+  <p:clrMapOvr>
+    <a:masterClrMapping/>
+  </p:clrMapOvr>
+</p:notes>
 </file>
 
-<file path=ppt/comments/comment3.xml><?xml version="1.0" encoding="utf-8"?>
-<p:cmLst xmlns:a="http://schemas.openxmlformats.org/drawingml/2006/main" xmlns:r="http://schemas.openxmlformats.org/officeDocument/2006/relationships" xmlns:p="http://schemas.openxmlformats.org/presentationml/2006/main">
-  <p:cm authorId="3" dt="2025-05-26T12:17:26.636" idx="3">
-    <p:pos x="10" y="10"/>
-    <p:text>rapi
-</p:text>
+<file path=ppt/notesSlides/notesSlide5.xml><?xml version="1.0" encoding="utf-8"?>
+<p:notes xmlns:a="http://schemas.openxmlformats.org/drawingml/2006/main" xmlns:r="http://schemas.openxmlformats.org/officeDocument/2006/relationships" xmlns:p="http://schemas.openxmlformats.org/presentationml/2006/main">
+  <p:cSld>
+    <p:spTree>
+      <p:nvGrpSpPr>
+        <p:cNvPr id="1" name=""/>
+        <p:cNvGrpSpPr/>
+        <p:nvPr/>
+      </p:nvGrpSpPr>
+      <p:grpSpPr>
+        <a:xfrm>
+          <a:off x="0" y="0"/>
+          <a:ext cx="0" cy="0"/>
+          <a:chOff x="0" y="0"/>
+          <a:chExt cx="0" cy="0"/>
+        </a:xfrm>
+      </p:grpSpPr>
+      <p:sp>
+        <p:nvSpPr>
+          <p:cNvPr id="2" name="Slide Image Placeholder 1"/>
+          <p:cNvSpPr>
+            <a:spLocks noGrp="1" noRot="1" noChangeAspect="1"/>
+          </p:cNvSpPr>
+          <p:nvPr>
+            <p:ph type="sldImg"/>
+          </p:nvPr>
+        </p:nvSpPr>
+        <p:spPr/>
+      </p:sp>
+      <p:sp>
+        <p:nvSpPr>
+          <p:cNvPr id="3" name="Notes Placeholder 2"/>
+          <p:cNvSpPr>
+            <a:spLocks noGrp="1"/>
+          </p:cNvSpPr>
+          <p:nvPr>
+            <p:ph type="body" idx="1"/>
+          </p:nvPr>
+        </p:nvSpPr>
+        <p:spPr/>
+        <p:txBody>
+          <a:bodyPr/>
+          <a:lstStyle/>
+          <a:p>
+            <a:r>
+              <a:rPr lang="hu-HU" dirty="0"/>
+              <a:t>Mózer</a:t>
+            </a:r>
+          </a:p>
+        </p:txBody>
+      </p:sp>
+      <p:sp>
+        <p:nvSpPr>
+          <p:cNvPr id="4" name="Slide Number Placeholder 3"/>
+          <p:cNvSpPr>
+            <a:spLocks noGrp="1"/>
+          </p:cNvSpPr>
+          <p:nvPr>
+            <p:ph type="sldNum" sz="quarter" idx="5"/>
+          </p:nvPr>
+        </p:nvSpPr>
+        <p:spPr/>
+        <p:txBody>
+          <a:bodyPr/>
+          <a:lstStyle/>
+          <a:p>
+            <a:fld id="{613DC4E4-106B-4EF5-B004-42C963B69C35}" type="slidenum">
+              <a:rPr lang="hu-HU" smtClean="0"/>
+              <a:t>7</a:t>
+            </a:fld>
+            <a:endParaRPr lang="hu-HU"/>
+          </a:p>
+        </p:txBody>
+      </p:sp>
+    </p:spTree>
     <p:extLst>
-      <p:ext uri="{C676402C-5697-4E1C-873F-D02D1690AC5C}">
-        <p15:threadingInfo xmlns:p15="http://schemas.microsoft.com/office/powerpoint/2012/main" timeZoneBias="420"/>
+      <p:ext uri="{BB962C8B-B14F-4D97-AF65-F5344CB8AC3E}">
+        <p14:creationId xmlns:p14="http://schemas.microsoft.com/office/powerpoint/2010/main" val="3505429474"/>
       </p:ext>
     </p:extLst>
-  </p:cm>
-</p:cmLst>
+  </p:cSld>
+  <p:clrMapOvr>
+    <a:masterClrMapping/>
+  </p:clrMapOvr>
+</p:notes>
 </file>
 
-<file path=ppt/comments/comment4.xml><?xml version="1.0" encoding="utf-8"?>
-<p:cmLst xmlns:a="http://schemas.openxmlformats.org/drawingml/2006/main" xmlns:r="http://schemas.openxmlformats.org/officeDocument/2006/relationships" xmlns:p="http://schemas.openxmlformats.org/presentationml/2006/main">
-  <p:cm authorId="3" dt="2025-05-26T12:17:33.308" idx="4">
-    <p:pos x="10" y="10"/>
-    <p:text>rapi
-</p:text>
+<file path=ppt/notesSlides/notesSlide6.xml><?xml version="1.0" encoding="utf-8"?>
+<p:notes xmlns:a="http://schemas.openxmlformats.org/drawingml/2006/main" xmlns:r="http://schemas.openxmlformats.org/officeDocument/2006/relationships" xmlns:p="http://schemas.openxmlformats.org/presentationml/2006/main">
+  <p:cSld>
+    <p:spTree>
+      <p:nvGrpSpPr>
+        <p:cNvPr id="1" name=""/>
+        <p:cNvGrpSpPr/>
+        <p:nvPr/>
+      </p:nvGrpSpPr>
+      <p:grpSpPr>
+        <a:xfrm>
+          <a:off x="0" y="0"/>
+          <a:ext cx="0" cy="0"/>
+          <a:chOff x="0" y="0"/>
+          <a:chExt cx="0" cy="0"/>
+        </a:xfrm>
+      </p:grpSpPr>
+      <p:sp>
+        <p:nvSpPr>
+          <p:cNvPr id="2" name="Slide Image Placeholder 1"/>
+          <p:cNvSpPr>
+            <a:spLocks noGrp="1" noRot="1" noChangeAspect="1"/>
+          </p:cNvSpPr>
+          <p:nvPr>
+            <p:ph type="sldImg"/>
+          </p:nvPr>
+        </p:nvSpPr>
+        <p:spPr/>
+      </p:sp>
+      <p:sp>
+        <p:nvSpPr>
+          <p:cNvPr id="3" name="Notes Placeholder 2"/>
+          <p:cNvSpPr>
+            <a:spLocks noGrp="1"/>
+          </p:cNvSpPr>
+          <p:nvPr>
+            <p:ph type="body" idx="1"/>
+          </p:nvPr>
+        </p:nvSpPr>
+        <p:spPr/>
+        <p:txBody>
+          <a:bodyPr/>
+          <a:lstStyle/>
+          <a:p>
+            <a:r>
+              <a:rPr lang="hu-HU" dirty="0" err="1"/>
+              <a:t>Pekny</a:t>
+            </a:r>
+            <a:endParaRPr lang="hu-HU" dirty="0"/>
+          </a:p>
+        </p:txBody>
+      </p:sp>
+      <p:sp>
+        <p:nvSpPr>
+          <p:cNvPr id="4" name="Slide Number Placeholder 3"/>
+          <p:cNvSpPr>
+            <a:spLocks noGrp="1"/>
+          </p:cNvSpPr>
+          <p:nvPr>
+            <p:ph type="sldNum" sz="quarter" idx="5"/>
+          </p:nvPr>
+        </p:nvSpPr>
+        <p:spPr/>
+        <p:txBody>
+          <a:bodyPr/>
+          <a:lstStyle/>
+          <a:p>
+            <a:fld id="{613DC4E4-106B-4EF5-B004-42C963B69C35}" type="slidenum">
+              <a:rPr lang="hu-HU" smtClean="0"/>
+              <a:t>8</a:t>
+            </a:fld>
+            <a:endParaRPr lang="hu-HU"/>
+          </a:p>
+        </p:txBody>
+      </p:sp>
+    </p:spTree>
     <p:extLst>
-      <p:ext uri="{C676402C-5697-4E1C-873F-D02D1690AC5C}">
-        <p15:threadingInfo xmlns:p15="http://schemas.microsoft.com/office/powerpoint/2012/main" timeZoneBias="420"/>
+      <p:ext uri="{BB962C8B-B14F-4D97-AF65-F5344CB8AC3E}">
+        <p14:creationId xmlns:p14="http://schemas.microsoft.com/office/powerpoint/2010/main" val="1529197524"/>
       </p:ext>
     </p:extLst>
-  </p:cm>
-</p:cmLst>
+  </p:cSld>
+  <p:clrMapOvr>
+    <a:masterClrMapping/>
+  </p:clrMapOvr>
+</p:notes>
 </file>
 
-<file path=ppt/comments/comment5.xml><?xml version="1.0" encoding="utf-8"?>
-<p:cmLst xmlns:a="http://schemas.openxmlformats.org/drawingml/2006/main" xmlns:r="http://schemas.openxmlformats.org/officeDocument/2006/relationships" xmlns:p="http://schemas.openxmlformats.org/presentationml/2006/main">
-  <p:cm authorId="3" dt="2025-05-26T12:17:39.105" idx="5">
-    <p:pos x="10" y="10"/>
-    <p:text>mozer
-</p:text>
+<file path=ppt/notesSlides/notesSlide7.xml><?xml version="1.0" encoding="utf-8"?>
+<p:notes xmlns:a="http://schemas.openxmlformats.org/drawingml/2006/main" xmlns:r="http://schemas.openxmlformats.org/officeDocument/2006/relationships" xmlns:p="http://schemas.openxmlformats.org/presentationml/2006/main">
+  <p:cSld>
+    <p:spTree>
+      <p:nvGrpSpPr>
+        <p:cNvPr id="1" name=""/>
+        <p:cNvGrpSpPr/>
+        <p:nvPr/>
+      </p:nvGrpSpPr>
+      <p:grpSpPr>
+        <a:xfrm>
+          <a:off x="0" y="0"/>
+          <a:ext cx="0" cy="0"/>
+          <a:chOff x="0" y="0"/>
+          <a:chExt cx="0" cy="0"/>
+        </a:xfrm>
+      </p:grpSpPr>
+      <p:sp>
+        <p:nvSpPr>
+          <p:cNvPr id="2" name="Slide Image Placeholder 1"/>
+          <p:cNvSpPr>
+            <a:spLocks noGrp="1" noRot="1" noChangeAspect="1"/>
+          </p:cNvSpPr>
+          <p:nvPr>
+            <p:ph type="sldImg"/>
+          </p:nvPr>
+        </p:nvSpPr>
+        <p:spPr/>
+      </p:sp>
+      <p:sp>
+        <p:nvSpPr>
+          <p:cNvPr id="3" name="Notes Placeholder 2"/>
+          <p:cNvSpPr>
+            <a:spLocks noGrp="1"/>
+          </p:cNvSpPr>
+          <p:nvPr>
+            <p:ph type="body" idx="1"/>
+          </p:nvPr>
+        </p:nvSpPr>
+        <p:spPr/>
+        <p:txBody>
+          <a:bodyPr/>
+          <a:lstStyle/>
+          <a:p>
+            <a:r>
+              <a:rPr lang="hu-HU" dirty="0" err="1"/>
+              <a:t>Pekny</a:t>
+            </a:r>
+            <a:endParaRPr lang="hu-HU" dirty="0"/>
+          </a:p>
+        </p:txBody>
+      </p:sp>
+      <p:sp>
+        <p:nvSpPr>
+          <p:cNvPr id="4" name="Slide Number Placeholder 3"/>
+          <p:cNvSpPr>
+            <a:spLocks noGrp="1"/>
+          </p:cNvSpPr>
+          <p:nvPr>
+            <p:ph type="sldNum" sz="quarter" idx="5"/>
+          </p:nvPr>
+        </p:nvSpPr>
+        <p:spPr/>
+        <p:txBody>
+          <a:bodyPr/>
+          <a:lstStyle/>
+          <a:p>
+            <a:fld id="{613DC4E4-106B-4EF5-B004-42C963B69C35}" type="slidenum">
+              <a:rPr lang="hu-HU" smtClean="0"/>
+              <a:t>9</a:t>
+            </a:fld>
+            <a:endParaRPr lang="hu-HU"/>
+          </a:p>
+        </p:txBody>
+      </p:sp>
+    </p:spTree>
     <p:extLst>
-      <p:ext uri="{C676402C-5697-4E1C-873F-D02D1690AC5C}">
-        <p15:threadingInfo xmlns:p15="http://schemas.microsoft.com/office/powerpoint/2012/main" timeZoneBias="420"/>
+      <p:ext uri="{BB962C8B-B14F-4D97-AF65-F5344CB8AC3E}">
+        <p14:creationId xmlns:p14="http://schemas.microsoft.com/office/powerpoint/2010/main" val="2832876245"/>
       </p:ext>
     </p:extLst>
-  </p:cm>
-</p:cmLst>
+  </p:cSld>
+  <p:clrMapOvr>
+    <a:masterClrMapping/>
+  </p:clrMapOvr>
+</p:notes>
 </file>
 
-<file path=ppt/comments/comment6.xml><?xml version="1.0" encoding="utf-8"?>
-<p:cmLst xmlns:a="http://schemas.openxmlformats.org/drawingml/2006/main" xmlns:r="http://schemas.openxmlformats.org/officeDocument/2006/relationships" xmlns:p="http://schemas.openxmlformats.org/presentationml/2006/main">
-  <p:cm authorId="3" dt="2025-05-26T12:17:44.480" idx="6">
-    <p:pos x="10" y="10"/>
-    <p:text>mozer
-</p:text>
+<file path=ppt/notesSlides/notesSlide8.xml><?xml version="1.0" encoding="utf-8"?>
+<p:notes xmlns:a="http://schemas.openxmlformats.org/drawingml/2006/main" xmlns:r="http://schemas.openxmlformats.org/officeDocument/2006/relationships" xmlns:p="http://schemas.openxmlformats.org/presentationml/2006/main">
+  <p:cSld>
+    <p:spTree>
+      <p:nvGrpSpPr>
+        <p:cNvPr id="1" name=""/>
+        <p:cNvGrpSpPr/>
+        <p:nvPr/>
+      </p:nvGrpSpPr>
+      <p:grpSpPr>
+        <a:xfrm>
+          <a:off x="0" y="0"/>
+          <a:ext cx="0" cy="0"/>
+          <a:chOff x="0" y="0"/>
+          <a:chExt cx="0" cy="0"/>
+        </a:xfrm>
+      </p:grpSpPr>
+      <p:sp>
+        <p:nvSpPr>
+          <p:cNvPr id="2" name="Slide Image Placeholder 1"/>
+          <p:cNvSpPr>
+            <a:spLocks noGrp="1" noRot="1" noChangeAspect="1"/>
+          </p:cNvSpPr>
+          <p:nvPr>
+            <p:ph type="sldImg"/>
+          </p:nvPr>
+        </p:nvSpPr>
+        <p:spPr/>
+      </p:sp>
+      <p:sp>
+        <p:nvSpPr>
+          <p:cNvPr id="3" name="Notes Placeholder 2"/>
+          <p:cNvSpPr>
+            <a:spLocks noGrp="1"/>
+          </p:cNvSpPr>
+          <p:nvPr>
+            <p:ph type="body" idx="1"/>
+          </p:nvPr>
+        </p:nvSpPr>
+        <p:spPr/>
+        <p:txBody>
+          <a:bodyPr/>
+          <a:lstStyle/>
+          <a:p>
+            <a:r>
+              <a:rPr lang="hu-HU" dirty="0"/>
+              <a:t>Rapi</a:t>
+            </a:r>
+          </a:p>
+          <a:p>
+            <a:endParaRPr lang="hu-HU" dirty="0"/>
+          </a:p>
+          <a:p>
+            <a:pPr>
+              <a:buNone/>
+            </a:pPr>
+            <a:r>
+              <a:rPr lang="hu-HU" sz="1800" dirty="0">
+                <a:effectLst/>
+                <a:latin typeface="Segoe UI" panose="020B0502040204020203" pitchFamily="34" charset="0"/>
+              </a:rPr>
+              <a:t>A frontend részt HTML, CSS és JavaScript alkotja, amit </a:t>
+            </a:r>
+            <a:r>
+              <a:rPr lang="hu-HU" sz="1800" dirty="0" err="1">
+                <a:effectLst/>
+                <a:latin typeface="Segoe UI" panose="020B0502040204020203" pitchFamily="34" charset="0"/>
+              </a:rPr>
+              <a:t>Bootstrap-pel</a:t>
+            </a:r>
+            <a:r>
+              <a:rPr lang="hu-HU" sz="1800" dirty="0">
+                <a:effectLst/>
+                <a:latin typeface="Segoe UI" panose="020B0502040204020203" pitchFamily="34" charset="0"/>
+              </a:rPr>
+              <a:t> és </a:t>
+            </a:r>
+            <a:r>
+              <a:rPr lang="hu-HU" sz="1800" dirty="0" err="1">
+                <a:effectLst/>
+                <a:latin typeface="Segoe UI" panose="020B0502040204020203" pitchFamily="34" charset="0"/>
+              </a:rPr>
+              <a:t>Reacttel</a:t>
+            </a:r>
+            <a:r>
+              <a:rPr lang="hu-HU" sz="1800" dirty="0">
+                <a:effectLst/>
+                <a:latin typeface="Segoe UI" panose="020B0502040204020203" pitchFamily="34" charset="0"/>
+              </a:rPr>
+              <a:t> egészítettünk ki a modern és reszponzív megjelenés érdekében.</a:t>
+            </a:r>
+          </a:p>
+          <a:p>
+            <a:pPr>
+              <a:buNone/>
+            </a:pPr>
+            <a:endParaRPr lang="hu-HU" sz="1800" dirty="0">
+              <a:effectLst/>
+              <a:latin typeface="Arial" panose="020B0604020202020204" pitchFamily="34" charset="0"/>
+            </a:endParaRPr>
+          </a:p>
+          <a:p>
+            <a:pPr>
+              <a:buNone/>
+            </a:pPr>
+            <a:r>
+              <a:rPr lang="hu-HU" sz="1800" dirty="0">
+                <a:effectLst/>
+                <a:latin typeface="Segoe UI" panose="020B0502040204020203" pitchFamily="34" charset="0"/>
+              </a:rPr>
+              <a:t>A backend Node.js alapú, ami lehetővé teszi a gyors és hatékony szerveroldali működést.</a:t>
+            </a:r>
+          </a:p>
+          <a:p>
+            <a:pPr>
+              <a:buNone/>
+            </a:pPr>
+            <a:endParaRPr lang="hu-HU" sz="1800" dirty="0">
+              <a:effectLst/>
+              <a:latin typeface="Arial" panose="020B0604020202020204" pitchFamily="34" charset="0"/>
+            </a:endParaRPr>
+          </a:p>
+          <a:p>
+            <a:r>
+              <a:rPr lang="hu-HU" sz="1800" dirty="0">
+                <a:effectLst/>
+                <a:latin typeface="Segoe UI" panose="020B0502040204020203" pitchFamily="34" charset="0"/>
+              </a:rPr>
+              <a:t>Az adatokat pedig </a:t>
+            </a:r>
+            <a:r>
+              <a:rPr lang="hu-HU" sz="1800" dirty="0" err="1">
+                <a:effectLst/>
+                <a:latin typeface="Segoe UI" panose="020B0502040204020203" pitchFamily="34" charset="0"/>
+              </a:rPr>
+              <a:t>MySQL</a:t>
+            </a:r>
+            <a:r>
+              <a:rPr lang="hu-HU" sz="1800" dirty="0">
+                <a:effectLst/>
+                <a:latin typeface="Segoe UI" panose="020B0502040204020203" pitchFamily="34" charset="0"/>
+              </a:rPr>
+              <a:t> adatbázisban tároljuk.</a:t>
+            </a:r>
+            <a:endParaRPr lang="hu-HU" sz="1800" dirty="0">
+              <a:effectLst/>
+              <a:latin typeface="Arial" panose="020B0604020202020204" pitchFamily="34" charset="0"/>
+            </a:endParaRPr>
+          </a:p>
+          <a:p>
+            <a:endParaRPr lang="hu-HU" dirty="0"/>
+          </a:p>
+        </p:txBody>
+      </p:sp>
+      <p:sp>
+        <p:nvSpPr>
+          <p:cNvPr id="4" name="Slide Number Placeholder 3"/>
+          <p:cNvSpPr>
+            <a:spLocks noGrp="1"/>
+          </p:cNvSpPr>
+          <p:nvPr>
+            <p:ph type="sldNum" sz="quarter" idx="5"/>
+          </p:nvPr>
+        </p:nvSpPr>
+        <p:spPr/>
+        <p:txBody>
+          <a:bodyPr/>
+          <a:lstStyle/>
+          <a:p>
+            <a:fld id="{613DC4E4-106B-4EF5-B004-42C963B69C35}" type="slidenum">
+              <a:rPr lang="hu-HU" smtClean="0"/>
+              <a:t>10</a:t>
+            </a:fld>
+            <a:endParaRPr lang="hu-HU"/>
+          </a:p>
+        </p:txBody>
+      </p:sp>
+    </p:spTree>
     <p:extLst>
-      <p:ext uri="{C676402C-5697-4E1C-873F-D02D1690AC5C}">
-        <p15:threadingInfo xmlns:p15="http://schemas.microsoft.com/office/powerpoint/2012/main" timeZoneBias="420"/>
+      <p:ext uri="{BB962C8B-B14F-4D97-AF65-F5344CB8AC3E}">
+        <p14:creationId xmlns:p14="http://schemas.microsoft.com/office/powerpoint/2010/main" val="3755222356"/>
       </p:ext>
     </p:extLst>
-  </p:cm>
-</p:cmLst>
+  </p:cSld>
+  <p:clrMapOvr>
+    <a:masterClrMapping/>
+  </p:clrMapOvr>
+</p:notes>
 </file>
 
-<file path=ppt/comments/comment7.xml><?xml version="1.0" encoding="utf-8"?>
-<p:cmLst xmlns:a="http://schemas.openxmlformats.org/drawingml/2006/main" xmlns:r="http://schemas.openxmlformats.org/officeDocument/2006/relationships" xmlns:p="http://schemas.openxmlformats.org/presentationml/2006/main">
-  <p:cm authorId="3" dt="2025-05-26T12:17:50.777" idx="7">
-    <p:pos x="10" y="10"/>
-    <p:text>pekny
-</p:text>
+<file path=ppt/notesSlides/notesSlide9.xml><?xml version="1.0" encoding="utf-8"?>
+<p:notes xmlns:a="http://schemas.openxmlformats.org/drawingml/2006/main" xmlns:r="http://schemas.openxmlformats.org/officeDocument/2006/relationships" xmlns:p="http://schemas.openxmlformats.org/presentationml/2006/main">
+  <p:cSld>
+    <p:spTree>
+      <p:nvGrpSpPr>
+        <p:cNvPr id="1" name=""/>
+        <p:cNvGrpSpPr/>
+        <p:nvPr/>
+      </p:nvGrpSpPr>
+      <p:grpSpPr>
+        <a:xfrm>
+          <a:off x="0" y="0"/>
+          <a:ext cx="0" cy="0"/>
+          <a:chOff x="0" y="0"/>
+          <a:chExt cx="0" cy="0"/>
+        </a:xfrm>
+      </p:grpSpPr>
+      <p:sp>
+        <p:nvSpPr>
+          <p:cNvPr id="2" name="Slide Image Placeholder 1"/>
+          <p:cNvSpPr>
+            <a:spLocks noGrp="1" noRot="1" noChangeAspect="1"/>
+          </p:cNvSpPr>
+          <p:nvPr>
+            <p:ph type="sldImg"/>
+          </p:nvPr>
+        </p:nvSpPr>
+        <p:spPr/>
+      </p:sp>
+      <p:sp>
+        <p:nvSpPr>
+          <p:cNvPr id="3" name="Notes Placeholder 2"/>
+          <p:cNvSpPr>
+            <a:spLocks noGrp="1"/>
+          </p:cNvSpPr>
+          <p:nvPr>
+            <p:ph type="body" idx="1"/>
+          </p:nvPr>
+        </p:nvSpPr>
+        <p:spPr/>
+        <p:txBody>
+          <a:bodyPr/>
+          <a:lstStyle/>
+          <a:p>
+            <a:pPr>
+              <a:buNone/>
+            </a:pPr>
+            <a:r>
+              <a:rPr lang="en-US" sz="1800" dirty="0">
+                <a:effectLst/>
+                <a:latin typeface="Segoe UI" panose="020B0502040204020203" pitchFamily="34" charset="0"/>
+              </a:rPr>
+              <a:t>Rapi</a:t>
+            </a:r>
+            <a:endParaRPr lang="hu-HU" sz="1800" dirty="0">
+              <a:effectLst/>
+              <a:latin typeface="Segoe UI" panose="020B0502040204020203" pitchFamily="34" charset="0"/>
+            </a:endParaRPr>
+          </a:p>
+          <a:p>
+            <a:pPr>
+              <a:buNone/>
+            </a:pPr>
+            <a:endParaRPr lang="en-US" sz="1800" dirty="0">
+              <a:effectLst/>
+              <a:latin typeface="Arial" panose="020B0604020202020204" pitchFamily="34" charset="0"/>
+            </a:endParaRPr>
+          </a:p>
+          <a:p>
+            <a:pPr>
+              <a:buNone/>
+            </a:pPr>
+            <a:r>
+              <a:rPr lang="en-US" sz="1800" dirty="0">
+                <a:effectLst/>
+                <a:latin typeface="Segoe UI" panose="020B0502040204020203" pitchFamily="34" charset="0"/>
+              </a:rPr>
+              <a:t>Here's our database in MySQL Workbench, with 11 populated tables, all properly connected.</a:t>
+            </a:r>
+            <a:endParaRPr lang="hu-HU" sz="1800" dirty="0">
+              <a:effectLst/>
+              <a:latin typeface="Segoe UI" panose="020B0502040204020203" pitchFamily="34" charset="0"/>
+            </a:endParaRPr>
+          </a:p>
+          <a:p>
+            <a:pPr>
+              <a:buNone/>
+            </a:pPr>
+            <a:endParaRPr lang="en-US" sz="1800" dirty="0">
+              <a:effectLst/>
+              <a:latin typeface="Arial" panose="020B0604020202020204" pitchFamily="34" charset="0"/>
+            </a:endParaRPr>
+          </a:p>
+          <a:p>
+            <a:pPr>
+              <a:buNone/>
+            </a:pPr>
+            <a:r>
+              <a:rPr lang="en-US" sz="1800" dirty="0">
+                <a:effectLst/>
+                <a:latin typeface="Segoe UI" panose="020B0502040204020203" pitchFamily="34" charset="0"/>
+              </a:rPr>
+              <a:t>Indexes are set for better performance.</a:t>
+            </a:r>
+            <a:endParaRPr lang="hu-HU" sz="1800" dirty="0">
+              <a:effectLst/>
+              <a:latin typeface="Segoe UI" panose="020B0502040204020203" pitchFamily="34" charset="0"/>
+            </a:endParaRPr>
+          </a:p>
+          <a:p>
+            <a:pPr>
+              <a:buNone/>
+            </a:pPr>
+            <a:endParaRPr lang="en-US" sz="1800" dirty="0">
+              <a:effectLst/>
+              <a:latin typeface="Arial" panose="020B0604020202020204" pitchFamily="34" charset="0"/>
+            </a:endParaRPr>
+          </a:p>
+          <a:p>
+            <a:r>
+              <a:rPr lang="en-US" sz="1800" dirty="0">
+                <a:effectLst/>
+                <a:latin typeface="Segoe UI" panose="020B0502040204020203" pitchFamily="34" charset="0"/>
+              </a:rPr>
+              <a:t>These tables contains all the essential data for our website to be useable.</a:t>
+            </a:r>
+            <a:endParaRPr lang="en-US" sz="1800" dirty="0">
+              <a:effectLst/>
+              <a:latin typeface="Arial" panose="020B0604020202020204" pitchFamily="34" charset="0"/>
+            </a:endParaRPr>
+          </a:p>
+          <a:p>
+            <a:endParaRPr lang="hu-HU" dirty="0"/>
+          </a:p>
+        </p:txBody>
+      </p:sp>
+      <p:sp>
+        <p:nvSpPr>
+          <p:cNvPr id="4" name="Slide Number Placeholder 3"/>
+          <p:cNvSpPr>
+            <a:spLocks noGrp="1"/>
+          </p:cNvSpPr>
+          <p:nvPr>
+            <p:ph type="sldNum" sz="quarter" idx="5"/>
+          </p:nvPr>
+        </p:nvSpPr>
+        <p:spPr/>
+        <p:txBody>
+          <a:bodyPr/>
+          <a:lstStyle/>
+          <a:p>
+            <a:fld id="{613DC4E4-106B-4EF5-B004-42C963B69C35}" type="slidenum">
+              <a:rPr lang="hu-HU" smtClean="0"/>
+              <a:t>11</a:t>
+            </a:fld>
+            <a:endParaRPr lang="hu-HU"/>
+          </a:p>
+        </p:txBody>
+      </p:sp>
+    </p:spTree>
     <p:extLst>
-      <p:ext uri="{C676402C-5697-4E1C-873F-D02D1690AC5C}">
-        <p15:threadingInfo xmlns:p15="http://schemas.microsoft.com/office/powerpoint/2012/main" timeZoneBias="420"/>
+      <p:ext uri="{BB962C8B-B14F-4D97-AF65-F5344CB8AC3E}">
+        <p14:creationId xmlns:p14="http://schemas.microsoft.com/office/powerpoint/2010/main" val="2419904682"/>
       </p:ext>
     </p:extLst>
-  </p:cm>
-</p:cmLst>
-</file>
-
-<file path=ppt/comments/comment8.xml><?xml version="1.0" encoding="utf-8"?>
-<p:cmLst xmlns:a="http://schemas.openxmlformats.org/drawingml/2006/main" xmlns:r="http://schemas.openxmlformats.org/officeDocument/2006/relationships" xmlns:p="http://schemas.openxmlformats.org/presentationml/2006/main">
-  <p:cm authorId="3" dt="2025-05-26T12:17:55.418" idx="8">
-    <p:pos x="10" y="10"/>
-    <p:text>pekny
-</p:text>
-    <p:extLst>
-      <p:ext uri="{C676402C-5697-4E1C-873F-D02D1690AC5C}">
-        <p15:threadingInfo xmlns:p15="http://schemas.microsoft.com/office/powerpoint/2012/main" timeZoneBias="420"/>
-      </p:ext>
-    </p:extLst>
-  </p:cm>
-</p:cmLst>
-</file>
-
-<file path=ppt/comments/comment9.xml><?xml version="1.0" encoding="utf-8"?>
-<p:cmLst xmlns:a="http://schemas.openxmlformats.org/drawingml/2006/main" xmlns:r="http://schemas.openxmlformats.org/officeDocument/2006/relationships" xmlns:p="http://schemas.openxmlformats.org/presentationml/2006/main">
-  <p:cm authorId="3" dt="2025-05-26T12:18:06.481" idx="9">
-    <p:pos x="10" y="10"/>
-    <p:text>rapi
-</p:text>
-    <p:extLst>
-      <p:ext uri="{C676402C-5697-4E1C-873F-D02D1690AC5C}">
-        <p15:threadingInfo xmlns:p15="http://schemas.microsoft.com/office/powerpoint/2012/main" timeZoneBias="420"/>
-      </p:ext>
-    </p:extLst>
-  </p:cm>
-</p:cmLst>
+  </p:cSld>
+  <p:clrMapOvr>
+    <a:masterClrMapping/>
+  </p:clrMapOvr>
+</p:notes>
 </file>
 
 <file path=ppt/slideLayouts/slideLayout1.xml><?xml version="1.0" encoding="utf-8"?>
@@ -797,7 +2704,7 @@
             <a:fld id="{5923F103-BC34-4FE4-A40E-EDDEECFDA5D0}" type="datetimeFigureOut">
               <a:rPr lang="en-US" smtClean="0"/>
               <a:pPr/>
-              <a:t>5/26/2025</a:t>
+              <a:t>5/27/2025</a:t>
             </a:fld>
             <a:endParaRPr lang="en-US" dirty="0"/>
           </a:p>
@@ -1073,7 +2980,7 @@
           <a:p>
             <a:fld id="{2BE451C3-0FF4-47C4-B829-773ADF60F88C}" type="datetimeFigureOut">
               <a:rPr lang="en-US" smtClean="0"/>
-              <a:t>5/26/2025</a:t>
+              <a:t>5/27/2025</a:t>
             </a:fld>
             <a:endParaRPr lang="en-US" dirty="0"/>
           </a:p>
@@ -1269,7 +3176,7 @@
           <a:p>
             <a:fld id="{2BE451C3-0FF4-47C4-B829-773ADF60F88C}" type="datetimeFigureOut">
               <a:rPr lang="en-US" smtClean="0"/>
-              <a:t>5/26/2025</a:t>
+              <a:t>5/27/2025</a:t>
             </a:fld>
             <a:endParaRPr lang="en-US" dirty="0"/>
           </a:p>
@@ -1544,7 +3451,7 @@
           <a:p>
             <a:fld id="{2BE451C3-0FF4-47C4-B829-773ADF60F88C}" type="datetimeFigureOut">
               <a:rPr lang="en-US" smtClean="0"/>
-              <a:t>5/26/2025</a:t>
+              <a:t>5/27/2025</a:t>
             </a:fld>
             <a:endParaRPr lang="en-US" dirty="0"/>
           </a:p>
@@ -1887,7 +3794,7 @@
           <a:p>
             <a:fld id="{2BE451C3-0FF4-47C4-B829-773ADF60F88C}" type="datetimeFigureOut">
               <a:rPr lang="en-US" smtClean="0"/>
-              <a:t>5/26/2025</a:t>
+              <a:t>5/27/2025</a:t>
             </a:fld>
             <a:endParaRPr lang="en-US" dirty="0"/>
           </a:p>
@@ -2512,7 +4419,7 @@
           <a:p>
             <a:fld id="{9FE86839-B9D8-4651-8783-F325ECE74E65}" type="datetimeFigureOut">
               <a:rPr lang="en-US" smtClean="0"/>
-              <a:t>5/26/2025</a:t>
+              <a:t>5/27/2025</a:t>
             </a:fld>
             <a:endParaRPr lang="en-US" dirty="0"/>
           </a:p>
@@ -3373,7 +5280,7 @@
           <a:p>
             <a:fld id="{2BE451C3-0FF4-47C4-B829-773ADF60F88C}" type="datetimeFigureOut">
               <a:rPr lang="en-US" smtClean="0"/>
-              <a:t>5/26/2025</a:t>
+              <a:t>5/27/2025</a:t>
             </a:fld>
             <a:endParaRPr lang="en-US" dirty="0"/>
           </a:p>
@@ -3545,7 +5452,7 @@
           <a:p>
             <a:fld id="{53086D93-FCAC-47E0-A2EE-787E62CA814C}" type="datetimeFigureOut">
               <a:rPr lang="en-US" smtClean="0"/>
-              <a:t>5/26/2025</a:t>
+              <a:t>5/27/2025</a:t>
             </a:fld>
             <a:endParaRPr lang="en-US" dirty="0"/>
           </a:p>
@@ -3726,7 +5633,7 @@
           <a:p>
             <a:fld id="{CDA879A6-0FD0-4734-A311-86BFCA472E6E}" type="datetimeFigureOut">
               <a:rPr lang="en-US" smtClean="0"/>
-              <a:t>5/26/2025</a:t>
+              <a:t>5/27/2025</a:t>
             </a:fld>
             <a:endParaRPr lang="en-US" dirty="0"/>
           </a:p>
@@ -3897,7 +5804,7 @@
           <a:p>
             <a:fld id="{19C9CA7B-DFD4-44B5-8C60-D14B8CD1FB59}" type="datetimeFigureOut">
               <a:rPr lang="en-US" smtClean="0"/>
-              <a:t>5/26/2025</a:t>
+              <a:t>5/27/2025</a:t>
             </a:fld>
             <a:endParaRPr lang="en-US" dirty="0"/>
           </a:p>
@@ -4145,7 +6052,7 @@
           <a:p>
             <a:fld id="{F34E6425-0181-43F2-84FC-787E803FD2F8}" type="datetimeFigureOut">
               <a:rPr lang="en-US" smtClean="0"/>
-              <a:t>5/26/2025</a:t>
+              <a:t>5/27/2025</a:t>
             </a:fld>
             <a:endParaRPr lang="en-US" dirty="0"/>
           </a:p>
@@ -4438,7 +6345,7 @@
           <a:p>
             <a:fld id="{3BDB8791-F1B0-41E7-B7FD-A781E65C4266}" type="datetimeFigureOut">
               <a:rPr lang="en-US" smtClean="0"/>
-              <a:t>5/26/2025</a:t>
+              <a:t>5/27/2025</a:t>
             </a:fld>
             <a:endParaRPr lang="en-US" dirty="0"/>
           </a:p>
@@ -4883,7 +6790,7 @@
           <a:p>
             <a:fld id="{5FDD63B2-E120-4ED8-B27B-C685F510A5FE}" type="datetimeFigureOut">
               <a:rPr lang="en-US" smtClean="0"/>
-              <a:t>5/26/2025</a:t>
+              <a:t>5/27/2025</a:t>
             </a:fld>
             <a:endParaRPr lang="en-US" dirty="0"/>
           </a:p>
@@ -5002,7 +6909,7 @@
           <a:p>
             <a:fld id="{7AA18ACC-A947-437B-A130-35BD54FDF1E9}" type="datetimeFigureOut">
               <a:rPr lang="en-US" smtClean="0"/>
-              <a:t>5/26/2025</a:t>
+              <a:t>5/27/2025</a:t>
             </a:fld>
             <a:endParaRPr lang="en-US" dirty="0"/>
           </a:p>
@@ -5098,7 +7005,7 @@
           <a:p>
             <a:fld id="{7C8D7E02-BCB8-4D50-A234-369438C08659}" type="datetimeFigureOut">
               <a:rPr lang="en-US" smtClean="0"/>
-              <a:t>5/26/2025</a:t>
+              <a:t>5/27/2025</a:t>
             </a:fld>
             <a:endParaRPr lang="en-US" dirty="0"/>
           </a:p>
@@ -5378,7 +7285,7 @@
           <a:p>
             <a:fld id="{76E86A4C-8E40-4F87-A4F0-01A0687C5742}" type="datetimeFigureOut">
               <a:rPr lang="en-US" smtClean="0"/>
-              <a:t>5/26/2025</a:t>
+              <a:t>5/27/2025</a:t>
             </a:fld>
             <a:endParaRPr lang="en-US" dirty="0"/>
           </a:p>
@@ -5654,7 +7561,7 @@
           <a:p>
             <a:fld id="{35E72C73-2D91-4E12-BA25-F0AA0C03599B}" type="datetimeFigureOut">
               <a:rPr lang="en-US" smtClean="0"/>
-              <a:t>5/26/2025</a:t>
+              <a:t>5/27/2025</a:t>
             </a:fld>
             <a:endParaRPr lang="en-US" dirty="0"/>
           </a:p>
@@ -6084,7 +7991,7 @@
           <a:p>
             <a:fld id="{2BE451C3-0FF4-47C4-B829-773ADF60F88C}" type="datetimeFigureOut">
               <a:rPr lang="en-US" smtClean="0"/>
-              <a:t>5/26/2025</a:t>
+              <a:t>5/27/2025</a:t>
             </a:fld>
             <a:endParaRPr lang="en-US" dirty="0"/>
           </a:p>
@@ -8395,7 +10302,7 @@
           <p:nvPr/>
         </p:nvPicPr>
         <p:blipFill>
-          <a:blip r:embed="rId2">
+          <a:blip r:embed="rId3">
             <a:extLst>
               <a:ext uri="{28A0092B-C50C-407E-A947-70E740481C1C}">
                 <a14:useLocalDpi xmlns:a14="http://schemas.microsoft.com/office/drawing/2010/main" val="0"/>
@@ -8762,7 +10669,7 @@
           <p:nvPr/>
         </p:nvPicPr>
         <p:blipFill>
-          <a:blip r:embed="rId2">
+          <a:blip r:embed="rId3">
             <a:extLst>
               <a:ext uri="{28A0092B-C50C-407E-A947-70E740481C1C}">
                 <a14:useLocalDpi xmlns:a14="http://schemas.microsoft.com/office/drawing/2010/main" val="0"/>
@@ -8809,7 +10716,7 @@
           <p:nvPr/>
         </p:nvPicPr>
         <p:blipFill>
-          <a:blip r:embed="rId3">
+          <a:blip r:embed="rId4">
             <a:extLst>
               <a:ext uri="{28A0092B-C50C-407E-A947-70E740481C1C}">
                 <a14:useLocalDpi xmlns:a14="http://schemas.microsoft.com/office/drawing/2010/main" val="0"/>
@@ -8856,7 +10763,7 @@
           <p:nvPr/>
         </p:nvPicPr>
         <p:blipFill>
-          <a:blip r:embed="rId4"/>
+          <a:blip r:embed="rId5"/>
           <a:stretch>
             <a:fillRect/>
           </a:stretch>
@@ -9712,7 +11619,7 @@
           <p:nvPr/>
         </p:nvPicPr>
         <p:blipFill>
-          <a:blip r:embed="rId2">
+          <a:blip r:embed="rId3">
             <a:extLst>
               <a:ext uri="{28A0092B-C50C-407E-A947-70E740481C1C}">
                 <a14:useLocalDpi xmlns:a14="http://schemas.microsoft.com/office/drawing/2010/main" val="0"/>
@@ -9759,7 +11666,7 @@
           <p:nvPr/>
         </p:nvPicPr>
         <p:blipFill>
-          <a:blip r:embed="rId3">
+          <a:blip r:embed="rId4">
             <a:extLst>
               <a:ext uri="{28A0092B-C50C-407E-A947-70E740481C1C}">
                 <a14:useLocalDpi xmlns:a14="http://schemas.microsoft.com/office/drawing/2010/main" val="0"/>
@@ -10645,7 +12552,7 @@
           <p:nvPr/>
         </p:nvPicPr>
         <p:blipFill>
-          <a:blip r:embed="rId2">
+          <a:blip r:embed="rId3">
             <a:extLst>
               <a:ext uri="{28A0092B-C50C-407E-A947-70E740481C1C}">
                 <a14:useLocalDpi xmlns:a14="http://schemas.microsoft.com/office/drawing/2010/main" val="0"/>
@@ -10692,7 +12599,7 @@
           <p:nvPr/>
         </p:nvPicPr>
         <p:blipFill>
-          <a:blip r:embed="rId3"/>
+          <a:blip r:embed="rId4"/>
           <a:stretch>
             <a:fillRect/>
           </a:stretch>
@@ -10747,7 +12654,7 @@
           <p:nvPr/>
         </p:nvPicPr>
         <p:blipFill>
-          <a:blip r:embed="rId4"/>
+          <a:blip r:embed="rId5"/>
           <a:stretch>
             <a:fillRect/>
           </a:stretch>
@@ -11168,7 +13075,7 @@
           </p:nvPr>
         </p:nvPicPr>
         <p:blipFill>
-          <a:blip r:embed="rId2"/>
+          <a:blip r:embed="rId3"/>
           <a:stretch>
             <a:fillRect/>
           </a:stretch>
@@ -11635,7 +13542,7 @@
           <p:nvPr/>
         </p:nvPicPr>
         <p:blipFill>
-          <a:blip r:embed="rId3">
+          <a:blip r:embed="rId4">
             <a:extLst>
               <a:ext uri="{28A0092B-C50C-407E-A947-70E740481C1C}">
                 <a14:useLocalDpi xmlns:a14="http://schemas.microsoft.com/office/drawing/2010/main" val="0"/>
@@ -11682,7 +13589,7 @@
           <p:nvPr/>
         </p:nvPicPr>
         <p:blipFill>
-          <a:blip r:embed="rId4">
+          <a:blip r:embed="rId5">
             <a:extLst>
               <a:ext uri="{28A0092B-C50C-407E-A947-70E740481C1C}">
                 <a14:useLocalDpi xmlns:a14="http://schemas.microsoft.com/office/drawing/2010/main" val="0"/>
@@ -11764,7 +13671,7 @@
           <p:nvPr/>
         </p:nvPicPr>
         <p:blipFill>
-          <a:blip r:embed="rId5"/>
+          <a:blip r:embed="rId6"/>
           <a:stretch>
             <a:fillRect/>
           </a:stretch>
@@ -11794,7 +13701,7 @@
           <p:nvPr/>
         </p:nvPicPr>
         <p:blipFill>
-          <a:blip r:embed="rId6"/>
+          <a:blip r:embed="rId7"/>
           <a:stretch>
             <a:fillRect/>
           </a:stretch>
@@ -17033,7 +18940,7 @@
           <p:nvPr/>
         </p:nvPicPr>
         <p:blipFill rotWithShape="1">
-          <a:blip r:embed="rId2">
+          <a:blip r:embed="rId3">
             <a:extLst>
               <a:ext uri="{28A0092B-C50C-407E-A947-70E740481C1C}">
                 <a14:useLocalDpi xmlns:a14="http://schemas.microsoft.com/office/drawing/2010/main" val="0"/>
@@ -17078,7 +18985,7 @@
           <p:nvPr/>
         </p:nvPicPr>
         <p:blipFill>
-          <a:blip r:embed="rId3">
+          <a:blip r:embed="rId4">
             <a:extLst>
               <a:ext uri="{28A0092B-C50C-407E-A947-70E740481C1C}">
                 <a14:useLocalDpi xmlns:a14="http://schemas.microsoft.com/office/drawing/2010/main" val="0"/>
@@ -17779,7 +19686,7 @@
           <p:nvPr/>
         </p:nvPicPr>
         <p:blipFill>
-          <a:blip r:embed="rId2">
+          <a:blip r:embed="rId3">
             <a:extLst>
               <a:ext uri="{28A0092B-C50C-407E-A947-70E740481C1C}">
                 <a14:useLocalDpi xmlns:a14="http://schemas.microsoft.com/office/drawing/2010/main" val="0"/>
@@ -18221,7 +20128,7 @@
           <p:nvPr/>
         </p:nvPicPr>
         <p:blipFill>
-          <a:blip r:embed="rId2">
+          <a:blip r:embed="rId3">
             <a:extLst>
               <a:ext uri="{28A0092B-C50C-407E-A947-70E740481C1C}">
                 <a14:useLocalDpi xmlns:a14="http://schemas.microsoft.com/office/drawing/2010/main" val="0"/>
@@ -18268,7 +20175,7 @@
           <p:nvPr/>
         </p:nvPicPr>
         <p:blipFill>
-          <a:blip r:embed="rId3">
+          <a:blip r:embed="rId4">
             <a:extLst>
               <a:ext uri="{28A0092B-C50C-407E-A947-70E740481C1C}">
                 <a14:useLocalDpi xmlns:a14="http://schemas.microsoft.com/office/drawing/2010/main" val="0"/>
@@ -18755,7 +20662,7 @@
           <p:nvPr/>
         </p:nvPicPr>
         <p:blipFill>
-          <a:blip r:embed="rId2">
+          <a:blip r:embed="rId3">
             <a:extLst>
               <a:ext uri="{28A0092B-C50C-407E-A947-70E740481C1C}">
                 <a14:useLocalDpi xmlns:a14="http://schemas.microsoft.com/office/drawing/2010/main" val="0"/>
@@ -19267,7 +21174,7 @@
           <p:nvPr/>
         </p:nvPicPr>
         <p:blipFill>
-          <a:blip r:embed="rId2">
+          <a:blip r:embed="rId3">
             <a:extLst>
               <a:ext uri="{28A0092B-C50C-407E-A947-70E740481C1C}">
                 <a14:useLocalDpi xmlns:a14="http://schemas.microsoft.com/office/drawing/2010/main" val="0"/>
@@ -19314,7 +21221,7 @@
           <p:nvPr/>
         </p:nvPicPr>
         <p:blipFill>
-          <a:blip r:embed="rId3">
+          <a:blip r:embed="rId4">
             <a:extLst>
               <a:ext uri="{28A0092B-C50C-407E-A947-70E740481C1C}">
                 <a14:useLocalDpi xmlns:a14="http://schemas.microsoft.com/office/drawing/2010/main" val="0"/>
@@ -20234,7 +22141,7 @@
           <p:nvPr/>
         </p:nvPicPr>
         <p:blipFill>
-          <a:blip r:embed="rId2">
+          <a:blip r:embed="rId3">
             <a:extLst>
               <a:ext uri="{28A0092B-C50C-407E-A947-70E740481C1C}">
                 <a14:useLocalDpi xmlns:a14="http://schemas.microsoft.com/office/drawing/2010/main" val="0"/>
@@ -20281,7 +22188,7 @@
           <p:nvPr/>
         </p:nvPicPr>
         <p:blipFill>
-          <a:blip r:embed="rId3">
+          <a:blip r:embed="rId4">
             <a:extLst>
               <a:ext uri="{28A0092B-C50C-407E-A947-70E740481C1C}">
                 <a14:useLocalDpi xmlns:a14="http://schemas.microsoft.com/office/drawing/2010/main" val="0"/>
@@ -20328,7 +22235,7 @@
           <p:nvPr/>
         </p:nvPicPr>
         <p:blipFill>
-          <a:blip r:embed="rId4">
+          <a:blip r:embed="rId5">
             <a:extLst>
               <a:ext uri="{28A0092B-C50C-407E-A947-70E740481C1C}">
                 <a14:useLocalDpi xmlns:a14="http://schemas.microsoft.com/office/drawing/2010/main" val="0"/>
@@ -21484,4 +23391,319 @@
     </a:ext>
   </a:extLst>
 </a:theme>
+</file>
+
+<file path=ppt/theme/theme2.xml><?xml version="1.0" encoding="utf-8"?>
+<a:theme xmlns:a="http://schemas.openxmlformats.org/drawingml/2006/main" name="Office Theme">
+  <a:themeElements>
+    <a:clrScheme name="Office">
+      <a:dk1>
+        <a:sysClr val="windowText" lastClr="000000"/>
+      </a:dk1>
+      <a:lt1>
+        <a:sysClr val="window" lastClr="FFFFFF"/>
+      </a:lt1>
+      <a:dk2>
+        <a:srgbClr val="0E2841"/>
+      </a:dk2>
+      <a:lt2>
+        <a:srgbClr val="E8E8E8"/>
+      </a:lt2>
+      <a:accent1>
+        <a:srgbClr val="156082"/>
+      </a:accent1>
+      <a:accent2>
+        <a:srgbClr val="E97132"/>
+      </a:accent2>
+      <a:accent3>
+        <a:srgbClr val="196B24"/>
+      </a:accent3>
+      <a:accent4>
+        <a:srgbClr val="0F9ED5"/>
+      </a:accent4>
+      <a:accent5>
+        <a:srgbClr val="A02B93"/>
+      </a:accent5>
+      <a:accent6>
+        <a:srgbClr val="4EA72E"/>
+      </a:accent6>
+      <a:hlink>
+        <a:srgbClr val="467886"/>
+      </a:hlink>
+      <a:folHlink>
+        <a:srgbClr val="96607D"/>
+      </a:folHlink>
+    </a:clrScheme>
+    <a:fontScheme name="Office">
+      <a:majorFont>
+        <a:latin typeface="Aptos Display" panose="02110004020202020204"/>
+        <a:ea typeface=""/>
+        <a:cs typeface=""/>
+        <a:font script="Jpan" typeface="游ゴシック Light"/>
+        <a:font script="Hang" typeface="맑은 고딕"/>
+        <a:font script="Hans" typeface="等线 Light"/>
+        <a:font script="Hant" typeface="新細明體"/>
+        <a:font script="Arab" typeface="Times New Roman"/>
+        <a:font script="Hebr" typeface="Times New Roman"/>
+        <a:font script="Thai" typeface="Angsana New"/>
+        <a:font script="Ethi" typeface="Nyala"/>
+        <a:font script="Beng" typeface="Vrinda"/>
+        <a:font script="Gujr" typeface="Shruti"/>
+        <a:font script="Khmr" typeface="MoolBoran"/>
+        <a:font script="Knda" typeface="Tunga"/>
+        <a:font script="Guru" typeface="Raavi"/>
+        <a:font script="Cans" typeface="Euphemia"/>
+        <a:font script="Cher" typeface="Plantagenet Cherokee"/>
+        <a:font script="Yiii" typeface="Microsoft Yi Baiti"/>
+        <a:font script="Tibt" typeface="Microsoft Himalaya"/>
+        <a:font script="Thaa" typeface="MV Boli"/>
+        <a:font script="Deva" typeface="Mangal"/>
+        <a:font script="Telu" typeface="Gautami"/>
+        <a:font script="Taml" typeface="Latha"/>
+        <a:font script="Syrc" typeface="Estrangelo Edessa"/>
+        <a:font script="Orya" typeface="Kalinga"/>
+        <a:font script="Mlym" typeface="Kartika"/>
+        <a:font script="Laoo" typeface="DokChampa"/>
+        <a:font script="Sinh" typeface="Iskoola Pota"/>
+        <a:font script="Mong" typeface="Mongolian Baiti"/>
+        <a:font script="Viet" typeface="Times New Roman"/>
+        <a:font script="Uigh" typeface="Microsoft Uighur"/>
+        <a:font script="Geor" typeface="Sylfaen"/>
+        <a:font script="Armn" typeface="Arial"/>
+        <a:font script="Bugi" typeface="Leelawadee UI"/>
+        <a:font script="Bopo" typeface="Microsoft JhengHei"/>
+        <a:font script="Java" typeface="Javanese Text"/>
+        <a:font script="Lisu" typeface="Segoe UI"/>
+        <a:font script="Mymr" typeface="Myanmar Text"/>
+        <a:font script="Nkoo" typeface="Ebrima"/>
+        <a:font script="Olck" typeface="Nirmala UI"/>
+        <a:font script="Osma" typeface="Ebrima"/>
+        <a:font script="Phag" typeface="Phagspa"/>
+        <a:font script="Syrn" typeface="Estrangelo Edessa"/>
+        <a:font script="Syrj" typeface="Estrangelo Edessa"/>
+        <a:font script="Syre" typeface="Estrangelo Edessa"/>
+        <a:font script="Sora" typeface="Nirmala UI"/>
+        <a:font script="Tale" typeface="Microsoft Tai Le"/>
+        <a:font script="Talu" typeface="Microsoft New Tai Lue"/>
+        <a:font script="Tfng" typeface="Ebrima"/>
+      </a:majorFont>
+      <a:minorFont>
+        <a:latin typeface="Aptos" panose="02110004020202020204"/>
+        <a:ea typeface=""/>
+        <a:cs typeface=""/>
+        <a:font script="Jpan" typeface="游ゴシック"/>
+        <a:font script="Hang" typeface="맑은 고딕"/>
+        <a:font script="Hans" typeface="等线"/>
+        <a:font script="Hant" typeface="新細明體"/>
+        <a:font script="Arab" typeface="Arial"/>
+        <a:font script="Hebr" typeface="Arial"/>
+        <a:font script="Thai" typeface="Cordia New"/>
+        <a:font script="Ethi" typeface="Nyala"/>
+        <a:font script="Beng" typeface="Vrinda"/>
+        <a:font script="Gujr" typeface="Shruti"/>
+        <a:font script="Khmr" typeface="DaunPenh"/>
+        <a:font script="Knda" typeface="Tunga"/>
+        <a:font script="Guru" typeface="Raavi"/>
+        <a:font script="Cans" typeface="Euphemia"/>
+        <a:font script="Cher" typeface="Plantagenet Cherokee"/>
+        <a:font script="Yiii" typeface="Microsoft Yi Baiti"/>
+        <a:font script="Tibt" typeface="Microsoft Himalaya"/>
+        <a:font script="Thaa" typeface="MV Boli"/>
+        <a:font script="Deva" typeface="Mangal"/>
+        <a:font script="Telu" typeface="Gautami"/>
+        <a:font script="Taml" typeface="Latha"/>
+        <a:font script="Syrc" typeface="Estrangelo Edessa"/>
+        <a:font script="Orya" typeface="Kalinga"/>
+        <a:font script="Mlym" typeface="Kartika"/>
+        <a:font script="Laoo" typeface="DokChampa"/>
+        <a:font script="Sinh" typeface="Iskoola Pota"/>
+        <a:font script="Mong" typeface="Mongolian Baiti"/>
+        <a:font script="Viet" typeface="Arial"/>
+        <a:font script="Uigh" typeface="Microsoft Uighur"/>
+        <a:font script="Geor" typeface="Sylfaen"/>
+        <a:font script="Armn" typeface="Arial"/>
+        <a:font script="Bugi" typeface="Leelawadee UI"/>
+        <a:font script="Bopo" typeface="Microsoft JhengHei"/>
+        <a:font script="Java" typeface="Javanese Text"/>
+        <a:font script="Lisu" typeface="Segoe UI"/>
+        <a:font script="Mymr" typeface="Myanmar Text"/>
+        <a:font script="Nkoo" typeface="Ebrima"/>
+        <a:font script="Olck" typeface="Nirmala UI"/>
+        <a:font script="Osma" typeface="Ebrima"/>
+        <a:font script="Phag" typeface="Phagspa"/>
+        <a:font script="Syrn" typeface="Estrangelo Edessa"/>
+        <a:font script="Syrj" typeface="Estrangelo Edessa"/>
+        <a:font script="Syre" typeface="Estrangelo Edessa"/>
+        <a:font script="Sora" typeface="Nirmala UI"/>
+        <a:font script="Tale" typeface="Microsoft Tai Le"/>
+        <a:font script="Talu" typeface="Microsoft New Tai Lue"/>
+        <a:font script="Tfng" typeface="Ebrima"/>
+      </a:minorFont>
+    </a:fontScheme>
+    <a:fmtScheme name="Office">
+      <a:fillStyleLst>
+        <a:solidFill>
+          <a:schemeClr val="phClr"/>
+        </a:solidFill>
+        <a:gradFill rotWithShape="1">
+          <a:gsLst>
+            <a:gs pos="0">
+              <a:schemeClr val="phClr">
+                <a:lumMod val="110000"/>
+                <a:satMod val="105000"/>
+                <a:tint val="67000"/>
+              </a:schemeClr>
+            </a:gs>
+            <a:gs pos="50000">
+              <a:schemeClr val="phClr">
+                <a:lumMod val="105000"/>
+                <a:satMod val="103000"/>
+                <a:tint val="73000"/>
+              </a:schemeClr>
+            </a:gs>
+            <a:gs pos="100000">
+              <a:schemeClr val="phClr">
+                <a:lumMod val="105000"/>
+                <a:satMod val="109000"/>
+                <a:tint val="81000"/>
+              </a:schemeClr>
+            </a:gs>
+          </a:gsLst>
+          <a:lin ang="5400000" scaled="0"/>
+        </a:gradFill>
+        <a:gradFill rotWithShape="1">
+          <a:gsLst>
+            <a:gs pos="0">
+              <a:schemeClr val="phClr">
+                <a:satMod val="103000"/>
+                <a:lumMod val="102000"/>
+                <a:tint val="94000"/>
+              </a:schemeClr>
+            </a:gs>
+            <a:gs pos="50000">
+              <a:schemeClr val="phClr">
+                <a:satMod val="110000"/>
+                <a:lumMod val="100000"/>
+                <a:shade val="100000"/>
+              </a:schemeClr>
+            </a:gs>
+            <a:gs pos="100000">
+              <a:schemeClr val="phClr">
+                <a:lumMod val="99000"/>
+                <a:satMod val="120000"/>
+                <a:shade val="78000"/>
+              </a:schemeClr>
+            </a:gs>
+          </a:gsLst>
+          <a:lin ang="5400000" scaled="0"/>
+        </a:gradFill>
+      </a:fillStyleLst>
+      <a:lnStyleLst>
+        <a:ln w="12700" cap="flat" cmpd="sng" algn="ctr">
+          <a:solidFill>
+            <a:schemeClr val="phClr"/>
+          </a:solidFill>
+          <a:prstDash val="solid"/>
+          <a:miter lim="800000"/>
+        </a:ln>
+        <a:ln w="19050" cap="flat" cmpd="sng" algn="ctr">
+          <a:solidFill>
+            <a:schemeClr val="phClr"/>
+          </a:solidFill>
+          <a:prstDash val="solid"/>
+          <a:miter lim="800000"/>
+        </a:ln>
+        <a:ln w="25400" cap="flat" cmpd="sng" algn="ctr">
+          <a:solidFill>
+            <a:schemeClr val="phClr"/>
+          </a:solidFill>
+          <a:prstDash val="solid"/>
+          <a:miter lim="800000"/>
+        </a:ln>
+      </a:lnStyleLst>
+      <a:effectStyleLst>
+        <a:effectStyle>
+          <a:effectLst/>
+        </a:effectStyle>
+        <a:effectStyle>
+          <a:effectLst/>
+        </a:effectStyle>
+        <a:effectStyle>
+          <a:effectLst>
+            <a:outerShdw blurRad="57150" dist="19050" dir="5400000" algn="ctr" rotWithShape="0">
+              <a:srgbClr val="000000">
+                <a:alpha val="63000"/>
+              </a:srgbClr>
+            </a:outerShdw>
+          </a:effectLst>
+        </a:effectStyle>
+      </a:effectStyleLst>
+      <a:bgFillStyleLst>
+        <a:solidFill>
+          <a:schemeClr val="phClr"/>
+        </a:solidFill>
+        <a:solidFill>
+          <a:schemeClr val="phClr">
+            <a:tint val="95000"/>
+            <a:satMod val="170000"/>
+          </a:schemeClr>
+        </a:solidFill>
+        <a:gradFill rotWithShape="1">
+          <a:gsLst>
+            <a:gs pos="0">
+              <a:schemeClr val="phClr">
+                <a:tint val="93000"/>
+                <a:satMod val="150000"/>
+                <a:shade val="98000"/>
+                <a:lumMod val="102000"/>
+              </a:schemeClr>
+            </a:gs>
+            <a:gs pos="50000">
+              <a:schemeClr val="phClr">
+                <a:tint val="98000"/>
+                <a:satMod val="130000"/>
+                <a:shade val="90000"/>
+                <a:lumMod val="103000"/>
+              </a:schemeClr>
+            </a:gs>
+            <a:gs pos="100000">
+              <a:schemeClr val="phClr">
+                <a:shade val="63000"/>
+                <a:satMod val="120000"/>
+              </a:schemeClr>
+            </a:gs>
+          </a:gsLst>
+          <a:lin ang="5400000" scaled="0"/>
+        </a:gradFill>
+      </a:bgFillStyleLst>
+    </a:fmtScheme>
+  </a:themeElements>
+  <a:objectDefaults>
+    <a:lnDef>
+      <a:spPr/>
+      <a:bodyPr/>
+      <a:lstStyle/>
+      <a:style>
+        <a:lnRef idx="2">
+          <a:schemeClr val="accent1"/>
+        </a:lnRef>
+        <a:fillRef idx="0">
+          <a:schemeClr val="accent1"/>
+        </a:fillRef>
+        <a:effectRef idx="1">
+          <a:schemeClr val="accent1"/>
+        </a:effectRef>
+        <a:fontRef idx="minor">
+          <a:schemeClr val="tx1"/>
+        </a:fontRef>
+      </a:style>
+    </a:lnDef>
+  </a:objectDefaults>
+  <a:extraClrSchemeLst/>
+  <a:extLst>
+    <a:ext uri="{05A4C25C-085E-4340-85A3-A5531E510DB2}">
+      <thm15:themeFamily xmlns:thm15="http://schemas.microsoft.com/office/thememl/2012/main" name="Office Theme" id="{2E142A2C-CD16-42D6-873A-C26D2A0506FA}" vid="{1BDDFF52-6CD6-40A5-AB3C-68EB2F1E4D0A}"/>
+    </a:ext>
+  </a:extLst>
+</a:theme>
 </file>